--- a/figures.pptx
+++ b/figures.pptx
@@ -7,6 +7,8 @@
   <p:sldIdLst>
     <p:sldId id="256" r:id="rId2"/>
     <p:sldId id="257" r:id="rId3"/>
+    <p:sldId id="258" r:id="rId4"/>
+    <p:sldId id="259" r:id="rId5"/>
   </p:sldIdLst>
   <p:sldSz cx="12192000" cy="6858000"/>
   <p:notesSz cx="6858000" cy="9144000"/>
@@ -113,6 +115,3276 @@
 </p:presentation>
 </file>
 
+<file path=ppt/diagrams/colors1.xml><?xml version="1.0" encoding="utf-8"?>
+<dgm:colorsDef xmlns:dgm="http://schemas.openxmlformats.org/drawingml/2006/diagram" xmlns:a="http://schemas.openxmlformats.org/drawingml/2006/main" uniqueId="urn:microsoft.com/office/officeart/2005/8/colors/accent1_2">
+  <dgm:title val=""/>
+  <dgm:desc val=""/>
+  <dgm:catLst>
+    <dgm:cat type="accent1" pri="11200"/>
+  </dgm:catLst>
+  <dgm:styleLbl name="node0">
+    <dgm:fillClrLst meth="repeat">
+      <a:schemeClr val="accent1"/>
+    </dgm:fillClrLst>
+    <dgm:linClrLst meth="repeat">
+      <a:schemeClr val="lt1"/>
+    </dgm:linClrLst>
+    <dgm:effectClrLst/>
+    <dgm:txLinClrLst/>
+    <dgm:txFillClrLst/>
+    <dgm:txEffectClrLst/>
+  </dgm:styleLbl>
+  <dgm:styleLbl name="alignNode1">
+    <dgm:fillClrLst meth="repeat">
+      <a:schemeClr val="accent1"/>
+    </dgm:fillClrLst>
+    <dgm:linClrLst meth="repeat">
+      <a:schemeClr val="accent1"/>
+    </dgm:linClrLst>
+    <dgm:effectClrLst/>
+    <dgm:txLinClrLst/>
+    <dgm:txFillClrLst/>
+    <dgm:txEffectClrLst/>
+  </dgm:styleLbl>
+  <dgm:styleLbl name="node1">
+    <dgm:fillClrLst meth="repeat">
+      <a:schemeClr val="accent1"/>
+    </dgm:fillClrLst>
+    <dgm:linClrLst meth="repeat">
+      <a:schemeClr val="lt1"/>
+    </dgm:linClrLst>
+    <dgm:effectClrLst/>
+    <dgm:txLinClrLst/>
+    <dgm:txFillClrLst/>
+    <dgm:txEffectClrLst/>
+  </dgm:styleLbl>
+  <dgm:styleLbl name="lnNode1">
+    <dgm:fillClrLst meth="repeat">
+      <a:schemeClr val="accent1"/>
+    </dgm:fillClrLst>
+    <dgm:linClrLst meth="repeat">
+      <a:schemeClr val="lt1"/>
+    </dgm:linClrLst>
+    <dgm:effectClrLst/>
+    <dgm:txLinClrLst/>
+    <dgm:txFillClrLst/>
+    <dgm:txEffectClrLst/>
+  </dgm:styleLbl>
+  <dgm:styleLbl name="vennNode1">
+    <dgm:fillClrLst meth="repeat">
+      <a:schemeClr val="accent1">
+        <a:alpha val="50000"/>
+      </a:schemeClr>
+    </dgm:fillClrLst>
+    <dgm:linClrLst meth="repeat">
+      <a:schemeClr val="lt1"/>
+    </dgm:linClrLst>
+    <dgm:effectClrLst/>
+    <dgm:txLinClrLst/>
+    <dgm:txFillClrLst/>
+    <dgm:txEffectClrLst/>
+  </dgm:styleLbl>
+  <dgm:styleLbl name="node2">
+    <dgm:fillClrLst meth="repeat">
+      <a:schemeClr val="accent1"/>
+    </dgm:fillClrLst>
+    <dgm:linClrLst meth="repeat">
+      <a:schemeClr val="lt1"/>
+    </dgm:linClrLst>
+    <dgm:effectClrLst/>
+    <dgm:txLinClrLst/>
+    <dgm:txFillClrLst/>
+    <dgm:txEffectClrLst/>
+  </dgm:styleLbl>
+  <dgm:styleLbl name="node3">
+    <dgm:fillClrLst meth="repeat">
+      <a:schemeClr val="accent1"/>
+    </dgm:fillClrLst>
+    <dgm:linClrLst meth="repeat">
+      <a:schemeClr val="lt1"/>
+    </dgm:linClrLst>
+    <dgm:effectClrLst/>
+    <dgm:txLinClrLst/>
+    <dgm:txFillClrLst/>
+    <dgm:txEffectClrLst/>
+  </dgm:styleLbl>
+  <dgm:styleLbl name="node4">
+    <dgm:fillClrLst meth="repeat">
+      <a:schemeClr val="accent1"/>
+    </dgm:fillClrLst>
+    <dgm:linClrLst meth="repeat">
+      <a:schemeClr val="lt1"/>
+    </dgm:linClrLst>
+    <dgm:effectClrLst/>
+    <dgm:txLinClrLst/>
+    <dgm:txFillClrLst/>
+    <dgm:txEffectClrLst/>
+  </dgm:styleLbl>
+  <dgm:styleLbl name="fgImgPlace1">
+    <dgm:fillClrLst meth="repeat">
+      <a:schemeClr val="accent1">
+        <a:tint val="50000"/>
+      </a:schemeClr>
+    </dgm:fillClrLst>
+    <dgm:linClrLst meth="repeat">
+      <a:schemeClr val="lt1"/>
+    </dgm:linClrLst>
+    <dgm:effectClrLst/>
+    <dgm:txLinClrLst/>
+    <dgm:txFillClrLst meth="repeat">
+      <a:schemeClr val="lt1"/>
+    </dgm:txFillClrLst>
+    <dgm:txEffectClrLst/>
+  </dgm:styleLbl>
+  <dgm:styleLbl name="alignImgPlace1">
+    <dgm:fillClrLst meth="repeat">
+      <a:schemeClr val="accent1">
+        <a:tint val="50000"/>
+      </a:schemeClr>
+    </dgm:fillClrLst>
+    <dgm:linClrLst meth="repeat">
+      <a:schemeClr val="lt1"/>
+    </dgm:linClrLst>
+    <dgm:effectClrLst/>
+    <dgm:txLinClrLst/>
+    <dgm:txFillClrLst meth="repeat">
+      <a:schemeClr val="lt1"/>
+    </dgm:txFillClrLst>
+    <dgm:txEffectClrLst/>
+  </dgm:styleLbl>
+  <dgm:styleLbl name="bgImgPlace1">
+    <dgm:fillClrLst meth="repeat">
+      <a:schemeClr val="accent1">
+        <a:tint val="50000"/>
+      </a:schemeClr>
+    </dgm:fillClrLst>
+    <dgm:linClrLst meth="repeat">
+      <a:schemeClr val="lt1"/>
+    </dgm:linClrLst>
+    <dgm:effectClrLst/>
+    <dgm:txLinClrLst/>
+    <dgm:txFillClrLst meth="repeat">
+      <a:schemeClr val="lt1"/>
+    </dgm:txFillClrLst>
+    <dgm:txEffectClrLst/>
+  </dgm:styleLbl>
+  <dgm:styleLbl name="sibTrans2D1">
+    <dgm:fillClrLst meth="repeat">
+      <a:schemeClr val="accent1">
+        <a:tint val="60000"/>
+      </a:schemeClr>
+    </dgm:fillClrLst>
+    <dgm:linClrLst meth="repeat">
+      <a:schemeClr val="accent1">
+        <a:tint val="60000"/>
+      </a:schemeClr>
+    </dgm:linClrLst>
+    <dgm:effectClrLst/>
+    <dgm:txLinClrLst/>
+    <dgm:txFillClrLst/>
+    <dgm:txEffectClrLst/>
+  </dgm:styleLbl>
+  <dgm:styleLbl name="fgSibTrans2D1">
+    <dgm:fillClrLst meth="repeat">
+      <a:schemeClr val="accent1">
+        <a:tint val="60000"/>
+      </a:schemeClr>
+    </dgm:fillClrLst>
+    <dgm:linClrLst meth="repeat">
+      <a:schemeClr val="accent1">
+        <a:tint val="60000"/>
+      </a:schemeClr>
+    </dgm:linClrLst>
+    <dgm:effectClrLst/>
+    <dgm:txLinClrLst/>
+    <dgm:txFillClrLst/>
+    <dgm:txEffectClrLst/>
+  </dgm:styleLbl>
+  <dgm:styleLbl name="bgSibTrans2D1">
+    <dgm:fillClrLst meth="repeat">
+      <a:schemeClr val="accent1">
+        <a:tint val="60000"/>
+      </a:schemeClr>
+    </dgm:fillClrLst>
+    <dgm:linClrLst meth="repeat">
+      <a:schemeClr val="accent1">
+        <a:tint val="60000"/>
+      </a:schemeClr>
+    </dgm:linClrLst>
+    <dgm:effectClrLst/>
+    <dgm:txLinClrLst/>
+    <dgm:txFillClrLst/>
+    <dgm:txEffectClrLst/>
+  </dgm:styleLbl>
+  <dgm:styleLbl name="sibTrans1D1">
+    <dgm:fillClrLst meth="repeat">
+      <a:schemeClr val="accent1"/>
+    </dgm:fillClrLst>
+    <dgm:linClrLst meth="repeat">
+      <a:schemeClr val="accent1"/>
+    </dgm:linClrLst>
+    <dgm:effectClrLst/>
+    <dgm:txLinClrLst/>
+    <dgm:txFillClrLst meth="repeat">
+      <a:schemeClr val="tx1"/>
+    </dgm:txFillClrLst>
+    <dgm:txEffectClrLst/>
+  </dgm:styleLbl>
+  <dgm:styleLbl name="callout">
+    <dgm:fillClrLst meth="repeat">
+      <a:schemeClr val="accent1"/>
+    </dgm:fillClrLst>
+    <dgm:linClrLst meth="repeat">
+      <a:schemeClr val="accent1">
+        <a:tint val="50000"/>
+      </a:schemeClr>
+    </dgm:linClrLst>
+    <dgm:effectClrLst/>
+    <dgm:txLinClrLst/>
+    <dgm:txFillClrLst meth="repeat">
+      <a:schemeClr val="tx1"/>
+    </dgm:txFillClrLst>
+    <dgm:txEffectClrLst/>
+  </dgm:styleLbl>
+  <dgm:styleLbl name="asst0">
+    <dgm:fillClrLst meth="repeat">
+      <a:schemeClr val="accent1"/>
+    </dgm:fillClrLst>
+    <dgm:linClrLst meth="repeat">
+      <a:schemeClr val="lt1"/>
+    </dgm:linClrLst>
+    <dgm:effectClrLst/>
+    <dgm:txLinClrLst/>
+    <dgm:txFillClrLst/>
+    <dgm:txEffectClrLst/>
+  </dgm:styleLbl>
+  <dgm:styleLbl name="asst1">
+    <dgm:fillClrLst meth="repeat">
+      <a:schemeClr val="accent1"/>
+    </dgm:fillClrLst>
+    <dgm:linClrLst meth="repeat">
+      <a:schemeClr val="lt1"/>
+    </dgm:linClrLst>
+    <dgm:effectClrLst/>
+    <dgm:txLinClrLst/>
+    <dgm:txFillClrLst/>
+    <dgm:txEffectClrLst/>
+  </dgm:styleLbl>
+  <dgm:styleLbl name="asst2">
+    <dgm:fillClrLst meth="repeat">
+      <a:schemeClr val="accent1"/>
+    </dgm:fillClrLst>
+    <dgm:linClrLst meth="repeat">
+      <a:schemeClr val="lt1"/>
+    </dgm:linClrLst>
+    <dgm:effectClrLst/>
+    <dgm:txLinClrLst/>
+    <dgm:txFillClrLst/>
+    <dgm:txEffectClrLst/>
+  </dgm:styleLbl>
+  <dgm:styleLbl name="asst3">
+    <dgm:fillClrLst meth="repeat">
+      <a:schemeClr val="accent1"/>
+    </dgm:fillClrLst>
+    <dgm:linClrLst meth="repeat">
+      <a:schemeClr val="lt1"/>
+    </dgm:linClrLst>
+    <dgm:effectClrLst/>
+    <dgm:txLinClrLst/>
+    <dgm:txFillClrLst/>
+    <dgm:txEffectClrLst/>
+  </dgm:styleLbl>
+  <dgm:styleLbl name="asst4">
+    <dgm:fillClrLst meth="repeat">
+      <a:schemeClr val="accent1"/>
+    </dgm:fillClrLst>
+    <dgm:linClrLst meth="repeat">
+      <a:schemeClr val="lt1"/>
+    </dgm:linClrLst>
+    <dgm:effectClrLst/>
+    <dgm:txLinClrLst/>
+    <dgm:txFillClrLst/>
+    <dgm:txEffectClrLst/>
+  </dgm:styleLbl>
+  <dgm:styleLbl name="parChTrans2D1">
+    <dgm:fillClrLst meth="repeat">
+      <a:schemeClr val="accent1">
+        <a:tint val="60000"/>
+      </a:schemeClr>
+    </dgm:fillClrLst>
+    <dgm:linClrLst meth="repeat">
+      <a:schemeClr val="accent1">
+        <a:tint val="60000"/>
+      </a:schemeClr>
+    </dgm:linClrLst>
+    <dgm:effectClrLst/>
+    <dgm:txLinClrLst/>
+    <dgm:txFillClrLst meth="repeat">
+      <a:schemeClr val="lt1"/>
+    </dgm:txFillClrLst>
+    <dgm:txEffectClrLst/>
+  </dgm:styleLbl>
+  <dgm:styleLbl name="parChTrans2D2">
+    <dgm:fillClrLst meth="repeat">
+      <a:schemeClr val="accent1"/>
+    </dgm:fillClrLst>
+    <dgm:linClrLst meth="repeat">
+      <a:schemeClr val="accent1"/>
+    </dgm:linClrLst>
+    <dgm:effectClrLst/>
+    <dgm:txLinClrLst/>
+    <dgm:txFillClrLst meth="repeat">
+      <a:schemeClr val="lt1"/>
+    </dgm:txFillClrLst>
+    <dgm:txEffectClrLst/>
+  </dgm:styleLbl>
+  <dgm:styleLbl name="parChTrans2D3">
+    <dgm:fillClrLst meth="repeat">
+      <a:schemeClr val="accent1"/>
+    </dgm:fillClrLst>
+    <dgm:linClrLst meth="repeat">
+      <a:schemeClr val="accent1"/>
+    </dgm:linClrLst>
+    <dgm:effectClrLst/>
+    <dgm:txLinClrLst/>
+    <dgm:txFillClrLst meth="repeat">
+      <a:schemeClr val="lt1"/>
+    </dgm:txFillClrLst>
+    <dgm:txEffectClrLst/>
+  </dgm:styleLbl>
+  <dgm:styleLbl name="parChTrans2D4">
+    <dgm:fillClrLst meth="repeat">
+      <a:schemeClr val="accent1"/>
+    </dgm:fillClrLst>
+    <dgm:linClrLst meth="repeat">
+      <a:schemeClr val="accent1"/>
+    </dgm:linClrLst>
+    <dgm:effectClrLst/>
+    <dgm:txLinClrLst/>
+    <dgm:txFillClrLst meth="repeat">
+      <a:schemeClr val="lt1"/>
+    </dgm:txFillClrLst>
+    <dgm:txEffectClrLst/>
+  </dgm:styleLbl>
+  <dgm:styleLbl name="parChTrans1D1">
+    <dgm:fillClrLst meth="repeat">
+      <a:schemeClr val="accent1"/>
+    </dgm:fillClrLst>
+    <dgm:linClrLst meth="repeat">
+      <a:schemeClr val="accent1">
+        <a:shade val="60000"/>
+      </a:schemeClr>
+    </dgm:linClrLst>
+    <dgm:effectClrLst/>
+    <dgm:txLinClrLst/>
+    <dgm:txFillClrLst meth="repeat">
+      <a:schemeClr val="tx1"/>
+    </dgm:txFillClrLst>
+    <dgm:txEffectClrLst/>
+  </dgm:styleLbl>
+  <dgm:styleLbl name="parChTrans1D2">
+    <dgm:fillClrLst meth="repeat">
+      <a:schemeClr val="accent1"/>
+    </dgm:fillClrLst>
+    <dgm:linClrLst meth="repeat">
+      <a:schemeClr val="accent1">
+        <a:shade val="60000"/>
+      </a:schemeClr>
+    </dgm:linClrLst>
+    <dgm:effectClrLst/>
+    <dgm:txLinClrLst/>
+    <dgm:txFillClrLst meth="repeat">
+      <a:schemeClr val="tx1"/>
+    </dgm:txFillClrLst>
+    <dgm:txEffectClrLst/>
+  </dgm:styleLbl>
+  <dgm:styleLbl name="parChTrans1D3">
+    <dgm:fillClrLst meth="repeat">
+      <a:schemeClr val="accent1"/>
+    </dgm:fillClrLst>
+    <dgm:linClrLst meth="repeat">
+      <a:schemeClr val="accent1">
+        <a:shade val="80000"/>
+      </a:schemeClr>
+    </dgm:linClrLst>
+    <dgm:effectClrLst/>
+    <dgm:txLinClrLst/>
+    <dgm:txFillClrLst meth="repeat">
+      <a:schemeClr val="tx1"/>
+    </dgm:txFillClrLst>
+    <dgm:txEffectClrLst/>
+  </dgm:styleLbl>
+  <dgm:styleLbl name="parChTrans1D4">
+    <dgm:fillClrLst meth="repeat">
+      <a:schemeClr val="accent1"/>
+    </dgm:fillClrLst>
+    <dgm:linClrLst meth="repeat">
+      <a:schemeClr val="accent1">
+        <a:shade val="80000"/>
+      </a:schemeClr>
+    </dgm:linClrLst>
+    <dgm:effectClrLst/>
+    <dgm:txLinClrLst/>
+    <dgm:txFillClrLst meth="repeat">
+      <a:schemeClr val="tx1"/>
+    </dgm:txFillClrLst>
+    <dgm:txEffectClrLst/>
+  </dgm:styleLbl>
+  <dgm:styleLbl name="fgAcc1">
+    <dgm:fillClrLst meth="repeat">
+      <a:schemeClr val="lt1">
+        <a:alpha val="90000"/>
+      </a:schemeClr>
+    </dgm:fillClrLst>
+    <dgm:linClrLst meth="repeat">
+      <a:schemeClr val="accent1"/>
+    </dgm:linClrLst>
+    <dgm:effectClrLst/>
+    <dgm:txLinClrLst/>
+    <dgm:txFillClrLst meth="repeat">
+      <a:schemeClr val="dk1"/>
+    </dgm:txFillClrLst>
+    <dgm:txEffectClrLst/>
+  </dgm:styleLbl>
+  <dgm:styleLbl name="conFgAcc1">
+    <dgm:fillClrLst meth="repeat">
+      <a:schemeClr val="lt1">
+        <a:alpha val="90000"/>
+      </a:schemeClr>
+    </dgm:fillClrLst>
+    <dgm:linClrLst meth="repeat">
+      <a:schemeClr val="accent1"/>
+    </dgm:linClrLst>
+    <dgm:effectClrLst/>
+    <dgm:txLinClrLst/>
+    <dgm:txFillClrLst meth="repeat">
+      <a:schemeClr val="dk1"/>
+    </dgm:txFillClrLst>
+    <dgm:txEffectClrLst/>
+  </dgm:styleLbl>
+  <dgm:styleLbl name="alignAcc1">
+    <dgm:fillClrLst meth="repeat">
+      <a:schemeClr val="lt1">
+        <a:alpha val="90000"/>
+      </a:schemeClr>
+    </dgm:fillClrLst>
+    <dgm:linClrLst meth="repeat">
+      <a:schemeClr val="accent1"/>
+    </dgm:linClrLst>
+    <dgm:effectClrLst/>
+    <dgm:txLinClrLst/>
+    <dgm:txFillClrLst meth="repeat">
+      <a:schemeClr val="dk1"/>
+    </dgm:txFillClrLst>
+    <dgm:txEffectClrLst/>
+  </dgm:styleLbl>
+  <dgm:styleLbl name="trAlignAcc1">
+    <dgm:fillClrLst meth="repeat">
+      <a:schemeClr val="lt1">
+        <a:alpha val="40000"/>
+      </a:schemeClr>
+    </dgm:fillClrLst>
+    <dgm:linClrLst meth="repeat">
+      <a:schemeClr val="accent1"/>
+    </dgm:linClrLst>
+    <dgm:effectClrLst/>
+    <dgm:txLinClrLst/>
+    <dgm:txFillClrLst meth="repeat">
+      <a:schemeClr val="dk1"/>
+    </dgm:txFillClrLst>
+    <dgm:txEffectClrLst/>
+  </dgm:styleLbl>
+  <dgm:styleLbl name="bgAcc1">
+    <dgm:fillClrLst meth="repeat">
+      <a:schemeClr val="lt1">
+        <a:alpha val="90000"/>
+      </a:schemeClr>
+    </dgm:fillClrLst>
+    <dgm:linClrLst meth="repeat">
+      <a:schemeClr val="accent1"/>
+    </dgm:linClrLst>
+    <dgm:effectClrLst/>
+    <dgm:txLinClrLst/>
+    <dgm:txFillClrLst meth="repeat">
+      <a:schemeClr val="dk1"/>
+    </dgm:txFillClrLst>
+    <dgm:txEffectClrLst/>
+  </dgm:styleLbl>
+  <dgm:styleLbl name="solidFgAcc1">
+    <dgm:fillClrLst meth="repeat">
+      <a:schemeClr val="lt1"/>
+    </dgm:fillClrLst>
+    <dgm:linClrLst meth="repeat">
+      <a:schemeClr val="accent1"/>
+    </dgm:linClrLst>
+    <dgm:effectClrLst/>
+    <dgm:txLinClrLst/>
+    <dgm:txFillClrLst meth="repeat">
+      <a:schemeClr val="dk1"/>
+    </dgm:txFillClrLst>
+    <dgm:txEffectClrLst/>
+  </dgm:styleLbl>
+  <dgm:styleLbl name="solidAlignAcc1">
+    <dgm:fillClrLst meth="repeat">
+      <a:schemeClr val="lt1"/>
+    </dgm:fillClrLst>
+    <dgm:linClrLst meth="repeat">
+      <a:schemeClr val="accent1"/>
+    </dgm:linClrLst>
+    <dgm:effectClrLst/>
+    <dgm:txLinClrLst/>
+    <dgm:txFillClrLst meth="repeat">
+      <a:schemeClr val="dk1"/>
+    </dgm:txFillClrLst>
+    <dgm:txEffectClrLst/>
+  </dgm:styleLbl>
+  <dgm:styleLbl name="solidBgAcc1">
+    <dgm:fillClrLst meth="repeat">
+      <a:schemeClr val="lt1"/>
+    </dgm:fillClrLst>
+    <dgm:linClrLst meth="repeat">
+      <a:schemeClr val="accent1"/>
+    </dgm:linClrLst>
+    <dgm:effectClrLst/>
+    <dgm:txLinClrLst/>
+    <dgm:txFillClrLst meth="repeat">
+      <a:schemeClr val="dk1"/>
+    </dgm:txFillClrLst>
+    <dgm:txEffectClrLst/>
+  </dgm:styleLbl>
+  <dgm:styleLbl name="fgAccFollowNode1">
+    <dgm:fillClrLst meth="repeat">
+      <a:schemeClr val="accent1">
+        <a:alpha val="90000"/>
+        <a:tint val="40000"/>
+      </a:schemeClr>
+    </dgm:fillClrLst>
+    <dgm:linClrLst meth="repeat">
+      <a:schemeClr val="accent1">
+        <a:alpha val="90000"/>
+        <a:tint val="40000"/>
+      </a:schemeClr>
+    </dgm:linClrLst>
+    <dgm:effectClrLst/>
+    <dgm:txLinClrLst/>
+    <dgm:txFillClrLst meth="repeat">
+      <a:schemeClr val="dk1"/>
+    </dgm:txFillClrLst>
+    <dgm:txEffectClrLst/>
+  </dgm:styleLbl>
+  <dgm:styleLbl name="alignAccFollowNode1">
+    <dgm:fillClrLst meth="repeat">
+      <a:schemeClr val="accent1">
+        <a:alpha val="90000"/>
+        <a:tint val="40000"/>
+      </a:schemeClr>
+    </dgm:fillClrLst>
+    <dgm:linClrLst meth="repeat">
+      <a:schemeClr val="accent1">
+        <a:alpha val="90000"/>
+        <a:tint val="40000"/>
+      </a:schemeClr>
+    </dgm:linClrLst>
+    <dgm:effectClrLst/>
+    <dgm:txLinClrLst/>
+    <dgm:txFillClrLst meth="repeat">
+      <a:schemeClr val="dk1"/>
+    </dgm:txFillClrLst>
+    <dgm:txEffectClrLst/>
+  </dgm:styleLbl>
+  <dgm:styleLbl name="bgAccFollowNode1">
+    <dgm:fillClrLst meth="repeat">
+      <a:schemeClr val="accent1">
+        <a:alpha val="90000"/>
+        <a:tint val="40000"/>
+      </a:schemeClr>
+    </dgm:fillClrLst>
+    <dgm:linClrLst meth="repeat">
+      <a:schemeClr val="accent1">
+        <a:alpha val="90000"/>
+        <a:tint val="40000"/>
+      </a:schemeClr>
+    </dgm:linClrLst>
+    <dgm:effectClrLst/>
+    <dgm:txLinClrLst/>
+    <dgm:txFillClrLst meth="repeat">
+      <a:schemeClr val="dk1"/>
+    </dgm:txFillClrLst>
+    <dgm:txEffectClrLst/>
+  </dgm:styleLbl>
+  <dgm:styleLbl name="fgAcc0">
+    <dgm:fillClrLst meth="repeat">
+      <a:schemeClr val="lt1">
+        <a:alpha val="90000"/>
+      </a:schemeClr>
+    </dgm:fillClrLst>
+    <dgm:linClrLst meth="repeat">
+      <a:schemeClr val="accent1"/>
+    </dgm:linClrLst>
+    <dgm:effectClrLst/>
+    <dgm:txLinClrLst/>
+    <dgm:txFillClrLst meth="repeat">
+      <a:schemeClr val="dk1"/>
+    </dgm:txFillClrLst>
+    <dgm:txEffectClrLst/>
+  </dgm:styleLbl>
+  <dgm:styleLbl name="fgAcc2">
+    <dgm:fillClrLst meth="repeat">
+      <a:schemeClr val="lt1">
+        <a:alpha val="90000"/>
+      </a:schemeClr>
+    </dgm:fillClrLst>
+    <dgm:linClrLst meth="repeat">
+      <a:schemeClr val="accent1"/>
+    </dgm:linClrLst>
+    <dgm:effectClrLst/>
+    <dgm:txLinClrLst/>
+    <dgm:txFillClrLst meth="repeat">
+      <a:schemeClr val="dk1"/>
+    </dgm:txFillClrLst>
+    <dgm:txEffectClrLst/>
+  </dgm:styleLbl>
+  <dgm:styleLbl name="fgAcc3">
+    <dgm:fillClrLst meth="repeat">
+      <a:schemeClr val="lt1">
+        <a:alpha val="90000"/>
+      </a:schemeClr>
+    </dgm:fillClrLst>
+    <dgm:linClrLst meth="repeat">
+      <a:schemeClr val="accent1"/>
+    </dgm:linClrLst>
+    <dgm:effectClrLst/>
+    <dgm:txLinClrLst/>
+    <dgm:txFillClrLst meth="repeat">
+      <a:schemeClr val="dk1"/>
+    </dgm:txFillClrLst>
+    <dgm:txEffectClrLst/>
+  </dgm:styleLbl>
+  <dgm:styleLbl name="fgAcc4">
+    <dgm:fillClrLst meth="repeat">
+      <a:schemeClr val="lt1">
+        <a:alpha val="90000"/>
+      </a:schemeClr>
+    </dgm:fillClrLst>
+    <dgm:linClrLst meth="repeat">
+      <a:schemeClr val="accent1"/>
+    </dgm:linClrLst>
+    <dgm:effectClrLst/>
+    <dgm:txLinClrLst/>
+    <dgm:txFillClrLst meth="repeat">
+      <a:schemeClr val="dk1"/>
+    </dgm:txFillClrLst>
+    <dgm:txEffectClrLst/>
+  </dgm:styleLbl>
+  <dgm:styleLbl name="bgShp">
+    <dgm:fillClrLst meth="repeat">
+      <a:schemeClr val="accent1">
+        <a:tint val="40000"/>
+      </a:schemeClr>
+    </dgm:fillClrLst>
+    <dgm:linClrLst meth="repeat">
+      <a:schemeClr val="accent1"/>
+    </dgm:linClrLst>
+    <dgm:effectClrLst/>
+    <dgm:txLinClrLst/>
+    <dgm:txFillClrLst meth="repeat">
+      <a:schemeClr val="dk1"/>
+    </dgm:txFillClrLst>
+    <dgm:txEffectClrLst/>
+  </dgm:styleLbl>
+  <dgm:styleLbl name="dkBgShp">
+    <dgm:fillClrLst meth="repeat">
+      <a:schemeClr val="accent1">
+        <a:shade val="80000"/>
+      </a:schemeClr>
+    </dgm:fillClrLst>
+    <dgm:linClrLst meth="repeat">
+      <a:schemeClr val="accent1"/>
+    </dgm:linClrLst>
+    <dgm:effectClrLst/>
+    <dgm:txLinClrLst/>
+    <dgm:txFillClrLst meth="repeat">
+      <a:schemeClr val="lt1"/>
+    </dgm:txFillClrLst>
+    <dgm:txEffectClrLst/>
+  </dgm:styleLbl>
+  <dgm:styleLbl name="trBgShp">
+    <dgm:fillClrLst meth="repeat">
+      <a:schemeClr val="accent1">
+        <a:tint val="50000"/>
+        <a:alpha val="40000"/>
+      </a:schemeClr>
+    </dgm:fillClrLst>
+    <dgm:linClrLst meth="repeat">
+      <a:schemeClr val="accent1"/>
+    </dgm:linClrLst>
+    <dgm:effectClrLst/>
+    <dgm:txLinClrLst/>
+    <dgm:txFillClrLst meth="repeat">
+      <a:schemeClr val="lt1"/>
+    </dgm:txFillClrLst>
+    <dgm:txEffectClrLst/>
+  </dgm:styleLbl>
+  <dgm:styleLbl name="fgShp">
+    <dgm:fillClrLst meth="repeat">
+      <a:schemeClr val="accent1">
+        <a:tint val="60000"/>
+      </a:schemeClr>
+    </dgm:fillClrLst>
+    <dgm:linClrLst meth="repeat">
+      <a:schemeClr val="lt1"/>
+    </dgm:linClrLst>
+    <dgm:effectClrLst/>
+    <dgm:txLinClrLst/>
+    <dgm:txFillClrLst meth="repeat">
+      <a:schemeClr val="dk1"/>
+    </dgm:txFillClrLst>
+    <dgm:txEffectClrLst/>
+  </dgm:styleLbl>
+  <dgm:styleLbl name="revTx">
+    <dgm:fillClrLst meth="repeat">
+      <a:schemeClr val="lt1">
+        <a:alpha val="0"/>
+      </a:schemeClr>
+    </dgm:fillClrLst>
+    <dgm:linClrLst meth="repeat">
+      <a:schemeClr val="dk1">
+        <a:alpha val="0"/>
+      </a:schemeClr>
+    </dgm:linClrLst>
+    <dgm:effectClrLst/>
+    <dgm:txLinClrLst/>
+    <dgm:txFillClrLst meth="repeat">
+      <a:schemeClr val="tx1"/>
+    </dgm:txFillClrLst>
+    <dgm:txEffectClrLst/>
+  </dgm:styleLbl>
+</dgm:colorsDef>
+</file>
+
+<file path=ppt/diagrams/data1.xml><?xml version="1.0" encoding="utf-8"?>
+<dgm:dataModel xmlns:dgm="http://schemas.openxmlformats.org/drawingml/2006/diagram" xmlns:a="http://schemas.openxmlformats.org/drawingml/2006/main">
+  <dgm:ptLst>
+    <dgm:pt modelId="{9E7C8DB0-45A9-1240-9932-A6AD56A8B2A0}" type="doc">
+      <dgm:prSet loTypeId="urn:microsoft.com/office/officeart/2005/8/layout/radial6" loCatId="" qsTypeId="urn:microsoft.com/office/officeart/2005/8/quickstyle/simple1" qsCatId="simple" csTypeId="urn:microsoft.com/office/officeart/2005/8/colors/accent1_2" csCatId="accent1" phldr="1"/>
+      <dgm:spPr/>
+      <dgm:t>
+        <a:bodyPr/>
+        <a:lstStyle/>
+        <a:p>
+          <a:endParaRPr lang="en-US"/>
+        </a:p>
+      </dgm:t>
+    </dgm:pt>
+    <dgm:pt modelId="{C427D5A7-37F4-0D4D-91AB-F3D0A61140B5}">
+      <dgm:prSet phldrT="[Text]" custT="1"/>
+      <dgm:spPr/>
+      <dgm:t>
+        <a:bodyPr/>
+        <a:lstStyle/>
+        <a:p>
+          <a:r>
+            <a:rPr lang="en-US" sz="1400" dirty="0"/>
+            <a:t>Software Development Life Cycle</a:t>
+          </a:r>
+        </a:p>
+      </dgm:t>
+    </dgm:pt>
+    <dgm:pt modelId="{83F33A3B-83AE-384A-BD17-6E0E8C2FFEB7}" type="parTrans" cxnId="{7D6D8AFD-F123-774F-82EE-4D5A84A61580}">
+      <dgm:prSet/>
+      <dgm:spPr/>
+      <dgm:t>
+        <a:bodyPr/>
+        <a:lstStyle/>
+        <a:p>
+          <a:endParaRPr lang="en-US"/>
+        </a:p>
+      </dgm:t>
+    </dgm:pt>
+    <dgm:pt modelId="{64F7AE05-CD68-6A4F-9C49-C6EEB484F12C}" type="sibTrans" cxnId="{7D6D8AFD-F123-774F-82EE-4D5A84A61580}">
+      <dgm:prSet/>
+      <dgm:spPr/>
+      <dgm:t>
+        <a:bodyPr/>
+        <a:lstStyle/>
+        <a:p>
+          <a:endParaRPr lang="en-US"/>
+        </a:p>
+      </dgm:t>
+    </dgm:pt>
+    <dgm:pt modelId="{0D74A99D-3C79-3F45-8F7D-2F7D79021850}">
+      <dgm:prSet phldrT="[Text]" custT="1"/>
+      <dgm:spPr/>
+      <dgm:t>
+        <a:bodyPr/>
+        <a:lstStyle/>
+        <a:p>
+          <a:r>
+            <a:rPr lang="en-US" sz="1400" dirty="0"/>
+            <a:t>Requirement gathering and Analysis</a:t>
+          </a:r>
+        </a:p>
+      </dgm:t>
+    </dgm:pt>
+    <dgm:pt modelId="{0082CE8B-060F-4E44-ACFB-E65C7CA407CA}" type="parTrans" cxnId="{40BD84D9-5F33-8649-9A90-EFE02D2CE1BB}">
+      <dgm:prSet/>
+      <dgm:spPr/>
+      <dgm:t>
+        <a:bodyPr/>
+        <a:lstStyle/>
+        <a:p>
+          <a:endParaRPr lang="en-US"/>
+        </a:p>
+      </dgm:t>
+    </dgm:pt>
+    <dgm:pt modelId="{1AE9A7DB-79E8-8C44-B0F2-3B217A89F4F2}" type="sibTrans" cxnId="{40BD84D9-5F33-8649-9A90-EFE02D2CE1BB}">
+      <dgm:prSet/>
+      <dgm:spPr/>
+      <dgm:t>
+        <a:bodyPr/>
+        <a:lstStyle/>
+        <a:p>
+          <a:endParaRPr lang="en-US"/>
+        </a:p>
+      </dgm:t>
+    </dgm:pt>
+    <dgm:pt modelId="{03F44FCD-75A3-3048-93BE-768F15628E7A}">
+      <dgm:prSet phldrT="[Text]" custT="1"/>
+      <dgm:spPr/>
+      <dgm:t>
+        <a:bodyPr/>
+        <a:lstStyle/>
+        <a:p>
+          <a:r>
+            <a:rPr lang="en-US" sz="1400" dirty="0"/>
+            <a:t>Development</a:t>
+          </a:r>
+        </a:p>
+      </dgm:t>
+    </dgm:pt>
+    <dgm:pt modelId="{9F98AA99-910E-004C-BA01-2A53E65CEF11}" type="parTrans" cxnId="{E0233647-D69E-6248-BF5D-E44B5FD41402}">
+      <dgm:prSet/>
+      <dgm:spPr/>
+      <dgm:t>
+        <a:bodyPr/>
+        <a:lstStyle/>
+        <a:p>
+          <a:endParaRPr lang="en-US"/>
+        </a:p>
+      </dgm:t>
+    </dgm:pt>
+    <dgm:pt modelId="{4D4DEC07-FA80-554D-887D-723A3F7E8259}" type="sibTrans" cxnId="{E0233647-D69E-6248-BF5D-E44B5FD41402}">
+      <dgm:prSet/>
+      <dgm:spPr/>
+      <dgm:t>
+        <a:bodyPr/>
+        <a:lstStyle/>
+        <a:p>
+          <a:endParaRPr lang="en-US"/>
+        </a:p>
+      </dgm:t>
+    </dgm:pt>
+    <dgm:pt modelId="{6B797BBB-82D4-B746-B967-232917E31702}">
+      <dgm:prSet phldrT="[Text]" custT="1"/>
+      <dgm:spPr/>
+      <dgm:t>
+        <a:bodyPr/>
+        <a:lstStyle/>
+        <a:p>
+          <a:r>
+            <a:rPr lang="en-US" sz="1400" dirty="0"/>
+            <a:t>Testing</a:t>
+          </a:r>
+        </a:p>
+      </dgm:t>
+    </dgm:pt>
+    <dgm:pt modelId="{99D9880A-429A-D24C-ABD1-947B75FF8D9F}" type="parTrans" cxnId="{687D7990-124F-8E49-B300-91A8FAD263E5}">
+      <dgm:prSet/>
+      <dgm:spPr/>
+      <dgm:t>
+        <a:bodyPr/>
+        <a:lstStyle/>
+        <a:p>
+          <a:endParaRPr lang="en-US"/>
+        </a:p>
+      </dgm:t>
+    </dgm:pt>
+    <dgm:pt modelId="{25DCD8CE-2D87-DF48-B649-D784F152F54C}" type="sibTrans" cxnId="{687D7990-124F-8E49-B300-91A8FAD263E5}">
+      <dgm:prSet/>
+      <dgm:spPr/>
+      <dgm:t>
+        <a:bodyPr/>
+        <a:lstStyle/>
+        <a:p>
+          <a:endParaRPr lang="en-US"/>
+        </a:p>
+      </dgm:t>
+    </dgm:pt>
+    <dgm:pt modelId="{CDFE8C4C-F411-F849-9568-9F14C657D7F1}">
+      <dgm:prSet phldrT="[Text]" custT="1"/>
+      <dgm:spPr/>
+      <dgm:t>
+        <a:bodyPr/>
+        <a:lstStyle/>
+        <a:p>
+          <a:r>
+            <a:rPr lang="en-US" sz="1400" dirty="0"/>
+            <a:t>maintenance</a:t>
+          </a:r>
+        </a:p>
+      </dgm:t>
+    </dgm:pt>
+    <dgm:pt modelId="{98D25085-AE1F-A644-88DF-93A0F77E3075}" type="parTrans" cxnId="{D8128872-0860-CB4B-915F-AB7823C9209D}">
+      <dgm:prSet/>
+      <dgm:spPr/>
+      <dgm:t>
+        <a:bodyPr/>
+        <a:lstStyle/>
+        <a:p>
+          <a:endParaRPr lang="en-US"/>
+        </a:p>
+      </dgm:t>
+    </dgm:pt>
+    <dgm:pt modelId="{04733C94-C46C-5340-88F5-9E6F2A7119D1}" type="sibTrans" cxnId="{D8128872-0860-CB4B-915F-AB7823C9209D}">
+      <dgm:prSet/>
+      <dgm:spPr/>
+      <dgm:t>
+        <a:bodyPr/>
+        <a:lstStyle/>
+        <a:p>
+          <a:endParaRPr lang="en-US"/>
+        </a:p>
+      </dgm:t>
+    </dgm:pt>
+    <dgm:pt modelId="{CDCA28E5-2F87-0649-A1C1-6C88D455B65F}">
+      <dgm:prSet phldrT="[Text]" custT="1"/>
+      <dgm:spPr/>
+      <dgm:t>
+        <a:bodyPr/>
+        <a:lstStyle/>
+        <a:p>
+          <a:r>
+            <a:rPr lang="en-US" sz="1400" dirty="0"/>
+            <a:t>Designing</a:t>
+          </a:r>
+        </a:p>
+      </dgm:t>
+    </dgm:pt>
+    <dgm:pt modelId="{2CDE72E5-0A20-384D-A54E-67ACF2836947}" type="parTrans" cxnId="{4CD1EB00-FCAC-C846-8698-D7009399414A}">
+      <dgm:prSet/>
+      <dgm:spPr/>
+      <dgm:t>
+        <a:bodyPr/>
+        <a:lstStyle/>
+        <a:p>
+          <a:endParaRPr lang="en-US"/>
+        </a:p>
+      </dgm:t>
+    </dgm:pt>
+    <dgm:pt modelId="{0146A1A6-CB51-ED4D-8A06-AB5EC626E469}" type="sibTrans" cxnId="{4CD1EB00-FCAC-C846-8698-D7009399414A}">
+      <dgm:prSet/>
+      <dgm:spPr/>
+      <dgm:t>
+        <a:bodyPr/>
+        <a:lstStyle/>
+        <a:p>
+          <a:endParaRPr lang="en-US"/>
+        </a:p>
+      </dgm:t>
+    </dgm:pt>
+    <dgm:pt modelId="{F1D35B31-4165-1D44-8004-ADA18C7E3896}" type="pres">
+      <dgm:prSet presAssocID="{9E7C8DB0-45A9-1240-9932-A6AD56A8B2A0}" presName="Name0" presStyleCnt="0">
+        <dgm:presLayoutVars>
+          <dgm:chMax val="1"/>
+          <dgm:dir/>
+          <dgm:animLvl val="ctr"/>
+          <dgm:resizeHandles val="exact"/>
+        </dgm:presLayoutVars>
+      </dgm:prSet>
+      <dgm:spPr/>
+    </dgm:pt>
+    <dgm:pt modelId="{E013EC44-8CC8-514B-A106-922D19A5B030}" type="pres">
+      <dgm:prSet presAssocID="{C427D5A7-37F4-0D4D-91AB-F3D0A61140B5}" presName="centerShape" presStyleLbl="node0" presStyleIdx="0" presStyleCnt="1"/>
+      <dgm:spPr/>
+    </dgm:pt>
+    <dgm:pt modelId="{BC8A4930-C96D-FD48-86FF-61D162858276}" type="pres">
+      <dgm:prSet presAssocID="{0D74A99D-3C79-3F45-8F7D-2F7D79021850}" presName="node" presStyleLbl="node1" presStyleIdx="0" presStyleCnt="5">
+        <dgm:presLayoutVars>
+          <dgm:bulletEnabled val="1"/>
+        </dgm:presLayoutVars>
+      </dgm:prSet>
+      <dgm:spPr/>
+    </dgm:pt>
+    <dgm:pt modelId="{F5A573EC-5844-6C42-A763-8D89938A63F0}" type="pres">
+      <dgm:prSet presAssocID="{0D74A99D-3C79-3F45-8F7D-2F7D79021850}" presName="dummy" presStyleCnt="0"/>
+      <dgm:spPr/>
+    </dgm:pt>
+    <dgm:pt modelId="{F68EBAFF-ECD9-5848-AAE0-1196587E5AA8}" type="pres">
+      <dgm:prSet presAssocID="{1AE9A7DB-79E8-8C44-B0F2-3B217A89F4F2}" presName="sibTrans" presStyleLbl="sibTrans2D1" presStyleIdx="0" presStyleCnt="5"/>
+      <dgm:spPr/>
+    </dgm:pt>
+    <dgm:pt modelId="{0B640A55-F438-F543-BE07-1F8A0893410B}" type="pres">
+      <dgm:prSet presAssocID="{CDCA28E5-2F87-0649-A1C1-6C88D455B65F}" presName="node" presStyleLbl="node1" presStyleIdx="1" presStyleCnt="5">
+        <dgm:presLayoutVars>
+          <dgm:bulletEnabled val="1"/>
+        </dgm:presLayoutVars>
+      </dgm:prSet>
+      <dgm:spPr/>
+    </dgm:pt>
+    <dgm:pt modelId="{F55904A0-33B1-594B-8CD2-7C78E3627963}" type="pres">
+      <dgm:prSet presAssocID="{CDCA28E5-2F87-0649-A1C1-6C88D455B65F}" presName="dummy" presStyleCnt="0"/>
+      <dgm:spPr/>
+    </dgm:pt>
+    <dgm:pt modelId="{45A17013-A185-404C-9E56-E53025AE9538}" type="pres">
+      <dgm:prSet presAssocID="{0146A1A6-CB51-ED4D-8A06-AB5EC626E469}" presName="sibTrans" presStyleLbl="sibTrans2D1" presStyleIdx="1" presStyleCnt="5"/>
+      <dgm:spPr/>
+    </dgm:pt>
+    <dgm:pt modelId="{B0F0E585-4762-B949-96D7-0D957FD48404}" type="pres">
+      <dgm:prSet presAssocID="{03F44FCD-75A3-3048-93BE-768F15628E7A}" presName="node" presStyleLbl="node1" presStyleIdx="2" presStyleCnt="5">
+        <dgm:presLayoutVars>
+          <dgm:bulletEnabled val="1"/>
+        </dgm:presLayoutVars>
+      </dgm:prSet>
+      <dgm:spPr/>
+    </dgm:pt>
+    <dgm:pt modelId="{B05EA68F-7D3E-C74E-A240-2DB5BAA1BC1B}" type="pres">
+      <dgm:prSet presAssocID="{03F44FCD-75A3-3048-93BE-768F15628E7A}" presName="dummy" presStyleCnt="0"/>
+      <dgm:spPr/>
+    </dgm:pt>
+    <dgm:pt modelId="{268B1F03-9830-DB4F-A5BC-EDE62C4D5BA5}" type="pres">
+      <dgm:prSet presAssocID="{4D4DEC07-FA80-554D-887D-723A3F7E8259}" presName="sibTrans" presStyleLbl="sibTrans2D1" presStyleIdx="2" presStyleCnt="5"/>
+      <dgm:spPr/>
+    </dgm:pt>
+    <dgm:pt modelId="{7AF4C8AC-CFD8-844F-A1CE-0977E66229FA}" type="pres">
+      <dgm:prSet presAssocID="{6B797BBB-82D4-B746-B967-232917E31702}" presName="node" presStyleLbl="node1" presStyleIdx="3" presStyleCnt="5">
+        <dgm:presLayoutVars>
+          <dgm:bulletEnabled val="1"/>
+        </dgm:presLayoutVars>
+      </dgm:prSet>
+      <dgm:spPr/>
+    </dgm:pt>
+    <dgm:pt modelId="{B2B50665-5A4F-8143-8E4E-267DCC336538}" type="pres">
+      <dgm:prSet presAssocID="{6B797BBB-82D4-B746-B967-232917E31702}" presName="dummy" presStyleCnt="0"/>
+      <dgm:spPr/>
+    </dgm:pt>
+    <dgm:pt modelId="{D5047F6F-04E7-A74C-ACB5-8273373D6E64}" type="pres">
+      <dgm:prSet presAssocID="{25DCD8CE-2D87-DF48-B649-D784F152F54C}" presName="sibTrans" presStyleLbl="sibTrans2D1" presStyleIdx="3" presStyleCnt="5"/>
+      <dgm:spPr/>
+    </dgm:pt>
+    <dgm:pt modelId="{35CABF45-52FD-F54A-A463-567D57F8C30D}" type="pres">
+      <dgm:prSet presAssocID="{CDFE8C4C-F411-F849-9568-9F14C657D7F1}" presName="node" presStyleLbl="node1" presStyleIdx="4" presStyleCnt="5">
+        <dgm:presLayoutVars>
+          <dgm:bulletEnabled val="1"/>
+        </dgm:presLayoutVars>
+      </dgm:prSet>
+      <dgm:spPr/>
+    </dgm:pt>
+    <dgm:pt modelId="{E05C3418-0D64-E140-BF2F-E8579F0B8836}" type="pres">
+      <dgm:prSet presAssocID="{CDFE8C4C-F411-F849-9568-9F14C657D7F1}" presName="dummy" presStyleCnt="0"/>
+      <dgm:spPr/>
+    </dgm:pt>
+    <dgm:pt modelId="{91D032ED-D6F2-6748-AFB4-427BD7B45646}" type="pres">
+      <dgm:prSet presAssocID="{04733C94-C46C-5340-88F5-9E6F2A7119D1}" presName="sibTrans" presStyleLbl="sibTrans2D1" presStyleIdx="4" presStyleCnt="5"/>
+      <dgm:spPr/>
+    </dgm:pt>
+  </dgm:ptLst>
+  <dgm:cxnLst>
+    <dgm:cxn modelId="{4CD1EB00-FCAC-C846-8698-D7009399414A}" srcId="{C427D5A7-37F4-0D4D-91AB-F3D0A61140B5}" destId="{CDCA28E5-2F87-0649-A1C1-6C88D455B65F}" srcOrd="1" destOrd="0" parTransId="{2CDE72E5-0A20-384D-A54E-67ACF2836947}" sibTransId="{0146A1A6-CB51-ED4D-8A06-AB5EC626E469}"/>
+    <dgm:cxn modelId="{2C631D09-7C05-7C41-9A2C-46DC1210C7DD}" type="presOf" srcId="{04733C94-C46C-5340-88F5-9E6F2A7119D1}" destId="{91D032ED-D6F2-6748-AFB4-427BD7B45646}" srcOrd="0" destOrd="0" presId="urn:microsoft.com/office/officeart/2005/8/layout/radial6"/>
+    <dgm:cxn modelId="{4BD1C609-8DD5-9348-BAC3-ED7E9207C33C}" type="presOf" srcId="{C427D5A7-37F4-0D4D-91AB-F3D0A61140B5}" destId="{E013EC44-8CC8-514B-A106-922D19A5B030}" srcOrd="0" destOrd="0" presId="urn:microsoft.com/office/officeart/2005/8/layout/radial6"/>
+    <dgm:cxn modelId="{E0233647-D69E-6248-BF5D-E44B5FD41402}" srcId="{C427D5A7-37F4-0D4D-91AB-F3D0A61140B5}" destId="{03F44FCD-75A3-3048-93BE-768F15628E7A}" srcOrd="2" destOrd="0" parTransId="{9F98AA99-910E-004C-BA01-2A53E65CEF11}" sibTransId="{4D4DEC07-FA80-554D-887D-723A3F7E8259}"/>
+    <dgm:cxn modelId="{D1E14447-DD5C-0E4D-AEB0-1C2EA6B0115D}" type="presOf" srcId="{4D4DEC07-FA80-554D-887D-723A3F7E8259}" destId="{268B1F03-9830-DB4F-A5BC-EDE62C4D5BA5}" srcOrd="0" destOrd="0" presId="urn:microsoft.com/office/officeart/2005/8/layout/radial6"/>
+    <dgm:cxn modelId="{6C537B5B-436D-AE40-B4B8-13609718ADBA}" type="presOf" srcId="{6B797BBB-82D4-B746-B967-232917E31702}" destId="{7AF4C8AC-CFD8-844F-A1CE-0977E66229FA}" srcOrd="0" destOrd="0" presId="urn:microsoft.com/office/officeart/2005/8/layout/radial6"/>
+    <dgm:cxn modelId="{03521F66-BECF-CA4C-A8FE-55C5F5C69C7E}" type="presOf" srcId="{CDCA28E5-2F87-0649-A1C1-6C88D455B65F}" destId="{0B640A55-F438-F543-BE07-1F8A0893410B}" srcOrd="0" destOrd="0" presId="urn:microsoft.com/office/officeart/2005/8/layout/radial6"/>
+    <dgm:cxn modelId="{D8128872-0860-CB4B-915F-AB7823C9209D}" srcId="{C427D5A7-37F4-0D4D-91AB-F3D0A61140B5}" destId="{CDFE8C4C-F411-F849-9568-9F14C657D7F1}" srcOrd="4" destOrd="0" parTransId="{98D25085-AE1F-A644-88DF-93A0F77E3075}" sibTransId="{04733C94-C46C-5340-88F5-9E6F2A7119D1}"/>
+    <dgm:cxn modelId="{2075297B-1996-C848-9C50-849E8677881A}" type="presOf" srcId="{0146A1A6-CB51-ED4D-8A06-AB5EC626E469}" destId="{45A17013-A185-404C-9E56-E53025AE9538}" srcOrd="0" destOrd="0" presId="urn:microsoft.com/office/officeart/2005/8/layout/radial6"/>
+    <dgm:cxn modelId="{687D7990-124F-8E49-B300-91A8FAD263E5}" srcId="{C427D5A7-37F4-0D4D-91AB-F3D0A61140B5}" destId="{6B797BBB-82D4-B746-B967-232917E31702}" srcOrd="3" destOrd="0" parTransId="{99D9880A-429A-D24C-ABD1-947B75FF8D9F}" sibTransId="{25DCD8CE-2D87-DF48-B649-D784F152F54C}"/>
+    <dgm:cxn modelId="{68B66EBC-4827-0B46-B618-E3C58D0EA1DD}" type="presOf" srcId="{25DCD8CE-2D87-DF48-B649-D784F152F54C}" destId="{D5047F6F-04E7-A74C-ACB5-8273373D6E64}" srcOrd="0" destOrd="0" presId="urn:microsoft.com/office/officeart/2005/8/layout/radial6"/>
+    <dgm:cxn modelId="{6F747BBF-A4E0-F542-95B1-BF7BE526C0C0}" type="presOf" srcId="{9E7C8DB0-45A9-1240-9932-A6AD56A8B2A0}" destId="{F1D35B31-4165-1D44-8004-ADA18C7E3896}" srcOrd="0" destOrd="0" presId="urn:microsoft.com/office/officeart/2005/8/layout/radial6"/>
+    <dgm:cxn modelId="{79CA73C9-9BC5-9D4C-8DF5-F440E4D29A31}" type="presOf" srcId="{0D74A99D-3C79-3F45-8F7D-2F7D79021850}" destId="{BC8A4930-C96D-FD48-86FF-61D162858276}" srcOrd="0" destOrd="0" presId="urn:microsoft.com/office/officeart/2005/8/layout/radial6"/>
+    <dgm:cxn modelId="{FAFEBCD4-9F4B-8C4A-8356-78FDEAABF1CE}" type="presOf" srcId="{03F44FCD-75A3-3048-93BE-768F15628E7A}" destId="{B0F0E585-4762-B949-96D7-0D957FD48404}" srcOrd="0" destOrd="0" presId="urn:microsoft.com/office/officeart/2005/8/layout/radial6"/>
+    <dgm:cxn modelId="{BB008CD6-FFE0-0A45-9878-29F37AAA6CE7}" type="presOf" srcId="{1AE9A7DB-79E8-8C44-B0F2-3B217A89F4F2}" destId="{F68EBAFF-ECD9-5848-AAE0-1196587E5AA8}" srcOrd="0" destOrd="0" presId="urn:microsoft.com/office/officeart/2005/8/layout/radial6"/>
+    <dgm:cxn modelId="{40BD84D9-5F33-8649-9A90-EFE02D2CE1BB}" srcId="{C427D5A7-37F4-0D4D-91AB-F3D0A61140B5}" destId="{0D74A99D-3C79-3F45-8F7D-2F7D79021850}" srcOrd="0" destOrd="0" parTransId="{0082CE8B-060F-4E44-ACFB-E65C7CA407CA}" sibTransId="{1AE9A7DB-79E8-8C44-B0F2-3B217A89F4F2}"/>
+    <dgm:cxn modelId="{B9D7C3E8-CD86-814C-8315-4F49F954526A}" type="presOf" srcId="{CDFE8C4C-F411-F849-9568-9F14C657D7F1}" destId="{35CABF45-52FD-F54A-A463-567D57F8C30D}" srcOrd="0" destOrd="0" presId="urn:microsoft.com/office/officeart/2005/8/layout/radial6"/>
+    <dgm:cxn modelId="{7D6D8AFD-F123-774F-82EE-4D5A84A61580}" srcId="{9E7C8DB0-45A9-1240-9932-A6AD56A8B2A0}" destId="{C427D5A7-37F4-0D4D-91AB-F3D0A61140B5}" srcOrd="0" destOrd="0" parTransId="{83F33A3B-83AE-384A-BD17-6E0E8C2FFEB7}" sibTransId="{64F7AE05-CD68-6A4F-9C49-C6EEB484F12C}"/>
+    <dgm:cxn modelId="{BB4A1FE1-9AD3-6A4C-8398-F07E4B0CF371}" type="presParOf" srcId="{F1D35B31-4165-1D44-8004-ADA18C7E3896}" destId="{E013EC44-8CC8-514B-A106-922D19A5B030}" srcOrd="0" destOrd="0" presId="urn:microsoft.com/office/officeart/2005/8/layout/radial6"/>
+    <dgm:cxn modelId="{C4052058-5991-9A4E-AF0D-954BF653B0DA}" type="presParOf" srcId="{F1D35B31-4165-1D44-8004-ADA18C7E3896}" destId="{BC8A4930-C96D-FD48-86FF-61D162858276}" srcOrd="1" destOrd="0" presId="urn:microsoft.com/office/officeart/2005/8/layout/radial6"/>
+    <dgm:cxn modelId="{26D7AF56-A7D3-7744-8C9A-E7A9DEA4DF23}" type="presParOf" srcId="{F1D35B31-4165-1D44-8004-ADA18C7E3896}" destId="{F5A573EC-5844-6C42-A763-8D89938A63F0}" srcOrd="2" destOrd="0" presId="urn:microsoft.com/office/officeart/2005/8/layout/radial6"/>
+    <dgm:cxn modelId="{2CFAB0C4-CBF3-814A-9F7C-9F7670A2A2FF}" type="presParOf" srcId="{F1D35B31-4165-1D44-8004-ADA18C7E3896}" destId="{F68EBAFF-ECD9-5848-AAE0-1196587E5AA8}" srcOrd="3" destOrd="0" presId="urn:microsoft.com/office/officeart/2005/8/layout/radial6"/>
+    <dgm:cxn modelId="{6151441D-9FF4-6A43-82D4-3CD6CA5DECD0}" type="presParOf" srcId="{F1D35B31-4165-1D44-8004-ADA18C7E3896}" destId="{0B640A55-F438-F543-BE07-1F8A0893410B}" srcOrd="4" destOrd="0" presId="urn:microsoft.com/office/officeart/2005/8/layout/radial6"/>
+    <dgm:cxn modelId="{EF3AA0CF-F7B7-454E-A700-28699C92E312}" type="presParOf" srcId="{F1D35B31-4165-1D44-8004-ADA18C7E3896}" destId="{F55904A0-33B1-594B-8CD2-7C78E3627963}" srcOrd="5" destOrd="0" presId="urn:microsoft.com/office/officeart/2005/8/layout/radial6"/>
+    <dgm:cxn modelId="{EAF54338-5F22-B64D-942F-17DF15B21F8E}" type="presParOf" srcId="{F1D35B31-4165-1D44-8004-ADA18C7E3896}" destId="{45A17013-A185-404C-9E56-E53025AE9538}" srcOrd="6" destOrd="0" presId="urn:microsoft.com/office/officeart/2005/8/layout/radial6"/>
+    <dgm:cxn modelId="{F094467E-627E-2648-BD0F-56C834E9D530}" type="presParOf" srcId="{F1D35B31-4165-1D44-8004-ADA18C7E3896}" destId="{B0F0E585-4762-B949-96D7-0D957FD48404}" srcOrd="7" destOrd="0" presId="urn:microsoft.com/office/officeart/2005/8/layout/radial6"/>
+    <dgm:cxn modelId="{5454C0C5-BF1F-E749-9DA4-42CE35C88711}" type="presParOf" srcId="{F1D35B31-4165-1D44-8004-ADA18C7E3896}" destId="{B05EA68F-7D3E-C74E-A240-2DB5BAA1BC1B}" srcOrd="8" destOrd="0" presId="urn:microsoft.com/office/officeart/2005/8/layout/radial6"/>
+    <dgm:cxn modelId="{58619767-A54B-0948-986D-2A38D24ABAAA}" type="presParOf" srcId="{F1D35B31-4165-1D44-8004-ADA18C7E3896}" destId="{268B1F03-9830-DB4F-A5BC-EDE62C4D5BA5}" srcOrd="9" destOrd="0" presId="urn:microsoft.com/office/officeart/2005/8/layout/radial6"/>
+    <dgm:cxn modelId="{97858B99-28DC-B543-AE21-41B6DBBF0A48}" type="presParOf" srcId="{F1D35B31-4165-1D44-8004-ADA18C7E3896}" destId="{7AF4C8AC-CFD8-844F-A1CE-0977E66229FA}" srcOrd="10" destOrd="0" presId="urn:microsoft.com/office/officeart/2005/8/layout/radial6"/>
+    <dgm:cxn modelId="{D8F94656-CE51-3344-8033-55CC2009AE19}" type="presParOf" srcId="{F1D35B31-4165-1D44-8004-ADA18C7E3896}" destId="{B2B50665-5A4F-8143-8E4E-267DCC336538}" srcOrd="11" destOrd="0" presId="urn:microsoft.com/office/officeart/2005/8/layout/radial6"/>
+    <dgm:cxn modelId="{44B82538-7935-D14C-B8AC-8E7A20CCE79A}" type="presParOf" srcId="{F1D35B31-4165-1D44-8004-ADA18C7E3896}" destId="{D5047F6F-04E7-A74C-ACB5-8273373D6E64}" srcOrd="12" destOrd="0" presId="urn:microsoft.com/office/officeart/2005/8/layout/radial6"/>
+    <dgm:cxn modelId="{C54A06C8-7749-4940-AD3E-16E552842446}" type="presParOf" srcId="{F1D35B31-4165-1D44-8004-ADA18C7E3896}" destId="{35CABF45-52FD-F54A-A463-567D57F8C30D}" srcOrd="13" destOrd="0" presId="urn:microsoft.com/office/officeart/2005/8/layout/radial6"/>
+    <dgm:cxn modelId="{B91E7BFE-FF24-FE4A-AE4D-A8038A2EFA1C}" type="presParOf" srcId="{F1D35B31-4165-1D44-8004-ADA18C7E3896}" destId="{E05C3418-0D64-E140-BF2F-E8579F0B8836}" srcOrd="14" destOrd="0" presId="urn:microsoft.com/office/officeart/2005/8/layout/radial6"/>
+    <dgm:cxn modelId="{AF32FECF-2B3B-D14E-AC24-BD726FAF1146}" type="presParOf" srcId="{F1D35B31-4165-1D44-8004-ADA18C7E3896}" destId="{91D032ED-D6F2-6748-AFB4-427BD7B45646}" srcOrd="15" destOrd="0" presId="urn:microsoft.com/office/officeart/2005/8/layout/radial6"/>
+  </dgm:cxnLst>
+  <dgm:bg/>
+  <dgm:whole/>
+  <dgm:extLst>
+    <a:ext uri="http://schemas.microsoft.com/office/drawing/2008/diagram">
+      <dsp:dataModelExt xmlns:dsp="http://schemas.microsoft.com/office/drawing/2008/diagram" relId="rId6" minVer="http://schemas.openxmlformats.org/drawingml/2006/diagram"/>
+    </a:ext>
+  </dgm:extLst>
+</dgm:dataModel>
+</file>
+
+<file path=ppt/diagrams/drawing1.xml><?xml version="1.0" encoding="utf-8"?>
+<dsp:drawing xmlns:dgm="http://schemas.openxmlformats.org/drawingml/2006/diagram" xmlns:dsp="http://schemas.microsoft.com/office/drawing/2008/diagram" xmlns:a="http://schemas.openxmlformats.org/drawingml/2006/main">
+  <dsp:spTree>
+    <dsp:nvGrpSpPr>
+      <dsp:cNvPr id="0" name=""/>
+      <dsp:cNvGrpSpPr/>
+    </dsp:nvGrpSpPr>
+    <dsp:grpSpPr/>
+    <dsp:sp modelId="{91D032ED-D6F2-6748-AFB4-427BD7B45646}">
+      <dsp:nvSpPr>
+        <dsp:cNvPr id="0" name=""/>
+        <dsp:cNvSpPr/>
+      </dsp:nvSpPr>
+      <dsp:spPr>
+        <a:xfrm>
+          <a:off x="1833742" y="668065"/>
+          <a:ext cx="4460515" cy="4460515"/>
+        </a:xfrm>
+        <a:prstGeom prst="blockArc">
+          <a:avLst>
+            <a:gd name="adj1" fmla="val 11880000"/>
+            <a:gd name="adj2" fmla="val 16200000"/>
+            <a:gd name="adj3" fmla="val 4637"/>
+          </a:avLst>
+        </a:prstGeom>
+        <a:solidFill>
+          <a:schemeClr val="accent1">
+            <a:tint val="60000"/>
+            <a:hueOff val="0"/>
+            <a:satOff val="0"/>
+            <a:lumOff val="0"/>
+            <a:alphaOff val="0"/>
+          </a:schemeClr>
+        </a:solidFill>
+        <a:ln>
+          <a:noFill/>
+        </a:ln>
+        <a:effectLst/>
+      </dsp:spPr>
+      <dsp:style>
+        <a:lnRef idx="0">
+          <a:scrgbClr r="0" g="0" b="0"/>
+        </a:lnRef>
+        <a:fillRef idx="1">
+          <a:scrgbClr r="0" g="0" b="0"/>
+        </a:fillRef>
+        <a:effectRef idx="0">
+          <a:scrgbClr r="0" g="0" b="0"/>
+        </a:effectRef>
+        <a:fontRef idx="minor">
+          <a:schemeClr val="lt1"/>
+        </a:fontRef>
+      </dsp:style>
+    </dsp:sp>
+    <dsp:sp modelId="{D5047F6F-04E7-A74C-ACB5-8273373D6E64}">
+      <dsp:nvSpPr>
+        <dsp:cNvPr id="0" name=""/>
+        <dsp:cNvSpPr/>
+      </dsp:nvSpPr>
+      <dsp:spPr>
+        <a:xfrm>
+          <a:off x="1833742" y="668065"/>
+          <a:ext cx="4460515" cy="4460515"/>
+        </a:xfrm>
+        <a:prstGeom prst="blockArc">
+          <a:avLst>
+            <a:gd name="adj1" fmla="val 7560000"/>
+            <a:gd name="adj2" fmla="val 11880000"/>
+            <a:gd name="adj3" fmla="val 4637"/>
+          </a:avLst>
+        </a:prstGeom>
+        <a:solidFill>
+          <a:schemeClr val="accent1">
+            <a:tint val="60000"/>
+            <a:hueOff val="0"/>
+            <a:satOff val="0"/>
+            <a:lumOff val="0"/>
+            <a:alphaOff val="0"/>
+          </a:schemeClr>
+        </a:solidFill>
+        <a:ln>
+          <a:noFill/>
+        </a:ln>
+        <a:effectLst/>
+      </dsp:spPr>
+      <dsp:style>
+        <a:lnRef idx="0">
+          <a:scrgbClr r="0" g="0" b="0"/>
+        </a:lnRef>
+        <a:fillRef idx="1">
+          <a:scrgbClr r="0" g="0" b="0"/>
+        </a:fillRef>
+        <a:effectRef idx="0">
+          <a:scrgbClr r="0" g="0" b="0"/>
+        </a:effectRef>
+        <a:fontRef idx="minor">
+          <a:schemeClr val="lt1"/>
+        </a:fontRef>
+      </dsp:style>
+    </dsp:sp>
+    <dsp:sp modelId="{268B1F03-9830-DB4F-A5BC-EDE62C4D5BA5}">
+      <dsp:nvSpPr>
+        <dsp:cNvPr id="0" name=""/>
+        <dsp:cNvSpPr/>
+      </dsp:nvSpPr>
+      <dsp:spPr>
+        <a:xfrm>
+          <a:off x="1833742" y="668065"/>
+          <a:ext cx="4460515" cy="4460515"/>
+        </a:xfrm>
+        <a:prstGeom prst="blockArc">
+          <a:avLst>
+            <a:gd name="adj1" fmla="val 3240000"/>
+            <a:gd name="adj2" fmla="val 7560000"/>
+            <a:gd name="adj3" fmla="val 4637"/>
+          </a:avLst>
+        </a:prstGeom>
+        <a:solidFill>
+          <a:schemeClr val="accent1">
+            <a:tint val="60000"/>
+            <a:hueOff val="0"/>
+            <a:satOff val="0"/>
+            <a:lumOff val="0"/>
+            <a:alphaOff val="0"/>
+          </a:schemeClr>
+        </a:solidFill>
+        <a:ln>
+          <a:noFill/>
+        </a:ln>
+        <a:effectLst/>
+      </dsp:spPr>
+      <dsp:style>
+        <a:lnRef idx="0">
+          <a:scrgbClr r="0" g="0" b="0"/>
+        </a:lnRef>
+        <a:fillRef idx="1">
+          <a:scrgbClr r="0" g="0" b="0"/>
+        </a:fillRef>
+        <a:effectRef idx="0">
+          <a:scrgbClr r="0" g="0" b="0"/>
+        </a:effectRef>
+        <a:fontRef idx="minor">
+          <a:schemeClr val="lt1"/>
+        </a:fontRef>
+      </dsp:style>
+    </dsp:sp>
+    <dsp:sp modelId="{45A17013-A185-404C-9E56-E53025AE9538}">
+      <dsp:nvSpPr>
+        <dsp:cNvPr id="0" name=""/>
+        <dsp:cNvSpPr/>
+      </dsp:nvSpPr>
+      <dsp:spPr>
+        <a:xfrm>
+          <a:off x="1833742" y="668065"/>
+          <a:ext cx="4460515" cy="4460515"/>
+        </a:xfrm>
+        <a:prstGeom prst="blockArc">
+          <a:avLst>
+            <a:gd name="adj1" fmla="val 20520000"/>
+            <a:gd name="adj2" fmla="val 3240000"/>
+            <a:gd name="adj3" fmla="val 4637"/>
+          </a:avLst>
+        </a:prstGeom>
+        <a:solidFill>
+          <a:schemeClr val="accent1">
+            <a:tint val="60000"/>
+            <a:hueOff val="0"/>
+            <a:satOff val="0"/>
+            <a:lumOff val="0"/>
+            <a:alphaOff val="0"/>
+          </a:schemeClr>
+        </a:solidFill>
+        <a:ln>
+          <a:noFill/>
+        </a:ln>
+        <a:effectLst/>
+      </dsp:spPr>
+      <dsp:style>
+        <a:lnRef idx="0">
+          <a:scrgbClr r="0" g="0" b="0"/>
+        </a:lnRef>
+        <a:fillRef idx="1">
+          <a:scrgbClr r="0" g="0" b="0"/>
+        </a:fillRef>
+        <a:effectRef idx="0">
+          <a:scrgbClr r="0" g="0" b="0"/>
+        </a:effectRef>
+        <a:fontRef idx="minor">
+          <a:schemeClr val="lt1"/>
+        </a:fontRef>
+      </dsp:style>
+    </dsp:sp>
+    <dsp:sp modelId="{F68EBAFF-ECD9-5848-AAE0-1196587E5AA8}">
+      <dsp:nvSpPr>
+        <dsp:cNvPr id="0" name=""/>
+        <dsp:cNvSpPr/>
+      </dsp:nvSpPr>
+      <dsp:spPr>
+        <a:xfrm>
+          <a:off x="1833742" y="668065"/>
+          <a:ext cx="4460515" cy="4460515"/>
+        </a:xfrm>
+        <a:prstGeom prst="blockArc">
+          <a:avLst>
+            <a:gd name="adj1" fmla="val 16200000"/>
+            <a:gd name="adj2" fmla="val 20520000"/>
+            <a:gd name="adj3" fmla="val 4637"/>
+          </a:avLst>
+        </a:prstGeom>
+        <a:solidFill>
+          <a:schemeClr val="accent1">
+            <a:tint val="60000"/>
+            <a:hueOff val="0"/>
+            <a:satOff val="0"/>
+            <a:lumOff val="0"/>
+            <a:alphaOff val="0"/>
+          </a:schemeClr>
+        </a:solidFill>
+        <a:ln>
+          <a:noFill/>
+        </a:ln>
+        <a:effectLst/>
+      </dsp:spPr>
+      <dsp:style>
+        <a:lnRef idx="0">
+          <a:scrgbClr r="0" g="0" b="0"/>
+        </a:lnRef>
+        <a:fillRef idx="1">
+          <a:scrgbClr r="0" g="0" b="0"/>
+        </a:fillRef>
+        <a:effectRef idx="0">
+          <a:scrgbClr r="0" g="0" b="0"/>
+        </a:effectRef>
+        <a:fontRef idx="minor">
+          <a:schemeClr val="lt1"/>
+        </a:fontRef>
+      </dsp:style>
+    </dsp:sp>
+    <dsp:sp modelId="{E013EC44-8CC8-514B-A106-922D19A5B030}">
+      <dsp:nvSpPr>
+        <dsp:cNvPr id="0" name=""/>
+        <dsp:cNvSpPr/>
+      </dsp:nvSpPr>
+      <dsp:spPr>
+        <a:xfrm>
+          <a:off x="3038078" y="1872401"/>
+          <a:ext cx="2051843" cy="2051843"/>
+        </a:xfrm>
+        <a:prstGeom prst="ellipse">
+          <a:avLst/>
+        </a:prstGeom>
+        <a:solidFill>
+          <a:schemeClr val="accent1">
+            <a:hueOff val="0"/>
+            <a:satOff val="0"/>
+            <a:lumOff val="0"/>
+            <a:alphaOff val="0"/>
+          </a:schemeClr>
+        </a:solidFill>
+        <a:ln w="19050" cap="flat" cmpd="sng" algn="ctr">
+          <a:solidFill>
+            <a:schemeClr val="lt1">
+              <a:hueOff val="0"/>
+              <a:satOff val="0"/>
+              <a:lumOff val="0"/>
+              <a:alphaOff val="0"/>
+            </a:schemeClr>
+          </a:solidFill>
+          <a:prstDash val="solid"/>
+          <a:miter lim="800000"/>
+        </a:ln>
+        <a:effectLst/>
+      </dsp:spPr>
+      <dsp:style>
+        <a:lnRef idx="2">
+          <a:scrgbClr r="0" g="0" b="0"/>
+        </a:lnRef>
+        <a:fillRef idx="1">
+          <a:scrgbClr r="0" g="0" b="0"/>
+        </a:fillRef>
+        <a:effectRef idx="0">
+          <a:scrgbClr r="0" g="0" b="0"/>
+        </a:effectRef>
+        <a:fontRef idx="minor">
+          <a:schemeClr val="lt1"/>
+        </a:fontRef>
+      </dsp:style>
+      <dsp:txBody>
+        <a:bodyPr spcFirstLastPara="0" vert="horz" wrap="square" lIns="17780" tIns="17780" rIns="17780" bIns="17780" numCol="1" spcCol="1270" anchor="ctr" anchorCtr="0">
+          <a:noAutofit/>
+        </a:bodyPr>
+        <a:lstStyle/>
+        <a:p>
+          <a:pPr marL="0" lvl="0" indent="0" algn="ctr" defTabSz="622300">
+            <a:lnSpc>
+              <a:spcPct val="90000"/>
+            </a:lnSpc>
+            <a:spcBef>
+              <a:spcPct val="0"/>
+            </a:spcBef>
+            <a:spcAft>
+              <a:spcPct val="35000"/>
+            </a:spcAft>
+            <a:buNone/>
+          </a:pPr>
+          <a:r>
+            <a:rPr lang="en-US" sz="1400" kern="1200" dirty="0"/>
+            <a:t>Software Development Life Cycle</a:t>
+          </a:r>
+        </a:p>
+      </dsp:txBody>
+      <dsp:txXfrm>
+        <a:off x="3338563" y="2172886"/>
+        <a:ext cx="1450873" cy="1450873"/>
+      </dsp:txXfrm>
+    </dsp:sp>
+    <dsp:sp modelId="{BC8A4930-C96D-FD48-86FF-61D162858276}">
+      <dsp:nvSpPr>
+        <dsp:cNvPr id="0" name=""/>
+        <dsp:cNvSpPr/>
+      </dsp:nvSpPr>
+      <dsp:spPr>
+        <a:xfrm>
+          <a:off x="3345854" y="1626"/>
+          <a:ext cx="1436290" cy="1436290"/>
+        </a:xfrm>
+        <a:prstGeom prst="ellipse">
+          <a:avLst/>
+        </a:prstGeom>
+        <a:solidFill>
+          <a:schemeClr val="accent1">
+            <a:hueOff val="0"/>
+            <a:satOff val="0"/>
+            <a:lumOff val="0"/>
+            <a:alphaOff val="0"/>
+          </a:schemeClr>
+        </a:solidFill>
+        <a:ln w="19050" cap="flat" cmpd="sng" algn="ctr">
+          <a:solidFill>
+            <a:schemeClr val="lt1">
+              <a:hueOff val="0"/>
+              <a:satOff val="0"/>
+              <a:lumOff val="0"/>
+              <a:alphaOff val="0"/>
+            </a:schemeClr>
+          </a:solidFill>
+          <a:prstDash val="solid"/>
+          <a:miter lim="800000"/>
+        </a:ln>
+        <a:effectLst/>
+      </dsp:spPr>
+      <dsp:style>
+        <a:lnRef idx="2">
+          <a:scrgbClr r="0" g="0" b="0"/>
+        </a:lnRef>
+        <a:fillRef idx="1">
+          <a:scrgbClr r="0" g="0" b="0"/>
+        </a:fillRef>
+        <a:effectRef idx="0">
+          <a:scrgbClr r="0" g="0" b="0"/>
+        </a:effectRef>
+        <a:fontRef idx="minor">
+          <a:schemeClr val="lt1"/>
+        </a:fontRef>
+      </dsp:style>
+      <dsp:txBody>
+        <a:bodyPr spcFirstLastPara="0" vert="horz" wrap="square" lIns="17780" tIns="17780" rIns="17780" bIns="17780" numCol="1" spcCol="1270" anchor="ctr" anchorCtr="0">
+          <a:noAutofit/>
+        </a:bodyPr>
+        <a:lstStyle/>
+        <a:p>
+          <a:pPr marL="0" lvl="0" indent="0" algn="ctr" defTabSz="622300">
+            <a:lnSpc>
+              <a:spcPct val="90000"/>
+            </a:lnSpc>
+            <a:spcBef>
+              <a:spcPct val="0"/>
+            </a:spcBef>
+            <a:spcAft>
+              <a:spcPct val="35000"/>
+            </a:spcAft>
+            <a:buNone/>
+          </a:pPr>
+          <a:r>
+            <a:rPr lang="en-US" sz="1400" kern="1200" dirty="0"/>
+            <a:t>Requirement gathering and Analysis</a:t>
+          </a:r>
+        </a:p>
+      </dsp:txBody>
+      <dsp:txXfrm>
+        <a:off x="3556194" y="211966"/>
+        <a:ext cx="1015610" cy="1015610"/>
+      </dsp:txXfrm>
+    </dsp:sp>
+    <dsp:sp modelId="{0B640A55-F438-F543-BE07-1F8A0893410B}">
+      <dsp:nvSpPr>
+        <dsp:cNvPr id="0" name=""/>
+        <dsp:cNvSpPr/>
+      </dsp:nvSpPr>
+      <dsp:spPr>
+        <a:xfrm>
+          <a:off x="5417780" y="1506968"/>
+          <a:ext cx="1436290" cy="1436290"/>
+        </a:xfrm>
+        <a:prstGeom prst="ellipse">
+          <a:avLst/>
+        </a:prstGeom>
+        <a:solidFill>
+          <a:schemeClr val="accent1">
+            <a:hueOff val="0"/>
+            <a:satOff val="0"/>
+            <a:lumOff val="0"/>
+            <a:alphaOff val="0"/>
+          </a:schemeClr>
+        </a:solidFill>
+        <a:ln w="19050" cap="flat" cmpd="sng" algn="ctr">
+          <a:solidFill>
+            <a:schemeClr val="lt1">
+              <a:hueOff val="0"/>
+              <a:satOff val="0"/>
+              <a:lumOff val="0"/>
+              <a:alphaOff val="0"/>
+            </a:schemeClr>
+          </a:solidFill>
+          <a:prstDash val="solid"/>
+          <a:miter lim="800000"/>
+        </a:ln>
+        <a:effectLst/>
+      </dsp:spPr>
+      <dsp:style>
+        <a:lnRef idx="2">
+          <a:scrgbClr r="0" g="0" b="0"/>
+        </a:lnRef>
+        <a:fillRef idx="1">
+          <a:scrgbClr r="0" g="0" b="0"/>
+        </a:fillRef>
+        <a:effectRef idx="0">
+          <a:scrgbClr r="0" g="0" b="0"/>
+        </a:effectRef>
+        <a:fontRef idx="minor">
+          <a:schemeClr val="lt1"/>
+        </a:fontRef>
+      </dsp:style>
+      <dsp:txBody>
+        <a:bodyPr spcFirstLastPara="0" vert="horz" wrap="square" lIns="17780" tIns="17780" rIns="17780" bIns="17780" numCol="1" spcCol="1270" anchor="ctr" anchorCtr="0">
+          <a:noAutofit/>
+        </a:bodyPr>
+        <a:lstStyle/>
+        <a:p>
+          <a:pPr marL="0" lvl="0" indent="0" algn="ctr" defTabSz="622300">
+            <a:lnSpc>
+              <a:spcPct val="90000"/>
+            </a:lnSpc>
+            <a:spcBef>
+              <a:spcPct val="0"/>
+            </a:spcBef>
+            <a:spcAft>
+              <a:spcPct val="35000"/>
+            </a:spcAft>
+            <a:buNone/>
+          </a:pPr>
+          <a:r>
+            <a:rPr lang="en-US" sz="1400" kern="1200" dirty="0"/>
+            <a:t>Designing</a:t>
+          </a:r>
+        </a:p>
+      </dsp:txBody>
+      <dsp:txXfrm>
+        <a:off x="5628120" y="1717308"/>
+        <a:ext cx="1015610" cy="1015610"/>
+      </dsp:txXfrm>
+    </dsp:sp>
+    <dsp:sp modelId="{B0F0E585-4762-B949-96D7-0D957FD48404}">
+      <dsp:nvSpPr>
+        <dsp:cNvPr id="0" name=""/>
+        <dsp:cNvSpPr/>
+      </dsp:nvSpPr>
+      <dsp:spPr>
+        <a:xfrm>
+          <a:off x="4626375" y="3942663"/>
+          <a:ext cx="1436290" cy="1436290"/>
+        </a:xfrm>
+        <a:prstGeom prst="ellipse">
+          <a:avLst/>
+        </a:prstGeom>
+        <a:solidFill>
+          <a:schemeClr val="accent1">
+            <a:hueOff val="0"/>
+            <a:satOff val="0"/>
+            <a:lumOff val="0"/>
+            <a:alphaOff val="0"/>
+          </a:schemeClr>
+        </a:solidFill>
+        <a:ln w="19050" cap="flat" cmpd="sng" algn="ctr">
+          <a:solidFill>
+            <a:schemeClr val="lt1">
+              <a:hueOff val="0"/>
+              <a:satOff val="0"/>
+              <a:lumOff val="0"/>
+              <a:alphaOff val="0"/>
+            </a:schemeClr>
+          </a:solidFill>
+          <a:prstDash val="solid"/>
+          <a:miter lim="800000"/>
+        </a:ln>
+        <a:effectLst/>
+      </dsp:spPr>
+      <dsp:style>
+        <a:lnRef idx="2">
+          <a:scrgbClr r="0" g="0" b="0"/>
+        </a:lnRef>
+        <a:fillRef idx="1">
+          <a:scrgbClr r="0" g="0" b="0"/>
+        </a:fillRef>
+        <a:effectRef idx="0">
+          <a:scrgbClr r="0" g="0" b="0"/>
+        </a:effectRef>
+        <a:fontRef idx="minor">
+          <a:schemeClr val="lt1"/>
+        </a:fontRef>
+      </dsp:style>
+      <dsp:txBody>
+        <a:bodyPr spcFirstLastPara="0" vert="horz" wrap="square" lIns="17780" tIns="17780" rIns="17780" bIns="17780" numCol="1" spcCol="1270" anchor="ctr" anchorCtr="0">
+          <a:noAutofit/>
+        </a:bodyPr>
+        <a:lstStyle/>
+        <a:p>
+          <a:pPr marL="0" lvl="0" indent="0" algn="ctr" defTabSz="622300">
+            <a:lnSpc>
+              <a:spcPct val="90000"/>
+            </a:lnSpc>
+            <a:spcBef>
+              <a:spcPct val="0"/>
+            </a:spcBef>
+            <a:spcAft>
+              <a:spcPct val="35000"/>
+            </a:spcAft>
+            <a:buNone/>
+          </a:pPr>
+          <a:r>
+            <a:rPr lang="en-US" sz="1400" kern="1200" dirty="0"/>
+            <a:t>Development</a:t>
+          </a:r>
+        </a:p>
+      </dsp:txBody>
+      <dsp:txXfrm>
+        <a:off x="4836715" y="4153003"/>
+        <a:ext cx="1015610" cy="1015610"/>
+      </dsp:txXfrm>
+    </dsp:sp>
+    <dsp:sp modelId="{7AF4C8AC-CFD8-844F-A1CE-0977E66229FA}">
+      <dsp:nvSpPr>
+        <dsp:cNvPr id="0" name=""/>
+        <dsp:cNvSpPr/>
+      </dsp:nvSpPr>
+      <dsp:spPr>
+        <a:xfrm>
+          <a:off x="2065334" y="3942663"/>
+          <a:ext cx="1436290" cy="1436290"/>
+        </a:xfrm>
+        <a:prstGeom prst="ellipse">
+          <a:avLst/>
+        </a:prstGeom>
+        <a:solidFill>
+          <a:schemeClr val="accent1">
+            <a:hueOff val="0"/>
+            <a:satOff val="0"/>
+            <a:lumOff val="0"/>
+            <a:alphaOff val="0"/>
+          </a:schemeClr>
+        </a:solidFill>
+        <a:ln w="19050" cap="flat" cmpd="sng" algn="ctr">
+          <a:solidFill>
+            <a:schemeClr val="lt1">
+              <a:hueOff val="0"/>
+              <a:satOff val="0"/>
+              <a:lumOff val="0"/>
+              <a:alphaOff val="0"/>
+            </a:schemeClr>
+          </a:solidFill>
+          <a:prstDash val="solid"/>
+          <a:miter lim="800000"/>
+        </a:ln>
+        <a:effectLst/>
+      </dsp:spPr>
+      <dsp:style>
+        <a:lnRef idx="2">
+          <a:scrgbClr r="0" g="0" b="0"/>
+        </a:lnRef>
+        <a:fillRef idx="1">
+          <a:scrgbClr r="0" g="0" b="0"/>
+        </a:fillRef>
+        <a:effectRef idx="0">
+          <a:scrgbClr r="0" g="0" b="0"/>
+        </a:effectRef>
+        <a:fontRef idx="minor">
+          <a:schemeClr val="lt1"/>
+        </a:fontRef>
+      </dsp:style>
+      <dsp:txBody>
+        <a:bodyPr spcFirstLastPara="0" vert="horz" wrap="square" lIns="17780" tIns="17780" rIns="17780" bIns="17780" numCol="1" spcCol="1270" anchor="ctr" anchorCtr="0">
+          <a:noAutofit/>
+        </a:bodyPr>
+        <a:lstStyle/>
+        <a:p>
+          <a:pPr marL="0" lvl="0" indent="0" algn="ctr" defTabSz="622300">
+            <a:lnSpc>
+              <a:spcPct val="90000"/>
+            </a:lnSpc>
+            <a:spcBef>
+              <a:spcPct val="0"/>
+            </a:spcBef>
+            <a:spcAft>
+              <a:spcPct val="35000"/>
+            </a:spcAft>
+            <a:buNone/>
+          </a:pPr>
+          <a:r>
+            <a:rPr lang="en-US" sz="1400" kern="1200" dirty="0"/>
+            <a:t>Testing</a:t>
+          </a:r>
+        </a:p>
+      </dsp:txBody>
+      <dsp:txXfrm>
+        <a:off x="2275674" y="4153003"/>
+        <a:ext cx="1015610" cy="1015610"/>
+      </dsp:txXfrm>
+    </dsp:sp>
+    <dsp:sp modelId="{35CABF45-52FD-F54A-A463-567D57F8C30D}">
+      <dsp:nvSpPr>
+        <dsp:cNvPr id="0" name=""/>
+        <dsp:cNvSpPr/>
+      </dsp:nvSpPr>
+      <dsp:spPr>
+        <a:xfrm>
+          <a:off x="1273929" y="1506968"/>
+          <a:ext cx="1436290" cy="1436290"/>
+        </a:xfrm>
+        <a:prstGeom prst="ellipse">
+          <a:avLst/>
+        </a:prstGeom>
+        <a:solidFill>
+          <a:schemeClr val="accent1">
+            <a:hueOff val="0"/>
+            <a:satOff val="0"/>
+            <a:lumOff val="0"/>
+            <a:alphaOff val="0"/>
+          </a:schemeClr>
+        </a:solidFill>
+        <a:ln w="19050" cap="flat" cmpd="sng" algn="ctr">
+          <a:solidFill>
+            <a:schemeClr val="lt1">
+              <a:hueOff val="0"/>
+              <a:satOff val="0"/>
+              <a:lumOff val="0"/>
+              <a:alphaOff val="0"/>
+            </a:schemeClr>
+          </a:solidFill>
+          <a:prstDash val="solid"/>
+          <a:miter lim="800000"/>
+        </a:ln>
+        <a:effectLst/>
+      </dsp:spPr>
+      <dsp:style>
+        <a:lnRef idx="2">
+          <a:scrgbClr r="0" g="0" b="0"/>
+        </a:lnRef>
+        <a:fillRef idx="1">
+          <a:scrgbClr r="0" g="0" b="0"/>
+        </a:fillRef>
+        <a:effectRef idx="0">
+          <a:scrgbClr r="0" g="0" b="0"/>
+        </a:effectRef>
+        <a:fontRef idx="minor">
+          <a:schemeClr val="lt1"/>
+        </a:fontRef>
+      </dsp:style>
+      <dsp:txBody>
+        <a:bodyPr spcFirstLastPara="0" vert="horz" wrap="square" lIns="17780" tIns="17780" rIns="17780" bIns="17780" numCol="1" spcCol="1270" anchor="ctr" anchorCtr="0">
+          <a:noAutofit/>
+        </a:bodyPr>
+        <a:lstStyle/>
+        <a:p>
+          <a:pPr marL="0" lvl="0" indent="0" algn="ctr" defTabSz="622300">
+            <a:lnSpc>
+              <a:spcPct val="90000"/>
+            </a:lnSpc>
+            <a:spcBef>
+              <a:spcPct val="0"/>
+            </a:spcBef>
+            <a:spcAft>
+              <a:spcPct val="35000"/>
+            </a:spcAft>
+            <a:buNone/>
+          </a:pPr>
+          <a:r>
+            <a:rPr lang="en-US" sz="1400" kern="1200" dirty="0"/>
+            <a:t>maintenance</a:t>
+          </a:r>
+        </a:p>
+      </dsp:txBody>
+      <dsp:txXfrm>
+        <a:off x="1484269" y="1717308"/>
+        <a:ext cx="1015610" cy="1015610"/>
+      </dsp:txXfrm>
+    </dsp:sp>
+  </dsp:spTree>
+</dsp:drawing>
+</file>
+
+<file path=ppt/diagrams/layout1.xml><?xml version="1.0" encoding="utf-8"?>
+<dgm:layoutDef xmlns:dgm="http://schemas.openxmlformats.org/drawingml/2006/diagram" xmlns:a="http://schemas.openxmlformats.org/drawingml/2006/main" uniqueId="urn:microsoft.com/office/officeart/2005/8/layout/radial6">
+  <dgm:title val=""/>
+  <dgm:desc val=""/>
+  <dgm:catLst>
+    <dgm:cat type="cycle" pri="9000"/>
+    <dgm:cat type="relationship" pri="21000"/>
+  </dgm:catLst>
+  <dgm:sampData>
+    <dgm:dataModel>
+      <dgm:ptLst>
+        <dgm:pt modelId="0" type="doc"/>
+        <dgm:pt modelId="1">
+          <dgm:prSet phldr="1"/>
+        </dgm:pt>
+        <dgm:pt modelId="11">
+          <dgm:prSet phldr="1"/>
+        </dgm:pt>
+        <dgm:pt modelId="12">
+          <dgm:prSet phldr="1"/>
+        </dgm:pt>
+        <dgm:pt modelId="13">
+          <dgm:prSet phldr="1"/>
+        </dgm:pt>
+        <dgm:pt modelId="14">
+          <dgm:prSet phldr="1"/>
+        </dgm:pt>
+      </dgm:ptLst>
+      <dgm:cxnLst>
+        <dgm:cxn modelId="2" srcId="0" destId="1" srcOrd="0" destOrd="0"/>
+        <dgm:cxn modelId="3" srcId="1" destId="11" srcOrd="0" destOrd="0"/>
+        <dgm:cxn modelId="4" srcId="1" destId="12" srcOrd="1" destOrd="0"/>
+        <dgm:cxn modelId="5" srcId="1" destId="13" srcOrd="2" destOrd="0"/>
+        <dgm:cxn modelId="6" srcId="1" destId="14" srcOrd="3" destOrd="0"/>
+      </dgm:cxnLst>
+      <dgm:bg/>
+      <dgm:whole/>
+    </dgm:dataModel>
+  </dgm:sampData>
+  <dgm:styleData>
+    <dgm:dataModel>
+      <dgm:ptLst>
+        <dgm:pt modelId="0" type="doc"/>
+        <dgm:pt modelId="1"/>
+        <dgm:pt modelId="11"/>
+        <dgm:pt modelId="12"/>
+        <dgm:pt modelId="13"/>
+      </dgm:ptLst>
+      <dgm:cxnLst>
+        <dgm:cxn modelId="2" srcId="0" destId="1" srcOrd="0" destOrd="0"/>
+        <dgm:cxn modelId="15" srcId="1" destId="11" srcOrd="0" destOrd="0"/>
+        <dgm:cxn modelId="16" srcId="1" destId="12" srcOrd="1" destOrd="0"/>
+        <dgm:cxn modelId="17" srcId="1" destId="13" srcOrd="2" destOrd="0"/>
+      </dgm:cxnLst>
+      <dgm:bg/>
+      <dgm:whole/>
+    </dgm:dataModel>
+  </dgm:styleData>
+  <dgm:clrData>
+    <dgm:dataModel>
+      <dgm:ptLst>
+        <dgm:pt modelId="0" type="doc"/>
+        <dgm:pt modelId="1"/>
+        <dgm:pt modelId="11"/>
+        <dgm:pt modelId="12"/>
+        <dgm:pt modelId="13"/>
+        <dgm:pt modelId="14"/>
+        <dgm:pt modelId="15"/>
+        <dgm:pt modelId="16"/>
+      </dgm:ptLst>
+      <dgm:cxnLst>
+        <dgm:cxn modelId="2" srcId="0" destId="1" srcOrd="0" destOrd="0"/>
+        <dgm:cxn modelId="16" srcId="1" destId="11" srcOrd="0" destOrd="0"/>
+        <dgm:cxn modelId="17" srcId="1" destId="12" srcOrd="1" destOrd="0"/>
+        <dgm:cxn modelId="18" srcId="1" destId="13" srcOrd="2" destOrd="0"/>
+        <dgm:cxn modelId="19" srcId="1" destId="14" srcOrd="3" destOrd="0"/>
+        <dgm:cxn modelId="20" srcId="1" destId="15" srcOrd="4" destOrd="0"/>
+        <dgm:cxn modelId="21" srcId="1" destId="16" srcOrd="5" destOrd="0"/>
+      </dgm:cxnLst>
+      <dgm:bg/>
+      <dgm:whole/>
+    </dgm:dataModel>
+  </dgm:clrData>
+  <dgm:layoutNode name="Name0">
+    <dgm:varLst>
+      <dgm:chMax val="1"/>
+      <dgm:dir/>
+      <dgm:animLvl val="ctr"/>
+      <dgm:resizeHandles val="exact"/>
+    </dgm:varLst>
+    <dgm:choose name="Name1">
+      <dgm:if name="Name2" func="var" arg="dir" op="equ" val="norm">
+        <dgm:choose name="Name3">
+          <dgm:if name="Name4" axis="ch ch" ptType="node node" st="1 1" cnt="1 0" func="cnt" op="lte" val="1">
+            <dgm:alg type="cycle">
+              <dgm:param type="stAng" val="90"/>
+              <dgm:param type="spanAng" val="360"/>
+              <dgm:param type="ctrShpMap" val="fNode"/>
+            </dgm:alg>
+          </dgm:if>
+          <dgm:else name="Name5">
+            <dgm:alg type="cycle">
+              <dgm:param type="stAng" val="0"/>
+              <dgm:param type="spanAng" val="360"/>
+              <dgm:param type="ctrShpMap" val="fNode"/>
+            </dgm:alg>
+          </dgm:else>
+        </dgm:choose>
+      </dgm:if>
+      <dgm:else name="Name6">
+        <dgm:choose name="Name7">
+          <dgm:if name="Name8" axis="ch ch" ptType="node node" st="1 1" cnt="1 0" func="cnt" op="lte" val="1">
+            <dgm:alg type="cycle">
+              <dgm:param type="stAng" val="-90"/>
+              <dgm:param type="spanAng" val="360"/>
+              <dgm:param type="ctrShpMap" val="fNode"/>
+            </dgm:alg>
+          </dgm:if>
+          <dgm:else name="Name9">
+            <dgm:alg type="cycle">
+              <dgm:param type="stAng" val="0"/>
+              <dgm:param type="spanAng" val="-360"/>
+              <dgm:param type="ctrShpMap" val="fNode"/>
+            </dgm:alg>
+          </dgm:else>
+        </dgm:choose>
+      </dgm:else>
+    </dgm:choose>
+    <dgm:shape xmlns:r="http://schemas.openxmlformats.org/officeDocument/2006/relationships" r:blip="">
+      <dgm:adjLst/>
+    </dgm:shape>
+    <dgm:presOf/>
+    <dgm:choose name="Name10">
+      <dgm:if name="Name11" func="var" arg="dir" op="equ" val="norm">
+        <dgm:choose name="Name12">
+          <dgm:if name="Name13" axis="ch ch" ptType="node node" st="1 1" cnt="1 0" func="cnt" op="equ" val="1">
+            <dgm:constrLst>
+              <dgm:constr type="diam" val="170"/>
+              <dgm:constr type="w" for="ch" forName="centerShape" refType="w"/>
+              <dgm:constr type="w" for="ch" forName="oneComp" refType="w" refFor="ch" refForName="centerShape" op="equ" fact="0.7"/>
+              <dgm:constr type="sp" refType="w" refFor="ch" refForName="oneComp" fact="0.3"/>
+              <dgm:constr type="sibSp" refType="w" refFor="ch" refForName="oneComp" fact="0.3"/>
+              <dgm:constr type="primFontSz" for="ch" forName="centerShape" val="65"/>
+              <dgm:constr type="primFontSz" for="des" forName="oneNode" refType="primFontSz" refFor="ch" refForName="centerShape" fact="0.95"/>
+              <dgm:constr type="primFontSz" for="des" forName="oneNode" refType="primFontSz" refFor="ch" refForName="centerShape" op="lte" fact="0.95"/>
+              <dgm:constr type="diam" for="ch" forName="singleconn" refType="diam" op="equ" fact="-1"/>
+              <dgm:constr type="h" for="ch" forName="singleconn" refType="w" refFor="ch" refForName="oneComp" fact="0.24"/>
+              <dgm:constr type="w" for="ch" forName="dummya" refType="w" refFor="ch" refForName="oneComp" op="equ"/>
+              <dgm:constr type="w" for="ch" forName="dummyb" refType="w" refFor="ch" refForName="oneComp" op="equ"/>
+              <dgm:constr type="w" for="ch" forName="dummyc" refType="w" refFor="ch" refForName="oneComp" op="equ"/>
+            </dgm:constrLst>
+          </dgm:if>
+          <dgm:else name="Name14">
+            <dgm:constrLst>
+              <dgm:constr type="diam" val="170"/>
+              <dgm:constr type="w" for="ch" forName="centerShape" refType="w"/>
+              <dgm:constr type="w" for="ch" forName="node" refType="w" refFor="ch" refForName="centerShape" op="equ" fact="0.7"/>
+              <dgm:constr type="sp" refType="w" refFor="ch" refForName="node" fact="0.3"/>
+              <dgm:constr type="sibSp" refType="w" refFor="ch" refForName="node" fact="0.3"/>
+              <dgm:constr type="primFontSz" for="ch" forName="centerShape" val="65"/>
+              <dgm:constr type="primFontSz" for="des" forName="node" refType="primFontSz" refFor="ch" refForName="centerShape" fact="0.78"/>
+              <dgm:constr type="primFontSz" for="ch" forName="node" refType="primFontSz" refFor="ch" refForName="centerShape" op="lte" fact="0.95"/>
+              <dgm:constr type="diam" for="ch" forName="sibTrans" refType="diam" op="equ"/>
+              <dgm:constr type="h" for="ch" forName="sibTrans" refType="w" refFor="ch" refForName="node" fact="0.24"/>
+              <dgm:constr type="w" for="ch" forName="dummy" val="1"/>
+            </dgm:constrLst>
+          </dgm:else>
+        </dgm:choose>
+      </dgm:if>
+      <dgm:else name="Name15">
+        <dgm:choose name="Name16">
+          <dgm:if name="Name17" axis="ch ch" ptType="node node" st="1 1" cnt="1 0" func="cnt" op="equ" val="1">
+            <dgm:constrLst>
+              <dgm:constr type="diam" val="170"/>
+              <dgm:constr type="w" for="ch" forName="centerShape" refType="w"/>
+              <dgm:constr type="w" for="ch" forName="oneComp" refType="w" refFor="ch" refForName="centerShape" op="equ" fact="0.7"/>
+              <dgm:constr type="sp" refType="w" refFor="ch" refForName="oneComp" fact="0.3"/>
+              <dgm:constr type="sibSp" refType="w" refFor="ch" refForName="oneComp" fact="0.3"/>
+              <dgm:constr type="primFontSz" for="ch" forName="centerShape" val="65"/>
+              <dgm:constr type="primFontSz" for="des" forName="oneNode" refType="primFontSz" refFor="ch" refForName="centerShape" fact="0.95"/>
+              <dgm:constr type="primFontSz" for="ch" forName="oneNode" refType="primFontSz" refFor="ch" refForName="centerShape" op="lte" fact="0.95"/>
+              <dgm:constr type="diam" for="ch" forName="singleconn" refType="diam"/>
+              <dgm:constr type="h" for="ch" forName="singleconn" refType="w" refFor="ch" refForName="oneComp" fact="0.24"/>
+              <dgm:constr type="diam" for="ch" refType="diam" op="equ"/>
+              <dgm:constr type="w" for="ch" forName="dummya" refType="w" refFor="ch" refForName="oneComp" op="equ"/>
+              <dgm:constr type="w" for="ch" forName="dummyb" refType="w" refFor="ch" refForName="oneComp" op="equ"/>
+              <dgm:constr type="w" for="ch" forName="dummyc" refType="w" refFor="ch" refForName="oneComp" op="equ"/>
+            </dgm:constrLst>
+          </dgm:if>
+          <dgm:else name="Name18">
+            <dgm:constrLst>
+              <dgm:constr type="diam" val="170"/>
+              <dgm:constr type="w" for="ch" forName="centerShape" refType="w"/>
+              <dgm:constr type="w" for="ch" forName="node" refType="w" refFor="ch" refForName="centerShape" op="equ" fact="0.7"/>
+              <dgm:constr type="sp" refType="w" refFor="ch" refForName="node" fact="0.3"/>
+              <dgm:constr type="sibSp" refType="w" refFor="ch" refForName="node" fact="0.3"/>
+              <dgm:constr type="primFontSz" for="ch" forName="centerShape" val="65"/>
+              <dgm:constr type="primFontSz" for="des" forName="node" refType="primFontSz" refFor="ch" refForName="centerShape" fact="0.78"/>
+              <dgm:constr type="primFontSz" for="ch" forName="node" refType="primFontSz" refFor="ch" refForName="centerShape" op="lte" fact="0.95"/>
+              <dgm:constr type="diam" for="ch" ptType="sibTrans" refType="diam" fact="-1"/>
+              <dgm:constr type="h" for="ch" forName="sibTrans" refType="w" refFor="ch" refForName="node" fact="0.24"/>
+              <dgm:constr type="diam" for="ch" refType="diam" op="equ" fact="-1"/>
+              <dgm:constr type="w" for="ch" forName="dummy" val="1"/>
+            </dgm:constrLst>
+          </dgm:else>
+        </dgm:choose>
+      </dgm:else>
+    </dgm:choose>
+    <dgm:ruleLst>
+      <dgm:rule type="diam" val="INF" fact="NaN" max="NaN"/>
+    </dgm:ruleLst>
+    <dgm:forEach name="Name19" axis="ch" ptType="node" cnt="1">
+      <dgm:layoutNode name="centerShape" styleLbl="node0">
+        <dgm:alg type="tx"/>
+        <dgm:shape xmlns:r="http://schemas.openxmlformats.org/officeDocument/2006/relationships" type="ellipse" r:blip="">
+          <dgm:adjLst/>
+        </dgm:shape>
+        <dgm:presOf axis="self"/>
+        <dgm:constrLst>
+          <dgm:constr type="h" refType="w"/>
+          <dgm:constr type="tMarg" refType="primFontSz" fact="0.1"/>
+          <dgm:constr type="bMarg" refType="primFontSz" fact="0.1"/>
+          <dgm:constr type="lMarg" refType="primFontSz" fact="0.1"/>
+          <dgm:constr type="rMarg" refType="primFontSz" fact="0.1"/>
+        </dgm:constrLst>
+        <dgm:ruleLst>
+          <dgm:rule type="primFontSz" val="5" fact="NaN" max="NaN"/>
+        </dgm:ruleLst>
+      </dgm:layoutNode>
+      <dgm:forEach name="Name20" axis="ch">
+        <dgm:forEach name="Name21" axis="self" ptType="node">
+          <dgm:choose name="Name22">
+            <dgm:if name="Name23" axis="par ch" ptType="node node" func="cnt" op="gt" val="1">
+              <dgm:layoutNode name="node" styleLbl="node1">
+                <dgm:varLst>
+                  <dgm:bulletEnabled val="1"/>
+                </dgm:varLst>
+                <dgm:alg type="tx">
+                  <dgm:param type="txAnchorVertCh" val="mid"/>
+                </dgm:alg>
+                <dgm:shape xmlns:r="http://schemas.openxmlformats.org/officeDocument/2006/relationships" type="ellipse" r:blip="">
+                  <dgm:adjLst/>
+                </dgm:shape>
+                <dgm:presOf axis="desOrSelf" ptType="node"/>
+                <dgm:constrLst>
+                  <dgm:constr type="h" refType="w"/>
+                  <dgm:constr type="tMarg" refType="primFontSz" fact="0.1"/>
+                  <dgm:constr type="bMarg" refType="primFontSz" fact="0.1"/>
+                  <dgm:constr type="lMarg" refType="primFontSz" fact="0.1"/>
+                  <dgm:constr type="rMarg" refType="primFontSz" fact="0.1"/>
+                </dgm:constrLst>
+                <dgm:ruleLst>
+                  <dgm:rule type="primFontSz" val="5" fact="NaN" max="NaN"/>
+                </dgm:ruleLst>
+              </dgm:layoutNode>
+              <dgm:layoutNode name="dummy">
+                <dgm:alg type="sp"/>
+                <dgm:shape xmlns:r="http://schemas.openxmlformats.org/officeDocument/2006/relationships" r:blip="">
+                  <dgm:adjLst/>
+                </dgm:shape>
+                <dgm:presOf/>
+                <dgm:constrLst>
+                  <dgm:constr type="h" refType="w"/>
+                </dgm:constrLst>
+                <dgm:ruleLst/>
+              </dgm:layoutNode>
+              <dgm:forEach name="sibTransForEach" axis="followSib" ptType="sibTrans" hideLastTrans="0" cnt="1">
+                <dgm:layoutNode name="sibTrans" styleLbl="sibTrans2D1">
+                  <dgm:alg type="conn">
+                    <dgm:param type="connRout" val="curve"/>
+                    <dgm:param type="begPts" val="ctr"/>
+                    <dgm:param type="endPts" val="ctr"/>
+                    <dgm:param type="begSty" val="noArr"/>
+                    <dgm:param type="endSty" val="noArr"/>
+                    <dgm:param type="dstNode" val="node"/>
+                  </dgm:alg>
+                  <dgm:shape xmlns:r="http://schemas.openxmlformats.org/officeDocument/2006/relationships" type="conn" r:blip="" zOrderOff="-999">
+                    <dgm:adjLst/>
+                  </dgm:shape>
+                  <dgm:presOf axis="self"/>
+                  <dgm:constrLst>
+                    <dgm:constr type="begPad"/>
+                    <dgm:constr type="endPad"/>
+                  </dgm:constrLst>
+                  <dgm:ruleLst/>
+                </dgm:layoutNode>
+              </dgm:forEach>
+            </dgm:if>
+            <dgm:if name="Name24" axis="par ch" ptType="node node" func="cnt" op="equ" val="1">
+              <dgm:layoutNode name="oneComp">
+                <dgm:alg type="composite">
+                  <dgm:param type="ar" val="1"/>
+                </dgm:alg>
+                <dgm:shape xmlns:r="http://schemas.openxmlformats.org/officeDocument/2006/relationships" r:blip="">
+                  <dgm:adjLst/>
+                </dgm:shape>
+                <dgm:presOf/>
+                <dgm:constrLst>
+                  <dgm:constr type="h" refType="w"/>
+                  <dgm:constr type="l" for="ch" forName="dummyConnPt" refType="w" fact="0.5"/>
+                  <dgm:constr type="t" for="ch" forName="dummyConnPt" refType="w" fact="0.5"/>
+                  <dgm:constr type="l" for="ch" forName="oneNode"/>
+                  <dgm:constr type="t" for="ch" forName="oneNode"/>
+                  <dgm:constr type="h" for="ch" forName="oneNode" refType="h"/>
+                  <dgm:constr type="w" for="ch" forName="oneNode" refType="w"/>
+                </dgm:constrLst>
+                <dgm:ruleLst/>
+                <dgm:layoutNode name="dummyConnPt" styleLbl="node1">
+                  <dgm:alg type="sp"/>
+                  <dgm:shape xmlns:r="http://schemas.openxmlformats.org/officeDocument/2006/relationships" r:blip="">
+                    <dgm:adjLst/>
+                  </dgm:shape>
+                  <dgm:presOf/>
+                  <dgm:constrLst>
+                    <dgm:constr type="w" val="1"/>
+                    <dgm:constr type="h" val="1"/>
+                  </dgm:constrLst>
+                  <dgm:ruleLst/>
+                </dgm:layoutNode>
+                <dgm:layoutNode name="oneNode" styleLbl="node1">
+                  <dgm:varLst>
+                    <dgm:bulletEnabled val="1"/>
+                  </dgm:varLst>
+                  <dgm:alg type="tx">
+                    <dgm:param type="txAnchorVertCh" val="mid"/>
+                  </dgm:alg>
+                  <dgm:shape xmlns:r="http://schemas.openxmlformats.org/officeDocument/2006/relationships" type="ellipse" r:blip="">
+                    <dgm:adjLst/>
+                  </dgm:shape>
+                  <dgm:presOf axis="desOrSelf" ptType="node"/>
+                  <dgm:constrLst>
+                    <dgm:constr type="h" refType="w"/>
+                    <dgm:constr type="tMarg" refType="primFontSz" fact="0.1"/>
+                    <dgm:constr type="bMarg" refType="primFontSz" fact="0.1"/>
+                    <dgm:constr type="lMarg" refType="primFontSz" fact="0.1"/>
+                    <dgm:constr type="rMarg" refType="primFontSz" fact="0.1"/>
+                  </dgm:constrLst>
+                  <dgm:ruleLst>
+                    <dgm:rule type="primFontSz" val="5" fact="NaN" max="NaN"/>
+                  </dgm:ruleLst>
+                </dgm:layoutNode>
+              </dgm:layoutNode>
+              <dgm:layoutNode name="dummya">
+                <dgm:alg type="sp"/>
+                <dgm:shape xmlns:r="http://schemas.openxmlformats.org/officeDocument/2006/relationships" r:blip="">
+                  <dgm:adjLst/>
+                </dgm:shape>
+                <dgm:presOf/>
+                <dgm:constrLst>
+                  <dgm:constr type="h" refType="w"/>
+                </dgm:constrLst>
+                <dgm:ruleLst/>
+              </dgm:layoutNode>
+              <dgm:layoutNode name="dummyb">
+                <dgm:alg type="sp"/>
+                <dgm:shape xmlns:r="http://schemas.openxmlformats.org/officeDocument/2006/relationships" r:blip="">
+                  <dgm:adjLst/>
+                </dgm:shape>
+                <dgm:presOf/>
+                <dgm:constrLst>
+                  <dgm:constr type="h" refType="w"/>
+                </dgm:constrLst>
+                <dgm:ruleLst/>
+              </dgm:layoutNode>
+              <dgm:layoutNode name="dummyc">
+                <dgm:alg type="sp"/>
+                <dgm:shape xmlns:r="http://schemas.openxmlformats.org/officeDocument/2006/relationships" r:blip="">
+                  <dgm:adjLst/>
+                </dgm:shape>
+                <dgm:presOf/>
+                <dgm:constrLst>
+                  <dgm:constr type="h" refType="w"/>
+                </dgm:constrLst>
+                <dgm:ruleLst/>
+              </dgm:layoutNode>
+              <dgm:forEach name="sibTransForEach1" axis="followSib" ptType="sibTrans" hideLastTrans="0" cnt="1">
+                <dgm:layoutNode name="singleconn" styleLbl="sibTrans2D1">
+                  <dgm:alg type="conn">
+                    <dgm:param type="connRout" val="longCurve"/>
+                    <dgm:param type="begPts" val="bCtr"/>
+                    <dgm:param type="endPts" val="tCtr"/>
+                    <dgm:param type="begSty" val="noArr"/>
+                    <dgm:param type="endSty" val="noArr"/>
+                    <dgm:param type="srcNode" val="dummyConnPt"/>
+                    <dgm:param type="dstNode" val="dummyConnPt"/>
+                  </dgm:alg>
+                  <dgm:shape xmlns:r="http://schemas.openxmlformats.org/officeDocument/2006/relationships" type="conn" r:blip="" zOrderOff="-999">
+                    <dgm:adjLst/>
+                  </dgm:shape>
+                  <dgm:presOf axis="self"/>
+                  <dgm:constrLst>
+                    <dgm:constr type="begPad"/>
+                    <dgm:constr type="endPad"/>
+                  </dgm:constrLst>
+                  <dgm:ruleLst/>
+                </dgm:layoutNode>
+              </dgm:forEach>
+            </dgm:if>
+            <dgm:else name="Name25"/>
+          </dgm:choose>
+        </dgm:forEach>
+      </dgm:forEach>
+    </dgm:forEach>
+  </dgm:layoutNode>
+</dgm:layoutDef>
+</file>
+
+<file path=ppt/diagrams/quickStyle1.xml><?xml version="1.0" encoding="utf-8"?>
+<dgm:styleDef xmlns:dgm="http://schemas.openxmlformats.org/drawingml/2006/diagram" xmlns:a="http://schemas.openxmlformats.org/drawingml/2006/main" uniqueId="urn:microsoft.com/office/officeart/2005/8/quickstyle/simple1">
+  <dgm:title val=""/>
+  <dgm:desc val=""/>
+  <dgm:catLst>
+    <dgm:cat type="simple" pri="10100"/>
+  </dgm:catLst>
+  <dgm:scene3d>
+    <a:camera prst="orthographicFront"/>
+    <a:lightRig rig="threePt" dir="t"/>
+  </dgm:scene3d>
+  <dgm:styleLbl name="node0">
+    <dgm:scene3d>
+      <a:camera prst="orthographicFront"/>
+      <a:lightRig rig="threePt" dir="t"/>
+    </dgm:scene3d>
+    <dgm:sp3d/>
+    <dgm:txPr/>
+    <dgm:style>
+      <a:lnRef idx="2">
+        <a:scrgbClr r="0" g="0" b="0"/>
+      </a:lnRef>
+      <a:fillRef idx="1">
+        <a:scrgbClr r="0" g="0" b="0"/>
+      </a:fillRef>
+      <a:effectRef idx="0">
+        <a:scrgbClr r="0" g="0" b="0"/>
+      </a:effectRef>
+      <a:fontRef idx="minor">
+        <a:schemeClr val="lt1"/>
+      </a:fontRef>
+    </dgm:style>
+  </dgm:styleLbl>
+  <dgm:styleLbl name="lnNode1">
+    <dgm:scene3d>
+      <a:camera prst="orthographicFront"/>
+      <a:lightRig rig="threePt" dir="t"/>
+    </dgm:scene3d>
+    <dgm:sp3d/>
+    <dgm:txPr/>
+    <dgm:style>
+      <a:lnRef idx="2">
+        <a:scrgbClr r="0" g="0" b="0"/>
+      </a:lnRef>
+      <a:fillRef idx="1">
+        <a:scrgbClr r="0" g="0" b="0"/>
+      </a:fillRef>
+      <a:effectRef idx="0">
+        <a:scrgbClr r="0" g="0" b="0"/>
+      </a:effectRef>
+      <a:fontRef idx="minor">
+        <a:schemeClr val="lt1"/>
+      </a:fontRef>
+    </dgm:style>
+  </dgm:styleLbl>
+  <dgm:styleLbl name="vennNode1">
+    <dgm:scene3d>
+      <a:camera prst="orthographicFront"/>
+      <a:lightRig rig="threePt" dir="t"/>
+    </dgm:scene3d>
+    <dgm:sp3d/>
+    <dgm:txPr/>
+    <dgm:style>
+      <a:lnRef idx="2">
+        <a:scrgbClr r="0" g="0" b="0"/>
+      </a:lnRef>
+      <a:fillRef idx="1">
+        <a:scrgbClr r="0" g="0" b="0"/>
+      </a:fillRef>
+      <a:effectRef idx="0">
+        <a:scrgbClr r="0" g="0" b="0"/>
+      </a:effectRef>
+      <a:fontRef idx="minor">
+        <a:schemeClr val="tx1"/>
+      </a:fontRef>
+    </dgm:style>
+  </dgm:styleLbl>
+  <dgm:styleLbl name="alignNode1">
+    <dgm:scene3d>
+      <a:camera prst="orthographicFront"/>
+      <a:lightRig rig="threePt" dir="t"/>
+    </dgm:scene3d>
+    <dgm:sp3d/>
+    <dgm:txPr/>
+    <dgm:style>
+      <a:lnRef idx="2">
+        <a:scrgbClr r="0" g="0" b="0"/>
+      </a:lnRef>
+      <a:fillRef idx="1">
+        <a:scrgbClr r="0" g="0" b="0"/>
+      </a:fillRef>
+      <a:effectRef idx="0">
+        <a:scrgbClr r="0" g="0" b="0"/>
+      </a:effectRef>
+      <a:fontRef idx="minor">
+        <a:schemeClr val="lt1"/>
+      </a:fontRef>
+    </dgm:style>
+  </dgm:styleLbl>
+  <dgm:styleLbl name="node1">
+    <dgm:scene3d>
+      <a:camera prst="orthographicFront"/>
+      <a:lightRig rig="threePt" dir="t"/>
+    </dgm:scene3d>
+    <dgm:sp3d/>
+    <dgm:txPr/>
+    <dgm:style>
+      <a:lnRef idx="2">
+        <a:scrgbClr r="0" g="0" b="0"/>
+      </a:lnRef>
+      <a:fillRef idx="1">
+        <a:scrgbClr r="0" g="0" b="0"/>
+      </a:fillRef>
+      <a:effectRef idx="0">
+        <a:scrgbClr r="0" g="0" b="0"/>
+      </a:effectRef>
+      <a:fontRef idx="minor">
+        <a:schemeClr val="lt1"/>
+      </a:fontRef>
+    </dgm:style>
+  </dgm:styleLbl>
+  <dgm:styleLbl name="node2">
+    <dgm:scene3d>
+      <a:camera prst="orthographicFront"/>
+      <a:lightRig rig="threePt" dir="t"/>
+    </dgm:scene3d>
+    <dgm:sp3d/>
+    <dgm:txPr/>
+    <dgm:style>
+      <a:lnRef idx="2">
+        <a:scrgbClr r="0" g="0" b="0"/>
+      </a:lnRef>
+      <a:fillRef idx="1">
+        <a:scrgbClr r="0" g="0" b="0"/>
+      </a:fillRef>
+      <a:effectRef idx="0">
+        <a:scrgbClr r="0" g="0" b="0"/>
+      </a:effectRef>
+      <a:fontRef idx="minor">
+        <a:schemeClr val="lt1"/>
+      </a:fontRef>
+    </dgm:style>
+  </dgm:styleLbl>
+  <dgm:styleLbl name="node3">
+    <dgm:scene3d>
+      <a:camera prst="orthographicFront"/>
+      <a:lightRig rig="threePt" dir="t"/>
+    </dgm:scene3d>
+    <dgm:sp3d/>
+    <dgm:txPr/>
+    <dgm:style>
+      <a:lnRef idx="2">
+        <a:scrgbClr r="0" g="0" b="0"/>
+      </a:lnRef>
+      <a:fillRef idx="1">
+        <a:scrgbClr r="0" g="0" b="0"/>
+      </a:fillRef>
+      <a:effectRef idx="0">
+        <a:scrgbClr r="0" g="0" b="0"/>
+      </a:effectRef>
+      <a:fontRef idx="minor">
+        <a:schemeClr val="lt1"/>
+      </a:fontRef>
+    </dgm:style>
+  </dgm:styleLbl>
+  <dgm:styleLbl name="node4">
+    <dgm:scene3d>
+      <a:camera prst="orthographicFront"/>
+      <a:lightRig rig="threePt" dir="t"/>
+    </dgm:scene3d>
+    <dgm:sp3d/>
+    <dgm:txPr/>
+    <dgm:style>
+      <a:lnRef idx="2">
+        <a:scrgbClr r="0" g="0" b="0"/>
+      </a:lnRef>
+      <a:fillRef idx="1">
+        <a:scrgbClr r="0" g="0" b="0"/>
+      </a:fillRef>
+      <a:effectRef idx="0">
+        <a:scrgbClr r="0" g="0" b="0"/>
+      </a:effectRef>
+      <a:fontRef idx="minor">
+        <a:schemeClr val="lt1"/>
+      </a:fontRef>
+    </dgm:style>
+  </dgm:styleLbl>
+  <dgm:styleLbl name="fgImgPlace1">
+    <dgm:scene3d>
+      <a:camera prst="orthographicFront"/>
+      <a:lightRig rig="threePt" dir="t"/>
+    </dgm:scene3d>
+    <dgm:sp3d/>
+    <dgm:txPr/>
+    <dgm:style>
+      <a:lnRef idx="2">
+        <a:scrgbClr r="0" g="0" b="0"/>
+      </a:lnRef>
+      <a:fillRef idx="1">
+        <a:scrgbClr r="0" g="0" b="0"/>
+      </a:fillRef>
+      <a:effectRef idx="0">
+        <a:scrgbClr r="0" g="0" b="0"/>
+      </a:effectRef>
+      <a:fontRef idx="minor"/>
+    </dgm:style>
+  </dgm:styleLbl>
+  <dgm:styleLbl name="alignImgPlace1">
+    <dgm:scene3d>
+      <a:camera prst="orthographicFront"/>
+      <a:lightRig rig="threePt" dir="t"/>
+    </dgm:scene3d>
+    <dgm:sp3d/>
+    <dgm:txPr/>
+    <dgm:style>
+      <a:lnRef idx="2">
+        <a:scrgbClr r="0" g="0" b="0"/>
+      </a:lnRef>
+      <a:fillRef idx="1">
+        <a:scrgbClr r="0" g="0" b="0"/>
+      </a:fillRef>
+      <a:effectRef idx="0">
+        <a:scrgbClr r="0" g="0" b="0"/>
+      </a:effectRef>
+      <a:fontRef idx="minor"/>
+    </dgm:style>
+  </dgm:styleLbl>
+  <dgm:styleLbl name="bgImgPlace1">
+    <dgm:scene3d>
+      <a:camera prst="orthographicFront"/>
+      <a:lightRig rig="threePt" dir="t"/>
+    </dgm:scene3d>
+    <dgm:sp3d/>
+    <dgm:txPr/>
+    <dgm:style>
+      <a:lnRef idx="2">
+        <a:scrgbClr r="0" g="0" b="0"/>
+      </a:lnRef>
+      <a:fillRef idx="1">
+        <a:scrgbClr r="0" g="0" b="0"/>
+      </a:fillRef>
+      <a:effectRef idx="0">
+        <a:scrgbClr r="0" g="0" b="0"/>
+      </a:effectRef>
+      <a:fontRef idx="minor"/>
+    </dgm:style>
+  </dgm:styleLbl>
+  <dgm:styleLbl name="sibTrans2D1">
+    <dgm:scene3d>
+      <a:camera prst="orthographicFront"/>
+      <a:lightRig rig="threePt" dir="t"/>
+    </dgm:scene3d>
+    <dgm:sp3d/>
+    <dgm:txPr/>
+    <dgm:style>
+      <a:lnRef idx="0">
+        <a:scrgbClr r="0" g="0" b="0"/>
+      </a:lnRef>
+      <a:fillRef idx="1">
+        <a:scrgbClr r="0" g="0" b="0"/>
+      </a:fillRef>
+      <a:effectRef idx="0">
+        <a:scrgbClr r="0" g="0" b="0"/>
+      </a:effectRef>
+      <a:fontRef idx="minor">
+        <a:schemeClr val="lt1"/>
+      </a:fontRef>
+    </dgm:style>
+  </dgm:styleLbl>
+  <dgm:styleLbl name="fgSibTrans2D1">
+    <dgm:scene3d>
+      <a:camera prst="orthographicFront"/>
+      <a:lightRig rig="threePt" dir="t"/>
+    </dgm:scene3d>
+    <dgm:sp3d/>
+    <dgm:txPr/>
+    <dgm:style>
+      <a:lnRef idx="0">
+        <a:scrgbClr r="0" g="0" b="0"/>
+      </a:lnRef>
+      <a:fillRef idx="1">
+        <a:scrgbClr r="0" g="0" b="0"/>
+      </a:fillRef>
+      <a:effectRef idx="0">
+        <a:scrgbClr r="0" g="0" b="0"/>
+      </a:effectRef>
+      <a:fontRef idx="minor">
+        <a:schemeClr val="lt1"/>
+      </a:fontRef>
+    </dgm:style>
+  </dgm:styleLbl>
+  <dgm:styleLbl name="bgSibTrans2D1">
+    <dgm:scene3d>
+      <a:camera prst="orthographicFront"/>
+      <a:lightRig rig="threePt" dir="t"/>
+    </dgm:scene3d>
+    <dgm:sp3d/>
+    <dgm:txPr/>
+    <dgm:style>
+      <a:lnRef idx="0">
+        <a:scrgbClr r="0" g="0" b="0"/>
+      </a:lnRef>
+      <a:fillRef idx="1">
+        <a:scrgbClr r="0" g="0" b="0"/>
+      </a:fillRef>
+      <a:effectRef idx="0">
+        <a:scrgbClr r="0" g="0" b="0"/>
+      </a:effectRef>
+      <a:fontRef idx="minor">
+        <a:schemeClr val="lt1"/>
+      </a:fontRef>
+    </dgm:style>
+  </dgm:styleLbl>
+  <dgm:styleLbl name="sibTrans1D1">
+    <dgm:scene3d>
+      <a:camera prst="orthographicFront"/>
+      <a:lightRig rig="threePt" dir="t"/>
+    </dgm:scene3d>
+    <dgm:sp3d/>
+    <dgm:txPr/>
+    <dgm:style>
+      <a:lnRef idx="1">
+        <a:scrgbClr r="0" g="0" b="0"/>
+      </a:lnRef>
+      <a:fillRef idx="0">
+        <a:scrgbClr r="0" g="0" b="0"/>
+      </a:fillRef>
+      <a:effectRef idx="0">
+        <a:scrgbClr r="0" g="0" b="0"/>
+      </a:effectRef>
+      <a:fontRef idx="minor"/>
+    </dgm:style>
+  </dgm:styleLbl>
+  <dgm:styleLbl name="callout">
+    <dgm:scene3d>
+      <a:camera prst="orthographicFront"/>
+      <a:lightRig rig="threePt" dir="t"/>
+    </dgm:scene3d>
+    <dgm:sp3d/>
+    <dgm:txPr/>
+    <dgm:style>
+      <a:lnRef idx="2">
+        <a:scrgbClr r="0" g="0" b="0"/>
+      </a:lnRef>
+      <a:fillRef idx="1">
+        <a:scrgbClr r="0" g="0" b="0"/>
+      </a:fillRef>
+      <a:effectRef idx="0">
+        <a:scrgbClr r="0" g="0" b="0"/>
+      </a:effectRef>
+      <a:fontRef idx="minor"/>
+    </dgm:style>
+  </dgm:styleLbl>
+  <dgm:styleLbl name="asst0">
+    <dgm:scene3d>
+      <a:camera prst="orthographicFront"/>
+      <a:lightRig rig="threePt" dir="t"/>
+    </dgm:scene3d>
+    <dgm:sp3d/>
+    <dgm:txPr/>
+    <dgm:style>
+      <a:lnRef idx="2">
+        <a:scrgbClr r="0" g="0" b="0"/>
+      </a:lnRef>
+      <a:fillRef idx="1">
+        <a:scrgbClr r="0" g="0" b="0"/>
+      </a:fillRef>
+      <a:effectRef idx="0">
+        <a:scrgbClr r="0" g="0" b="0"/>
+      </a:effectRef>
+      <a:fontRef idx="minor">
+        <a:schemeClr val="lt1"/>
+      </a:fontRef>
+    </dgm:style>
+  </dgm:styleLbl>
+  <dgm:styleLbl name="asst1">
+    <dgm:scene3d>
+      <a:camera prst="orthographicFront"/>
+      <a:lightRig rig="threePt" dir="t"/>
+    </dgm:scene3d>
+    <dgm:sp3d/>
+    <dgm:txPr/>
+    <dgm:style>
+      <a:lnRef idx="2">
+        <a:scrgbClr r="0" g="0" b="0"/>
+      </a:lnRef>
+      <a:fillRef idx="1">
+        <a:scrgbClr r="0" g="0" b="0"/>
+      </a:fillRef>
+      <a:effectRef idx="0">
+        <a:scrgbClr r="0" g="0" b="0"/>
+      </a:effectRef>
+      <a:fontRef idx="minor">
+        <a:schemeClr val="lt1"/>
+      </a:fontRef>
+    </dgm:style>
+  </dgm:styleLbl>
+  <dgm:styleLbl name="asst2">
+    <dgm:scene3d>
+      <a:camera prst="orthographicFront"/>
+      <a:lightRig rig="threePt" dir="t"/>
+    </dgm:scene3d>
+    <dgm:sp3d/>
+    <dgm:txPr/>
+    <dgm:style>
+      <a:lnRef idx="2">
+        <a:scrgbClr r="0" g="0" b="0"/>
+      </a:lnRef>
+      <a:fillRef idx="1">
+        <a:scrgbClr r="0" g="0" b="0"/>
+      </a:fillRef>
+      <a:effectRef idx="0">
+        <a:scrgbClr r="0" g="0" b="0"/>
+      </a:effectRef>
+      <a:fontRef idx="minor">
+        <a:schemeClr val="lt1"/>
+      </a:fontRef>
+    </dgm:style>
+  </dgm:styleLbl>
+  <dgm:styleLbl name="asst3">
+    <dgm:scene3d>
+      <a:camera prst="orthographicFront"/>
+      <a:lightRig rig="threePt" dir="t"/>
+    </dgm:scene3d>
+    <dgm:sp3d/>
+    <dgm:txPr/>
+    <dgm:style>
+      <a:lnRef idx="2">
+        <a:scrgbClr r="0" g="0" b="0"/>
+      </a:lnRef>
+      <a:fillRef idx="1">
+        <a:scrgbClr r="0" g="0" b="0"/>
+      </a:fillRef>
+      <a:effectRef idx="0">
+        <a:scrgbClr r="0" g="0" b="0"/>
+      </a:effectRef>
+      <a:fontRef idx="minor">
+        <a:schemeClr val="lt1"/>
+      </a:fontRef>
+    </dgm:style>
+  </dgm:styleLbl>
+  <dgm:styleLbl name="asst4">
+    <dgm:scene3d>
+      <a:camera prst="orthographicFront"/>
+      <a:lightRig rig="threePt" dir="t"/>
+    </dgm:scene3d>
+    <dgm:sp3d/>
+    <dgm:txPr/>
+    <dgm:style>
+      <a:lnRef idx="2">
+        <a:scrgbClr r="0" g="0" b="0"/>
+      </a:lnRef>
+      <a:fillRef idx="1">
+        <a:scrgbClr r="0" g="0" b="0"/>
+      </a:fillRef>
+      <a:effectRef idx="0">
+        <a:scrgbClr r="0" g="0" b="0"/>
+      </a:effectRef>
+      <a:fontRef idx="minor">
+        <a:schemeClr val="lt1"/>
+      </a:fontRef>
+    </dgm:style>
+  </dgm:styleLbl>
+  <dgm:styleLbl name="parChTrans2D1">
+    <dgm:scene3d>
+      <a:camera prst="orthographicFront"/>
+      <a:lightRig rig="threePt" dir="t"/>
+    </dgm:scene3d>
+    <dgm:sp3d/>
+    <dgm:txPr/>
+    <dgm:style>
+      <a:lnRef idx="2">
+        <a:scrgbClr r="0" g="0" b="0"/>
+      </a:lnRef>
+      <a:fillRef idx="1">
+        <a:scrgbClr r="0" g="0" b="0"/>
+      </a:fillRef>
+      <a:effectRef idx="0">
+        <a:scrgbClr r="0" g="0" b="0"/>
+      </a:effectRef>
+      <a:fontRef idx="minor">
+        <a:schemeClr val="lt1"/>
+      </a:fontRef>
+    </dgm:style>
+  </dgm:styleLbl>
+  <dgm:styleLbl name="parChTrans2D2">
+    <dgm:scene3d>
+      <a:camera prst="orthographicFront"/>
+      <a:lightRig rig="threePt" dir="t"/>
+    </dgm:scene3d>
+    <dgm:sp3d/>
+    <dgm:txPr/>
+    <dgm:style>
+      <a:lnRef idx="2">
+        <a:scrgbClr r="0" g="0" b="0"/>
+      </a:lnRef>
+      <a:fillRef idx="1">
+        <a:scrgbClr r="0" g="0" b="0"/>
+      </a:fillRef>
+      <a:effectRef idx="0">
+        <a:scrgbClr r="0" g="0" b="0"/>
+      </a:effectRef>
+      <a:fontRef idx="minor">
+        <a:schemeClr val="lt1"/>
+      </a:fontRef>
+    </dgm:style>
+  </dgm:styleLbl>
+  <dgm:styleLbl name="parChTrans2D3">
+    <dgm:scene3d>
+      <a:camera prst="orthographicFront"/>
+      <a:lightRig rig="threePt" dir="t"/>
+    </dgm:scene3d>
+    <dgm:sp3d/>
+    <dgm:txPr/>
+    <dgm:style>
+      <a:lnRef idx="2">
+        <a:scrgbClr r="0" g="0" b="0"/>
+      </a:lnRef>
+      <a:fillRef idx="1">
+        <a:scrgbClr r="0" g="0" b="0"/>
+      </a:fillRef>
+      <a:effectRef idx="0">
+        <a:scrgbClr r="0" g="0" b="0"/>
+      </a:effectRef>
+      <a:fontRef idx="minor">
+        <a:schemeClr val="lt1"/>
+      </a:fontRef>
+    </dgm:style>
+  </dgm:styleLbl>
+  <dgm:styleLbl name="parChTrans2D4">
+    <dgm:scene3d>
+      <a:camera prst="orthographicFront"/>
+      <a:lightRig rig="threePt" dir="t"/>
+    </dgm:scene3d>
+    <dgm:sp3d/>
+    <dgm:txPr/>
+    <dgm:style>
+      <a:lnRef idx="2">
+        <a:scrgbClr r="0" g="0" b="0"/>
+      </a:lnRef>
+      <a:fillRef idx="1">
+        <a:scrgbClr r="0" g="0" b="0"/>
+      </a:fillRef>
+      <a:effectRef idx="0">
+        <a:scrgbClr r="0" g="0" b="0"/>
+      </a:effectRef>
+      <a:fontRef idx="minor">
+        <a:schemeClr val="lt1"/>
+      </a:fontRef>
+    </dgm:style>
+  </dgm:styleLbl>
+  <dgm:styleLbl name="parChTrans1D1">
+    <dgm:scene3d>
+      <a:camera prst="orthographicFront"/>
+      <a:lightRig rig="threePt" dir="t"/>
+    </dgm:scene3d>
+    <dgm:sp3d/>
+    <dgm:txPr/>
+    <dgm:style>
+      <a:lnRef idx="2">
+        <a:scrgbClr r="0" g="0" b="0"/>
+      </a:lnRef>
+      <a:fillRef idx="0">
+        <a:scrgbClr r="0" g="0" b="0"/>
+      </a:fillRef>
+      <a:effectRef idx="0">
+        <a:scrgbClr r="0" g="0" b="0"/>
+      </a:effectRef>
+      <a:fontRef idx="minor"/>
+    </dgm:style>
+  </dgm:styleLbl>
+  <dgm:styleLbl name="parChTrans1D2">
+    <dgm:scene3d>
+      <a:camera prst="orthographicFront"/>
+      <a:lightRig rig="threePt" dir="t"/>
+    </dgm:scene3d>
+    <dgm:sp3d/>
+    <dgm:txPr/>
+    <dgm:style>
+      <a:lnRef idx="2">
+        <a:scrgbClr r="0" g="0" b="0"/>
+      </a:lnRef>
+      <a:fillRef idx="0">
+        <a:scrgbClr r="0" g="0" b="0"/>
+      </a:fillRef>
+      <a:effectRef idx="0">
+        <a:scrgbClr r="0" g="0" b="0"/>
+      </a:effectRef>
+      <a:fontRef idx="minor"/>
+    </dgm:style>
+  </dgm:styleLbl>
+  <dgm:styleLbl name="parChTrans1D3">
+    <dgm:scene3d>
+      <a:camera prst="orthographicFront"/>
+      <a:lightRig rig="threePt" dir="t"/>
+    </dgm:scene3d>
+    <dgm:sp3d/>
+    <dgm:txPr/>
+    <dgm:style>
+      <a:lnRef idx="2">
+        <a:scrgbClr r="0" g="0" b="0"/>
+      </a:lnRef>
+      <a:fillRef idx="0">
+        <a:scrgbClr r="0" g="0" b="0"/>
+      </a:fillRef>
+      <a:effectRef idx="0">
+        <a:scrgbClr r="0" g="0" b="0"/>
+      </a:effectRef>
+      <a:fontRef idx="minor"/>
+    </dgm:style>
+  </dgm:styleLbl>
+  <dgm:styleLbl name="parChTrans1D4">
+    <dgm:scene3d>
+      <a:camera prst="orthographicFront"/>
+      <a:lightRig rig="threePt" dir="t"/>
+    </dgm:scene3d>
+    <dgm:sp3d/>
+    <dgm:txPr/>
+    <dgm:style>
+      <a:lnRef idx="2">
+        <a:scrgbClr r="0" g="0" b="0"/>
+      </a:lnRef>
+      <a:fillRef idx="0">
+        <a:scrgbClr r="0" g="0" b="0"/>
+      </a:fillRef>
+      <a:effectRef idx="0">
+        <a:scrgbClr r="0" g="0" b="0"/>
+      </a:effectRef>
+      <a:fontRef idx="minor"/>
+    </dgm:style>
+  </dgm:styleLbl>
+  <dgm:styleLbl name="fgAcc1">
+    <dgm:scene3d>
+      <a:camera prst="orthographicFront"/>
+      <a:lightRig rig="threePt" dir="t"/>
+    </dgm:scene3d>
+    <dgm:sp3d/>
+    <dgm:txPr/>
+    <dgm:style>
+      <a:lnRef idx="2">
+        <a:scrgbClr r="0" g="0" b="0"/>
+      </a:lnRef>
+      <a:fillRef idx="1">
+        <a:scrgbClr r="0" g="0" b="0"/>
+      </a:fillRef>
+      <a:effectRef idx="0">
+        <a:scrgbClr r="0" g="0" b="0"/>
+      </a:effectRef>
+      <a:fontRef idx="minor"/>
+    </dgm:style>
+  </dgm:styleLbl>
+  <dgm:styleLbl name="conFgAcc1">
+    <dgm:scene3d>
+      <a:camera prst="orthographicFront"/>
+      <a:lightRig rig="threePt" dir="t"/>
+    </dgm:scene3d>
+    <dgm:sp3d/>
+    <dgm:txPr/>
+    <dgm:style>
+      <a:lnRef idx="2">
+        <a:scrgbClr r="0" g="0" b="0"/>
+      </a:lnRef>
+      <a:fillRef idx="1">
+        <a:scrgbClr r="0" g="0" b="0"/>
+      </a:fillRef>
+      <a:effectRef idx="0">
+        <a:scrgbClr r="0" g="0" b="0"/>
+      </a:effectRef>
+      <a:fontRef idx="minor"/>
+    </dgm:style>
+  </dgm:styleLbl>
+  <dgm:styleLbl name="alignAcc1">
+    <dgm:scene3d>
+      <a:camera prst="orthographicFront"/>
+      <a:lightRig rig="threePt" dir="t"/>
+    </dgm:scene3d>
+    <dgm:sp3d/>
+    <dgm:txPr/>
+    <dgm:style>
+      <a:lnRef idx="2">
+        <a:scrgbClr r="0" g="0" b="0"/>
+      </a:lnRef>
+      <a:fillRef idx="1">
+        <a:scrgbClr r="0" g="0" b="0"/>
+      </a:fillRef>
+      <a:effectRef idx="0">
+        <a:scrgbClr r="0" g="0" b="0"/>
+      </a:effectRef>
+      <a:fontRef idx="minor"/>
+    </dgm:style>
+  </dgm:styleLbl>
+  <dgm:styleLbl name="trAlignAcc1">
+    <dgm:scene3d>
+      <a:camera prst="orthographicFront"/>
+      <a:lightRig rig="threePt" dir="t"/>
+    </dgm:scene3d>
+    <dgm:sp3d/>
+    <dgm:txPr/>
+    <dgm:style>
+      <a:lnRef idx="1">
+        <a:scrgbClr r="0" g="0" b="0"/>
+      </a:lnRef>
+      <a:fillRef idx="1">
+        <a:scrgbClr r="0" g="0" b="0"/>
+      </a:fillRef>
+      <a:effectRef idx="0">
+        <a:scrgbClr r="0" g="0" b="0"/>
+      </a:effectRef>
+      <a:fontRef idx="minor"/>
+    </dgm:style>
+  </dgm:styleLbl>
+  <dgm:styleLbl name="bgAcc1">
+    <dgm:scene3d>
+      <a:camera prst="orthographicFront"/>
+      <a:lightRig rig="threePt" dir="t"/>
+    </dgm:scene3d>
+    <dgm:sp3d/>
+    <dgm:txPr/>
+    <dgm:style>
+      <a:lnRef idx="2">
+        <a:scrgbClr r="0" g="0" b="0"/>
+      </a:lnRef>
+      <a:fillRef idx="1">
+        <a:scrgbClr r="0" g="0" b="0"/>
+      </a:fillRef>
+      <a:effectRef idx="0">
+        <a:scrgbClr r="0" g="0" b="0"/>
+      </a:effectRef>
+      <a:fontRef idx="minor"/>
+    </dgm:style>
+  </dgm:styleLbl>
+  <dgm:styleLbl name="solidFgAcc1">
+    <dgm:scene3d>
+      <a:camera prst="orthographicFront"/>
+      <a:lightRig rig="threePt" dir="t"/>
+    </dgm:scene3d>
+    <dgm:sp3d/>
+    <dgm:txPr/>
+    <dgm:style>
+      <a:lnRef idx="2">
+        <a:scrgbClr r="0" g="0" b="0"/>
+      </a:lnRef>
+      <a:fillRef idx="1">
+        <a:scrgbClr r="0" g="0" b="0"/>
+      </a:fillRef>
+      <a:effectRef idx="0">
+        <a:scrgbClr r="0" g="0" b="0"/>
+      </a:effectRef>
+      <a:fontRef idx="minor"/>
+    </dgm:style>
+  </dgm:styleLbl>
+  <dgm:styleLbl name="solidAlignAcc1">
+    <dgm:scene3d>
+      <a:camera prst="orthographicFront"/>
+      <a:lightRig rig="threePt" dir="t"/>
+    </dgm:scene3d>
+    <dgm:sp3d/>
+    <dgm:txPr/>
+    <dgm:style>
+      <a:lnRef idx="2">
+        <a:scrgbClr r="0" g="0" b="0"/>
+      </a:lnRef>
+      <a:fillRef idx="1">
+        <a:scrgbClr r="0" g="0" b="0"/>
+      </a:fillRef>
+      <a:effectRef idx="0">
+        <a:scrgbClr r="0" g="0" b="0"/>
+      </a:effectRef>
+      <a:fontRef idx="minor"/>
+    </dgm:style>
+  </dgm:styleLbl>
+  <dgm:styleLbl name="solidBgAcc1">
+    <dgm:scene3d>
+      <a:camera prst="orthographicFront"/>
+      <a:lightRig rig="threePt" dir="t"/>
+    </dgm:scene3d>
+    <dgm:sp3d/>
+    <dgm:txPr/>
+    <dgm:style>
+      <a:lnRef idx="2">
+        <a:scrgbClr r="0" g="0" b="0"/>
+      </a:lnRef>
+      <a:fillRef idx="1">
+        <a:scrgbClr r="0" g="0" b="0"/>
+      </a:fillRef>
+      <a:effectRef idx="0">
+        <a:scrgbClr r="0" g="0" b="0"/>
+      </a:effectRef>
+      <a:fontRef idx="minor"/>
+    </dgm:style>
+  </dgm:styleLbl>
+  <dgm:styleLbl name="fgAccFollowNode1">
+    <dgm:scene3d>
+      <a:camera prst="orthographicFront"/>
+      <a:lightRig rig="threePt" dir="t"/>
+    </dgm:scene3d>
+    <dgm:sp3d/>
+    <dgm:txPr/>
+    <dgm:style>
+      <a:lnRef idx="2">
+        <a:scrgbClr r="0" g="0" b="0"/>
+      </a:lnRef>
+      <a:fillRef idx="1">
+        <a:scrgbClr r="0" g="0" b="0"/>
+      </a:fillRef>
+      <a:effectRef idx="0">
+        <a:scrgbClr r="0" g="0" b="0"/>
+      </a:effectRef>
+      <a:fontRef idx="minor"/>
+    </dgm:style>
+  </dgm:styleLbl>
+  <dgm:styleLbl name="alignAccFollowNode1">
+    <dgm:scene3d>
+      <a:camera prst="orthographicFront"/>
+      <a:lightRig rig="threePt" dir="t"/>
+    </dgm:scene3d>
+    <dgm:sp3d/>
+    <dgm:txPr/>
+    <dgm:style>
+      <a:lnRef idx="2">
+        <a:scrgbClr r="0" g="0" b="0"/>
+      </a:lnRef>
+      <a:fillRef idx="1">
+        <a:scrgbClr r="0" g="0" b="0"/>
+      </a:fillRef>
+      <a:effectRef idx="0">
+        <a:scrgbClr r="0" g="0" b="0"/>
+      </a:effectRef>
+      <a:fontRef idx="minor"/>
+    </dgm:style>
+  </dgm:styleLbl>
+  <dgm:styleLbl name="bgAccFollowNode1">
+    <dgm:scene3d>
+      <a:camera prst="orthographicFront"/>
+      <a:lightRig rig="threePt" dir="t"/>
+    </dgm:scene3d>
+    <dgm:sp3d/>
+    <dgm:txPr/>
+    <dgm:style>
+      <a:lnRef idx="2">
+        <a:scrgbClr r="0" g="0" b="0"/>
+      </a:lnRef>
+      <a:fillRef idx="1">
+        <a:scrgbClr r="0" g="0" b="0"/>
+      </a:fillRef>
+      <a:effectRef idx="0">
+        <a:scrgbClr r="0" g="0" b="0"/>
+      </a:effectRef>
+      <a:fontRef idx="minor"/>
+    </dgm:style>
+  </dgm:styleLbl>
+  <dgm:styleLbl name="fgAcc0">
+    <dgm:scene3d>
+      <a:camera prst="orthographicFront"/>
+      <a:lightRig rig="threePt" dir="t"/>
+    </dgm:scene3d>
+    <dgm:sp3d/>
+    <dgm:txPr/>
+    <dgm:style>
+      <a:lnRef idx="2">
+        <a:scrgbClr r="0" g="0" b="0"/>
+      </a:lnRef>
+      <a:fillRef idx="1">
+        <a:scrgbClr r="0" g="0" b="0"/>
+      </a:fillRef>
+      <a:effectRef idx="0">
+        <a:scrgbClr r="0" g="0" b="0"/>
+      </a:effectRef>
+      <a:fontRef idx="minor"/>
+    </dgm:style>
+  </dgm:styleLbl>
+  <dgm:styleLbl name="fgAcc2">
+    <dgm:scene3d>
+      <a:camera prst="orthographicFront"/>
+      <a:lightRig rig="threePt" dir="t"/>
+    </dgm:scene3d>
+    <dgm:sp3d/>
+    <dgm:txPr/>
+    <dgm:style>
+      <a:lnRef idx="2">
+        <a:scrgbClr r="0" g="0" b="0"/>
+      </a:lnRef>
+      <a:fillRef idx="1">
+        <a:scrgbClr r="0" g="0" b="0"/>
+      </a:fillRef>
+      <a:effectRef idx="0">
+        <a:scrgbClr r="0" g="0" b="0"/>
+      </a:effectRef>
+      <a:fontRef idx="minor"/>
+    </dgm:style>
+  </dgm:styleLbl>
+  <dgm:styleLbl name="fgAcc3">
+    <dgm:scene3d>
+      <a:camera prst="orthographicFront"/>
+      <a:lightRig rig="threePt" dir="t"/>
+    </dgm:scene3d>
+    <dgm:sp3d/>
+    <dgm:txPr/>
+    <dgm:style>
+      <a:lnRef idx="2">
+        <a:scrgbClr r="0" g="0" b="0"/>
+      </a:lnRef>
+      <a:fillRef idx="1">
+        <a:scrgbClr r="0" g="0" b="0"/>
+      </a:fillRef>
+      <a:effectRef idx="0">
+        <a:scrgbClr r="0" g="0" b="0"/>
+      </a:effectRef>
+      <a:fontRef idx="minor"/>
+    </dgm:style>
+  </dgm:styleLbl>
+  <dgm:styleLbl name="fgAcc4">
+    <dgm:scene3d>
+      <a:camera prst="orthographicFront"/>
+      <a:lightRig rig="threePt" dir="t"/>
+    </dgm:scene3d>
+    <dgm:sp3d/>
+    <dgm:txPr/>
+    <dgm:style>
+      <a:lnRef idx="2">
+        <a:scrgbClr r="0" g="0" b="0"/>
+      </a:lnRef>
+      <a:fillRef idx="1">
+        <a:scrgbClr r="0" g="0" b="0"/>
+      </a:fillRef>
+      <a:effectRef idx="0">
+        <a:scrgbClr r="0" g="0" b="0"/>
+      </a:effectRef>
+      <a:fontRef idx="minor"/>
+    </dgm:style>
+  </dgm:styleLbl>
+  <dgm:styleLbl name="bgShp">
+    <dgm:scene3d>
+      <a:camera prst="orthographicFront"/>
+      <a:lightRig rig="threePt" dir="t"/>
+    </dgm:scene3d>
+    <dgm:sp3d/>
+    <dgm:txPr/>
+    <dgm:style>
+      <a:lnRef idx="0">
+        <a:scrgbClr r="0" g="0" b="0"/>
+      </a:lnRef>
+      <a:fillRef idx="1">
+        <a:scrgbClr r="0" g="0" b="0"/>
+      </a:fillRef>
+      <a:effectRef idx="0">
+        <a:scrgbClr r="0" g="0" b="0"/>
+      </a:effectRef>
+      <a:fontRef idx="minor"/>
+    </dgm:style>
+  </dgm:styleLbl>
+  <dgm:styleLbl name="dkBgShp">
+    <dgm:scene3d>
+      <a:camera prst="orthographicFront"/>
+      <a:lightRig rig="threePt" dir="t"/>
+    </dgm:scene3d>
+    <dgm:sp3d/>
+    <dgm:txPr/>
+    <dgm:style>
+      <a:lnRef idx="0">
+        <a:scrgbClr r="0" g="0" b="0"/>
+      </a:lnRef>
+      <a:fillRef idx="1">
+        <a:scrgbClr r="0" g="0" b="0"/>
+      </a:fillRef>
+      <a:effectRef idx="0">
+        <a:scrgbClr r="0" g="0" b="0"/>
+      </a:effectRef>
+      <a:fontRef idx="minor"/>
+    </dgm:style>
+  </dgm:styleLbl>
+  <dgm:styleLbl name="trBgShp">
+    <dgm:scene3d>
+      <a:camera prst="orthographicFront"/>
+      <a:lightRig rig="threePt" dir="t"/>
+    </dgm:scene3d>
+    <dgm:sp3d/>
+    <dgm:txPr/>
+    <dgm:style>
+      <a:lnRef idx="0">
+        <a:scrgbClr r="0" g="0" b="0"/>
+      </a:lnRef>
+      <a:fillRef idx="1">
+        <a:scrgbClr r="0" g="0" b="0"/>
+      </a:fillRef>
+      <a:effectRef idx="0">
+        <a:scrgbClr r="0" g="0" b="0"/>
+      </a:effectRef>
+      <a:fontRef idx="minor"/>
+    </dgm:style>
+  </dgm:styleLbl>
+  <dgm:styleLbl name="fgShp">
+    <dgm:scene3d>
+      <a:camera prst="orthographicFront"/>
+      <a:lightRig rig="threePt" dir="t"/>
+    </dgm:scene3d>
+    <dgm:sp3d/>
+    <dgm:txPr/>
+    <dgm:style>
+      <a:lnRef idx="2">
+        <a:scrgbClr r="0" g="0" b="0"/>
+      </a:lnRef>
+      <a:fillRef idx="1">
+        <a:scrgbClr r="0" g="0" b="0"/>
+      </a:fillRef>
+      <a:effectRef idx="0">
+        <a:scrgbClr r="0" g="0" b="0"/>
+      </a:effectRef>
+      <a:fontRef idx="minor"/>
+    </dgm:style>
+  </dgm:styleLbl>
+  <dgm:styleLbl name="revTx">
+    <dgm:scene3d>
+      <a:camera prst="orthographicFront"/>
+      <a:lightRig rig="threePt" dir="t"/>
+    </dgm:scene3d>
+    <dgm:sp3d/>
+    <dgm:txPr/>
+    <dgm:style>
+      <a:lnRef idx="0">
+        <a:scrgbClr r="0" g="0" b="0"/>
+      </a:lnRef>
+      <a:fillRef idx="0">
+        <a:scrgbClr r="0" g="0" b="0"/>
+      </a:fillRef>
+      <a:effectRef idx="0">
+        <a:scrgbClr r="0" g="0" b="0"/>
+      </a:effectRef>
+      <a:fontRef idx="minor"/>
+    </dgm:style>
+  </dgm:styleLbl>
+</dgm:styleDef>
+</file>
+
 <file path=ppt/slideLayouts/slideLayout1.xml><?xml version="1.0" encoding="utf-8"?>
 <p:sldLayout xmlns:a="http://schemas.openxmlformats.org/drawingml/2006/main" xmlns:r="http://schemas.openxmlformats.org/officeDocument/2006/relationships" xmlns:p="http://schemas.openxmlformats.org/presentationml/2006/main" type="title" preserve="1">
   <p:cSld name="Title Slide">
@@ -260,7 +3532,7 @@
           <a:p>
             <a:fld id="{A602910D-B23A-A04C-B7B6-5251B25A4F24}" type="datetimeFigureOut">
               <a:rPr lang="en-US" smtClean="0"/>
-              <a:t>2/28/24</a:t>
+              <a:t>2/29/24</a:t>
             </a:fld>
             <a:endParaRPr lang="en-US"/>
           </a:p>
@@ -458,7 +3730,7 @@
           <a:p>
             <a:fld id="{A602910D-B23A-A04C-B7B6-5251B25A4F24}" type="datetimeFigureOut">
               <a:rPr lang="en-US" smtClean="0"/>
-              <a:t>2/28/24</a:t>
+              <a:t>2/29/24</a:t>
             </a:fld>
             <a:endParaRPr lang="en-US"/>
           </a:p>
@@ -666,7 +3938,7 @@
           <a:p>
             <a:fld id="{A602910D-B23A-A04C-B7B6-5251B25A4F24}" type="datetimeFigureOut">
               <a:rPr lang="en-US" smtClean="0"/>
-              <a:t>2/28/24</a:t>
+              <a:t>2/29/24</a:t>
             </a:fld>
             <a:endParaRPr lang="en-US"/>
           </a:p>
@@ -864,7 +4136,7 @@
           <a:p>
             <a:fld id="{A602910D-B23A-A04C-B7B6-5251B25A4F24}" type="datetimeFigureOut">
               <a:rPr lang="en-US" smtClean="0"/>
-              <a:t>2/28/24</a:t>
+              <a:t>2/29/24</a:t>
             </a:fld>
             <a:endParaRPr lang="en-US"/>
           </a:p>
@@ -1139,7 +4411,7 @@
           <a:p>
             <a:fld id="{A602910D-B23A-A04C-B7B6-5251B25A4F24}" type="datetimeFigureOut">
               <a:rPr lang="en-US" smtClean="0"/>
-              <a:t>2/28/24</a:t>
+              <a:t>2/29/24</a:t>
             </a:fld>
             <a:endParaRPr lang="en-US"/>
           </a:p>
@@ -1404,7 +4676,7 @@
           <a:p>
             <a:fld id="{A602910D-B23A-A04C-B7B6-5251B25A4F24}" type="datetimeFigureOut">
               <a:rPr lang="en-US" smtClean="0"/>
-              <a:t>2/28/24</a:t>
+              <a:t>2/29/24</a:t>
             </a:fld>
             <a:endParaRPr lang="en-US"/>
           </a:p>
@@ -1816,7 +5088,7 @@
           <a:p>
             <a:fld id="{A602910D-B23A-A04C-B7B6-5251B25A4F24}" type="datetimeFigureOut">
               <a:rPr lang="en-US" smtClean="0"/>
-              <a:t>2/28/24</a:t>
+              <a:t>2/29/24</a:t>
             </a:fld>
             <a:endParaRPr lang="en-US"/>
           </a:p>
@@ -1957,7 +5229,7 @@
           <a:p>
             <a:fld id="{A602910D-B23A-A04C-B7B6-5251B25A4F24}" type="datetimeFigureOut">
               <a:rPr lang="en-US" smtClean="0"/>
-              <a:t>2/28/24</a:t>
+              <a:t>2/29/24</a:t>
             </a:fld>
             <a:endParaRPr lang="en-US"/>
           </a:p>
@@ -2070,7 +5342,7 @@
           <a:p>
             <a:fld id="{A602910D-B23A-A04C-B7B6-5251B25A4F24}" type="datetimeFigureOut">
               <a:rPr lang="en-US" smtClean="0"/>
-              <a:t>2/28/24</a:t>
+              <a:t>2/29/24</a:t>
             </a:fld>
             <a:endParaRPr lang="en-US"/>
           </a:p>
@@ -2381,7 +5653,7 @@
           <a:p>
             <a:fld id="{A602910D-B23A-A04C-B7B6-5251B25A4F24}" type="datetimeFigureOut">
               <a:rPr lang="en-US" smtClean="0"/>
-              <a:t>2/28/24</a:t>
+              <a:t>2/29/24</a:t>
             </a:fld>
             <a:endParaRPr lang="en-US"/>
           </a:p>
@@ -2669,7 +5941,7 @@
           <a:p>
             <a:fld id="{A602910D-B23A-A04C-B7B6-5251B25A4F24}" type="datetimeFigureOut">
               <a:rPr lang="en-US" smtClean="0"/>
-              <a:t>2/28/24</a:t>
+              <a:t>2/29/24</a:t>
             </a:fld>
             <a:endParaRPr lang="en-US"/>
           </a:p>
@@ -2910,7 +6182,7 @@
           <a:p>
             <a:fld id="{A602910D-B23A-A04C-B7B6-5251B25A4F24}" type="datetimeFigureOut">
               <a:rPr lang="en-US" smtClean="0"/>
-              <a:t>2/28/24</a:t>
+              <a:t>2/29/24</a:t>
             </a:fld>
             <a:endParaRPr lang="en-US"/>
           </a:p>
@@ -4112,6 +7384,1978 @@
     <p:extLst>
       <p:ext uri="{BB962C8B-B14F-4D97-AF65-F5344CB8AC3E}">
         <p14:creationId xmlns:p14="http://schemas.microsoft.com/office/powerpoint/2010/main" val="2623645181"/>
+      </p:ext>
+    </p:extLst>
+  </p:cSld>
+  <p:clrMapOvr>
+    <a:masterClrMapping/>
+  </p:clrMapOvr>
+</p:sld>
+</file>
+
+<file path=ppt/slides/slide3.xml><?xml version="1.0" encoding="utf-8"?>
+<p:sld xmlns:a="http://schemas.openxmlformats.org/drawingml/2006/main" xmlns:r="http://schemas.openxmlformats.org/officeDocument/2006/relationships" xmlns:p="http://schemas.openxmlformats.org/presentationml/2006/main">
+  <p:cSld>
+    <p:spTree>
+      <p:nvGrpSpPr>
+        <p:cNvPr id="1" name=""/>
+        <p:cNvGrpSpPr/>
+        <p:nvPr/>
+      </p:nvGrpSpPr>
+      <p:grpSpPr>
+        <a:xfrm>
+          <a:off x="0" y="0"/>
+          <a:ext cx="0" cy="0"/>
+          <a:chOff x="0" y="0"/>
+          <a:chExt cx="0" cy="0"/>
+        </a:xfrm>
+      </p:grpSpPr>
+      <p:sp>
+        <p:nvSpPr>
+          <p:cNvPr id="6" name="Rectangle 5">
+            <a:extLst>
+              <a:ext uri="{FF2B5EF4-FFF2-40B4-BE49-F238E27FC236}">
+                <a16:creationId xmlns:a16="http://schemas.microsoft.com/office/drawing/2014/main" id="{0FA2C94A-7A0C-BBD2-397D-C9BB6109B31B}"/>
+              </a:ext>
+            </a:extLst>
+          </p:cNvPr>
+          <p:cNvSpPr/>
+          <p:nvPr/>
+        </p:nvSpPr>
+        <p:spPr>
+          <a:xfrm>
+            <a:off x="583200" y="972000"/>
+            <a:ext cx="3931200" cy="849600"/>
+          </a:xfrm>
+          <a:prstGeom prst="rect">
+            <a:avLst/>
+          </a:prstGeom>
+        </p:spPr>
+        <p:style>
+          <a:lnRef idx="0">
+            <a:schemeClr val="accent3"/>
+          </a:lnRef>
+          <a:fillRef idx="3">
+            <a:schemeClr val="accent3"/>
+          </a:fillRef>
+          <a:effectRef idx="3">
+            <a:schemeClr val="accent3"/>
+          </a:effectRef>
+          <a:fontRef idx="minor">
+            <a:schemeClr val="lt1"/>
+          </a:fontRef>
+        </p:style>
+        <p:txBody>
+          <a:bodyPr rtlCol="0" anchor="ctr"/>
+          <a:lstStyle/>
+          <a:p>
+            <a:pPr algn="ctr"/>
+            <a:r>
+              <a:rPr lang="en-US" dirty="0"/>
+              <a:t>Frontend</a:t>
+            </a:r>
+          </a:p>
+        </p:txBody>
+      </p:sp>
+      <p:sp>
+        <p:nvSpPr>
+          <p:cNvPr id="7" name="Rectangle 6">
+            <a:extLst>
+              <a:ext uri="{FF2B5EF4-FFF2-40B4-BE49-F238E27FC236}">
+                <a16:creationId xmlns:a16="http://schemas.microsoft.com/office/drawing/2014/main" id="{CCAD3BBE-8837-6103-61CF-54684CA32938}"/>
+              </a:ext>
+            </a:extLst>
+          </p:cNvPr>
+          <p:cNvSpPr/>
+          <p:nvPr/>
+        </p:nvSpPr>
+        <p:spPr>
+          <a:xfrm>
+            <a:off x="583200" y="1938000"/>
+            <a:ext cx="3931200" cy="849600"/>
+          </a:xfrm>
+          <a:prstGeom prst="rect">
+            <a:avLst/>
+          </a:prstGeom>
+        </p:spPr>
+        <p:style>
+          <a:lnRef idx="0">
+            <a:schemeClr val="accent1"/>
+          </a:lnRef>
+          <a:fillRef idx="3">
+            <a:schemeClr val="accent1"/>
+          </a:fillRef>
+          <a:effectRef idx="3">
+            <a:schemeClr val="accent1"/>
+          </a:effectRef>
+          <a:fontRef idx="minor">
+            <a:schemeClr val="lt1"/>
+          </a:fontRef>
+        </p:style>
+        <p:txBody>
+          <a:bodyPr rtlCol="0" anchor="ctr"/>
+          <a:lstStyle/>
+          <a:p>
+            <a:pPr algn="ctr"/>
+            <a:r>
+              <a:rPr lang="en-US" dirty="0"/>
+              <a:t>Backend</a:t>
+            </a:r>
+          </a:p>
+        </p:txBody>
+      </p:sp>
+      <p:sp>
+        <p:nvSpPr>
+          <p:cNvPr id="8" name="Rectangle 7">
+            <a:extLst>
+              <a:ext uri="{FF2B5EF4-FFF2-40B4-BE49-F238E27FC236}">
+                <a16:creationId xmlns:a16="http://schemas.microsoft.com/office/drawing/2014/main" id="{A4FC433A-4F4F-E2A1-FF6A-94A40A0D0BCB}"/>
+              </a:ext>
+            </a:extLst>
+          </p:cNvPr>
+          <p:cNvSpPr/>
+          <p:nvPr/>
+        </p:nvSpPr>
+        <p:spPr>
+          <a:xfrm>
+            <a:off x="583200" y="2904000"/>
+            <a:ext cx="1972800" cy="849600"/>
+          </a:xfrm>
+          <a:prstGeom prst="rect">
+            <a:avLst/>
+          </a:prstGeom>
+        </p:spPr>
+        <p:style>
+          <a:lnRef idx="0">
+            <a:schemeClr val="accent6"/>
+          </a:lnRef>
+          <a:fillRef idx="3">
+            <a:schemeClr val="accent6"/>
+          </a:fillRef>
+          <a:effectRef idx="3">
+            <a:schemeClr val="accent6"/>
+          </a:effectRef>
+          <a:fontRef idx="minor">
+            <a:schemeClr val="lt1"/>
+          </a:fontRef>
+        </p:style>
+        <p:txBody>
+          <a:bodyPr rtlCol="0" anchor="ctr"/>
+          <a:lstStyle/>
+          <a:p>
+            <a:pPr algn="ctr"/>
+            <a:r>
+              <a:rPr lang="en-US" dirty="0"/>
+              <a:t>Data</a:t>
+            </a:r>
+          </a:p>
+        </p:txBody>
+      </p:sp>
+      <p:sp>
+        <p:nvSpPr>
+          <p:cNvPr id="9" name="Rectangle 8">
+            <a:extLst>
+              <a:ext uri="{FF2B5EF4-FFF2-40B4-BE49-F238E27FC236}">
+                <a16:creationId xmlns:a16="http://schemas.microsoft.com/office/drawing/2014/main" id="{86ED64C1-76F5-FF78-1BE3-DBA70B03DE68}"/>
+              </a:ext>
+            </a:extLst>
+          </p:cNvPr>
+          <p:cNvSpPr/>
+          <p:nvPr/>
+        </p:nvSpPr>
+        <p:spPr>
+          <a:xfrm>
+            <a:off x="2642400" y="2904000"/>
+            <a:ext cx="1872000" cy="849600"/>
+          </a:xfrm>
+          <a:prstGeom prst="rect">
+            <a:avLst/>
+          </a:prstGeom>
+        </p:spPr>
+        <p:style>
+          <a:lnRef idx="0">
+            <a:schemeClr val="accent5"/>
+          </a:lnRef>
+          <a:fillRef idx="3">
+            <a:schemeClr val="accent5"/>
+          </a:fillRef>
+          <a:effectRef idx="3">
+            <a:schemeClr val="accent5"/>
+          </a:effectRef>
+          <a:fontRef idx="minor">
+            <a:schemeClr val="lt1"/>
+          </a:fontRef>
+        </p:style>
+        <p:txBody>
+          <a:bodyPr rtlCol="0" anchor="ctr"/>
+          <a:lstStyle/>
+          <a:p>
+            <a:pPr algn="ctr"/>
+            <a:r>
+              <a:rPr lang="en-US" dirty="0"/>
+              <a:t>ML Model</a:t>
+            </a:r>
+          </a:p>
+        </p:txBody>
+      </p:sp>
+      <p:sp>
+        <p:nvSpPr>
+          <p:cNvPr id="10" name="Rectangle 9">
+            <a:extLst>
+              <a:ext uri="{FF2B5EF4-FFF2-40B4-BE49-F238E27FC236}">
+                <a16:creationId xmlns:a16="http://schemas.microsoft.com/office/drawing/2014/main" id="{EE994520-31B5-E11E-0C2A-27500682F009}"/>
+              </a:ext>
+            </a:extLst>
+          </p:cNvPr>
+          <p:cNvSpPr/>
+          <p:nvPr/>
+        </p:nvSpPr>
+        <p:spPr>
+          <a:xfrm>
+            <a:off x="590400" y="3870000"/>
+            <a:ext cx="3931200" cy="849600"/>
+          </a:xfrm>
+          <a:prstGeom prst="rect">
+            <a:avLst/>
+          </a:prstGeom>
+        </p:spPr>
+        <p:style>
+          <a:lnRef idx="0">
+            <a:schemeClr val="accent2"/>
+          </a:lnRef>
+          <a:fillRef idx="3">
+            <a:schemeClr val="accent2"/>
+          </a:fillRef>
+          <a:effectRef idx="3">
+            <a:schemeClr val="accent2"/>
+          </a:effectRef>
+          <a:fontRef idx="minor">
+            <a:schemeClr val="lt1"/>
+          </a:fontRef>
+        </p:style>
+        <p:txBody>
+          <a:bodyPr rtlCol="0" anchor="ctr"/>
+          <a:lstStyle/>
+          <a:p>
+            <a:pPr algn="ctr"/>
+            <a:r>
+              <a:rPr lang="en-US" dirty="0"/>
+              <a:t>Infrastructure</a:t>
+            </a:r>
+          </a:p>
+        </p:txBody>
+      </p:sp>
+      <p:sp>
+        <p:nvSpPr>
+          <p:cNvPr id="11" name="Rectangle 10">
+            <a:extLst>
+              <a:ext uri="{FF2B5EF4-FFF2-40B4-BE49-F238E27FC236}">
+                <a16:creationId xmlns:a16="http://schemas.microsoft.com/office/drawing/2014/main" id="{424740D1-5AAF-C6C3-AF84-B5331D3C9425}"/>
+              </a:ext>
+            </a:extLst>
+          </p:cNvPr>
+          <p:cNvSpPr/>
+          <p:nvPr/>
+        </p:nvSpPr>
+        <p:spPr>
+          <a:xfrm>
+            <a:off x="583200" y="4836000"/>
+            <a:ext cx="3931200" cy="849600"/>
+          </a:xfrm>
+          <a:prstGeom prst="rect">
+            <a:avLst/>
+          </a:prstGeom>
+        </p:spPr>
+        <p:style>
+          <a:lnRef idx="0">
+            <a:schemeClr val="accent4"/>
+          </a:lnRef>
+          <a:fillRef idx="3">
+            <a:schemeClr val="accent4"/>
+          </a:fillRef>
+          <a:effectRef idx="3">
+            <a:schemeClr val="accent4"/>
+          </a:effectRef>
+          <a:fontRef idx="minor">
+            <a:schemeClr val="lt1"/>
+          </a:fontRef>
+        </p:style>
+        <p:txBody>
+          <a:bodyPr rtlCol="0" anchor="ctr"/>
+          <a:lstStyle/>
+          <a:p>
+            <a:pPr algn="ctr"/>
+            <a:r>
+              <a:rPr lang="en-US" dirty="0"/>
+              <a:t>Hardware</a:t>
+            </a:r>
+          </a:p>
+        </p:txBody>
+      </p:sp>
+      <p:graphicFrame>
+        <p:nvGraphicFramePr>
+          <p:cNvPr id="13" name="Diagram 12">
+            <a:extLst>
+              <a:ext uri="{FF2B5EF4-FFF2-40B4-BE49-F238E27FC236}">
+                <a16:creationId xmlns:a16="http://schemas.microsoft.com/office/drawing/2014/main" id="{1C97D051-B278-C32F-DDE2-C42CC057E1FA}"/>
+              </a:ext>
+            </a:extLst>
+          </p:cNvPr>
+          <p:cNvGraphicFramePr/>
+          <p:nvPr>
+            <p:extLst>
+              <p:ext uri="{D42A27DB-BD31-4B8C-83A1-F6EECF244321}">
+                <p14:modId xmlns:p14="http://schemas.microsoft.com/office/powerpoint/2010/main" val="3744894949"/>
+              </p:ext>
+            </p:extLst>
+          </p:nvPr>
+        </p:nvGraphicFramePr>
+        <p:xfrm>
+          <a:off x="4064000" y="842066"/>
+          <a:ext cx="8128000" cy="5418667"/>
+        </p:xfrm>
+        <a:graphic>
+          <a:graphicData uri="http://schemas.openxmlformats.org/drawingml/2006/diagram">
+            <dgm:relIds xmlns:dgm="http://schemas.openxmlformats.org/drawingml/2006/diagram" xmlns:r="http://schemas.openxmlformats.org/officeDocument/2006/relationships" r:dm="rId2" r:lo="rId3" r:qs="rId4" r:cs="rId5"/>
+          </a:graphicData>
+        </a:graphic>
+      </p:graphicFrame>
+    </p:spTree>
+    <p:extLst>
+      <p:ext uri="{BB962C8B-B14F-4D97-AF65-F5344CB8AC3E}">
+        <p14:creationId xmlns:p14="http://schemas.microsoft.com/office/powerpoint/2010/main" val="650128116"/>
+      </p:ext>
+    </p:extLst>
+  </p:cSld>
+  <p:clrMapOvr>
+    <a:masterClrMapping/>
+  </p:clrMapOvr>
+</p:sld>
+</file>
+
+<file path=ppt/slides/slide4.xml><?xml version="1.0" encoding="utf-8"?>
+<p:sld xmlns:a="http://schemas.openxmlformats.org/drawingml/2006/main" xmlns:r="http://schemas.openxmlformats.org/officeDocument/2006/relationships" xmlns:p="http://schemas.openxmlformats.org/presentationml/2006/main">
+  <p:cSld>
+    <p:spTree>
+      <p:nvGrpSpPr>
+        <p:cNvPr id="1" name=""/>
+        <p:cNvGrpSpPr/>
+        <p:nvPr/>
+      </p:nvGrpSpPr>
+      <p:grpSpPr>
+        <a:xfrm>
+          <a:off x="0" y="0"/>
+          <a:ext cx="0" cy="0"/>
+          <a:chOff x="0" y="0"/>
+          <a:chExt cx="0" cy="0"/>
+        </a:xfrm>
+      </p:grpSpPr>
+      <p:sp>
+        <p:nvSpPr>
+          <p:cNvPr id="2" name="Title 1">
+            <a:extLst>
+              <a:ext uri="{FF2B5EF4-FFF2-40B4-BE49-F238E27FC236}">
+                <a16:creationId xmlns:a16="http://schemas.microsoft.com/office/drawing/2014/main" id="{8D2C2793-2B58-9C4C-D36F-B49116039811}"/>
+              </a:ext>
+            </a:extLst>
+          </p:cNvPr>
+          <p:cNvSpPr>
+            <a:spLocks noGrp="1"/>
+          </p:cNvSpPr>
+          <p:nvPr>
+            <p:ph type="title"/>
+          </p:nvPr>
+        </p:nvSpPr>
+        <p:spPr>
+          <a:xfrm>
+            <a:off x="1326510" y="560135"/>
+            <a:ext cx="10515600" cy="888726"/>
+          </a:xfrm>
+        </p:spPr>
+        <p:txBody>
+          <a:bodyPr/>
+          <a:lstStyle/>
+          <a:p>
+            <a:r>
+              <a:rPr lang="en-US" dirty="0"/>
+              <a:t>Server-Based vs Serverless architectures</a:t>
+            </a:r>
+          </a:p>
+        </p:txBody>
+      </p:sp>
+      <p:sp>
+        <p:nvSpPr>
+          <p:cNvPr id="4" name="Rounded Rectangle 3">
+            <a:extLst>
+              <a:ext uri="{FF2B5EF4-FFF2-40B4-BE49-F238E27FC236}">
+                <a16:creationId xmlns:a16="http://schemas.microsoft.com/office/drawing/2014/main" id="{2E07D7B9-38C7-A8EC-F999-F597B239D6D7}"/>
+              </a:ext>
+            </a:extLst>
+          </p:cNvPr>
+          <p:cNvSpPr/>
+          <p:nvPr/>
+        </p:nvSpPr>
+        <p:spPr>
+          <a:xfrm>
+            <a:off x="201601" y="1565556"/>
+            <a:ext cx="11502583" cy="820800"/>
+          </a:xfrm>
+          <a:prstGeom prst="roundRect">
+            <a:avLst/>
+          </a:prstGeom>
+        </p:spPr>
+        <p:style>
+          <a:lnRef idx="0">
+            <a:schemeClr val="accent1"/>
+          </a:lnRef>
+          <a:fillRef idx="3">
+            <a:schemeClr val="accent1"/>
+          </a:fillRef>
+          <a:effectRef idx="3">
+            <a:schemeClr val="accent1"/>
+          </a:effectRef>
+          <a:fontRef idx="minor">
+            <a:schemeClr val="lt1"/>
+          </a:fontRef>
+        </p:style>
+        <p:txBody>
+          <a:bodyPr rtlCol="0" anchor="ctr"/>
+          <a:lstStyle/>
+          <a:p>
+            <a:pPr algn="ctr"/>
+            <a:r>
+              <a:rPr lang="en-US" dirty="0"/>
+              <a:t>User Interface (UI)</a:t>
+            </a:r>
+          </a:p>
+        </p:txBody>
+      </p:sp>
+      <p:sp>
+        <p:nvSpPr>
+          <p:cNvPr id="7" name="Rectangle 6">
+            <a:extLst>
+              <a:ext uri="{FF2B5EF4-FFF2-40B4-BE49-F238E27FC236}">
+                <a16:creationId xmlns:a16="http://schemas.microsoft.com/office/drawing/2014/main" id="{9C941194-BA8E-E6B7-4524-3C52C3BCDF78}"/>
+              </a:ext>
+            </a:extLst>
+          </p:cNvPr>
+          <p:cNvSpPr/>
+          <p:nvPr/>
+        </p:nvSpPr>
+        <p:spPr>
+          <a:xfrm>
+            <a:off x="2649809" y="2544598"/>
+            <a:ext cx="5233924" cy="3942602"/>
+          </a:xfrm>
+          <a:prstGeom prst="rect">
+            <a:avLst/>
+          </a:prstGeom>
+        </p:spPr>
+        <p:style>
+          <a:lnRef idx="0">
+            <a:schemeClr val="accent1"/>
+          </a:lnRef>
+          <a:fillRef idx="3">
+            <a:schemeClr val="accent1"/>
+          </a:fillRef>
+          <a:effectRef idx="3">
+            <a:schemeClr val="accent1"/>
+          </a:effectRef>
+          <a:fontRef idx="minor">
+            <a:schemeClr val="lt1"/>
+          </a:fontRef>
+        </p:style>
+        <p:txBody>
+          <a:bodyPr rtlCol="0" anchor="b"/>
+          <a:lstStyle/>
+          <a:p>
+            <a:pPr algn="ctr"/>
+            <a:r>
+              <a:rPr lang="en-US" dirty="0"/>
+              <a:t>Microservices Application</a:t>
+            </a:r>
+          </a:p>
+        </p:txBody>
+      </p:sp>
+      <p:sp>
+        <p:nvSpPr>
+          <p:cNvPr id="8" name="Rectangle 7">
+            <a:extLst>
+              <a:ext uri="{FF2B5EF4-FFF2-40B4-BE49-F238E27FC236}">
+                <a16:creationId xmlns:a16="http://schemas.microsoft.com/office/drawing/2014/main" id="{250DE7CB-0163-2D40-49DA-929DEF011D5E}"/>
+              </a:ext>
+            </a:extLst>
+          </p:cNvPr>
+          <p:cNvSpPr/>
+          <p:nvPr/>
+        </p:nvSpPr>
+        <p:spPr>
+          <a:xfrm>
+            <a:off x="7940983" y="2554048"/>
+            <a:ext cx="3763201" cy="3923702"/>
+          </a:xfrm>
+          <a:prstGeom prst="rect">
+            <a:avLst/>
+          </a:prstGeom>
+        </p:spPr>
+        <p:style>
+          <a:lnRef idx="0">
+            <a:schemeClr val="accent1"/>
+          </a:lnRef>
+          <a:fillRef idx="3">
+            <a:schemeClr val="accent1"/>
+          </a:fillRef>
+          <a:effectRef idx="3">
+            <a:schemeClr val="accent1"/>
+          </a:effectRef>
+          <a:fontRef idx="minor">
+            <a:schemeClr val="lt1"/>
+          </a:fontRef>
+        </p:style>
+        <p:txBody>
+          <a:bodyPr rtlCol="0" anchor="b"/>
+          <a:lstStyle/>
+          <a:p>
+            <a:pPr algn="ctr"/>
+            <a:r>
+              <a:rPr lang="en-US" dirty="0"/>
+              <a:t>Serverless Application</a:t>
+            </a:r>
+          </a:p>
+        </p:txBody>
+      </p:sp>
+      <p:grpSp>
+        <p:nvGrpSpPr>
+          <p:cNvPr id="20" name="Group 19">
+            <a:extLst>
+              <a:ext uri="{FF2B5EF4-FFF2-40B4-BE49-F238E27FC236}">
+                <a16:creationId xmlns:a16="http://schemas.microsoft.com/office/drawing/2014/main" id="{3FF0C435-34E1-D37F-4F9B-A44124972855}"/>
+              </a:ext>
+            </a:extLst>
+          </p:cNvPr>
+          <p:cNvGrpSpPr/>
+          <p:nvPr/>
+        </p:nvGrpSpPr>
+        <p:grpSpPr>
+          <a:xfrm>
+            <a:off x="201600" y="2544598"/>
+            <a:ext cx="2409613" cy="3906602"/>
+            <a:chOff x="396000" y="3429000"/>
+            <a:chExt cx="2322867" cy="2583000"/>
+          </a:xfrm>
+        </p:grpSpPr>
+        <p:sp>
+          <p:nvSpPr>
+            <p:cNvPr id="5" name="Rectangle 4">
+              <a:extLst>
+                <a:ext uri="{FF2B5EF4-FFF2-40B4-BE49-F238E27FC236}">
+                  <a16:creationId xmlns:a16="http://schemas.microsoft.com/office/drawing/2014/main" id="{A9588627-0E15-5433-79F8-BEFE8A1CFC52}"/>
+                </a:ext>
+              </a:extLst>
+            </p:cNvPr>
+            <p:cNvSpPr/>
+            <p:nvPr/>
+          </p:nvSpPr>
+          <p:spPr>
+            <a:xfrm>
+              <a:off x="396000" y="3429000"/>
+              <a:ext cx="2322867" cy="2583000"/>
+            </a:xfrm>
+            <a:prstGeom prst="rect">
+              <a:avLst/>
+            </a:prstGeom>
+          </p:spPr>
+          <p:style>
+            <a:lnRef idx="0">
+              <a:schemeClr val="accent1"/>
+            </a:lnRef>
+            <a:fillRef idx="3">
+              <a:schemeClr val="accent1"/>
+            </a:fillRef>
+            <a:effectRef idx="3">
+              <a:schemeClr val="accent1"/>
+            </a:effectRef>
+            <a:fontRef idx="minor">
+              <a:schemeClr val="lt1"/>
+            </a:fontRef>
+          </p:style>
+          <p:txBody>
+            <a:bodyPr rtlCol="0" anchor="b"/>
+            <a:lstStyle/>
+            <a:p>
+              <a:pPr algn="ctr"/>
+              <a:r>
+                <a:rPr lang="en-US" dirty="0"/>
+                <a:t>Monolithic Application</a:t>
+              </a:r>
+            </a:p>
+          </p:txBody>
+        </p:sp>
+        <p:sp>
+          <p:nvSpPr>
+            <p:cNvPr id="9" name="Can 8">
+              <a:extLst>
+                <a:ext uri="{FF2B5EF4-FFF2-40B4-BE49-F238E27FC236}">
+                  <a16:creationId xmlns:a16="http://schemas.microsoft.com/office/drawing/2014/main" id="{C4C2CCEA-9425-6B99-BD03-BBA587DEF955}"/>
+                </a:ext>
+              </a:extLst>
+            </p:cNvPr>
+            <p:cNvSpPr/>
+            <p:nvPr/>
+          </p:nvSpPr>
+          <p:spPr>
+            <a:xfrm>
+              <a:off x="947276" y="5001865"/>
+              <a:ext cx="1244179" cy="525600"/>
+            </a:xfrm>
+            <a:prstGeom prst="can">
+              <a:avLst/>
+            </a:prstGeom>
+          </p:spPr>
+          <p:style>
+            <a:lnRef idx="0">
+              <a:schemeClr val="accent1"/>
+            </a:lnRef>
+            <a:fillRef idx="3">
+              <a:schemeClr val="accent1"/>
+            </a:fillRef>
+            <a:effectRef idx="3">
+              <a:schemeClr val="accent1"/>
+            </a:effectRef>
+            <a:fontRef idx="minor">
+              <a:schemeClr val="lt1"/>
+            </a:fontRef>
+          </p:style>
+          <p:txBody>
+            <a:bodyPr rtlCol="0" anchor="ctr"/>
+            <a:lstStyle/>
+            <a:p>
+              <a:pPr algn="ctr"/>
+              <a:r>
+                <a:rPr lang="en-US" dirty="0"/>
+                <a:t>Database</a:t>
+              </a:r>
+              <a:endParaRPr lang="en-US" sz="2400" dirty="0"/>
+            </a:p>
+          </p:txBody>
+        </p:sp>
+        <p:sp>
+          <p:nvSpPr>
+            <p:cNvPr id="10" name="Rectangle 9">
+              <a:extLst>
+                <a:ext uri="{FF2B5EF4-FFF2-40B4-BE49-F238E27FC236}">
+                  <a16:creationId xmlns:a16="http://schemas.microsoft.com/office/drawing/2014/main" id="{F3BB9C28-FFB1-8CF8-6D2E-4FF31CACD463}"/>
+                </a:ext>
+              </a:extLst>
+            </p:cNvPr>
+            <p:cNvSpPr/>
+            <p:nvPr/>
+          </p:nvSpPr>
+          <p:spPr>
+            <a:xfrm>
+              <a:off x="633600" y="3698075"/>
+              <a:ext cx="1871533" cy="535525"/>
+            </a:xfrm>
+            <a:prstGeom prst="rect">
+              <a:avLst/>
+            </a:prstGeom>
+          </p:spPr>
+          <p:style>
+            <a:lnRef idx="0">
+              <a:schemeClr val="accent1"/>
+            </a:lnRef>
+            <a:fillRef idx="3">
+              <a:schemeClr val="accent1"/>
+            </a:fillRef>
+            <a:effectRef idx="3">
+              <a:schemeClr val="accent1"/>
+            </a:effectRef>
+            <a:fontRef idx="minor">
+              <a:schemeClr val="lt1"/>
+            </a:fontRef>
+          </p:style>
+          <p:txBody>
+            <a:bodyPr rtlCol="0" anchor="ctr"/>
+            <a:lstStyle/>
+            <a:p>
+              <a:pPr algn="ctr"/>
+              <a:r>
+                <a:rPr lang="en-US" dirty="0"/>
+                <a:t>Business layer/logic</a:t>
+              </a:r>
+            </a:p>
+          </p:txBody>
+        </p:sp>
+        <p:sp>
+          <p:nvSpPr>
+            <p:cNvPr id="16" name="Rectangle 15">
+              <a:extLst>
+                <a:ext uri="{FF2B5EF4-FFF2-40B4-BE49-F238E27FC236}">
+                  <a16:creationId xmlns:a16="http://schemas.microsoft.com/office/drawing/2014/main" id="{32EA2150-70A7-8C58-2D3D-AFB07692C342}"/>
+                </a:ext>
+              </a:extLst>
+            </p:cNvPr>
+            <p:cNvSpPr/>
+            <p:nvPr/>
+          </p:nvSpPr>
+          <p:spPr>
+            <a:xfrm>
+              <a:off x="619832" y="4310941"/>
+              <a:ext cx="1871533" cy="535525"/>
+            </a:xfrm>
+            <a:prstGeom prst="rect">
+              <a:avLst/>
+            </a:prstGeom>
+          </p:spPr>
+          <p:style>
+            <a:lnRef idx="0">
+              <a:schemeClr val="accent1"/>
+            </a:lnRef>
+            <a:fillRef idx="3">
+              <a:schemeClr val="accent1"/>
+            </a:fillRef>
+            <a:effectRef idx="3">
+              <a:schemeClr val="accent1"/>
+            </a:effectRef>
+            <a:fontRef idx="minor">
+              <a:schemeClr val="lt1"/>
+            </a:fontRef>
+          </p:style>
+          <p:txBody>
+            <a:bodyPr rtlCol="0" anchor="ctr"/>
+            <a:lstStyle/>
+            <a:p>
+              <a:pPr algn="ctr"/>
+              <a:r>
+                <a:rPr lang="en-US" dirty="0"/>
+                <a:t>Data access layer</a:t>
+              </a:r>
+            </a:p>
+          </p:txBody>
+        </p:sp>
+      </p:grpSp>
+      <p:grpSp>
+        <p:nvGrpSpPr>
+          <p:cNvPr id="32" name="Group 31">
+            <a:extLst>
+              <a:ext uri="{FF2B5EF4-FFF2-40B4-BE49-F238E27FC236}">
+                <a16:creationId xmlns:a16="http://schemas.microsoft.com/office/drawing/2014/main" id="{52F3A4D2-E3D3-44DD-70DC-5CAEDAC4FEA4}"/>
+              </a:ext>
+            </a:extLst>
+          </p:cNvPr>
+          <p:cNvGrpSpPr/>
+          <p:nvPr/>
+        </p:nvGrpSpPr>
+        <p:grpSpPr>
+          <a:xfrm>
+            <a:off x="2781597" y="3871468"/>
+            <a:ext cx="1591199" cy="2147731"/>
+            <a:chOff x="3758401" y="2800801"/>
+            <a:chExt cx="1591199" cy="1735200"/>
+          </a:xfrm>
+        </p:grpSpPr>
+        <p:sp>
+          <p:nvSpPr>
+            <p:cNvPr id="26" name="Rectangle 25">
+              <a:extLst>
+                <a:ext uri="{FF2B5EF4-FFF2-40B4-BE49-F238E27FC236}">
+                  <a16:creationId xmlns:a16="http://schemas.microsoft.com/office/drawing/2014/main" id="{E222ED58-1B9C-026E-2A64-A798C3E07B8D}"/>
+                </a:ext>
+              </a:extLst>
+            </p:cNvPr>
+            <p:cNvSpPr/>
+            <p:nvPr/>
+          </p:nvSpPr>
+          <p:spPr>
+            <a:xfrm>
+              <a:off x="3758401" y="2800801"/>
+              <a:ext cx="1591199" cy="1735200"/>
+            </a:xfrm>
+            <a:prstGeom prst="rect">
+              <a:avLst/>
+            </a:prstGeom>
+          </p:spPr>
+          <p:style>
+            <a:lnRef idx="0">
+              <a:schemeClr val="accent1"/>
+            </a:lnRef>
+            <a:fillRef idx="3">
+              <a:schemeClr val="accent1"/>
+            </a:fillRef>
+            <a:effectRef idx="3">
+              <a:schemeClr val="accent1"/>
+            </a:effectRef>
+            <a:fontRef idx="minor">
+              <a:schemeClr val="lt1"/>
+            </a:fontRef>
+          </p:style>
+          <p:txBody>
+            <a:bodyPr rtlCol="0" anchor="t"/>
+            <a:lstStyle/>
+            <a:p>
+              <a:r>
+                <a:rPr lang="en-US" sz="1600" dirty="0"/>
+                <a:t>Microservice</a:t>
+              </a:r>
+            </a:p>
+          </p:txBody>
+        </p:sp>
+        <p:sp>
+          <p:nvSpPr>
+            <p:cNvPr id="29" name="Can 28">
+              <a:extLst>
+                <a:ext uri="{FF2B5EF4-FFF2-40B4-BE49-F238E27FC236}">
+                  <a16:creationId xmlns:a16="http://schemas.microsoft.com/office/drawing/2014/main" id="{F532A315-8023-0B7C-30F5-38323978FF14}"/>
+                </a:ext>
+              </a:extLst>
+            </p:cNvPr>
+            <p:cNvSpPr/>
+            <p:nvPr/>
+          </p:nvSpPr>
+          <p:spPr>
+            <a:xfrm>
+              <a:off x="4093200" y="3971838"/>
+              <a:ext cx="921600" cy="460575"/>
+            </a:xfrm>
+            <a:prstGeom prst="can">
+              <a:avLst/>
+            </a:prstGeom>
+          </p:spPr>
+          <p:style>
+            <a:lnRef idx="0">
+              <a:schemeClr val="accent1"/>
+            </a:lnRef>
+            <a:fillRef idx="3">
+              <a:schemeClr val="accent1"/>
+            </a:fillRef>
+            <a:effectRef idx="3">
+              <a:schemeClr val="accent1"/>
+            </a:effectRef>
+            <a:fontRef idx="minor">
+              <a:schemeClr val="lt1"/>
+            </a:fontRef>
+          </p:style>
+          <p:txBody>
+            <a:bodyPr rtlCol="0" anchor="ctr"/>
+            <a:lstStyle/>
+            <a:p>
+              <a:pPr algn="ctr"/>
+              <a:r>
+                <a:rPr lang="en-US" sz="1200" dirty="0"/>
+                <a:t>Database</a:t>
+              </a:r>
+            </a:p>
+          </p:txBody>
+        </p:sp>
+        <p:sp>
+          <p:nvSpPr>
+            <p:cNvPr id="30" name="Rectangle 29">
+              <a:extLst>
+                <a:ext uri="{FF2B5EF4-FFF2-40B4-BE49-F238E27FC236}">
+                  <a16:creationId xmlns:a16="http://schemas.microsoft.com/office/drawing/2014/main" id="{7003A1FC-0936-BBCD-7A73-A508A29E1BC1}"/>
+                </a:ext>
+              </a:extLst>
+            </p:cNvPr>
+            <p:cNvSpPr/>
+            <p:nvPr/>
+          </p:nvSpPr>
+          <p:spPr>
+            <a:xfrm>
+              <a:off x="3884400" y="3110400"/>
+              <a:ext cx="1324800" cy="333000"/>
+            </a:xfrm>
+            <a:prstGeom prst="rect">
+              <a:avLst/>
+            </a:prstGeom>
+          </p:spPr>
+          <p:style>
+            <a:lnRef idx="0">
+              <a:schemeClr val="accent1"/>
+            </a:lnRef>
+            <a:fillRef idx="3">
+              <a:schemeClr val="accent1"/>
+            </a:fillRef>
+            <a:effectRef idx="3">
+              <a:schemeClr val="accent1"/>
+            </a:effectRef>
+            <a:fontRef idx="minor">
+              <a:schemeClr val="lt1"/>
+            </a:fontRef>
+          </p:style>
+          <p:txBody>
+            <a:bodyPr rtlCol="0" anchor="ctr"/>
+            <a:lstStyle/>
+            <a:p>
+              <a:pPr algn="ctr"/>
+              <a:r>
+                <a:rPr lang="en-US" sz="1100" dirty="0"/>
+                <a:t>Business layer/logic</a:t>
+              </a:r>
+            </a:p>
+          </p:txBody>
+        </p:sp>
+        <p:sp>
+          <p:nvSpPr>
+            <p:cNvPr id="31" name="Rectangle 30">
+              <a:extLst>
+                <a:ext uri="{FF2B5EF4-FFF2-40B4-BE49-F238E27FC236}">
+                  <a16:creationId xmlns:a16="http://schemas.microsoft.com/office/drawing/2014/main" id="{A9386DE4-F4AE-B172-4E94-248D41DB58A9}"/>
+                </a:ext>
+              </a:extLst>
+            </p:cNvPr>
+            <p:cNvSpPr/>
+            <p:nvPr/>
+          </p:nvSpPr>
+          <p:spPr>
+            <a:xfrm>
+              <a:off x="3902400" y="3533919"/>
+              <a:ext cx="1324800" cy="333000"/>
+            </a:xfrm>
+            <a:prstGeom prst="rect">
+              <a:avLst/>
+            </a:prstGeom>
+          </p:spPr>
+          <p:style>
+            <a:lnRef idx="0">
+              <a:schemeClr val="accent1"/>
+            </a:lnRef>
+            <a:fillRef idx="3">
+              <a:schemeClr val="accent1"/>
+            </a:fillRef>
+            <a:effectRef idx="3">
+              <a:schemeClr val="accent1"/>
+            </a:effectRef>
+            <a:fontRef idx="minor">
+              <a:schemeClr val="lt1"/>
+            </a:fontRef>
+          </p:style>
+          <p:txBody>
+            <a:bodyPr rtlCol="0" anchor="ctr"/>
+            <a:lstStyle/>
+            <a:p>
+              <a:pPr algn="ctr"/>
+              <a:r>
+                <a:rPr lang="en-US" sz="1100" dirty="0"/>
+                <a:t>Data access layer</a:t>
+              </a:r>
+            </a:p>
+          </p:txBody>
+        </p:sp>
+      </p:grpSp>
+      <p:grpSp>
+        <p:nvGrpSpPr>
+          <p:cNvPr id="33" name="Group 32">
+            <a:extLst>
+              <a:ext uri="{FF2B5EF4-FFF2-40B4-BE49-F238E27FC236}">
+                <a16:creationId xmlns:a16="http://schemas.microsoft.com/office/drawing/2014/main" id="{3BBE46FC-09C5-AF23-1779-12CFF258B8FB}"/>
+              </a:ext>
+            </a:extLst>
+          </p:cNvPr>
+          <p:cNvGrpSpPr/>
+          <p:nvPr/>
+        </p:nvGrpSpPr>
+        <p:grpSpPr>
+          <a:xfrm>
+            <a:off x="4550307" y="3871469"/>
+            <a:ext cx="1591199" cy="2147730"/>
+            <a:chOff x="3758401" y="2800801"/>
+            <a:chExt cx="1591199" cy="1735200"/>
+          </a:xfrm>
+        </p:grpSpPr>
+        <p:sp>
+          <p:nvSpPr>
+            <p:cNvPr id="34" name="Rectangle 33">
+              <a:extLst>
+                <a:ext uri="{FF2B5EF4-FFF2-40B4-BE49-F238E27FC236}">
+                  <a16:creationId xmlns:a16="http://schemas.microsoft.com/office/drawing/2014/main" id="{B8EDFE54-F708-4FAB-1DA9-BCBBC3FB533B}"/>
+                </a:ext>
+              </a:extLst>
+            </p:cNvPr>
+            <p:cNvSpPr/>
+            <p:nvPr/>
+          </p:nvSpPr>
+          <p:spPr>
+            <a:xfrm>
+              <a:off x="3758401" y="2800801"/>
+              <a:ext cx="1591199" cy="1735200"/>
+            </a:xfrm>
+            <a:prstGeom prst="rect">
+              <a:avLst/>
+            </a:prstGeom>
+          </p:spPr>
+          <p:style>
+            <a:lnRef idx="0">
+              <a:schemeClr val="accent1"/>
+            </a:lnRef>
+            <a:fillRef idx="3">
+              <a:schemeClr val="accent1"/>
+            </a:fillRef>
+            <a:effectRef idx="3">
+              <a:schemeClr val="accent1"/>
+            </a:effectRef>
+            <a:fontRef idx="minor">
+              <a:schemeClr val="lt1"/>
+            </a:fontRef>
+          </p:style>
+          <p:txBody>
+            <a:bodyPr rtlCol="0" anchor="t"/>
+            <a:lstStyle/>
+            <a:p>
+              <a:r>
+                <a:rPr lang="en-US" sz="1600" dirty="0"/>
+                <a:t>Microservice</a:t>
+              </a:r>
+            </a:p>
+          </p:txBody>
+        </p:sp>
+        <p:sp>
+          <p:nvSpPr>
+            <p:cNvPr id="35" name="Can 34">
+              <a:extLst>
+                <a:ext uri="{FF2B5EF4-FFF2-40B4-BE49-F238E27FC236}">
+                  <a16:creationId xmlns:a16="http://schemas.microsoft.com/office/drawing/2014/main" id="{CC2DBEE0-D422-759E-888F-02733C6E315E}"/>
+                </a:ext>
+              </a:extLst>
+            </p:cNvPr>
+            <p:cNvSpPr/>
+            <p:nvPr/>
+          </p:nvSpPr>
+          <p:spPr>
+            <a:xfrm>
+              <a:off x="4093200" y="3971838"/>
+              <a:ext cx="921600" cy="460575"/>
+            </a:xfrm>
+            <a:prstGeom prst="can">
+              <a:avLst/>
+            </a:prstGeom>
+          </p:spPr>
+          <p:style>
+            <a:lnRef idx="0">
+              <a:schemeClr val="accent1"/>
+            </a:lnRef>
+            <a:fillRef idx="3">
+              <a:schemeClr val="accent1"/>
+            </a:fillRef>
+            <a:effectRef idx="3">
+              <a:schemeClr val="accent1"/>
+            </a:effectRef>
+            <a:fontRef idx="minor">
+              <a:schemeClr val="lt1"/>
+            </a:fontRef>
+          </p:style>
+          <p:txBody>
+            <a:bodyPr rtlCol="0" anchor="ctr"/>
+            <a:lstStyle/>
+            <a:p>
+              <a:pPr algn="ctr"/>
+              <a:r>
+                <a:rPr lang="en-US" sz="1200" dirty="0"/>
+                <a:t>Database</a:t>
+              </a:r>
+            </a:p>
+          </p:txBody>
+        </p:sp>
+        <p:sp>
+          <p:nvSpPr>
+            <p:cNvPr id="36" name="Rectangle 35">
+              <a:extLst>
+                <a:ext uri="{FF2B5EF4-FFF2-40B4-BE49-F238E27FC236}">
+                  <a16:creationId xmlns:a16="http://schemas.microsoft.com/office/drawing/2014/main" id="{7D143B67-F35E-0CC9-CD82-3CCF84857B36}"/>
+                </a:ext>
+              </a:extLst>
+            </p:cNvPr>
+            <p:cNvSpPr/>
+            <p:nvPr/>
+          </p:nvSpPr>
+          <p:spPr>
+            <a:xfrm>
+              <a:off x="3884400" y="3110400"/>
+              <a:ext cx="1324800" cy="333000"/>
+            </a:xfrm>
+            <a:prstGeom prst="rect">
+              <a:avLst/>
+            </a:prstGeom>
+          </p:spPr>
+          <p:style>
+            <a:lnRef idx="0">
+              <a:schemeClr val="accent1"/>
+            </a:lnRef>
+            <a:fillRef idx="3">
+              <a:schemeClr val="accent1"/>
+            </a:fillRef>
+            <a:effectRef idx="3">
+              <a:schemeClr val="accent1"/>
+            </a:effectRef>
+            <a:fontRef idx="minor">
+              <a:schemeClr val="lt1"/>
+            </a:fontRef>
+          </p:style>
+          <p:txBody>
+            <a:bodyPr rtlCol="0" anchor="ctr"/>
+            <a:lstStyle/>
+            <a:p>
+              <a:pPr algn="ctr"/>
+              <a:r>
+                <a:rPr lang="en-US" sz="1100" dirty="0"/>
+                <a:t>Business layer/logic</a:t>
+              </a:r>
+            </a:p>
+          </p:txBody>
+        </p:sp>
+        <p:sp>
+          <p:nvSpPr>
+            <p:cNvPr id="37" name="Rectangle 36">
+              <a:extLst>
+                <a:ext uri="{FF2B5EF4-FFF2-40B4-BE49-F238E27FC236}">
+                  <a16:creationId xmlns:a16="http://schemas.microsoft.com/office/drawing/2014/main" id="{A3674462-2D05-547A-B8FE-291DDFAC8F9D}"/>
+                </a:ext>
+              </a:extLst>
+            </p:cNvPr>
+            <p:cNvSpPr/>
+            <p:nvPr/>
+          </p:nvSpPr>
+          <p:spPr>
+            <a:xfrm>
+              <a:off x="3902400" y="3533919"/>
+              <a:ext cx="1324800" cy="333000"/>
+            </a:xfrm>
+            <a:prstGeom prst="rect">
+              <a:avLst/>
+            </a:prstGeom>
+          </p:spPr>
+          <p:style>
+            <a:lnRef idx="0">
+              <a:schemeClr val="accent1"/>
+            </a:lnRef>
+            <a:fillRef idx="3">
+              <a:schemeClr val="accent1"/>
+            </a:fillRef>
+            <a:effectRef idx="3">
+              <a:schemeClr val="accent1"/>
+            </a:effectRef>
+            <a:fontRef idx="minor">
+              <a:schemeClr val="lt1"/>
+            </a:fontRef>
+          </p:style>
+          <p:txBody>
+            <a:bodyPr rtlCol="0" anchor="ctr"/>
+            <a:lstStyle/>
+            <a:p>
+              <a:pPr algn="ctr"/>
+              <a:r>
+                <a:rPr lang="en-US" sz="1100" dirty="0"/>
+                <a:t>Data access layer</a:t>
+              </a:r>
+            </a:p>
+          </p:txBody>
+        </p:sp>
+      </p:grpSp>
+      <p:grpSp>
+        <p:nvGrpSpPr>
+          <p:cNvPr id="38" name="Group 37">
+            <a:extLst>
+              <a:ext uri="{FF2B5EF4-FFF2-40B4-BE49-F238E27FC236}">
+                <a16:creationId xmlns:a16="http://schemas.microsoft.com/office/drawing/2014/main" id="{4BBCC7B5-997D-DD72-EB68-9B6BC858B8E2}"/>
+              </a:ext>
+            </a:extLst>
+          </p:cNvPr>
+          <p:cNvGrpSpPr/>
+          <p:nvPr/>
+        </p:nvGrpSpPr>
+        <p:grpSpPr>
+          <a:xfrm>
+            <a:off x="6263433" y="3871468"/>
+            <a:ext cx="1591199" cy="2147729"/>
+            <a:chOff x="3758401" y="2800801"/>
+            <a:chExt cx="1591199" cy="1735200"/>
+          </a:xfrm>
+        </p:grpSpPr>
+        <p:sp>
+          <p:nvSpPr>
+            <p:cNvPr id="39" name="Rectangle 38">
+              <a:extLst>
+                <a:ext uri="{FF2B5EF4-FFF2-40B4-BE49-F238E27FC236}">
+                  <a16:creationId xmlns:a16="http://schemas.microsoft.com/office/drawing/2014/main" id="{0C1B3378-678E-7523-D8E7-2C6F6B4BDFB4}"/>
+                </a:ext>
+              </a:extLst>
+            </p:cNvPr>
+            <p:cNvSpPr/>
+            <p:nvPr/>
+          </p:nvSpPr>
+          <p:spPr>
+            <a:xfrm>
+              <a:off x="3758401" y="2800801"/>
+              <a:ext cx="1591199" cy="1735200"/>
+            </a:xfrm>
+            <a:prstGeom prst="rect">
+              <a:avLst/>
+            </a:prstGeom>
+          </p:spPr>
+          <p:style>
+            <a:lnRef idx="0">
+              <a:schemeClr val="accent1"/>
+            </a:lnRef>
+            <a:fillRef idx="3">
+              <a:schemeClr val="accent1"/>
+            </a:fillRef>
+            <a:effectRef idx="3">
+              <a:schemeClr val="accent1"/>
+            </a:effectRef>
+            <a:fontRef idx="minor">
+              <a:schemeClr val="lt1"/>
+            </a:fontRef>
+          </p:style>
+          <p:txBody>
+            <a:bodyPr rtlCol="0" anchor="t"/>
+            <a:lstStyle/>
+            <a:p>
+              <a:r>
+                <a:rPr lang="en-US" sz="1600" dirty="0"/>
+                <a:t>Microservice</a:t>
+              </a:r>
+            </a:p>
+          </p:txBody>
+        </p:sp>
+        <p:sp>
+          <p:nvSpPr>
+            <p:cNvPr id="40" name="Can 39">
+              <a:extLst>
+                <a:ext uri="{FF2B5EF4-FFF2-40B4-BE49-F238E27FC236}">
+                  <a16:creationId xmlns:a16="http://schemas.microsoft.com/office/drawing/2014/main" id="{F0544178-88BC-BF86-CD44-460A73251037}"/>
+                </a:ext>
+              </a:extLst>
+            </p:cNvPr>
+            <p:cNvSpPr/>
+            <p:nvPr/>
+          </p:nvSpPr>
+          <p:spPr>
+            <a:xfrm>
+              <a:off x="4093200" y="3971838"/>
+              <a:ext cx="921600" cy="460575"/>
+            </a:xfrm>
+            <a:prstGeom prst="can">
+              <a:avLst/>
+            </a:prstGeom>
+          </p:spPr>
+          <p:style>
+            <a:lnRef idx="0">
+              <a:schemeClr val="accent1"/>
+            </a:lnRef>
+            <a:fillRef idx="3">
+              <a:schemeClr val="accent1"/>
+            </a:fillRef>
+            <a:effectRef idx="3">
+              <a:schemeClr val="accent1"/>
+            </a:effectRef>
+            <a:fontRef idx="minor">
+              <a:schemeClr val="lt1"/>
+            </a:fontRef>
+          </p:style>
+          <p:txBody>
+            <a:bodyPr rtlCol="0" anchor="ctr"/>
+            <a:lstStyle/>
+            <a:p>
+              <a:pPr algn="ctr"/>
+              <a:r>
+                <a:rPr lang="en-US" sz="1200" dirty="0"/>
+                <a:t>Database</a:t>
+              </a:r>
+            </a:p>
+          </p:txBody>
+        </p:sp>
+        <p:sp>
+          <p:nvSpPr>
+            <p:cNvPr id="41" name="Rectangle 40">
+              <a:extLst>
+                <a:ext uri="{FF2B5EF4-FFF2-40B4-BE49-F238E27FC236}">
+                  <a16:creationId xmlns:a16="http://schemas.microsoft.com/office/drawing/2014/main" id="{7EC2702C-BB9D-A84C-B456-9F85CEEF429C}"/>
+                </a:ext>
+              </a:extLst>
+            </p:cNvPr>
+            <p:cNvSpPr/>
+            <p:nvPr/>
+          </p:nvSpPr>
+          <p:spPr>
+            <a:xfrm>
+              <a:off x="3884400" y="3110400"/>
+              <a:ext cx="1324800" cy="333000"/>
+            </a:xfrm>
+            <a:prstGeom prst="rect">
+              <a:avLst/>
+            </a:prstGeom>
+          </p:spPr>
+          <p:style>
+            <a:lnRef idx="0">
+              <a:schemeClr val="accent1"/>
+            </a:lnRef>
+            <a:fillRef idx="3">
+              <a:schemeClr val="accent1"/>
+            </a:fillRef>
+            <a:effectRef idx="3">
+              <a:schemeClr val="accent1"/>
+            </a:effectRef>
+            <a:fontRef idx="minor">
+              <a:schemeClr val="lt1"/>
+            </a:fontRef>
+          </p:style>
+          <p:txBody>
+            <a:bodyPr rtlCol="0" anchor="ctr"/>
+            <a:lstStyle/>
+            <a:p>
+              <a:pPr algn="ctr"/>
+              <a:r>
+                <a:rPr lang="en-US" sz="1100" dirty="0"/>
+                <a:t>Business layer/logic</a:t>
+              </a:r>
+            </a:p>
+          </p:txBody>
+        </p:sp>
+        <p:sp>
+          <p:nvSpPr>
+            <p:cNvPr id="42" name="Rectangle 41">
+              <a:extLst>
+                <a:ext uri="{FF2B5EF4-FFF2-40B4-BE49-F238E27FC236}">
+                  <a16:creationId xmlns:a16="http://schemas.microsoft.com/office/drawing/2014/main" id="{247D18E9-3E50-447A-6DA8-3A371323F327}"/>
+                </a:ext>
+              </a:extLst>
+            </p:cNvPr>
+            <p:cNvSpPr/>
+            <p:nvPr/>
+          </p:nvSpPr>
+          <p:spPr>
+            <a:xfrm>
+              <a:off x="3902400" y="3533919"/>
+              <a:ext cx="1324800" cy="333000"/>
+            </a:xfrm>
+            <a:prstGeom prst="rect">
+              <a:avLst/>
+            </a:prstGeom>
+          </p:spPr>
+          <p:style>
+            <a:lnRef idx="0">
+              <a:schemeClr val="accent1"/>
+            </a:lnRef>
+            <a:fillRef idx="3">
+              <a:schemeClr val="accent1"/>
+            </a:fillRef>
+            <a:effectRef idx="3">
+              <a:schemeClr val="accent1"/>
+            </a:effectRef>
+            <a:fontRef idx="minor">
+              <a:schemeClr val="lt1"/>
+            </a:fontRef>
+          </p:style>
+          <p:txBody>
+            <a:bodyPr rtlCol="0" anchor="ctr"/>
+            <a:lstStyle/>
+            <a:p>
+              <a:pPr algn="ctr"/>
+              <a:r>
+                <a:rPr lang="en-US" sz="1100" dirty="0"/>
+                <a:t>Data access layer</a:t>
+              </a:r>
+            </a:p>
+          </p:txBody>
+        </p:sp>
+      </p:grpSp>
+      <p:sp>
+        <p:nvSpPr>
+          <p:cNvPr id="43" name="Rectangle 42">
+            <a:extLst>
+              <a:ext uri="{FF2B5EF4-FFF2-40B4-BE49-F238E27FC236}">
+                <a16:creationId xmlns:a16="http://schemas.microsoft.com/office/drawing/2014/main" id="{5CE3DD62-459B-92AA-DA21-7AE70CDE38B0}"/>
+              </a:ext>
+            </a:extLst>
+          </p:cNvPr>
+          <p:cNvSpPr/>
+          <p:nvPr/>
+        </p:nvSpPr>
+        <p:spPr>
+          <a:xfrm>
+            <a:off x="2724347" y="2712600"/>
+            <a:ext cx="5084848" cy="914400"/>
+          </a:xfrm>
+          <a:prstGeom prst="rect">
+            <a:avLst/>
+          </a:prstGeom>
+        </p:spPr>
+        <p:style>
+          <a:lnRef idx="0">
+            <a:schemeClr val="accent1"/>
+          </a:lnRef>
+          <a:fillRef idx="3">
+            <a:schemeClr val="accent1"/>
+          </a:fillRef>
+          <a:effectRef idx="3">
+            <a:schemeClr val="accent1"/>
+          </a:effectRef>
+          <a:fontRef idx="minor">
+            <a:schemeClr val="lt1"/>
+          </a:fontRef>
+        </p:style>
+        <p:txBody>
+          <a:bodyPr rtlCol="0" anchor="ctr"/>
+          <a:lstStyle/>
+          <a:p>
+            <a:pPr algn="ctr"/>
+            <a:r>
+              <a:rPr lang="en-US" dirty="0"/>
+              <a:t>API gateway</a:t>
+            </a:r>
+          </a:p>
+        </p:txBody>
+      </p:sp>
+      <p:sp>
+        <p:nvSpPr>
+          <p:cNvPr id="46" name="Rectangle 45">
+            <a:extLst>
+              <a:ext uri="{FF2B5EF4-FFF2-40B4-BE49-F238E27FC236}">
+                <a16:creationId xmlns:a16="http://schemas.microsoft.com/office/drawing/2014/main" id="{CCD1F7DC-ED9E-6A58-FE33-7FE481A4AED7}"/>
+              </a:ext>
+            </a:extLst>
+          </p:cNvPr>
+          <p:cNvSpPr/>
+          <p:nvPr/>
+        </p:nvSpPr>
+        <p:spPr>
+          <a:xfrm>
+            <a:off x="8079810" y="2703150"/>
+            <a:ext cx="3451575" cy="513000"/>
+          </a:xfrm>
+          <a:prstGeom prst="rect">
+            <a:avLst/>
+          </a:prstGeom>
+        </p:spPr>
+        <p:style>
+          <a:lnRef idx="0">
+            <a:schemeClr val="accent1"/>
+          </a:lnRef>
+          <a:fillRef idx="3">
+            <a:schemeClr val="accent1"/>
+          </a:fillRef>
+          <a:effectRef idx="3">
+            <a:schemeClr val="accent1"/>
+          </a:effectRef>
+          <a:fontRef idx="minor">
+            <a:schemeClr val="lt1"/>
+          </a:fontRef>
+        </p:style>
+        <p:txBody>
+          <a:bodyPr rtlCol="0" anchor="ctr"/>
+          <a:lstStyle/>
+          <a:p>
+            <a:pPr algn="ctr"/>
+            <a:r>
+              <a:rPr lang="en-US" dirty="0"/>
+              <a:t>API gateway</a:t>
+            </a:r>
+          </a:p>
+        </p:txBody>
+      </p:sp>
+      <p:sp>
+        <p:nvSpPr>
+          <p:cNvPr id="47" name="Rectangle 46">
+            <a:extLst>
+              <a:ext uri="{FF2B5EF4-FFF2-40B4-BE49-F238E27FC236}">
+                <a16:creationId xmlns:a16="http://schemas.microsoft.com/office/drawing/2014/main" id="{688C91CD-FDE8-2419-1136-A9EA122EAFFE}"/>
+              </a:ext>
+            </a:extLst>
+          </p:cNvPr>
+          <p:cNvSpPr/>
+          <p:nvPr/>
+        </p:nvSpPr>
+        <p:spPr>
+          <a:xfrm>
+            <a:off x="8943114" y="3723863"/>
+            <a:ext cx="1506972" cy="513000"/>
+          </a:xfrm>
+          <a:prstGeom prst="rect">
+            <a:avLst/>
+          </a:prstGeom>
+        </p:spPr>
+        <p:style>
+          <a:lnRef idx="0">
+            <a:schemeClr val="accent1"/>
+          </a:lnRef>
+          <a:fillRef idx="3">
+            <a:schemeClr val="accent1"/>
+          </a:fillRef>
+          <a:effectRef idx="3">
+            <a:schemeClr val="accent1"/>
+          </a:effectRef>
+          <a:fontRef idx="minor">
+            <a:schemeClr val="lt1"/>
+          </a:fontRef>
+        </p:style>
+        <p:txBody>
+          <a:bodyPr rtlCol="0" anchor="ctr"/>
+          <a:lstStyle/>
+          <a:p>
+            <a:pPr algn="ctr"/>
+            <a:r>
+              <a:rPr lang="en-US" dirty="0"/>
+              <a:t>Cloud Function</a:t>
+            </a:r>
+          </a:p>
+        </p:txBody>
+      </p:sp>
+      <p:sp>
+        <p:nvSpPr>
+          <p:cNvPr id="48" name="Down Arrow 47">
+            <a:extLst>
+              <a:ext uri="{FF2B5EF4-FFF2-40B4-BE49-F238E27FC236}">
+                <a16:creationId xmlns:a16="http://schemas.microsoft.com/office/drawing/2014/main" id="{237ED4AD-A7BC-978E-B96D-D4C166D5B965}"/>
+              </a:ext>
+            </a:extLst>
+          </p:cNvPr>
+          <p:cNvSpPr/>
+          <p:nvPr/>
+        </p:nvSpPr>
+        <p:spPr>
+          <a:xfrm>
+            <a:off x="9546601" y="3267666"/>
+            <a:ext cx="273600" cy="406312"/>
+          </a:xfrm>
+          <a:prstGeom prst="downArrow">
+            <a:avLst/>
+          </a:prstGeom>
+        </p:spPr>
+        <p:style>
+          <a:lnRef idx="0">
+            <a:schemeClr val="accent1"/>
+          </a:lnRef>
+          <a:fillRef idx="3">
+            <a:schemeClr val="accent1"/>
+          </a:fillRef>
+          <a:effectRef idx="3">
+            <a:schemeClr val="accent1"/>
+          </a:effectRef>
+          <a:fontRef idx="minor">
+            <a:schemeClr val="lt1"/>
+          </a:fontRef>
+        </p:style>
+        <p:txBody>
+          <a:bodyPr rtlCol="0" anchor="ctr"/>
+          <a:lstStyle/>
+          <a:p>
+            <a:pPr algn="ctr"/>
+            <a:endParaRPr lang="en-US"/>
+          </a:p>
+        </p:txBody>
+      </p:sp>
+      <p:sp>
+        <p:nvSpPr>
+          <p:cNvPr id="49" name="Rectangle 48">
+            <a:extLst>
+              <a:ext uri="{FF2B5EF4-FFF2-40B4-BE49-F238E27FC236}">
+                <a16:creationId xmlns:a16="http://schemas.microsoft.com/office/drawing/2014/main" id="{EBCC2A94-B24C-92AD-4BDC-DCD9EA3549E5}"/>
+              </a:ext>
+            </a:extLst>
+          </p:cNvPr>
+          <p:cNvSpPr/>
+          <p:nvPr/>
+        </p:nvSpPr>
+        <p:spPr>
+          <a:xfrm>
+            <a:off x="8143995" y="5083705"/>
+            <a:ext cx="1040490" cy="798789"/>
+          </a:xfrm>
+          <a:prstGeom prst="rect">
+            <a:avLst/>
+          </a:prstGeom>
+        </p:spPr>
+        <p:style>
+          <a:lnRef idx="0">
+            <a:schemeClr val="accent1"/>
+          </a:lnRef>
+          <a:fillRef idx="3">
+            <a:schemeClr val="accent1"/>
+          </a:fillRef>
+          <a:effectRef idx="3">
+            <a:schemeClr val="accent1"/>
+          </a:effectRef>
+          <a:fontRef idx="minor">
+            <a:schemeClr val="lt1"/>
+          </a:fontRef>
+        </p:style>
+        <p:txBody>
+          <a:bodyPr rtlCol="0" anchor="ctr"/>
+          <a:lstStyle/>
+          <a:p>
+            <a:pPr algn="ctr"/>
+            <a:r>
+              <a:rPr lang="en-US" dirty="0"/>
+              <a:t>Cloud service</a:t>
+            </a:r>
+          </a:p>
+        </p:txBody>
+      </p:sp>
+      <p:sp>
+        <p:nvSpPr>
+          <p:cNvPr id="51" name="Rectangle 50">
+            <a:extLst>
+              <a:ext uri="{FF2B5EF4-FFF2-40B4-BE49-F238E27FC236}">
+                <a16:creationId xmlns:a16="http://schemas.microsoft.com/office/drawing/2014/main" id="{4FB21F1F-9B77-A4BD-410C-73C8546D8874}"/>
+              </a:ext>
+            </a:extLst>
+          </p:cNvPr>
+          <p:cNvSpPr/>
+          <p:nvPr/>
+        </p:nvSpPr>
+        <p:spPr>
+          <a:xfrm>
+            <a:off x="9299956" y="5082941"/>
+            <a:ext cx="1040490" cy="798789"/>
+          </a:xfrm>
+          <a:prstGeom prst="rect">
+            <a:avLst/>
+          </a:prstGeom>
+        </p:spPr>
+        <p:style>
+          <a:lnRef idx="0">
+            <a:schemeClr val="accent1"/>
+          </a:lnRef>
+          <a:fillRef idx="3">
+            <a:schemeClr val="accent1"/>
+          </a:fillRef>
+          <a:effectRef idx="3">
+            <a:schemeClr val="accent1"/>
+          </a:effectRef>
+          <a:fontRef idx="minor">
+            <a:schemeClr val="lt1"/>
+          </a:fontRef>
+        </p:style>
+        <p:txBody>
+          <a:bodyPr rtlCol="0" anchor="ctr"/>
+          <a:lstStyle/>
+          <a:p>
+            <a:pPr algn="ctr"/>
+            <a:r>
+              <a:rPr lang="en-US" sz="1600" dirty="0"/>
+              <a:t>Cloud Function</a:t>
+            </a:r>
+          </a:p>
+        </p:txBody>
+      </p:sp>
+      <p:sp>
+        <p:nvSpPr>
+          <p:cNvPr id="52" name="Rectangle 51">
+            <a:extLst>
+              <a:ext uri="{FF2B5EF4-FFF2-40B4-BE49-F238E27FC236}">
+                <a16:creationId xmlns:a16="http://schemas.microsoft.com/office/drawing/2014/main" id="{8EAF6998-007F-F38A-0887-EEFDADB09730}"/>
+              </a:ext>
+            </a:extLst>
+          </p:cNvPr>
+          <p:cNvSpPr/>
+          <p:nvPr/>
+        </p:nvSpPr>
+        <p:spPr>
+          <a:xfrm>
+            <a:off x="10406340" y="5082941"/>
+            <a:ext cx="1040490" cy="798789"/>
+          </a:xfrm>
+          <a:prstGeom prst="rect">
+            <a:avLst/>
+          </a:prstGeom>
+        </p:spPr>
+        <p:style>
+          <a:lnRef idx="0">
+            <a:schemeClr val="accent1"/>
+          </a:lnRef>
+          <a:fillRef idx="3">
+            <a:schemeClr val="accent1"/>
+          </a:fillRef>
+          <a:effectRef idx="3">
+            <a:schemeClr val="accent1"/>
+          </a:effectRef>
+          <a:fontRef idx="minor">
+            <a:schemeClr val="lt1"/>
+          </a:fontRef>
+        </p:style>
+        <p:txBody>
+          <a:bodyPr rtlCol="0" anchor="ctr"/>
+          <a:lstStyle/>
+          <a:p>
+            <a:pPr algn="ctr"/>
+            <a:r>
+              <a:rPr lang="en-US" dirty="0"/>
+              <a:t>Cloud Storage</a:t>
+            </a:r>
+          </a:p>
+        </p:txBody>
+      </p:sp>
+      <p:sp>
+        <p:nvSpPr>
+          <p:cNvPr id="53" name="Left-Right Arrow 52">
+            <a:extLst>
+              <a:ext uri="{FF2B5EF4-FFF2-40B4-BE49-F238E27FC236}">
+                <a16:creationId xmlns:a16="http://schemas.microsoft.com/office/drawing/2014/main" id="{E170C23E-11EF-04D4-56EC-F0915443E016}"/>
+              </a:ext>
+            </a:extLst>
+          </p:cNvPr>
+          <p:cNvSpPr/>
+          <p:nvPr/>
+        </p:nvSpPr>
+        <p:spPr>
+          <a:xfrm rot="18080523">
+            <a:off x="8696752" y="4540607"/>
+            <a:ext cx="729765" cy="276713"/>
+          </a:xfrm>
+          <a:prstGeom prst="leftRightArrow">
+            <a:avLst/>
+          </a:prstGeom>
+        </p:spPr>
+        <p:style>
+          <a:lnRef idx="0">
+            <a:schemeClr val="accent1"/>
+          </a:lnRef>
+          <a:fillRef idx="3">
+            <a:schemeClr val="accent1"/>
+          </a:fillRef>
+          <a:effectRef idx="3">
+            <a:schemeClr val="accent1"/>
+          </a:effectRef>
+          <a:fontRef idx="minor">
+            <a:schemeClr val="lt1"/>
+          </a:fontRef>
+        </p:style>
+        <p:txBody>
+          <a:bodyPr rtlCol="0" anchor="ctr"/>
+          <a:lstStyle/>
+          <a:p>
+            <a:pPr algn="ctr"/>
+            <a:endParaRPr lang="en-US"/>
+          </a:p>
+        </p:txBody>
+      </p:sp>
+      <p:sp>
+        <p:nvSpPr>
+          <p:cNvPr id="54" name="Left-Right Arrow 53">
+            <a:extLst>
+              <a:ext uri="{FF2B5EF4-FFF2-40B4-BE49-F238E27FC236}">
+                <a16:creationId xmlns:a16="http://schemas.microsoft.com/office/drawing/2014/main" id="{39C1E6C1-0F78-600E-FEC3-F8C99067D1D9}"/>
+              </a:ext>
+            </a:extLst>
+          </p:cNvPr>
+          <p:cNvSpPr/>
+          <p:nvPr/>
+        </p:nvSpPr>
+        <p:spPr>
+          <a:xfrm rot="13732717">
+            <a:off x="10161596" y="4514255"/>
+            <a:ext cx="729765" cy="276713"/>
+          </a:xfrm>
+          <a:prstGeom prst="leftRightArrow">
+            <a:avLst/>
+          </a:prstGeom>
+        </p:spPr>
+        <p:style>
+          <a:lnRef idx="0">
+            <a:schemeClr val="accent1"/>
+          </a:lnRef>
+          <a:fillRef idx="3">
+            <a:schemeClr val="accent1"/>
+          </a:fillRef>
+          <a:effectRef idx="3">
+            <a:schemeClr val="accent1"/>
+          </a:effectRef>
+          <a:fontRef idx="minor">
+            <a:schemeClr val="lt1"/>
+          </a:fontRef>
+        </p:style>
+        <p:txBody>
+          <a:bodyPr rtlCol="0" anchor="ctr"/>
+          <a:lstStyle/>
+          <a:p>
+            <a:pPr algn="ctr"/>
+            <a:endParaRPr lang="en-US"/>
+          </a:p>
+        </p:txBody>
+      </p:sp>
+      <p:sp>
+        <p:nvSpPr>
+          <p:cNvPr id="55" name="Left-Right Arrow 54">
+            <a:extLst>
+              <a:ext uri="{FF2B5EF4-FFF2-40B4-BE49-F238E27FC236}">
+                <a16:creationId xmlns:a16="http://schemas.microsoft.com/office/drawing/2014/main" id="{FF3BA27F-9659-85C0-7710-1B6897F82BA4}"/>
+              </a:ext>
+            </a:extLst>
+          </p:cNvPr>
+          <p:cNvSpPr/>
+          <p:nvPr/>
+        </p:nvSpPr>
+        <p:spPr>
+          <a:xfrm rot="16200000">
+            <a:off x="9508995" y="4503443"/>
+            <a:ext cx="622412" cy="285189"/>
+          </a:xfrm>
+          <a:prstGeom prst="leftRightArrow">
+            <a:avLst/>
+          </a:prstGeom>
+        </p:spPr>
+        <p:style>
+          <a:lnRef idx="0">
+            <a:schemeClr val="accent1"/>
+          </a:lnRef>
+          <a:fillRef idx="3">
+            <a:schemeClr val="accent1"/>
+          </a:fillRef>
+          <a:effectRef idx="3">
+            <a:schemeClr val="accent1"/>
+          </a:effectRef>
+          <a:fontRef idx="minor">
+            <a:schemeClr val="lt1"/>
+          </a:fontRef>
+        </p:style>
+        <p:txBody>
+          <a:bodyPr rtlCol="0" anchor="ctr"/>
+          <a:lstStyle/>
+          <a:p>
+            <a:pPr algn="ctr"/>
+            <a:endParaRPr lang="en-US"/>
+          </a:p>
+        </p:txBody>
+      </p:sp>
+      <p:sp>
+        <p:nvSpPr>
+          <p:cNvPr id="57" name="TextBox 56">
+            <a:extLst>
+              <a:ext uri="{FF2B5EF4-FFF2-40B4-BE49-F238E27FC236}">
+                <a16:creationId xmlns:a16="http://schemas.microsoft.com/office/drawing/2014/main" id="{5F7F4534-D1AC-653C-AD7B-786ECC527FD6}"/>
+              </a:ext>
+            </a:extLst>
+          </p:cNvPr>
+          <p:cNvSpPr txBox="1"/>
+          <p:nvPr/>
+        </p:nvSpPr>
+        <p:spPr>
+          <a:xfrm>
+            <a:off x="10560235" y="3338799"/>
+            <a:ext cx="1006173" cy="523220"/>
+          </a:xfrm>
+          <a:prstGeom prst="rect">
+            <a:avLst/>
+          </a:prstGeom>
+          <a:noFill/>
+          <a:ln>
+            <a:noFill/>
+          </a:ln>
+        </p:spPr>
+        <p:style>
+          <a:lnRef idx="0">
+            <a:scrgbClr r="0" g="0" b="0"/>
+          </a:lnRef>
+          <a:fillRef idx="0">
+            <a:scrgbClr r="0" g="0" b="0"/>
+          </a:fillRef>
+          <a:effectRef idx="0">
+            <a:scrgbClr r="0" g="0" b="0"/>
+          </a:effectRef>
+          <a:fontRef idx="minor">
+            <a:schemeClr val="dk1"/>
+          </a:fontRef>
+        </p:style>
+        <p:txBody>
+          <a:bodyPr wrap="none" rtlCol="0">
+            <a:spAutoFit/>
+          </a:bodyPr>
+          <a:lstStyle/>
+          <a:p>
+            <a:pPr algn="ctr"/>
+            <a:r>
+              <a:rPr lang="en-US" sz="1400" dirty="0">
+                <a:solidFill>
+                  <a:schemeClr val="bg1"/>
+                </a:solidFill>
+              </a:rPr>
+              <a:t>Direct Call</a:t>
+            </a:r>
+          </a:p>
+          <a:p>
+            <a:pPr algn="ctr"/>
+            <a:r>
+              <a:rPr lang="en-US" sz="1400" dirty="0">
+                <a:solidFill>
+                  <a:schemeClr val="bg1"/>
+                </a:solidFill>
+              </a:rPr>
+              <a:t>Request</a:t>
+            </a:r>
+          </a:p>
+        </p:txBody>
+      </p:sp>
+      <p:sp>
+        <p:nvSpPr>
+          <p:cNvPr id="58" name="TextBox 57">
+            <a:extLst>
+              <a:ext uri="{FF2B5EF4-FFF2-40B4-BE49-F238E27FC236}">
+                <a16:creationId xmlns:a16="http://schemas.microsoft.com/office/drawing/2014/main" id="{CC7DDAA8-3AAE-EE3B-DD90-BC1CC7E67E33}"/>
+              </a:ext>
+            </a:extLst>
+          </p:cNvPr>
+          <p:cNvSpPr txBox="1"/>
+          <p:nvPr/>
+        </p:nvSpPr>
+        <p:spPr>
+          <a:xfrm>
+            <a:off x="7903991" y="4348630"/>
+            <a:ext cx="1129605" cy="523220"/>
+          </a:xfrm>
+          <a:prstGeom prst="rect">
+            <a:avLst/>
+          </a:prstGeom>
+          <a:noFill/>
+          <a:ln>
+            <a:noFill/>
+          </a:ln>
+        </p:spPr>
+        <p:style>
+          <a:lnRef idx="0">
+            <a:scrgbClr r="0" g="0" b="0"/>
+          </a:lnRef>
+          <a:fillRef idx="0">
+            <a:scrgbClr r="0" g="0" b="0"/>
+          </a:fillRef>
+          <a:effectRef idx="0">
+            <a:scrgbClr r="0" g="0" b="0"/>
+          </a:effectRef>
+          <a:fontRef idx="minor">
+            <a:schemeClr val="dk1"/>
+          </a:fontRef>
+        </p:style>
+        <p:txBody>
+          <a:bodyPr wrap="none" rtlCol="0">
+            <a:spAutoFit/>
+          </a:bodyPr>
+          <a:lstStyle/>
+          <a:p>
+            <a:pPr algn="ctr"/>
+            <a:r>
+              <a:rPr lang="en-US" sz="1400" dirty="0">
+                <a:solidFill>
+                  <a:schemeClr val="bg1"/>
+                </a:solidFill>
+              </a:rPr>
+              <a:t>Indirect Call</a:t>
+            </a:r>
+          </a:p>
+          <a:p>
+            <a:pPr algn="ctr"/>
+            <a:r>
+              <a:rPr lang="en-US" sz="1400" dirty="0">
+                <a:solidFill>
+                  <a:schemeClr val="bg1"/>
+                </a:solidFill>
+              </a:rPr>
+              <a:t>Event</a:t>
+            </a:r>
+          </a:p>
+        </p:txBody>
+      </p:sp>
+    </p:spTree>
+    <p:extLst>
+      <p:ext uri="{BB962C8B-B14F-4D97-AF65-F5344CB8AC3E}">
+        <p14:creationId xmlns:p14="http://schemas.microsoft.com/office/powerpoint/2010/main" val="1794074097"/>
       </p:ext>
     </p:extLst>
   </p:cSld>

--- a/figures.pptx
+++ b/figures.pptx
@@ -9,6 +9,8 @@
     <p:sldId id="257" r:id="rId3"/>
     <p:sldId id="258" r:id="rId4"/>
     <p:sldId id="259" r:id="rId5"/>
+    <p:sldId id="260" r:id="rId6"/>
+    <p:sldId id="261" r:id="rId7"/>
   </p:sldIdLst>
   <p:sldSz cx="12192000" cy="6858000"/>
   <p:notesSz cx="6858000" cy="9144000"/>
@@ -116,6 +118,753 @@
 </file>
 
 <file path=ppt/diagrams/colors1.xml><?xml version="1.0" encoding="utf-8"?>
+<dgm:colorsDef xmlns:dgm="http://schemas.openxmlformats.org/drawingml/2006/diagram" xmlns:a="http://schemas.openxmlformats.org/drawingml/2006/main" uniqueId="urn:microsoft.com/office/officeart/2005/8/colors/accent1_2">
+  <dgm:title val=""/>
+  <dgm:desc val=""/>
+  <dgm:catLst>
+    <dgm:cat type="accent1" pri="11200"/>
+  </dgm:catLst>
+  <dgm:styleLbl name="node0">
+    <dgm:fillClrLst meth="repeat">
+      <a:schemeClr val="accent1"/>
+    </dgm:fillClrLst>
+    <dgm:linClrLst meth="repeat">
+      <a:schemeClr val="lt1"/>
+    </dgm:linClrLst>
+    <dgm:effectClrLst/>
+    <dgm:txLinClrLst/>
+    <dgm:txFillClrLst/>
+    <dgm:txEffectClrLst/>
+  </dgm:styleLbl>
+  <dgm:styleLbl name="alignNode1">
+    <dgm:fillClrLst meth="repeat">
+      <a:schemeClr val="accent1"/>
+    </dgm:fillClrLst>
+    <dgm:linClrLst meth="repeat">
+      <a:schemeClr val="accent1"/>
+    </dgm:linClrLst>
+    <dgm:effectClrLst/>
+    <dgm:txLinClrLst/>
+    <dgm:txFillClrLst/>
+    <dgm:txEffectClrLst/>
+  </dgm:styleLbl>
+  <dgm:styleLbl name="node1">
+    <dgm:fillClrLst meth="repeat">
+      <a:schemeClr val="accent1"/>
+    </dgm:fillClrLst>
+    <dgm:linClrLst meth="repeat">
+      <a:schemeClr val="lt1"/>
+    </dgm:linClrLst>
+    <dgm:effectClrLst/>
+    <dgm:txLinClrLst/>
+    <dgm:txFillClrLst/>
+    <dgm:txEffectClrLst/>
+  </dgm:styleLbl>
+  <dgm:styleLbl name="lnNode1">
+    <dgm:fillClrLst meth="repeat">
+      <a:schemeClr val="accent1"/>
+    </dgm:fillClrLst>
+    <dgm:linClrLst meth="repeat">
+      <a:schemeClr val="lt1"/>
+    </dgm:linClrLst>
+    <dgm:effectClrLst/>
+    <dgm:txLinClrLst/>
+    <dgm:txFillClrLst/>
+    <dgm:txEffectClrLst/>
+  </dgm:styleLbl>
+  <dgm:styleLbl name="vennNode1">
+    <dgm:fillClrLst meth="repeat">
+      <a:schemeClr val="accent1">
+        <a:alpha val="50000"/>
+      </a:schemeClr>
+    </dgm:fillClrLst>
+    <dgm:linClrLst meth="repeat">
+      <a:schemeClr val="lt1"/>
+    </dgm:linClrLst>
+    <dgm:effectClrLst/>
+    <dgm:txLinClrLst/>
+    <dgm:txFillClrLst/>
+    <dgm:txEffectClrLst/>
+  </dgm:styleLbl>
+  <dgm:styleLbl name="node2">
+    <dgm:fillClrLst meth="repeat">
+      <a:schemeClr val="accent1"/>
+    </dgm:fillClrLst>
+    <dgm:linClrLst meth="repeat">
+      <a:schemeClr val="lt1"/>
+    </dgm:linClrLst>
+    <dgm:effectClrLst/>
+    <dgm:txLinClrLst/>
+    <dgm:txFillClrLst/>
+    <dgm:txEffectClrLst/>
+  </dgm:styleLbl>
+  <dgm:styleLbl name="node3">
+    <dgm:fillClrLst meth="repeat">
+      <a:schemeClr val="accent1"/>
+    </dgm:fillClrLst>
+    <dgm:linClrLst meth="repeat">
+      <a:schemeClr val="lt1"/>
+    </dgm:linClrLst>
+    <dgm:effectClrLst/>
+    <dgm:txLinClrLst/>
+    <dgm:txFillClrLst/>
+    <dgm:txEffectClrLst/>
+  </dgm:styleLbl>
+  <dgm:styleLbl name="node4">
+    <dgm:fillClrLst meth="repeat">
+      <a:schemeClr val="accent1"/>
+    </dgm:fillClrLst>
+    <dgm:linClrLst meth="repeat">
+      <a:schemeClr val="lt1"/>
+    </dgm:linClrLst>
+    <dgm:effectClrLst/>
+    <dgm:txLinClrLst/>
+    <dgm:txFillClrLst/>
+    <dgm:txEffectClrLst/>
+  </dgm:styleLbl>
+  <dgm:styleLbl name="fgImgPlace1">
+    <dgm:fillClrLst meth="repeat">
+      <a:schemeClr val="accent1">
+        <a:tint val="50000"/>
+      </a:schemeClr>
+    </dgm:fillClrLst>
+    <dgm:linClrLst meth="repeat">
+      <a:schemeClr val="lt1"/>
+    </dgm:linClrLst>
+    <dgm:effectClrLst/>
+    <dgm:txLinClrLst/>
+    <dgm:txFillClrLst meth="repeat">
+      <a:schemeClr val="lt1"/>
+    </dgm:txFillClrLst>
+    <dgm:txEffectClrLst/>
+  </dgm:styleLbl>
+  <dgm:styleLbl name="alignImgPlace1">
+    <dgm:fillClrLst meth="repeat">
+      <a:schemeClr val="accent1">
+        <a:tint val="50000"/>
+      </a:schemeClr>
+    </dgm:fillClrLst>
+    <dgm:linClrLst meth="repeat">
+      <a:schemeClr val="lt1"/>
+    </dgm:linClrLst>
+    <dgm:effectClrLst/>
+    <dgm:txLinClrLst/>
+    <dgm:txFillClrLst meth="repeat">
+      <a:schemeClr val="lt1"/>
+    </dgm:txFillClrLst>
+    <dgm:txEffectClrLst/>
+  </dgm:styleLbl>
+  <dgm:styleLbl name="bgImgPlace1">
+    <dgm:fillClrLst meth="repeat">
+      <a:schemeClr val="accent1">
+        <a:tint val="50000"/>
+      </a:schemeClr>
+    </dgm:fillClrLst>
+    <dgm:linClrLst meth="repeat">
+      <a:schemeClr val="lt1"/>
+    </dgm:linClrLst>
+    <dgm:effectClrLst/>
+    <dgm:txLinClrLst/>
+    <dgm:txFillClrLst meth="repeat">
+      <a:schemeClr val="lt1"/>
+    </dgm:txFillClrLst>
+    <dgm:txEffectClrLst/>
+  </dgm:styleLbl>
+  <dgm:styleLbl name="sibTrans2D1">
+    <dgm:fillClrLst meth="repeat">
+      <a:schemeClr val="accent1">
+        <a:tint val="60000"/>
+      </a:schemeClr>
+    </dgm:fillClrLst>
+    <dgm:linClrLst meth="repeat">
+      <a:schemeClr val="accent1">
+        <a:tint val="60000"/>
+      </a:schemeClr>
+    </dgm:linClrLst>
+    <dgm:effectClrLst/>
+    <dgm:txLinClrLst/>
+    <dgm:txFillClrLst/>
+    <dgm:txEffectClrLst/>
+  </dgm:styleLbl>
+  <dgm:styleLbl name="fgSibTrans2D1">
+    <dgm:fillClrLst meth="repeat">
+      <a:schemeClr val="accent1">
+        <a:tint val="60000"/>
+      </a:schemeClr>
+    </dgm:fillClrLst>
+    <dgm:linClrLst meth="repeat">
+      <a:schemeClr val="accent1">
+        <a:tint val="60000"/>
+      </a:schemeClr>
+    </dgm:linClrLst>
+    <dgm:effectClrLst/>
+    <dgm:txLinClrLst/>
+    <dgm:txFillClrLst/>
+    <dgm:txEffectClrLst/>
+  </dgm:styleLbl>
+  <dgm:styleLbl name="bgSibTrans2D1">
+    <dgm:fillClrLst meth="repeat">
+      <a:schemeClr val="accent1">
+        <a:tint val="60000"/>
+      </a:schemeClr>
+    </dgm:fillClrLst>
+    <dgm:linClrLst meth="repeat">
+      <a:schemeClr val="accent1">
+        <a:tint val="60000"/>
+      </a:schemeClr>
+    </dgm:linClrLst>
+    <dgm:effectClrLst/>
+    <dgm:txLinClrLst/>
+    <dgm:txFillClrLst/>
+    <dgm:txEffectClrLst/>
+  </dgm:styleLbl>
+  <dgm:styleLbl name="sibTrans1D1">
+    <dgm:fillClrLst meth="repeat">
+      <a:schemeClr val="accent1"/>
+    </dgm:fillClrLst>
+    <dgm:linClrLst meth="repeat">
+      <a:schemeClr val="accent1"/>
+    </dgm:linClrLst>
+    <dgm:effectClrLst/>
+    <dgm:txLinClrLst/>
+    <dgm:txFillClrLst meth="repeat">
+      <a:schemeClr val="tx1"/>
+    </dgm:txFillClrLst>
+    <dgm:txEffectClrLst/>
+  </dgm:styleLbl>
+  <dgm:styleLbl name="callout">
+    <dgm:fillClrLst meth="repeat">
+      <a:schemeClr val="accent1"/>
+    </dgm:fillClrLst>
+    <dgm:linClrLst meth="repeat">
+      <a:schemeClr val="accent1">
+        <a:tint val="50000"/>
+      </a:schemeClr>
+    </dgm:linClrLst>
+    <dgm:effectClrLst/>
+    <dgm:txLinClrLst/>
+    <dgm:txFillClrLst meth="repeat">
+      <a:schemeClr val="tx1"/>
+    </dgm:txFillClrLst>
+    <dgm:txEffectClrLst/>
+  </dgm:styleLbl>
+  <dgm:styleLbl name="asst0">
+    <dgm:fillClrLst meth="repeat">
+      <a:schemeClr val="accent1"/>
+    </dgm:fillClrLst>
+    <dgm:linClrLst meth="repeat">
+      <a:schemeClr val="lt1"/>
+    </dgm:linClrLst>
+    <dgm:effectClrLst/>
+    <dgm:txLinClrLst/>
+    <dgm:txFillClrLst/>
+    <dgm:txEffectClrLst/>
+  </dgm:styleLbl>
+  <dgm:styleLbl name="asst1">
+    <dgm:fillClrLst meth="repeat">
+      <a:schemeClr val="accent1"/>
+    </dgm:fillClrLst>
+    <dgm:linClrLst meth="repeat">
+      <a:schemeClr val="lt1"/>
+    </dgm:linClrLst>
+    <dgm:effectClrLst/>
+    <dgm:txLinClrLst/>
+    <dgm:txFillClrLst/>
+    <dgm:txEffectClrLst/>
+  </dgm:styleLbl>
+  <dgm:styleLbl name="asst2">
+    <dgm:fillClrLst meth="repeat">
+      <a:schemeClr val="accent1"/>
+    </dgm:fillClrLst>
+    <dgm:linClrLst meth="repeat">
+      <a:schemeClr val="lt1"/>
+    </dgm:linClrLst>
+    <dgm:effectClrLst/>
+    <dgm:txLinClrLst/>
+    <dgm:txFillClrLst/>
+    <dgm:txEffectClrLst/>
+  </dgm:styleLbl>
+  <dgm:styleLbl name="asst3">
+    <dgm:fillClrLst meth="repeat">
+      <a:schemeClr val="accent1"/>
+    </dgm:fillClrLst>
+    <dgm:linClrLst meth="repeat">
+      <a:schemeClr val="lt1"/>
+    </dgm:linClrLst>
+    <dgm:effectClrLst/>
+    <dgm:txLinClrLst/>
+    <dgm:txFillClrLst/>
+    <dgm:txEffectClrLst/>
+  </dgm:styleLbl>
+  <dgm:styleLbl name="asst4">
+    <dgm:fillClrLst meth="repeat">
+      <a:schemeClr val="accent1"/>
+    </dgm:fillClrLst>
+    <dgm:linClrLst meth="repeat">
+      <a:schemeClr val="lt1"/>
+    </dgm:linClrLst>
+    <dgm:effectClrLst/>
+    <dgm:txLinClrLst/>
+    <dgm:txFillClrLst/>
+    <dgm:txEffectClrLst/>
+  </dgm:styleLbl>
+  <dgm:styleLbl name="parChTrans2D1">
+    <dgm:fillClrLst meth="repeat">
+      <a:schemeClr val="accent1">
+        <a:tint val="60000"/>
+      </a:schemeClr>
+    </dgm:fillClrLst>
+    <dgm:linClrLst meth="repeat">
+      <a:schemeClr val="accent1">
+        <a:tint val="60000"/>
+      </a:schemeClr>
+    </dgm:linClrLst>
+    <dgm:effectClrLst/>
+    <dgm:txLinClrLst/>
+    <dgm:txFillClrLst meth="repeat">
+      <a:schemeClr val="lt1"/>
+    </dgm:txFillClrLst>
+    <dgm:txEffectClrLst/>
+  </dgm:styleLbl>
+  <dgm:styleLbl name="parChTrans2D2">
+    <dgm:fillClrLst meth="repeat">
+      <a:schemeClr val="accent1"/>
+    </dgm:fillClrLst>
+    <dgm:linClrLst meth="repeat">
+      <a:schemeClr val="accent1"/>
+    </dgm:linClrLst>
+    <dgm:effectClrLst/>
+    <dgm:txLinClrLst/>
+    <dgm:txFillClrLst meth="repeat">
+      <a:schemeClr val="lt1"/>
+    </dgm:txFillClrLst>
+    <dgm:txEffectClrLst/>
+  </dgm:styleLbl>
+  <dgm:styleLbl name="parChTrans2D3">
+    <dgm:fillClrLst meth="repeat">
+      <a:schemeClr val="accent1"/>
+    </dgm:fillClrLst>
+    <dgm:linClrLst meth="repeat">
+      <a:schemeClr val="accent1"/>
+    </dgm:linClrLst>
+    <dgm:effectClrLst/>
+    <dgm:txLinClrLst/>
+    <dgm:txFillClrLst meth="repeat">
+      <a:schemeClr val="lt1"/>
+    </dgm:txFillClrLst>
+    <dgm:txEffectClrLst/>
+  </dgm:styleLbl>
+  <dgm:styleLbl name="parChTrans2D4">
+    <dgm:fillClrLst meth="repeat">
+      <a:schemeClr val="accent1"/>
+    </dgm:fillClrLst>
+    <dgm:linClrLst meth="repeat">
+      <a:schemeClr val="accent1"/>
+    </dgm:linClrLst>
+    <dgm:effectClrLst/>
+    <dgm:txLinClrLst/>
+    <dgm:txFillClrLst meth="repeat">
+      <a:schemeClr val="lt1"/>
+    </dgm:txFillClrLst>
+    <dgm:txEffectClrLst/>
+  </dgm:styleLbl>
+  <dgm:styleLbl name="parChTrans1D1">
+    <dgm:fillClrLst meth="repeat">
+      <a:schemeClr val="accent1"/>
+    </dgm:fillClrLst>
+    <dgm:linClrLst meth="repeat">
+      <a:schemeClr val="accent1">
+        <a:shade val="60000"/>
+      </a:schemeClr>
+    </dgm:linClrLst>
+    <dgm:effectClrLst/>
+    <dgm:txLinClrLst/>
+    <dgm:txFillClrLst meth="repeat">
+      <a:schemeClr val="tx1"/>
+    </dgm:txFillClrLst>
+    <dgm:txEffectClrLst/>
+  </dgm:styleLbl>
+  <dgm:styleLbl name="parChTrans1D2">
+    <dgm:fillClrLst meth="repeat">
+      <a:schemeClr val="accent1"/>
+    </dgm:fillClrLst>
+    <dgm:linClrLst meth="repeat">
+      <a:schemeClr val="accent1">
+        <a:shade val="60000"/>
+      </a:schemeClr>
+    </dgm:linClrLst>
+    <dgm:effectClrLst/>
+    <dgm:txLinClrLst/>
+    <dgm:txFillClrLst meth="repeat">
+      <a:schemeClr val="tx1"/>
+    </dgm:txFillClrLst>
+    <dgm:txEffectClrLst/>
+  </dgm:styleLbl>
+  <dgm:styleLbl name="parChTrans1D3">
+    <dgm:fillClrLst meth="repeat">
+      <a:schemeClr val="accent1"/>
+    </dgm:fillClrLst>
+    <dgm:linClrLst meth="repeat">
+      <a:schemeClr val="accent1">
+        <a:shade val="80000"/>
+      </a:schemeClr>
+    </dgm:linClrLst>
+    <dgm:effectClrLst/>
+    <dgm:txLinClrLst/>
+    <dgm:txFillClrLst meth="repeat">
+      <a:schemeClr val="tx1"/>
+    </dgm:txFillClrLst>
+    <dgm:txEffectClrLst/>
+  </dgm:styleLbl>
+  <dgm:styleLbl name="parChTrans1D4">
+    <dgm:fillClrLst meth="repeat">
+      <a:schemeClr val="accent1"/>
+    </dgm:fillClrLst>
+    <dgm:linClrLst meth="repeat">
+      <a:schemeClr val="accent1">
+        <a:shade val="80000"/>
+      </a:schemeClr>
+    </dgm:linClrLst>
+    <dgm:effectClrLst/>
+    <dgm:txLinClrLst/>
+    <dgm:txFillClrLst meth="repeat">
+      <a:schemeClr val="tx1"/>
+    </dgm:txFillClrLst>
+    <dgm:txEffectClrLst/>
+  </dgm:styleLbl>
+  <dgm:styleLbl name="fgAcc1">
+    <dgm:fillClrLst meth="repeat">
+      <a:schemeClr val="lt1">
+        <a:alpha val="90000"/>
+      </a:schemeClr>
+    </dgm:fillClrLst>
+    <dgm:linClrLst meth="repeat">
+      <a:schemeClr val="accent1"/>
+    </dgm:linClrLst>
+    <dgm:effectClrLst/>
+    <dgm:txLinClrLst/>
+    <dgm:txFillClrLst meth="repeat">
+      <a:schemeClr val="dk1"/>
+    </dgm:txFillClrLst>
+    <dgm:txEffectClrLst/>
+  </dgm:styleLbl>
+  <dgm:styleLbl name="conFgAcc1">
+    <dgm:fillClrLst meth="repeat">
+      <a:schemeClr val="lt1">
+        <a:alpha val="90000"/>
+      </a:schemeClr>
+    </dgm:fillClrLst>
+    <dgm:linClrLst meth="repeat">
+      <a:schemeClr val="accent1"/>
+    </dgm:linClrLst>
+    <dgm:effectClrLst/>
+    <dgm:txLinClrLst/>
+    <dgm:txFillClrLst meth="repeat">
+      <a:schemeClr val="dk1"/>
+    </dgm:txFillClrLst>
+    <dgm:txEffectClrLst/>
+  </dgm:styleLbl>
+  <dgm:styleLbl name="alignAcc1">
+    <dgm:fillClrLst meth="repeat">
+      <a:schemeClr val="lt1">
+        <a:alpha val="90000"/>
+      </a:schemeClr>
+    </dgm:fillClrLst>
+    <dgm:linClrLst meth="repeat">
+      <a:schemeClr val="accent1"/>
+    </dgm:linClrLst>
+    <dgm:effectClrLst/>
+    <dgm:txLinClrLst/>
+    <dgm:txFillClrLst meth="repeat">
+      <a:schemeClr val="dk1"/>
+    </dgm:txFillClrLst>
+    <dgm:txEffectClrLst/>
+  </dgm:styleLbl>
+  <dgm:styleLbl name="trAlignAcc1">
+    <dgm:fillClrLst meth="repeat">
+      <a:schemeClr val="lt1">
+        <a:alpha val="40000"/>
+      </a:schemeClr>
+    </dgm:fillClrLst>
+    <dgm:linClrLst meth="repeat">
+      <a:schemeClr val="accent1"/>
+    </dgm:linClrLst>
+    <dgm:effectClrLst/>
+    <dgm:txLinClrLst/>
+    <dgm:txFillClrLst meth="repeat">
+      <a:schemeClr val="dk1"/>
+    </dgm:txFillClrLst>
+    <dgm:txEffectClrLst/>
+  </dgm:styleLbl>
+  <dgm:styleLbl name="bgAcc1">
+    <dgm:fillClrLst meth="repeat">
+      <a:schemeClr val="lt1">
+        <a:alpha val="90000"/>
+      </a:schemeClr>
+    </dgm:fillClrLst>
+    <dgm:linClrLst meth="repeat">
+      <a:schemeClr val="accent1"/>
+    </dgm:linClrLst>
+    <dgm:effectClrLst/>
+    <dgm:txLinClrLst/>
+    <dgm:txFillClrLst meth="repeat">
+      <a:schemeClr val="dk1"/>
+    </dgm:txFillClrLst>
+    <dgm:txEffectClrLst/>
+  </dgm:styleLbl>
+  <dgm:styleLbl name="solidFgAcc1">
+    <dgm:fillClrLst meth="repeat">
+      <a:schemeClr val="lt1"/>
+    </dgm:fillClrLst>
+    <dgm:linClrLst meth="repeat">
+      <a:schemeClr val="accent1"/>
+    </dgm:linClrLst>
+    <dgm:effectClrLst/>
+    <dgm:txLinClrLst/>
+    <dgm:txFillClrLst meth="repeat">
+      <a:schemeClr val="dk1"/>
+    </dgm:txFillClrLst>
+    <dgm:txEffectClrLst/>
+  </dgm:styleLbl>
+  <dgm:styleLbl name="solidAlignAcc1">
+    <dgm:fillClrLst meth="repeat">
+      <a:schemeClr val="lt1"/>
+    </dgm:fillClrLst>
+    <dgm:linClrLst meth="repeat">
+      <a:schemeClr val="accent1"/>
+    </dgm:linClrLst>
+    <dgm:effectClrLst/>
+    <dgm:txLinClrLst/>
+    <dgm:txFillClrLst meth="repeat">
+      <a:schemeClr val="dk1"/>
+    </dgm:txFillClrLst>
+    <dgm:txEffectClrLst/>
+  </dgm:styleLbl>
+  <dgm:styleLbl name="solidBgAcc1">
+    <dgm:fillClrLst meth="repeat">
+      <a:schemeClr val="lt1"/>
+    </dgm:fillClrLst>
+    <dgm:linClrLst meth="repeat">
+      <a:schemeClr val="accent1"/>
+    </dgm:linClrLst>
+    <dgm:effectClrLst/>
+    <dgm:txLinClrLst/>
+    <dgm:txFillClrLst meth="repeat">
+      <a:schemeClr val="dk1"/>
+    </dgm:txFillClrLst>
+    <dgm:txEffectClrLst/>
+  </dgm:styleLbl>
+  <dgm:styleLbl name="fgAccFollowNode1">
+    <dgm:fillClrLst meth="repeat">
+      <a:schemeClr val="accent1">
+        <a:alpha val="90000"/>
+        <a:tint val="40000"/>
+      </a:schemeClr>
+    </dgm:fillClrLst>
+    <dgm:linClrLst meth="repeat">
+      <a:schemeClr val="accent1">
+        <a:alpha val="90000"/>
+        <a:tint val="40000"/>
+      </a:schemeClr>
+    </dgm:linClrLst>
+    <dgm:effectClrLst/>
+    <dgm:txLinClrLst/>
+    <dgm:txFillClrLst meth="repeat">
+      <a:schemeClr val="dk1"/>
+    </dgm:txFillClrLst>
+    <dgm:txEffectClrLst/>
+  </dgm:styleLbl>
+  <dgm:styleLbl name="alignAccFollowNode1">
+    <dgm:fillClrLst meth="repeat">
+      <a:schemeClr val="accent1">
+        <a:alpha val="90000"/>
+        <a:tint val="40000"/>
+      </a:schemeClr>
+    </dgm:fillClrLst>
+    <dgm:linClrLst meth="repeat">
+      <a:schemeClr val="accent1">
+        <a:alpha val="90000"/>
+        <a:tint val="40000"/>
+      </a:schemeClr>
+    </dgm:linClrLst>
+    <dgm:effectClrLst/>
+    <dgm:txLinClrLst/>
+    <dgm:txFillClrLst meth="repeat">
+      <a:schemeClr val="dk1"/>
+    </dgm:txFillClrLst>
+    <dgm:txEffectClrLst/>
+  </dgm:styleLbl>
+  <dgm:styleLbl name="bgAccFollowNode1">
+    <dgm:fillClrLst meth="repeat">
+      <a:schemeClr val="accent1">
+        <a:alpha val="90000"/>
+        <a:tint val="40000"/>
+      </a:schemeClr>
+    </dgm:fillClrLst>
+    <dgm:linClrLst meth="repeat">
+      <a:schemeClr val="accent1">
+        <a:alpha val="90000"/>
+        <a:tint val="40000"/>
+      </a:schemeClr>
+    </dgm:linClrLst>
+    <dgm:effectClrLst/>
+    <dgm:txLinClrLst/>
+    <dgm:txFillClrLst meth="repeat">
+      <a:schemeClr val="dk1"/>
+    </dgm:txFillClrLst>
+    <dgm:txEffectClrLst/>
+  </dgm:styleLbl>
+  <dgm:styleLbl name="fgAcc0">
+    <dgm:fillClrLst meth="repeat">
+      <a:schemeClr val="lt1">
+        <a:alpha val="90000"/>
+      </a:schemeClr>
+    </dgm:fillClrLst>
+    <dgm:linClrLst meth="repeat">
+      <a:schemeClr val="accent1"/>
+    </dgm:linClrLst>
+    <dgm:effectClrLst/>
+    <dgm:txLinClrLst/>
+    <dgm:txFillClrLst meth="repeat">
+      <a:schemeClr val="dk1"/>
+    </dgm:txFillClrLst>
+    <dgm:txEffectClrLst/>
+  </dgm:styleLbl>
+  <dgm:styleLbl name="fgAcc2">
+    <dgm:fillClrLst meth="repeat">
+      <a:schemeClr val="lt1">
+        <a:alpha val="90000"/>
+      </a:schemeClr>
+    </dgm:fillClrLst>
+    <dgm:linClrLst meth="repeat">
+      <a:schemeClr val="accent1"/>
+    </dgm:linClrLst>
+    <dgm:effectClrLst/>
+    <dgm:txLinClrLst/>
+    <dgm:txFillClrLst meth="repeat">
+      <a:schemeClr val="dk1"/>
+    </dgm:txFillClrLst>
+    <dgm:txEffectClrLst/>
+  </dgm:styleLbl>
+  <dgm:styleLbl name="fgAcc3">
+    <dgm:fillClrLst meth="repeat">
+      <a:schemeClr val="lt1">
+        <a:alpha val="90000"/>
+      </a:schemeClr>
+    </dgm:fillClrLst>
+    <dgm:linClrLst meth="repeat">
+      <a:schemeClr val="accent1"/>
+    </dgm:linClrLst>
+    <dgm:effectClrLst/>
+    <dgm:txLinClrLst/>
+    <dgm:txFillClrLst meth="repeat">
+      <a:schemeClr val="dk1"/>
+    </dgm:txFillClrLst>
+    <dgm:txEffectClrLst/>
+  </dgm:styleLbl>
+  <dgm:styleLbl name="fgAcc4">
+    <dgm:fillClrLst meth="repeat">
+      <a:schemeClr val="lt1">
+        <a:alpha val="90000"/>
+      </a:schemeClr>
+    </dgm:fillClrLst>
+    <dgm:linClrLst meth="repeat">
+      <a:schemeClr val="accent1"/>
+    </dgm:linClrLst>
+    <dgm:effectClrLst/>
+    <dgm:txLinClrLst/>
+    <dgm:txFillClrLst meth="repeat">
+      <a:schemeClr val="dk1"/>
+    </dgm:txFillClrLst>
+    <dgm:txEffectClrLst/>
+  </dgm:styleLbl>
+  <dgm:styleLbl name="bgShp">
+    <dgm:fillClrLst meth="repeat">
+      <a:schemeClr val="accent1">
+        <a:tint val="40000"/>
+      </a:schemeClr>
+    </dgm:fillClrLst>
+    <dgm:linClrLst meth="repeat">
+      <a:schemeClr val="accent1"/>
+    </dgm:linClrLst>
+    <dgm:effectClrLst/>
+    <dgm:txLinClrLst/>
+    <dgm:txFillClrLst meth="repeat">
+      <a:schemeClr val="dk1"/>
+    </dgm:txFillClrLst>
+    <dgm:txEffectClrLst/>
+  </dgm:styleLbl>
+  <dgm:styleLbl name="dkBgShp">
+    <dgm:fillClrLst meth="repeat">
+      <a:schemeClr val="accent1">
+        <a:shade val="80000"/>
+      </a:schemeClr>
+    </dgm:fillClrLst>
+    <dgm:linClrLst meth="repeat">
+      <a:schemeClr val="accent1"/>
+    </dgm:linClrLst>
+    <dgm:effectClrLst/>
+    <dgm:txLinClrLst/>
+    <dgm:txFillClrLst meth="repeat">
+      <a:schemeClr val="lt1"/>
+    </dgm:txFillClrLst>
+    <dgm:txEffectClrLst/>
+  </dgm:styleLbl>
+  <dgm:styleLbl name="trBgShp">
+    <dgm:fillClrLst meth="repeat">
+      <a:schemeClr val="accent1">
+        <a:tint val="50000"/>
+        <a:alpha val="40000"/>
+      </a:schemeClr>
+    </dgm:fillClrLst>
+    <dgm:linClrLst meth="repeat">
+      <a:schemeClr val="accent1"/>
+    </dgm:linClrLst>
+    <dgm:effectClrLst/>
+    <dgm:txLinClrLst/>
+    <dgm:txFillClrLst meth="repeat">
+      <a:schemeClr val="lt1"/>
+    </dgm:txFillClrLst>
+    <dgm:txEffectClrLst/>
+  </dgm:styleLbl>
+  <dgm:styleLbl name="fgShp">
+    <dgm:fillClrLst meth="repeat">
+      <a:schemeClr val="accent1">
+        <a:tint val="60000"/>
+      </a:schemeClr>
+    </dgm:fillClrLst>
+    <dgm:linClrLst meth="repeat">
+      <a:schemeClr val="lt1"/>
+    </dgm:linClrLst>
+    <dgm:effectClrLst/>
+    <dgm:txLinClrLst/>
+    <dgm:txFillClrLst meth="repeat">
+      <a:schemeClr val="dk1"/>
+    </dgm:txFillClrLst>
+    <dgm:txEffectClrLst/>
+  </dgm:styleLbl>
+  <dgm:styleLbl name="revTx">
+    <dgm:fillClrLst meth="repeat">
+      <a:schemeClr val="lt1">
+        <a:alpha val="0"/>
+      </a:schemeClr>
+    </dgm:fillClrLst>
+    <dgm:linClrLst meth="repeat">
+      <a:schemeClr val="dk1">
+        <a:alpha val="0"/>
+      </a:schemeClr>
+    </dgm:linClrLst>
+    <dgm:effectClrLst/>
+    <dgm:txLinClrLst/>
+    <dgm:txFillClrLst meth="repeat">
+      <a:schemeClr val="tx1"/>
+    </dgm:txFillClrLst>
+    <dgm:txEffectClrLst/>
+  </dgm:styleLbl>
+</dgm:colorsDef>
+</file>
+
+<file path=ppt/diagrams/colors2.xml><?xml version="1.0" encoding="utf-8"?>
 <dgm:colorsDef xmlns:dgm="http://schemas.openxmlformats.org/drawingml/2006/diagram" xmlns:a="http://schemas.openxmlformats.org/drawingml/2006/main" uniqueId="urn:microsoft.com/office/officeart/2005/8/colors/accent1_2">
   <dgm:title val=""/>
   <dgm:desc val=""/>
@@ -1229,6 +1978,246 @@
   <dgm:extLst>
     <a:ext uri="http://schemas.microsoft.com/office/drawing/2008/diagram">
       <dsp:dataModelExt xmlns:dsp="http://schemas.microsoft.com/office/drawing/2008/diagram" relId="rId6" minVer="http://schemas.openxmlformats.org/drawingml/2006/diagram"/>
+    </a:ext>
+  </dgm:extLst>
+</dgm:dataModel>
+</file>
+
+<file path=ppt/diagrams/data2.xml><?xml version="1.0" encoding="utf-8"?>
+<dgm:dataModel xmlns:dgm="http://schemas.openxmlformats.org/drawingml/2006/diagram" xmlns:a="http://schemas.openxmlformats.org/drawingml/2006/main">
+  <dgm:ptLst>
+    <dgm:pt modelId="{DD36BFCF-C059-0641-8E04-D59E2EE6ECAE}" type="doc">
+      <dgm:prSet loTypeId="urn:microsoft.com/office/officeart/2005/8/layout/funnel1" loCatId="" qsTypeId="urn:microsoft.com/office/officeart/2005/8/quickstyle/simple1" qsCatId="simple" csTypeId="urn:microsoft.com/office/officeart/2005/8/colors/accent1_2" csCatId="accent1" phldr="1"/>
+      <dgm:spPr/>
+      <dgm:t>
+        <a:bodyPr/>
+        <a:lstStyle/>
+        <a:p>
+          <a:endParaRPr lang="en-US"/>
+        </a:p>
+      </dgm:t>
+    </dgm:pt>
+    <dgm:pt modelId="{844A12C2-6B42-D140-AF29-BD921A7C756C}">
+      <dgm:prSet phldrT="[Text]"/>
+      <dgm:spPr/>
+      <dgm:t>
+        <a:bodyPr/>
+        <a:lstStyle/>
+        <a:p>
+          <a:r>
+            <a:rPr lang="en-US" dirty="0"/>
+            <a:t>Frontend</a:t>
+          </a:r>
+        </a:p>
+      </dgm:t>
+    </dgm:pt>
+    <dgm:pt modelId="{C088FA55-8B52-A246-9C4B-3EA57E507F01}" type="parTrans" cxnId="{6D0E4D2B-0CE4-564F-9F98-8F6AB1E343B4}">
+      <dgm:prSet/>
+      <dgm:spPr/>
+      <dgm:t>
+        <a:bodyPr/>
+        <a:lstStyle/>
+        <a:p>
+          <a:endParaRPr lang="en-US"/>
+        </a:p>
+      </dgm:t>
+    </dgm:pt>
+    <dgm:pt modelId="{C3810CDF-7975-584A-8BA9-5B0F5C03628D}" type="sibTrans" cxnId="{6D0E4D2B-0CE4-564F-9F98-8F6AB1E343B4}">
+      <dgm:prSet/>
+      <dgm:spPr/>
+      <dgm:t>
+        <a:bodyPr/>
+        <a:lstStyle/>
+        <a:p>
+          <a:endParaRPr lang="en-US"/>
+        </a:p>
+      </dgm:t>
+    </dgm:pt>
+    <dgm:pt modelId="{F38CC652-A661-6D4C-BDB7-9B25D3E206AA}">
+      <dgm:prSet phldrT="[Text]"/>
+      <dgm:spPr/>
+      <dgm:t>
+        <a:bodyPr/>
+        <a:lstStyle/>
+        <a:p>
+          <a:r>
+            <a:rPr lang="en-US" dirty="0"/>
+            <a:t>Backend</a:t>
+          </a:r>
+        </a:p>
+      </dgm:t>
+    </dgm:pt>
+    <dgm:pt modelId="{920FC5BD-5E2C-5440-B754-874574E92766}" type="parTrans" cxnId="{4E0D04ED-E819-8447-9A07-FD3E207A2D5B}">
+      <dgm:prSet/>
+      <dgm:spPr/>
+      <dgm:t>
+        <a:bodyPr/>
+        <a:lstStyle/>
+        <a:p>
+          <a:endParaRPr lang="en-US"/>
+        </a:p>
+      </dgm:t>
+    </dgm:pt>
+    <dgm:pt modelId="{23E080EF-622A-654A-99DC-7C6680500BC4}" type="sibTrans" cxnId="{4E0D04ED-E819-8447-9A07-FD3E207A2D5B}">
+      <dgm:prSet/>
+      <dgm:spPr/>
+      <dgm:t>
+        <a:bodyPr/>
+        <a:lstStyle/>
+        <a:p>
+          <a:endParaRPr lang="en-US"/>
+        </a:p>
+      </dgm:t>
+    </dgm:pt>
+    <dgm:pt modelId="{3528438F-93F5-074F-952A-895D4FD85C26}">
+      <dgm:prSet phldrT="[Text]"/>
+      <dgm:spPr/>
+      <dgm:t>
+        <a:bodyPr/>
+        <a:lstStyle/>
+        <a:p>
+          <a:r>
+            <a:rPr lang="en-US" dirty="0"/>
+            <a:t>Db</a:t>
+          </a:r>
+        </a:p>
+      </dgm:t>
+    </dgm:pt>
+    <dgm:pt modelId="{86FDBACA-1BF0-8942-A944-CD638C218D7A}" type="parTrans" cxnId="{69105D39-2EDE-E946-919F-7DD4503ACA32}">
+      <dgm:prSet/>
+      <dgm:spPr/>
+      <dgm:t>
+        <a:bodyPr/>
+        <a:lstStyle/>
+        <a:p>
+          <a:endParaRPr lang="en-US"/>
+        </a:p>
+      </dgm:t>
+    </dgm:pt>
+    <dgm:pt modelId="{88AC15DD-C6FB-194C-82F6-2EE9E3369EA7}" type="sibTrans" cxnId="{69105D39-2EDE-E946-919F-7DD4503ACA32}">
+      <dgm:prSet/>
+      <dgm:spPr/>
+      <dgm:t>
+        <a:bodyPr/>
+        <a:lstStyle/>
+        <a:p>
+          <a:endParaRPr lang="en-US"/>
+        </a:p>
+      </dgm:t>
+    </dgm:pt>
+    <dgm:pt modelId="{C3CB17ED-E5FD-1940-A6E2-3C1422B71684}">
+      <dgm:prSet phldrT="[Text]"/>
+      <dgm:spPr/>
+      <dgm:t>
+        <a:bodyPr/>
+        <a:lstStyle/>
+        <a:p>
+          <a:r>
+            <a:rPr lang="en-US" dirty="0"/>
+            <a:t>My APP</a:t>
+          </a:r>
+        </a:p>
+      </dgm:t>
+    </dgm:pt>
+    <dgm:pt modelId="{F052CED6-50C7-B14D-A566-50D8BB518970}" type="parTrans" cxnId="{738279BE-0B32-EC43-8794-797E40C4813B}">
+      <dgm:prSet/>
+      <dgm:spPr/>
+      <dgm:t>
+        <a:bodyPr/>
+        <a:lstStyle/>
+        <a:p>
+          <a:endParaRPr lang="en-US"/>
+        </a:p>
+      </dgm:t>
+    </dgm:pt>
+    <dgm:pt modelId="{6DDC67EA-C959-CF41-9DEE-0459F97A707C}" type="sibTrans" cxnId="{738279BE-0B32-EC43-8794-797E40C4813B}">
+      <dgm:prSet/>
+      <dgm:spPr/>
+      <dgm:t>
+        <a:bodyPr/>
+        <a:lstStyle/>
+        <a:p>
+          <a:endParaRPr lang="en-US"/>
+        </a:p>
+      </dgm:t>
+    </dgm:pt>
+    <dgm:pt modelId="{A3E367B3-92D2-4342-9E3D-42CE7977AA24}" type="pres">
+      <dgm:prSet presAssocID="{DD36BFCF-C059-0641-8E04-D59E2EE6ECAE}" presName="Name0" presStyleCnt="0">
+        <dgm:presLayoutVars>
+          <dgm:chMax val="4"/>
+          <dgm:resizeHandles val="exact"/>
+        </dgm:presLayoutVars>
+      </dgm:prSet>
+      <dgm:spPr/>
+    </dgm:pt>
+    <dgm:pt modelId="{60B213E7-4BCF-C040-8E8F-FD9342942D77}" type="pres">
+      <dgm:prSet presAssocID="{DD36BFCF-C059-0641-8E04-D59E2EE6ECAE}" presName="ellipse" presStyleLbl="trBgShp" presStyleIdx="0" presStyleCnt="1"/>
+      <dgm:spPr/>
+    </dgm:pt>
+    <dgm:pt modelId="{5F1FDAF6-9825-2342-AF58-90616057410A}" type="pres">
+      <dgm:prSet presAssocID="{DD36BFCF-C059-0641-8E04-D59E2EE6ECAE}" presName="arrow1" presStyleLbl="fgShp" presStyleIdx="0" presStyleCnt="1"/>
+      <dgm:spPr/>
+    </dgm:pt>
+    <dgm:pt modelId="{D764BBCA-3146-8447-84C7-564B62B39447}" type="pres">
+      <dgm:prSet presAssocID="{DD36BFCF-C059-0641-8E04-D59E2EE6ECAE}" presName="rectangle" presStyleLbl="revTx" presStyleIdx="0" presStyleCnt="1" custLinFactNeighborY="35353">
+        <dgm:presLayoutVars>
+          <dgm:bulletEnabled val="1"/>
+        </dgm:presLayoutVars>
+      </dgm:prSet>
+      <dgm:spPr/>
+    </dgm:pt>
+    <dgm:pt modelId="{1ABD8563-783E-304E-A4C5-A413D082CA74}" type="pres">
+      <dgm:prSet presAssocID="{F38CC652-A661-6D4C-BDB7-9B25D3E206AA}" presName="item1" presStyleLbl="node1" presStyleIdx="0" presStyleCnt="3">
+        <dgm:presLayoutVars>
+          <dgm:bulletEnabled val="1"/>
+        </dgm:presLayoutVars>
+      </dgm:prSet>
+      <dgm:spPr/>
+    </dgm:pt>
+    <dgm:pt modelId="{7781A67B-3616-5142-B7A7-FF7B4A054798}" type="pres">
+      <dgm:prSet presAssocID="{3528438F-93F5-074F-952A-895D4FD85C26}" presName="item2" presStyleLbl="node1" presStyleIdx="1" presStyleCnt="3">
+        <dgm:presLayoutVars>
+          <dgm:bulletEnabled val="1"/>
+        </dgm:presLayoutVars>
+      </dgm:prSet>
+      <dgm:spPr/>
+    </dgm:pt>
+    <dgm:pt modelId="{5E243B6E-1A17-E742-AD50-5A5D80C964D8}" type="pres">
+      <dgm:prSet presAssocID="{C3CB17ED-E5FD-1940-A6E2-3C1422B71684}" presName="item3" presStyleLbl="node1" presStyleIdx="2" presStyleCnt="3">
+        <dgm:presLayoutVars>
+          <dgm:bulletEnabled val="1"/>
+        </dgm:presLayoutVars>
+      </dgm:prSet>
+      <dgm:spPr/>
+    </dgm:pt>
+    <dgm:pt modelId="{3A7FDB97-7BD7-E846-B567-D50FB5B474C2}" type="pres">
+      <dgm:prSet presAssocID="{DD36BFCF-C059-0641-8E04-D59E2EE6ECAE}" presName="funnel" presStyleLbl="trAlignAcc1" presStyleIdx="0" presStyleCnt="1" custLinFactNeighborX="119" custLinFactNeighborY="-893"/>
+      <dgm:spPr/>
+    </dgm:pt>
+  </dgm:ptLst>
+  <dgm:cxnLst>
+    <dgm:cxn modelId="{C368820C-2EEC-214E-9060-37F00382B602}" type="presOf" srcId="{DD36BFCF-C059-0641-8E04-D59E2EE6ECAE}" destId="{A3E367B3-92D2-4342-9E3D-42CE7977AA24}" srcOrd="0" destOrd="0" presId="urn:microsoft.com/office/officeart/2005/8/layout/funnel1"/>
+    <dgm:cxn modelId="{6D0E4D2B-0CE4-564F-9F98-8F6AB1E343B4}" srcId="{DD36BFCF-C059-0641-8E04-D59E2EE6ECAE}" destId="{844A12C2-6B42-D140-AF29-BD921A7C756C}" srcOrd="0" destOrd="0" parTransId="{C088FA55-8B52-A246-9C4B-3EA57E507F01}" sibTransId="{C3810CDF-7975-584A-8BA9-5B0F5C03628D}"/>
+    <dgm:cxn modelId="{69105D39-2EDE-E946-919F-7DD4503ACA32}" srcId="{DD36BFCF-C059-0641-8E04-D59E2EE6ECAE}" destId="{3528438F-93F5-074F-952A-895D4FD85C26}" srcOrd="2" destOrd="0" parTransId="{86FDBACA-1BF0-8942-A944-CD638C218D7A}" sibTransId="{88AC15DD-C6FB-194C-82F6-2EE9E3369EA7}"/>
+    <dgm:cxn modelId="{C0ACFA3E-C2F9-1D49-8104-7CD63BBBFEE3}" type="presOf" srcId="{F38CC652-A661-6D4C-BDB7-9B25D3E206AA}" destId="{7781A67B-3616-5142-B7A7-FF7B4A054798}" srcOrd="0" destOrd="0" presId="urn:microsoft.com/office/officeart/2005/8/layout/funnel1"/>
+    <dgm:cxn modelId="{57DC316B-F297-D447-B3AC-EBE6A090428C}" type="presOf" srcId="{C3CB17ED-E5FD-1940-A6E2-3C1422B71684}" destId="{D764BBCA-3146-8447-84C7-564B62B39447}" srcOrd="0" destOrd="0" presId="urn:microsoft.com/office/officeart/2005/8/layout/funnel1"/>
+    <dgm:cxn modelId="{738279BE-0B32-EC43-8794-797E40C4813B}" srcId="{DD36BFCF-C059-0641-8E04-D59E2EE6ECAE}" destId="{C3CB17ED-E5FD-1940-A6E2-3C1422B71684}" srcOrd="3" destOrd="0" parTransId="{F052CED6-50C7-B14D-A566-50D8BB518970}" sibTransId="{6DDC67EA-C959-CF41-9DEE-0459F97A707C}"/>
+    <dgm:cxn modelId="{4774DED9-D27A-AE49-B2EC-6B2A56F1E1F7}" type="presOf" srcId="{844A12C2-6B42-D140-AF29-BD921A7C756C}" destId="{5E243B6E-1A17-E742-AD50-5A5D80C964D8}" srcOrd="0" destOrd="0" presId="urn:microsoft.com/office/officeart/2005/8/layout/funnel1"/>
+    <dgm:cxn modelId="{52B6F1E4-6491-D84A-8429-1DA9911CA10C}" type="presOf" srcId="{3528438F-93F5-074F-952A-895D4FD85C26}" destId="{1ABD8563-783E-304E-A4C5-A413D082CA74}" srcOrd="0" destOrd="0" presId="urn:microsoft.com/office/officeart/2005/8/layout/funnel1"/>
+    <dgm:cxn modelId="{4E0D04ED-E819-8447-9A07-FD3E207A2D5B}" srcId="{DD36BFCF-C059-0641-8E04-D59E2EE6ECAE}" destId="{F38CC652-A661-6D4C-BDB7-9B25D3E206AA}" srcOrd="1" destOrd="0" parTransId="{920FC5BD-5E2C-5440-B754-874574E92766}" sibTransId="{23E080EF-622A-654A-99DC-7C6680500BC4}"/>
+    <dgm:cxn modelId="{2D7568B2-1C25-4641-A86B-331D3A233D8B}" type="presParOf" srcId="{A3E367B3-92D2-4342-9E3D-42CE7977AA24}" destId="{60B213E7-4BCF-C040-8E8F-FD9342942D77}" srcOrd="0" destOrd="0" presId="urn:microsoft.com/office/officeart/2005/8/layout/funnel1"/>
+    <dgm:cxn modelId="{9E407268-6B9B-5346-B768-FC5B05B3E665}" type="presParOf" srcId="{A3E367B3-92D2-4342-9E3D-42CE7977AA24}" destId="{5F1FDAF6-9825-2342-AF58-90616057410A}" srcOrd="1" destOrd="0" presId="urn:microsoft.com/office/officeart/2005/8/layout/funnel1"/>
+    <dgm:cxn modelId="{DD2C3648-DA71-D943-89F0-36B9EE7CBAFB}" type="presParOf" srcId="{A3E367B3-92D2-4342-9E3D-42CE7977AA24}" destId="{D764BBCA-3146-8447-84C7-564B62B39447}" srcOrd="2" destOrd="0" presId="urn:microsoft.com/office/officeart/2005/8/layout/funnel1"/>
+    <dgm:cxn modelId="{C03E36FA-5309-914A-8514-5D79069E7F10}" type="presParOf" srcId="{A3E367B3-92D2-4342-9E3D-42CE7977AA24}" destId="{1ABD8563-783E-304E-A4C5-A413D082CA74}" srcOrd="3" destOrd="0" presId="urn:microsoft.com/office/officeart/2005/8/layout/funnel1"/>
+    <dgm:cxn modelId="{A84E6709-25C7-DF4E-A0C1-0670883C6E94}" type="presParOf" srcId="{A3E367B3-92D2-4342-9E3D-42CE7977AA24}" destId="{7781A67B-3616-5142-B7A7-FF7B4A054798}" srcOrd="4" destOrd="0" presId="urn:microsoft.com/office/officeart/2005/8/layout/funnel1"/>
+    <dgm:cxn modelId="{3061C596-9548-A74D-B9C2-429CA3CDFACA}" type="presParOf" srcId="{A3E367B3-92D2-4342-9E3D-42CE7977AA24}" destId="{5E243B6E-1A17-E742-AD50-5A5D80C964D8}" srcOrd="5" destOrd="0" presId="urn:microsoft.com/office/officeart/2005/8/layout/funnel1"/>
+    <dgm:cxn modelId="{60AD6778-F3DC-1D4B-9DC2-CC9D5A319CD0}" type="presParOf" srcId="{A3E367B3-92D2-4342-9E3D-42CE7977AA24}" destId="{3A7FDB97-7BD7-E846-B567-D50FB5B474C2}" srcOrd="6" destOrd="0" presId="urn:microsoft.com/office/officeart/2005/8/layout/funnel1"/>
+  </dgm:cxnLst>
+  <dgm:bg/>
+  <dgm:whole/>
+  <dgm:extLst>
+    <a:ext uri="http://schemas.microsoft.com/office/drawing/2008/diagram">
+      <dsp:dataModelExt xmlns:dsp="http://schemas.microsoft.com/office/drawing/2008/diagram" relId="rId8" minVer="http://schemas.openxmlformats.org/drawingml/2006/diagram"/>
     </a:ext>
   </dgm:extLst>
 </dgm:dataModel>
@@ -1944,6 +2933,451 @@
 </dsp:drawing>
 </file>
 
+<file path=ppt/diagrams/drawing2.xml><?xml version="1.0" encoding="utf-8"?>
+<dsp:drawing xmlns:dgm="http://schemas.openxmlformats.org/drawingml/2006/diagram" xmlns:dsp="http://schemas.microsoft.com/office/drawing/2008/diagram" xmlns:a="http://schemas.openxmlformats.org/drawingml/2006/main">
+  <dsp:spTree>
+    <dsp:nvGrpSpPr>
+      <dsp:cNvPr id="0" name=""/>
+      <dsp:cNvGrpSpPr/>
+    </dsp:nvGrpSpPr>
+    <dsp:grpSpPr/>
+    <dsp:sp modelId="{60B213E7-4BCF-C040-8E8F-FD9342942D77}">
+      <dsp:nvSpPr>
+        <dsp:cNvPr id="0" name=""/>
+        <dsp:cNvSpPr/>
+      </dsp:nvSpPr>
+      <dsp:spPr>
+        <a:xfrm>
+          <a:off x="1016810" y="104641"/>
+          <a:ext cx="2076739" cy="721224"/>
+        </a:xfrm>
+        <a:prstGeom prst="ellipse">
+          <a:avLst/>
+        </a:prstGeom>
+        <a:solidFill>
+          <a:schemeClr val="accent1">
+            <a:tint val="50000"/>
+            <a:alpha val="40000"/>
+            <a:hueOff val="0"/>
+            <a:satOff val="0"/>
+            <a:lumOff val="0"/>
+            <a:alphaOff val="0"/>
+          </a:schemeClr>
+        </a:solidFill>
+        <a:ln>
+          <a:noFill/>
+        </a:ln>
+        <a:effectLst/>
+      </dsp:spPr>
+      <dsp:style>
+        <a:lnRef idx="0">
+          <a:scrgbClr r="0" g="0" b="0"/>
+        </a:lnRef>
+        <a:fillRef idx="1">
+          <a:scrgbClr r="0" g="0" b="0"/>
+        </a:fillRef>
+        <a:effectRef idx="0">
+          <a:scrgbClr r="0" g="0" b="0"/>
+        </a:effectRef>
+        <a:fontRef idx="minor"/>
+      </dsp:style>
+    </dsp:sp>
+    <dsp:sp modelId="{5F1FDAF6-9825-2342-AF58-90616057410A}">
+      <dsp:nvSpPr>
+        <dsp:cNvPr id="0" name=""/>
+        <dsp:cNvSpPr/>
+      </dsp:nvSpPr>
+      <dsp:spPr>
+        <a:xfrm>
+          <a:off x="1857165" y="1870675"/>
+          <a:ext cx="402468" cy="257580"/>
+        </a:xfrm>
+        <a:prstGeom prst="downArrow">
+          <a:avLst/>
+        </a:prstGeom>
+        <a:solidFill>
+          <a:schemeClr val="accent1">
+            <a:tint val="60000"/>
+            <a:hueOff val="0"/>
+            <a:satOff val="0"/>
+            <a:lumOff val="0"/>
+            <a:alphaOff val="0"/>
+          </a:schemeClr>
+        </a:solidFill>
+        <a:ln w="19050" cap="flat" cmpd="sng" algn="ctr">
+          <a:solidFill>
+            <a:schemeClr val="lt1">
+              <a:hueOff val="0"/>
+              <a:satOff val="0"/>
+              <a:lumOff val="0"/>
+              <a:alphaOff val="0"/>
+            </a:schemeClr>
+          </a:solidFill>
+          <a:prstDash val="solid"/>
+          <a:miter lim="800000"/>
+        </a:ln>
+        <a:effectLst/>
+      </dsp:spPr>
+      <dsp:style>
+        <a:lnRef idx="2">
+          <a:scrgbClr r="0" g="0" b="0"/>
+        </a:lnRef>
+        <a:fillRef idx="1">
+          <a:scrgbClr r="0" g="0" b="0"/>
+        </a:fillRef>
+        <a:effectRef idx="0">
+          <a:scrgbClr r="0" g="0" b="0"/>
+        </a:effectRef>
+        <a:fontRef idx="minor"/>
+      </dsp:style>
+    </dsp:sp>
+    <dsp:sp modelId="{D764BBCA-3146-8447-84C7-564B62B39447}">
+      <dsp:nvSpPr>
+        <dsp:cNvPr id="0" name=""/>
+        <dsp:cNvSpPr/>
+      </dsp:nvSpPr>
+      <dsp:spPr>
+        <a:xfrm>
+          <a:off x="1092474" y="2092838"/>
+          <a:ext cx="1931850" cy="482962"/>
+        </a:xfrm>
+        <a:prstGeom prst="rect">
+          <a:avLst/>
+        </a:prstGeom>
+        <a:noFill/>
+        <a:ln>
+          <a:noFill/>
+        </a:ln>
+        <a:effectLst/>
+      </dsp:spPr>
+      <dsp:style>
+        <a:lnRef idx="0">
+          <a:scrgbClr r="0" g="0" b="0"/>
+        </a:lnRef>
+        <a:fillRef idx="0">
+          <a:scrgbClr r="0" g="0" b="0"/>
+        </a:fillRef>
+        <a:effectRef idx="0">
+          <a:scrgbClr r="0" g="0" b="0"/>
+        </a:effectRef>
+        <a:fontRef idx="minor"/>
+      </dsp:style>
+      <dsp:txBody>
+        <a:bodyPr spcFirstLastPara="0" vert="horz" wrap="square" lIns="120904" tIns="120904" rIns="120904" bIns="120904" numCol="1" spcCol="1270" anchor="ctr" anchorCtr="0">
+          <a:noAutofit/>
+        </a:bodyPr>
+        <a:lstStyle/>
+        <a:p>
+          <a:pPr marL="0" lvl="0" indent="0" algn="ctr" defTabSz="755650">
+            <a:lnSpc>
+              <a:spcPct val="90000"/>
+            </a:lnSpc>
+            <a:spcBef>
+              <a:spcPct val="0"/>
+            </a:spcBef>
+            <a:spcAft>
+              <a:spcPct val="35000"/>
+            </a:spcAft>
+            <a:buNone/>
+          </a:pPr>
+          <a:r>
+            <a:rPr lang="en-US" sz="1700" kern="1200" dirty="0"/>
+            <a:t>My APP</a:t>
+          </a:r>
+        </a:p>
+      </dsp:txBody>
+      <dsp:txXfrm>
+        <a:off x="1092474" y="2092838"/>
+        <a:ext cx="1931850" cy="482962"/>
+      </dsp:txXfrm>
+    </dsp:sp>
+    <dsp:sp modelId="{1ABD8563-783E-304E-A4C5-A413D082CA74}">
+      <dsp:nvSpPr>
+        <dsp:cNvPr id="0" name=""/>
+        <dsp:cNvSpPr/>
+      </dsp:nvSpPr>
+      <dsp:spPr>
+        <a:xfrm>
+          <a:off x="1771842" y="881567"/>
+          <a:ext cx="724444" cy="724444"/>
+        </a:xfrm>
+        <a:prstGeom prst="ellipse">
+          <a:avLst/>
+        </a:prstGeom>
+        <a:solidFill>
+          <a:schemeClr val="accent1">
+            <a:hueOff val="0"/>
+            <a:satOff val="0"/>
+            <a:lumOff val="0"/>
+            <a:alphaOff val="0"/>
+          </a:schemeClr>
+        </a:solidFill>
+        <a:ln w="19050" cap="flat" cmpd="sng" algn="ctr">
+          <a:solidFill>
+            <a:schemeClr val="lt1">
+              <a:hueOff val="0"/>
+              <a:satOff val="0"/>
+              <a:lumOff val="0"/>
+              <a:alphaOff val="0"/>
+            </a:schemeClr>
+          </a:solidFill>
+          <a:prstDash val="solid"/>
+          <a:miter lim="800000"/>
+        </a:ln>
+        <a:effectLst/>
+      </dsp:spPr>
+      <dsp:style>
+        <a:lnRef idx="2">
+          <a:scrgbClr r="0" g="0" b="0"/>
+        </a:lnRef>
+        <a:fillRef idx="1">
+          <a:scrgbClr r="0" g="0" b="0"/>
+        </a:fillRef>
+        <a:effectRef idx="0">
+          <a:scrgbClr r="0" g="0" b="0"/>
+        </a:effectRef>
+        <a:fontRef idx="minor">
+          <a:schemeClr val="lt1"/>
+        </a:fontRef>
+      </dsp:style>
+      <dsp:txBody>
+        <a:bodyPr spcFirstLastPara="0" vert="horz" wrap="square" lIns="11430" tIns="11430" rIns="11430" bIns="11430" numCol="1" spcCol="1270" anchor="ctr" anchorCtr="0">
+          <a:noAutofit/>
+        </a:bodyPr>
+        <a:lstStyle/>
+        <a:p>
+          <a:pPr marL="0" lvl="0" indent="0" algn="ctr" defTabSz="400050">
+            <a:lnSpc>
+              <a:spcPct val="90000"/>
+            </a:lnSpc>
+            <a:spcBef>
+              <a:spcPct val="0"/>
+            </a:spcBef>
+            <a:spcAft>
+              <a:spcPct val="35000"/>
+            </a:spcAft>
+            <a:buNone/>
+          </a:pPr>
+          <a:r>
+            <a:rPr lang="en-US" sz="900" kern="1200" dirty="0"/>
+            <a:t>Db</a:t>
+          </a:r>
+        </a:p>
+      </dsp:txBody>
+      <dsp:txXfrm>
+        <a:off x="1877934" y="987659"/>
+        <a:ext cx="512260" cy="512260"/>
+      </dsp:txXfrm>
+    </dsp:sp>
+    <dsp:sp modelId="{7781A67B-3616-5142-B7A7-FF7B4A054798}">
+      <dsp:nvSpPr>
+        <dsp:cNvPr id="0" name=""/>
+        <dsp:cNvSpPr/>
+      </dsp:nvSpPr>
+      <dsp:spPr>
+        <a:xfrm>
+          <a:off x="1253462" y="338073"/>
+          <a:ext cx="724444" cy="724444"/>
+        </a:xfrm>
+        <a:prstGeom prst="ellipse">
+          <a:avLst/>
+        </a:prstGeom>
+        <a:solidFill>
+          <a:schemeClr val="accent1">
+            <a:hueOff val="0"/>
+            <a:satOff val="0"/>
+            <a:lumOff val="0"/>
+            <a:alphaOff val="0"/>
+          </a:schemeClr>
+        </a:solidFill>
+        <a:ln w="19050" cap="flat" cmpd="sng" algn="ctr">
+          <a:solidFill>
+            <a:schemeClr val="lt1">
+              <a:hueOff val="0"/>
+              <a:satOff val="0"/>
+              <a:lumOff val="0"/>
+              <a:alphaOff val="0"/>
+            </a:schemeClr>
+          </a:solidFill>
+          <a:prstDash val="solid"/>
+          <a:miter lim="800000"/>
+        </a:ln>
+        <a:effectLst/>
+      </dsp:spPr>
+      <dsp:style>
+        <a:lnRef idx="2">
+          <a:scrgbClr r="0" g="0" b="0"/>
+        </a:lnRef>
+        <a:fillRef idx="1">
+          <a:scrgbClr r="0" g="0" b="0"/>
+        </a:fillRef>
+        <a:effectRef idx="0">
+          <a:scrgbClr r="0" g="0" b="0"/>
+        </a:effectRef>
+        <a:fontRef idx="minor">
+          <a:schemeClr val="lt1"/>
+        </a:fontRef>
+      </dsp:style>
+      <dsp:txBody>
+        <a:bodyPr spcFirstLastPara="0" vert="horz" wrap="square" lIns="11430" tIns="11430" rIns="11430" bIns="11430" numCol="1" spcCol="1270" anchor="ctr" anchorCtr="0">
+          <a:noAutofit/>
+        </a:bodyPr>
+        <a:lstStyle/>
+        <a:p>
+          <a:pPr marL="0" lvl="0" indent="0" algn="ctr" defTabSz="400050">
+            <a:lnSpc>
+              <a:spcPct val="90000"/>
+            </a:lnSpc>
+            <a:spcBef>
+              <a:spcPct val="0"/>
+            </a:spcBef>
+            <a:spcAft>
+              <a:spcPct val="35000"/>
+            </a:spcAft>
+            <a:buNone/>
+          </a:pPr>
+          <a:r>
+            <a:rPr lang="en-US" sz="900" kern="1200" dirty="0"/>
+            <a:t>Backend</a:t>
+          </a:r>
+        </a:p>
+      </dsp:txBody>
+      <dsp:txXfrm>
+        <a:off x="1359554" y="444165"/>
+        <a:ext cx="512260" cy="512260"/>
+      </dsp:txXfrm>
+    </dsp:sp>
+    <dsp:sp modelId="{5E243B6E-1A17-E742-AD50-5A5D80C964D8}">
+      <dsp:nvSpPr>
+        <dsp:cNvPr id="0" name=""/>
+        <dsp:cNvSpPr/>
+      </dsp:nvSpPr>
+      <dsp:spPr>
+        <a:xfrm>
+          <a:off x="1994004" y="162919"/>
+          <a:ext cx="724444" cy="724444"/>
+        </a:xfrm>
+        <a:prstGeom prst="ellipse">
+          <a:avLst/>
+        </a:prstGeom>
+        <a:solidFill>
+          <a:schemeClr val="accent1">
+            <a:hueOff val="0"/>
+            <a:satOff val="0"/>
+            <a:lumOff val="0"/>
+            <a:alphaOff val="0"/>
+          </a:schemeClr>
+        </a:solidFill>
+        <a:ln w="19050" cap="flat" cmpd="sng" algn="ctr">
+          <a:solidFill>
+            <a:schemeClr val="lt1">
+              <a:hueOff val="0"/>
+              <a:satOff val="0"/>
+              <a:lumOff val="0"/>
+              <a:alphaOff val="0"/>
+            </a:schemeClr>
+          </a:solidFill>
+          <a:prstDash val="solid"/>
+          <a:miter lim="800000"/>
+        </a:ln>
+        <a:effectLst/>
+      </dsp:spPr>
+      <dsp:style>
+        <a:lnRef idx="2">
+          <a:scrgbClr r="0" g="0" b="0"/>
+        </a:lnRef>
+        <a:fillRef idx="1">
+          <a:scrgbClr r="0" g="0" b="0"/>
+        </a:fillRef>
+        <a:effectRef idx="0">
+          <a:scrgbClr r="0" g="0" b="0"/>
+        </a:effectRef>
+        <a:fontRef idx="minor">
+          <a:schemeClr val="lt1"/>
+        </a:fontRef>
+      </dsp:style>
+      <dsp:txBody>
+        <a:bodyPr spcFirstLastPara="0" vert="horz" wrap="square" lIns="11430" tIns="11430" rIns="11430" bIns="11430" numCol="1" spcCol="1270" anchor="ctr" anchorCtr="0">
+          <a:noAutofit/>
+        </a:bodyPr>
+        <a:lstStyle/>
+        <a:p>
+          <a:pPr marL="0" lvl="0" indent="0" algn="ctr" defTabSz="400050">
+            <a:lnSpc>
+              <a:spcPct val="90000"/>
+            </a:lnSpc>
+            <a:spcBef>
+              <a:spcPct val="0"/>
+            </a:spcBef>
+            <a:spcAft>
+              <a:spcPct val="35000"/>
+            </a:spcAft>
+            <a:buNone/>
+          </a:pPr>
+          <a:r>
+            <a:rPr lang="en-US" sz="900" kern="1200" dirty="0"/>
+            <a:t>Frontend</a:t>
+          </a:r>
+        </a:p>
+      </dsp:txBody>
+      <dsp:txXfrm>
+        <a:off x="2100096" y="269011"/>
+        <a:ext cx="512260" cy="512260"/>
+      </dsp:txXfrm>
+    </dsp:sp>
+    <dsp:sp modelId="{3A7FDB97-7BD7-E846-B567-D50FB5B474C2}">
+      <dsp:nvSpPr>
+        <dsp:cNvPr id="0" name=""/>
+        <dsp:cNvSpPr/>
+      </dsp:nvSpPr>
+      <dsp:spPr>
+        <a:xfrm>
+          <a:off x="934169" y="0"/>
+          <a:ext cx="2253825" cy="1803060"/>
+        </a:xfrm>
+        <a:prstGeom prst="funnel">
+          <a:avLst/>
+        </a:prstGeom>
+        <a:solidFill>
+          <a:schemeClr val="lt1">
+            <a:alpha val="40000"/>
+            <a:hueOff val="0"/>
+            <a:satOff val="0"/>
+            <a:lumOff val="0"/>
+            <a:alphaOff val="0"/>
+          </a:schemeClr>
+        </a:solidFill>
+        <a:ln w="12700" cap="flat" cmpd="sng" algn="ctr">
+          <a:solidFill>
+            <a:schemeClr val="accent1">
+              <a:hueOff val="0"/>
+              <a:satOff val="0"/>
+              <a:lumOff val="0"/>
+              <a:alphaOff val="0"/>
+            </a:schemeClr>
+          </a:solidFill>
+          <a:prstDash val="solid"/>
+          <a:miter lim="800000"/>
+        </a:ln>
+        <a:effectLst/>
+      </dsp:spPr>
+      <dsp:style>
+        <a:lnRef idx="1">
+          <a:scrgbClr r="0" g="0" b="0"/>
+        </a:lnRef>
+        <a:fillRef idx="1">
+          <a:scrgbClr r="0" g="0" b="0"/>
+        </a:fillRef>
+        <a:effectRef idx="0">
+          <a:scrgbClr r="0" g="0" b="0"/>
+        </a:effectRef>
+        <a:fontRef idx="minor"/>
+      </dsp:style>
+    </dsp:sp>
+  </dsp:spTree>
+</dsp:drawing>
+</file>
+
 <file path=ppt/diagrams/layout1.xml><?xml version="1.0" encoding="utf-8"?>
 <dgm:layoutDef xmlns:dgm="http://schemas.openxmlformats.org/drawingml/2006/diagram" xmlns:a="http://schemas.openxmlformats.org/drawingml/2006/main" uniqueId="urn:microsoft.com/office/officeart/2005/8/layout/radial6">
   <dgm:title val=""/>
@@ -2351,7 +3785,1359 @@
 </dgm:layoutDef>
 </file>
 
+<file path=ppt/diagrams/layout2.xml><?xml version="1.0" encoding="utf-8"?>
+<dgm:layoutDef xmlns:dgm="http://schemas.openxmlformats.org/drawingml/2006/diagram" xmlns:a="http://schemas.openxmlformats.org/drawingml/2006/main" uniqueId="urn:microsoft.com/office/officeart/2005/8/layout/funnel1">
+  <dgm:title val=""/>
+  <dgm:desc val=""/>
+  <dgm:catLst>
+    <dgm:cat type="relationship" pri="2000"/>
+    <dgm:cat type="process" pri="27000"/>
+  </dgm:catLst>
+  <dgm:sampData>
+    <dgm:dataModel>
+      <dgm:ptLst>
+        <dgm:pt modelId="0" type="doc"/>
+        <dgm:pt modelId="1">
+          <dgm:prSet phldr="1"/>
+        </dgm:pt>
+        <dgm:pt modelId="2">
+          <dgm:prSet phldr="1"/>
+        </dgm:pt>
+        <dgm:pt modelId="3">
+          <dgm:prSet phldr="1"/>
+        </dgm:pt>
+        <dgm:pt modelId="4">
+          <dgm:prSet phldr="1"/>
+        </dgm:pt>
+      </dgm:ptLst>
+      <dgm:cxnLst>
+        <dgm:cxn modelId="5" srcId="0" destId="1" srcOrd="0" destOrd="0"/>
+        <dgm:cxn modelId="6" srcId="0" destId="2" srcOrd="1" destOrd="0"/>
+        <dgm:cxn modelId="7" srcId="0" destId="3" srcOrd="2" destOrd="0"/>
+        <dgm:cxn modelId="8" srcId="0" destId="4" srcOrd="3" destOrd="0"/>
+      </dgm:cxnLst>
+      <dgm:bg/>
+      <dgm:whole/>
+    </dgm:dataModel>
+  </dgm:sampData>
+  <dgm:styleData>
+    <dgm:dataModel>
+      <dgm:ptLst>
+        <dgm:pt modelId="0" type="doc"/>
+        <dgm:pt modelId="1"/>
+        <dgm:pt modelId="2"/>
+      </dgm:ptLst>
+      <dgm:cxnLst>
+        <dgm:cxn modelId="3" srcId="0" destId="1" srcOrd="0" destOrd="0"/>
+        <dgm:cxn modelId="4" srcId="0" destId="2" srcOrd="1" destOrd="0"/>
+      </dgm:cxnLst>
+      <dgm:bg/>
+      <dgm:whole/>
+    </dgm:dataModel>
+  </dgm:styleData>
+  <dgm:clrData>
+    <dgm:dataModel>
+      <dgm:ptLst>
+        <dgm:pt modelId="0" type="doc"/>
+        <dgm:pt modelId="1"/>
+        <dgm:pt modelId="2"/>
+        <dgm:pt modelId="3"/>
+        <dgm:pt modelId="4"/>
+      </dgm:ptLst>
+      <dgm:cxnLst>
+        <dgm:cxn modelId="5" srcId="0" destId="1" srcOrd="0" destOrd="0"/>
+        <dgm:cxn modelId="6" srcId="0" destId="2" srcOrd="1" destOrd="0"/>
+        <dgm:cxn modelId="7" srcId="0" destId="3" srcOrd="2" destOrd="0"/>
+        <dgm:cxn modelId="8" srcId="0" destId="4" srcOrd="3" destOrd="0"/>
+      </dgm:cxnLst>
+      <dgm:bg/>
+      <dgm:whole/>
+    </dgm:dataModel>
+  </dgm:clrData>
+  <dgm:layoutNode name="Name0">
+    <dgm:varLst>
+      <dgm:chMax val="4"/>
+      <dgm:resizeHandles val="exact"/>
+    </dgm:varLst>
+    <dgm:alg type="composite">
+      <dgm:param type="ar" val="1.25"/>
+    </dgm:alg>
+    <dgm:shape xmlns:r="http://schemas.openxmlformats.org/officeDocument/2006/relationships" r:blip="">
+      <dgm:adjLst/>
+    </dgm:shape>
+    <dgm:presOf/>
+    <dgm:choose name="Name1">
+      <dgm:if name="Name2" axis="ch" ptType="node" func="cnt" op="equ" val="2">
+        <dgm:constrLst>
+          <dgm:constr type="w" for="ch" forName="ellipse" refType="w" fact="0.645"/>
+          <dgm:constr type="h" for="ch" forName="ellipse" refType="h" fact="0.28"/>
+          <dgm:constr type="t" for="ch" forName="ellipse" refType="w" fact="0.0275"/>
+          <dgm:constr type="l" for="ch" forName="ellipse" refType="w" fact="0.0265"/>
+          <dgm:constr type="w" for="ch" forName="arrow1" refType="w" fact="0.125"/>
+          <dgm:constr type="h" for="ch" forName="arrow1" refType="h" fact="0.1"/>
+          <dgm:constr type="t" for="ch" forName="arrow1" refType="h" fact="0.72"/>
+          <dgm:constr type="l" for="ch" forName="arrow1" refType="w" fact="0.2875"/>
+          <dgm:constr type="w" for="ch" forName="rectangle" refType="w" fact="0.6"/>
+          <dgm:constr type="h" for="ch" forName="rectangle" refType="w" refFor="ch" refForName="rectangle" fact="0.25"/>
+          <dgm:constr type="t" for="ch" forName="rectangle" refType="h" fact="0.8"/>
+          <dgm:constr type="l" for="ch" forName="rectangle" refType="w" fact="0.05"/>
+          <dgm:constr type="w" for="ch" forName="item1" refType="w" fact="0.35"/>
+          <dgm:constr type="h" for="ch" forName="item1" refType="w" fact="0.35"/>
+          <dgm:constr type="t" for="ch" forName="item1" refType="h" fact="0.05"/>
+          <dgm:constr type="l" for="ch" forName="item1" refType="w" fact="0.125"/>
+          <dgm:constr type="primFontSz" for="ch" forName="item1" op="equ" val="65"/>
+          <dgm:constr type="w" for="ch" forName="funnel" refType="w" fact="0.7"/>
+          <dgm:constr type="h" for="ch" forName="funnel" refType="h" fact="0.7"/>
+          <dgm:constr type="t" for="ch" forName="funnel"/>
+          <dgm:constr type="l" for="ch" forName="funnel"/>
+        </dgm:constrLst>
+      </dgm:if>
+      <dgm:else name="Name3">
+        <dgm:constrLst>
+          <dgm:constr type="w" for="ch" forName="ellipse" refType="w" fact="0.645"/>
+          <dgm:constr type="h" for="ch" forName="ellipse" refType="h" fact="0.28"/>
+          <dgm:constr type="t" for="ch" forName="ellipse" refType="w" fact="0.0275"/>
+          <dgm:constr type="l" for="ch" forName="ellipse" refType="w" fact="0.0265"/>
+          <dgm:constr type="w" for="ch" forName="arrow1" refType="w" fact="0.125"/>
+          <dgm:constr type="h" for="ch" forName="arrow1" refType="h" fact="0.1"/>
+          <dgm:constr type="t" for="ch" forName="arrow1" refType="h" fact="0.72"/>
+          <dgm:constr type="l" for="ch" forName="arrow1" refType="w" fact="0.2875"/>
+          <dgm:constr type="w" for="ch" forName="rectangle" refType="w" fact="0.6"/>
+          <dgm:constr type="h" for="ch" forName="rectangle" refType="w" refFor="ch" refForName="rectangle" fact="0.25"/>
+          <dgm:constr type="t" for="ch" forName="rectangle" refType="h" fact="0.8"/>
+          <dgm:constr type="l" for="ch" forName="rectangle" refType="w" fact="0.05"/>
+          <dgm:constr type="primFontSz" for="ch" forName="rectangle" val="65"/>
+          <dgm:constr type="w" for="ch" forName="item1" refType="w" fact="0.225"/>
+          <dgm:constr type="h" for="ch" forName="item1" refType="w" fact="0.225"/>
+          <dgm:constr type="t" for="ch" forName="item1" refType="h" fact="0.336"/>
+          <dgm:constr type="l" for="ch" forName="item1" refType="w" fact="0.261"/>
+          <dgm:constr type="primFontSz" for="ch" forName="item1" val="65"/>
+          <dgm:constr type="w" for="ch" forName="item2" refType="w" fact="0.225"/>
+          <dgm:constr type="h" for="ch" forName="item2" refType="w" fact="0.225"/>
+          <dgm:constr type="t" for="ch" forName="item2" refType="h" fact="0.125"/>
+          <dgm:constr type="l" for="ch" forName="item2" refType="w" fact="0.1"/>
+          <dgm:constr type="primFontSz" for="ch" forName="item2" refType="primFontSz" refFor="ch" refForName="item1" op="equ"/>
+          <dgm:constr type="w" for="ch" forName="item3" refType="w" fact="0.225"/>
+          <dgm:constr type="h" for="ch" forName="item3" refType="w" fact="0.225"/>
+          <dgm:constr type="t" for="ch" forName="item3" refType="h" fact="0.057"/>
+          <dgm:constr type="l" for="ch" forName="item3" refType="w" fact="0.33"/>
+          <dgm:constr type="primFontSz" for="ch" forName="item3" refType="primFontSz" refFor="ch" refForName="item1" op="equ"/>
+          <dgm:constr type="w" for="ch" forName="funnel" refType="w" fact="0.7"/>
+          <dgm:constr type="h" for="ch" forName="funnel" refType="h" fact="0.7"/>
+          <dgm:constr type="t" for="ch" forName="funnel"/>
+          <dgm:constr type="l" for="ch" forName="funnel"/>
+        </dgm:constrLst>
+      </dgm:else>
+    </dgm:choose>
+    <dgm:ruleLst/>
+    <dgm:choose name="Name4">
+      <dgm:if name="Name5" axis="ch" ptType="node" func="cnt" op="gte" val="1">
+        <dgm:layoutNode name="ellipse" styleLbl="trBgShp">
+          <dgm:alg type="sp"/>
+          <dgm:shape xmlns:r="http://schemas.openxmlformats.org/officeDocument/2006/relationships" type="ellipse" r:blip="">
+            <dgm:adjLst/>
+          </dgm:shape>
+          <dgm:presOf/>
+          <dgm:constrLst/>
+          <dgm:ruleLst/>
+        </dgm:layoutNode>
+        <dgm:layoutNode name="arrow1" styleLbl="fgShp">
+          <dgm:alg type="sp"/>
+          <dgm:shape xmlns:r="http://schemas.openxmlformats.org/officeDocument/2006/relationships" type="downArrow" r:blip="">
+            <dgm:adjLst/>
+          </dgm:shape>
+          <dgm:presOf/>
+          <dgm:constrLst/>
+          <dgm:ruleLst/>
+        </dgm:layoutNode>
+        <dgm:layoutNode name="rectangle" styleLbl="revTx">
+          <dgm:varLst>
+            <dgm:bulletEnabled val="1"/>
+          </dgm:varLst>
+          <dgm:alg type="tx">
+            <dgm:param type="txAnchorHorzCh" val="ctr"/>
+          </dgm:alg>
+          <dgm:shape xmlns:r="http://schemas.openxmlformats.org/officeDocument/2006/relationships" type="rect" r:blip="">
+            <dgm:adjLst/>
+          </dgm:shape>
+          <dgm:choose name="Name6">
+            <dgm:if name="Name7" axis="ch" ptType="node" func="cnt" op="equ" val="1">
+              <dgm:presOf axis="ch desOrSelf" ptType="node node" st="1 1" cnt="1 0"/>
+            </dgm:if>
+            <dgm:if name="Name8" axis="ch" ptType="node" func="cnt" op="equ" val="2">
+              <dgm:presOf axis="ch desOrSelf" ptType="node node" st="2 1" cnt="1 0"/>
+            </dgm:if>
+            <dgm:if name="Name9" axis="ch" ptType="node" func="cnt" op="equ" val="3">
+              <dgm:presOf axis="ch desOrSelf" ptType="node node" st="3 1" cnt="1 0"/>
+            </dgm:if>
+            <dgm:else name="Name10">
+              <dgm:presOf axis="ch desOrSelf" ptType="node node" st="4 1" cnt="1 0"/>
+            </dgm:else>
+          </dgm:choose>
+          <dgm:constrLst/>
+          <dgm:ruleLst>
+            <dgm:rule type="primFontSz" val="5" fact="NaN" max="NaN"/>
+          </dgm:ruleLst>
+        </dgm:layoutNode>
+        <dgm:forEach name="Name11" axis="ch" ptType="node" st="2" cnt="1">
+          <dgm:layoutNode name="item1" styleLbl="node1">
+            <dgm:varLst>
+              <dgm:bulletEnabled val="1"/>
+            </dgm:varLst>
+            <dgm:alg type="tx">
+              <dgm:param type="txAnchorVertCh" val="mid"/>
+            </dgm:alg>
+            <dgm:shape xmlns:r="http://schemas.openxmlformats.org/officeDocument/2006/relationships" type="ellipse" r:blip="">
+              <dgm:adjLst/>
+            </dgm:shape>
+            <dgm:choose name="Name12">
+              <dgm:if name="Name13" axis="root ch" ptType="all node" func="cnt" op="equ" val="1">
+                <dgm:presOf/>
+              </dgm:if>
+              <dgm:if name="Name14" axis="root ch" ptType="all node" func="cnt" op="equ" val="2">
+                <dgm:presOf axis="root ch desOrSelf" ptType="all node node" st="1 1 1" cnt="0 1 0"/>
+              </dgm:if>
+              <dgm:if name="Name15" axis="root ch" ptType="all node" func="cnt" op="equ" val="3">
+                <dgm:presOf axis="root ch desOrSelf" ptType="all node node" st="1 2 1" cnt="0 1 0"/>
+              </dgm:if>
+              <dgm:else name="Name16">
+                <dgm:presOf axis="root ch desOrSelf" ptType="all node node" st="1 3 1" cnt="0 1 0"/>
+              </dgm:else>
+            </dgm:choose>
+            <dgm:constrLst>
+              <dgm:constr type="tMarg" refType="primFontSz" fact="0.1"/>
+              <dgm:constr type="bMarg" refType="primFontSz" fact="0.1"/>
+              <dgm:constr type="lMarg" refType="primFontSz" fact="0.1"/>
+              <dgm:constr type="rMarg" refType="primFontSz" fact="0.1"/>
+            </dgm:constrLst>
+            <dgm:ruleLst>
+              <dgm:rule type="primFontSz" val="5" fact="NaN" max="NaN"/>
+            </dgm:ruleLst>
+          </dgm:layoutNode>
+        </dgm:forEach>
+        <dgm:forEach name="Name17" axis="ch" ptType="node" st="3" cnt="1">
+          <dgm:layoutNode name="item2" styleLbl="node1">
+            <dgm:varLst>
+              <dgm:bulletEnabled val="1"/>
+            </dgm:varLst>
+            <dgm:alg type="tx">
+              <dgm:param type="txAnchorVertCh" val="mid"/>
+            </dgm:alg>
+            <dgm:shape xmlns:r="http://schemas.openxmlformats.org/officeDocument/2006/relationships" type="ellipse" r:blip="">
+              <dgm:adjLst/>
+            </dgm:shape>
+            <dgm:choose name="Name18">
+              <dgm:if name="Name19" axis="root ch" ptType="all node" func="cnt" op="equ" val="1">
+                <dgm:presOf/>
+              </dgm:if>
+              <dgm:if name="Name20" axis="root ch" ptType="all node" func="cnt" op="equ" val="2">
+                <dgm:presOf/>
+              </dgm:if>
+              <dgm:if name="Name21" axis="root ch" ptType="all node" func="cnt" op="equ" val="3">
+                <dgm:presOf axis="root ch desOrSelf" ptType="all node node" st="1 1 1" cnt="0 1 0"/>
+              </dgm:if>
+              <dgm:else name="Name22">
+                <dgm:presOf axis="root ch desOrSelf" ptType="all node node" st="1 2 1" cnt="0 1 0"/>
+              </dgm:else>
+            </dgm:choose>
+            <dgm:constrLst>
+              <dgm:constr type="tMarg" refType="primFontSz" fact="0.1"/>
+              <dgm:constr type="bMarg" refType="primFontSz" fact="0.1"/>
+              <dgm:constr type="lMarg" refType="primFontSz" fact="0.1"/>
+              <dgm:constr type="rMarg" refType="primFontSz" fact="0.1"/>
+            </dgm:constrLst>
+            <dgm:ruleLst>
+              <dgm:rule type="primFontSz" val="5" fact="NaN" max="NaN"/>
+            </dgm:ruleLst>
+          </dgm:layoutNode>
+        </dgm:forEach>
+        <dgm:forEach name="Name23" axis="ch" ptType="node" st="4" cnt="1">
+          <dgm:layoutNode name="item3" styleLbl="node1">
+            <dgm:varLst>
+              <dgm:bulletEnabled val="1"/>
+            </dgm:varLst>
+            <dgm:alg type="tx">
+              <dgm:param type="txAnchorVertCh" val="mid"/>
+            </dgm:alg>
+            <dgm:shape xmlns:r="http://schemas.openxmlformats.org/officeDocument/2006/relationships" type="ellipse" r:blip="">
+              <dgm:adjLst/>
+            </dgm:shape>
+            <dgm:choose name="Name24">
+              <dgm:if name="Name25" axis="root ch" ptType="all node" func="cnt" op="equ" val="1">
+                <dgm:presOf/>
+              </dgm:if>
+              <dgm:if name="Name26" axis="root ch" ptType="all node" func="cnt" op="equ" val="2">
+                <dgm:presOf/>
+              </dgm:if>
+              <dgm:if name="Name27" axis="root ch" ptType="all node" func="cnt" op="equ" val="3">
+                <dgm:presOf/>
+              </dgm:if>
+              <dgm:else name="Name28">
+                <dgm:presOf axis="root ch desOrSelf" ptType="all node node" st="1 1 1" cnt="0 1 0"/>
+              </dgm:else>
+            </dgm:choose>
+            <dgm:constrLst>
+              <dgm:constr type="tMarg" refType="primFontSz" fact="0.1"/>
+              <dgm:constr type="bMarg" refType="primFontSz" fact="0.1"/>
+              <dgm:constr type="lMarg" refType="primFontSz" fact="0.1"/>
+              <dgm:constr type="rMarg" refType="primFontSz" fact="0.1"/>
+            </dgm:constrLst>
+            <dgm:ruleLst>
+              <dgm:rule type="primFontSz" val="5" fact="NaN" max="NaN"/>
+            </dgm:ruleLst>
+          </dgm:layoutNode>
+        </dgm:forEach>
+        <dgm:layoutNode name="funnel" styleLbl="trAlignAcc1">
+          <dgm:alg type="sp"/>
+          <dgm:shape xmlns:r="http://schemas.openxmlformats.org/officeDocument/2006/relationships" type="funnel" r:blip="">
+            <dgm:adjLst/>
+          </dgm:shape>
+          <dgm:presOf/>
+          <dgm:constrLst/>
+          <dgm:ruleLst/>
+        </dgm:layoutNode>
+      </dgm:if>
+      <dgm:else name="Name29"/>
+    </dgm:choose>
+  </dgm:layoutNode>
+</dgm:layoutDef>
+</file>
+
 <file path=ppt/diagrams/quickStyle1.xml><?xml version="1.0" encoding="utf-8"?>
+<dgm:styleDef xmlns:dgm="http://schemas.openxmlformats.org/drawingml/2006/diagram" xmlns:a="http://schemas.openxmlformats.org/drawingml/2006/main" uniqueId="urn:microsoft.com/office/officeart/2005/8/quickstyle/simple1">
+  <dgm:title val=""/>
+  <dgm:desc val=""/>
+  <dgm:catLst>
+    <dgm:cat type="simple" pri="10100"/>
+  </dgm:catLst>
+  <dgm:scene3d>
+    <a:camera prst="orthographicFront"/>
+    <a:lightRig rig="threePt" dir="t"/>
+  </dgm:scene3d>
+  <dgm:styleLbl name="node0">
+    <dgm:scene3d>
+      <a:camera prst="orthographicFront"/>
+      <a:lightRig rig="threePt" dir="t"/>
+    </dgm:scene3d>
+    <dgm:sp3d/>
+    <dgm:txPr/>
+    <dgm:style>
+      <a:lnRef idx="2">
+        <a:scrgbClr r="0" g="0" b="0"/>
+      </a:lnRef>
+      <a:fillRef idx="1">
+        <a:scrgbClr r="0" g="0" b="0"/>
+      </a:fillRef>
+      <a:effectRef idx="0">
+        <a:scrgbClr r="0" g="0" b="0"/>
+      </a:effectRef>
+      <a:fontRef idx="minor">
+        <a:schemeClr val="lt1"/>
+      </a:fontRef>
+    </dgm:style>
+  </dgm:styleLbl>
+  <dgm:styleLbl name="lnNode1">
+    <dgm:scene3d>
+      <a:camera prst="orthographicFront"/>
+      <a:lightRig rig="threePt" dir="t"/>
+    </dgm:scene3d>
+    <dgm:sp3d/>
+    <dgm:txPr/>
+    <dgm:style>
+      <a:lnRef idx="2">
+        <a:scrgbClr r="0" g="0" b="0"/>
+      </a:lnRef>
+      <a:fillRef idx="1">
+        <a:scrgbClr r="0" g="0" b="0"/>
+      </a:fillRef>
+      <a:effectRef idx="0">
+        <a:scrgbClr r="0" g="0" b="0"/>
+      </a:effectRef>
+      <a:fontRef idx="minor">
+        <a:schemeClr val="lt1"/>
+      </a:fontRef>
+    </dgm:style>
+  </dgm:styleLbl>
+  <dgm:styleLbl name="vennNode1">
+    <dgm:scene3d>
+      <a:camera prst="orthographicFront"/>
+      <a:lightRig rig="threePt" dir="t"/>
+    </dgm:scene3d>
+    <dgm:sp3d/>
+    <dgm:txPr/>
+    <dgm:style>
+      <a:lnRef idx="2">
+        <a:scrgbClr r="0" g="0" b="0"/>
+      </a:lnRef>
+      <a:fillRef idx="1">
+        <a:scrgbClr r="0" g="0" b="0"/>
+      </a:fillRef>
+      <a:effectRef idx="0">
+        <a:scrgbClr r="0" g="0" b="0"/>
+      </a:effectRef>
+      <a:fontRef idx="minor">
+        <a:schemeClr val="tx1"/>
+      </a:fontRef>
+    </dgm:style>
+  </dgm:styleLbl>
+  <dgm:styleLbl name="alignNode1">
+    <dgm:scene3d>
+      <a:camera prst="orthographicFront"/>
+      <a:lightRig rig="threePt" dir="t"/>
+    </dgm:scene3d>
+    <dgm:sp3d/>
+    <dgm:txPr/>
+    <dgm:style>
+      <a:lnRef idx="2">
+        <a:scrgbClr r="0" g="0" b="0"/>
+      </a:lnRef>
+      <a:fillRef idx="1">
+        <a:scrgbClr r="0" g="0" b="0"/>
+      </a:fillRef>
+      <a:effectRef idx="0">
+        <a:scrgbClr r="0" g="0" b="0"/>
+      </a:effectRef>
+      <a:fontRef idx="minor">
+        <a:schemeClr val="lt1"/>
+      </a:fontRef>
+    </dgm:style>
+  </dgm:styleLbl>
+  <dgm:styleLbl name="node1">
+    <dgm:scene3d>
+      <a:camera prst="orthographicFront"/>
+      <a:lightRig rig="threePt" dir="t"/>
+    </dgm:scene3d>
+    <dgm:sp3d/>
+    <dgm:txPr/>
+    <dgm:style>
+      <a:lnRef idx="2">
+        <a:scrgbClr r="0" g="0" b="0"/>
+      </a:lnRef>
+      <a:fillRef idx="1">
+        <a:scrgbClr r="0" g="0" b="0"/>
+      </a:fillRef>
+      <a:effectRef idx="0">
+        <a:scrgbClr r="0" g="0" b="0"/>
+      </a:effectRef>
+      <a:fontRef idx="minor">
+        <a:schemeClr val="lt1"/>
+      </a:fontRef>
+    </dgm:style>
+  </dgm:styleLbl>
+  <dgm:styleLbl name="node2">
+    <dgm:scene3d>
+      <a:camera prst="orthographicFront"/>
+      <a:lightRig rig="threePt" dir="t"/>
+    </dgm:scene3d>
+    <dgm:sp3d/>
+    <dgm:txPr/>
+    <dgm:style>
+      <a:lnRef idx="2">
+        <a:scrgbClr r="0" g="0" b="0"/>
+      </a:lnRef>
+      <a:fillRef idx="1">
+        <a:scrgbClr r="0" g="0" b="0"/>
+      </a:fillRef>
+      <a:effectRef idx="0">
+        <a:scrgbClr r="0" g="0" b="0"/>
+      </a:effectRef>
+      <a:fontRef idx="minor">
+        <a:schemeClr val="lt1"/>
+      </a:fontRef>
+    </dgm:style>
+  </dgm:styleLbl>
+  <dgm:styleLbl name="node3">
+    <dgm:scene3d>
+      <a:camera prst="orthographicFront"/>
+      <a:lightRig rig="threePt" dir="t"/>
+    </dgm:scene3d>
+    <dgm:sp3d/>
+    <dgm:txPr/>
+    <dgm:style>
+      <a:lnRef idx="2">
+        <a:scrgbClr r="0" g="0" b="0"/>
+      </a:lnRef>
+      <a:fillRef idx="1">
+        <a:scrgbClr r="0" g="0" b="0"/>
+      </a:fillRef>
+      <a:effectRef idx="0">
+        <a:scrgbClr r="0" g="0" b="0"/>
+      </a:effectRef>
+      <a:fontRef idx="minor">
+        <a:schemeClr val="lt1"/>
+      </a:fontRef>
+    </dgm:style>
+  </dgm:styleLbl>
+  <dgm:styleLbl name="node4">
+    <dgm:scene3d>
+      <a:camera prst="orthographicFront"/>
+      <a:lightRig rig="threePt" dir="t"/>
+    </dgm:scene3d>
+    <dgm:sp3d/>
+    <dgm:txPr/>
+    <dgm:style>
+      <a:lnRef idx="2">
+        <a:scrgbClr r="0" g="0" b="0"/>
+      </a:lnRef>
+      <a:fillRef idx="1">
+        <a:scrgbClr r="0" g="0" b="0"/>
+      </a:fillRef>
+      <a:effectRef idx="0">
+        <a:scrgbClr r="0" g="0" b="0"/>
+      </a:effectRef>
+      <a:fontRef idx="minor">
+        <a:schemeClr val="lt1"/>
+      </a:fontRef>
+    </dgm:style>
+  </dgm:styleLbl>
+  <dgm:styleLbl name="fgImgPlace1">
+    <dgm:scene3d>
+      <a:camera prst="orthographicFront"/>
+      <a:lightRig rig="threePt" dir="t"/>
+    </dgm:scene3d>
+    <dgm:sp3d/>
+    <dgm:txPr/>
+    <dgm:style>
+      <a:lnRef idx="2">
+        <a:scrgbClr r="0" g="0" b="0"/>
+      </a:lnRef>
+      <a:fillRef idx="1">
+        <a:scrgbClr r="0" g="0" b="0"/>
+      </a:fillRef>
+      <a:effectRef idx="0">
+        <a:scrgbClr r="0" g="0" b="0"/>
+      </a:effectRef>
+      <a:fontRef idx="minor"/>
+    </dgm:style>
+  </dgm:styleLbl>
+  <dgm:styleLbl name="alignImgPlace1">
+    <dgm:scene3d>
+      <a:camera prst="orthographicFront"/>
+      <a:lightRig rig="threePt" dir="t"/>
+    </dgm:scene3d>
+    <dgm:sp3d/>
+    <dgm:txPr/>
+    <dgm:style>
+      <a:lnRef idx="2">
+        <a:scrgbClr r="0" g="0" b="0"/>
+      </a:lnRef>
+      <a:fillRef idx="1">
+        <a:scrgbClr r="0" g="0" b="0"/>
+      </a:fillRef>
+      <a:effectRef idx="0">
+        <a:scrgbClr r="0" g="0" b="0"/>
+      </a:effectRef>
+      <a:fontRef idx="minor"/>
+    </dgm:style>
+  </dgm:styleLbl>
+  <dgm:styleLbl name="bgImgPlace1">
+    <dgm:scene3d>
+      <a:camera prst="orthographicFront"/>
+      <a:lightRig rig="threePt" dir="t"/>
+    </dgm:scene3d>
+    <dgm:sp3d/>
+    <dgm:txPr/>
+    <dgm:style>
+      <a:lnRef idx="2">
+        <a:scrgbClr r="0" g="0" b="0"/>
+      </a:lnRef>
+      <a:fillRef idx="1">
+        <a:scrgbClr r="0" g="0" b="0"/>
+      </a:fillRef>
+      <a:effectRef idx="0">
+        <a:scrgbClr r="0" g="0" b="0"/>
+      </a:effectRef>
+      <a:fontRef idx="minor"/>
+    </dgm:style>
+  </dgm:styleLbl>
+  <dgm:styleLbl name="sibTrans2D1">
+    <dgm:scene3d>
+      <a:camera prst="orthographicFront"/>
+      <a:lightRig rig="threePt" dir="t"/>
+    </dgm:scene3d>
+    <dgm:sp3d/>
+    <dgm:txPr/>
+    <dgm:style>
+      <a:lnRef idx="0">
+        <a:scrgbClr r="0" g="0" b="0"/>
+      </a:lnRef>
+      <a:fillRef idx="1">
+        <a:scrgbClr r="0" g="0" b="0"/>
+      </a:fillRef>
+      <a:effectRef idx="0">
+        <a:scrgbClr r="0" g="0" b="0"/>
+      </a:effectRef>
+      <a:fontRef idx="minor">
+        <a:schemeClr val="lt1"/>
+      </a:fontRef>
+    </dgm:style>
+  </dgm:styleLbl>
+  <dgm:styleLbl name="fgSibTrans2D1">
+    <dgm:scene3d>
+      <a:camera prst="orthographicFront"/>
+      <a:lightRig rig="threePt" dir="t"/>
+    </dgm:scene3d>
+    <dgm:sp3d/>
+    <dgm:txPr/>
+    <dgm:style>
+      <a:lnRef idx="0">
+        <a:scrgbClr r="0" g="0" b="0"/>
+      </a:lnRef>
+      <a:fillRef idx="1">
+        <a:scrgbClr r="0" g="0" b="0"/>
+      </a:fillRef>
+      <a:effectRef idx="0">
+        <a:scrgbClr r="0" g="0" b="0"/>
+      </a:effectRef>
+      <a:fontRef idx="minor">
+        <a:schemeClr val="lt1"/>
+      </a:fontRef>
+    </dgm:style>
+  </dgm:styleLbl>
+  <dgm:styleLbl name="bgSibTrans2D1">
+    <dgm:scene3d>
+      <a:camera prst="orthographicFront"/>
+      <a:lightRig rig="threePt" dir="t"/>
+    </dgm:scene3d>
+    <dgm:sp3d/>
+    <dgm:txPr/>
+    <dgm:style>
+      <a:lnRef idx="0">
+        <a:scrgbClr r="0" g="0" b="0"/>
+      </a:lnRef>
+      <a:fillRef idx="1">
+        <a:scrgbClr r="0" g="0" b="0"/>
+      </a:fillRef>
+      <a:effectRef idx="0">
+        <a:scrgbClr r="0" g="0" b="0"/>
+      </a:effectRef>
+      <a:fontRef idx="minor">
+        <a:schemeClr val="lt1"/>
+      </a:fontRef>
+    </dgm:style>
+  </dgm:styleLbl>
+  <dgm:styleLbl name="sibTrans1D1">
+    <dgm:scene3d>
+      <a:camera prst="orthographicFront"/>
+      <a:lightRig rig="threePt" dir="t"/>
+    </dgm:scene3d>
+    <dgm:sp3d/>
+    <dgm:txPr/>
+    <dgm:style>
+      <a:lnRef idx="1">
+        <a:scrgbClr r="0" g="0" b="0"/>
+      </a:lnRef>
+      <a:fillRef idx="0">
+        <a:scrgbClr r="0" g="0" b="0"/>
+      </a:fillRef>
+      <a:effectRef idx="0">
+        <a:scrgbClr r="0" g="0" b="0"/>
+      </a:effectRef>
+      <a:fontRef idx="minor"/>
+    </dgm:style>
+  </dgm:styleLbl>
+  <dgm:styleLbl name="callout">
+    <dgm:scene3d>
+      <a:camera prst="orthographicFront"/>
+      <a:lightRig rig="threePt" dir="t"/>
+    </dgm:scene3d>
+    <dgm:sp3d/>
+    <dgm:txPr/>
+    <dgm:style>
+      <a:lnRef idx="2">
+        <a:scrgbClr r="0" g="0" b="0"/>
+      </a:lnRef>
+      <a:fillRef idx="1">
+        <a:scrgbClr r="0" g="0" b="0"/>
+      </a:fillRef>
+      <a:effectRef idx="0">
+        <a:scrgbClr r="0" g="0" b="0"/>
+      </a:effectRef>
+      <a:fontRef idx="minor"/>
+    </dgm:style>
+  </dgm:styleLbl>
+  <dgm:styleLbl name="asst0">
+    <dgm:scene3d>
+      <a:camera prst="orthographicFront"/>
+      <a:lightRig rig="threePt" dir="t"/>
+    </dgm:scene3d>
+    <dgm:sp3d/>
+    <dgm:txPr/>
+    <dgm:style>
+      <a:lnRef idx="2">
+        <a:scrgbClr r="0" g="0" b="0"/>
+      </a:lnRef>
+      <a:fillRef idx="1">
+        <a:scrgbClr r="0" g="0" b="0"/>
+      </a:fillRef>
+      <a:effectRef idx="0">
+        <a:scrgbClr r="0" g="0" b="0"/>
+      </a:effectRef>
+      <a:fontRef idx="minor">
+        <a:schemeClr val="lt1"/>
+      </a:fontRef>
+    </dgm:style>
+  </dgm:styleLbl>
+  <dgm:styleLbl name="asst1">
+    <dgm:scene3d>
+      <a:camera prst="orthographicFront"/>
+      <a:lightRig rig="threePt" dir="t"/>
+    </dgm:scene3d>
+    <dgm:sp3d/>
+    <dgm:txPr/>
+    <dgm:style>
+      <a:lnRef idx="2">
+        <a:scrgbClr r="0" g="0" b="0"/>
+      </a:lnRef>
+      <a:fillRef idx="1">
+        <a:scrgbClr r="0" g="0" b="0"/>
+      </a:fillRef>
+      <a:effectRef idx="0">
+        <a:scrgbClr r="0" g="0" b="0"/>
+      </a:effectRef>
+      <a:fontRef idx="minor">
+        <a:schemeClr val="lt1"/>
+      </a:fontRef>
+    </dgm:style>
+  </dgm:styleLbl>
+  <dgm:styleLbl name="asst2">
+    <dgm:scene3d>
+      <a:camera prst="orthographicFront"/>
+      <a:lightRig rig="threePt" dir="t"/>
+    </dgm:scene3d>
+    <dgm:sp3d/>
+    <dgm:txPr/>
+    <dgm:style>
+      <a:lnRef idx="2">
+        <a:scrgbClr r="0" g="0" b="0"/>
+      </a:lnRef>
+      <a:fillRef idx="1">
+        <a:scrgbClr r="0" g="0" b="0"/>
+      </a:fillRef>
+      <a:effectRef idx="0">
+        <a:scrgbClr r="0" g="0" b="0"/>
+      </a:effectRef>
+      <a:fontRef idx="minor">
+        <a:schemeClr val="lt1"/>
+      </a:fontRef>
+    </dgm:style>
+  </dgm:styleLbl>
+  <dgm:styleLbl name="asst3">
+    <dgm:scene3d>
+      <a:camera prst="orthographicFront"/>
+      <a:lightRig rig="threePt" dir="t"/>
+    </dgm:scene3d>
+    <dgm:sp3d/>
+    <dgm:txPr/>
+    <dgm:style>
+      <a:lnRef idx="2">
+        <a:scrgbClr r="0" g="0" b="0"/>
+      </a:lnRef>
+      <a:fillRef idx="1">
+        <a:scrgbClr r="0" g="0" b="0"/>
+      </a:fillRef>
+      <a:effectRef idx="0">
+        <a:scrgbClr r="0" g="0" b="0"/>
+      </a:effectRef>
+      <a:fontRef idx="minor">
+        <a:schemeClr val="lt1"/>
+      </a:fontRef>
+    </dgm:style>
+  </dgm:styleLbl>
+  <dgm:styleLbl name="asst4">
+    <dgm:scene3d>
+      <a:camera prst="orthographicFront"/>
+      <a:lightRig rig="threePt" dir="t"/>
+    </dgm:scene3d>
+    <dgm:sp3d/>
+    <dgm:txPr/>
+    <dgm:style>
+      <a:lnRef idx="2">
+        <a:scrgbClr r="0" g="0" b="0"/>
+      </a:lnRef>
+      <a:fillRef idx="1">
+        <a:scrgbClr r="0" g="0" b="0"/>
+      </a:fillRef>
+      <a:effectRef idx="0">
+        <a:scrgbClr r="0" g="0" b="0"/>
+      </a:effectRef>
+      <a:fontRef idx="minor">
+        <a:schemeClr val="lt1"/>
+      </a:fontRef>
+    </dgm:style>
+  </dgm:styleLbl>
+  <dgm:styleLbl name="parChTrans2D1">
+    <dgm:scene3d>
+      <a:camera prst="orthographicFront"/>
+      <a:lightRig rig="threePt" dir="t"/>
+    </dgm:scene3d>
+    <dgm:sp3d/>
+    <dgm:txPr/>
+    <dgm:style>
+      <a:lnRef idx="2">
+        <a:scrgbClr r="0" g="0" b="0"/>
+      </a:lnRef>
+      <a:fillRef idx="1">
+        <a:scrgbClr r="0" g="0" b="0"/>
+      </a:fillRef>
+      <a:effectRef idx="0">
+        <a:scrgbClr r="0" g="0" b="0"/>
+      </a:effectRef>
+      <a:fontRef idx="minor">
+        <a:schemeClr val="lt1"/>
+      </a:fontRef>
+    </dgm:style>
+  </dgm:styleLbl>
+  <dgm:styleLbl name="parChTrans2D2">
+    <dgm:scene3d>
+      <a:camera prst="orthographicFront"/>
+      <a:lightRig rig="threePt" dir="t"/>
+    </dgm:scene3d>
+    <dgm:sp3d/>
+    <dgm:txPr/>
+    <dgm:style>
+      <a:lnRef idx="2">
+        <a:scrgbClr r="0" g="0" b="0"/>
+      </a:lnRef>
+      <a:fillRef idx="1">
+        <a:scrgbClr r="0" g="0" b="0"/>
+      </a:fillRef>
+      <a:effectRef idx="0">
+        <a:scrgbClr r="0" g="0" b="0"/>
+      </a:effectRef>
+      <a:fontRef idx="minor">
+        <a:schemeClr val="lt1"/>
+      </a:fontRef>
+    </dgm:style>
+  </dgm:styleLbl>
+  <dgm:styleLbl name="parChTrans2D3">
+    <dgm:scene3d>
+      <a:camera prst="orthographicFront"/>
+      <a:lightRig rig="threePt" dir="t"/>
+    </dgm:scene3d>
+    <dgm:sp3d/>
+    <dgm:txPr/>
+    <dgm:style>
+      <a:lnRef idx="2">
+        <a:scrgbClr r="0" g="0" b="0"/>
+      </a:lnRef>
+      <a:fillRef idx="1">
+        <a:scrgbClr r="0" g="0" b="0"/>
+      </a:fillRef>
+      <a:effectRef idx="0">
+        <a:scrgbClr r="0" g="0" b="0"/>
+      </a:effectRef>
+      <a:fontRef idx="minor">
+        <a:schemeClr val="lt1"/>
+      </a:fontRef>
+    </dgm:style>
+  </dgm:styleLbl>
+  <dgm:styleLbl name="parChTrans2D4">
+    <dgm:scene3d>
+      <a:camera prst="orthographicFront"/>
+      <a:lightRig rig="threePt" dir="t"/>
+    </dgm:scene3d>
+    <dgm:sp3d/>
+    <dgm:txPr/>
+    <dgm:style>
+      <a:lnRef idx="2">
+        <a:scrgbClr r="0" g="0" b="0"/>
+      </a:lnRef>
+      <a:fillRef idx="1">
+        <a:scrgbClr r="0" g="0" b="0"/>
+      </a:fillRef>
+      <a:effectRef idx="0">
+        <a:scrgbClr r="0" g="0" b="0"/>
+      </a:effectRef>
+      <a:fontRef idx="minor">
+        <a:schemeClr val="lt1"/>
+      </a:fontRef>
+    </dgm:style>
+  </dgm:styleLbl>
+  <dgm:styleLbl name="parChTrans1D1">
+    <dgm:scene3d>
+      <a:camera prst="orthographicFront"/>
+      <a:lightRig rig="threePt" dir="t"/>
+    </dgm:scene3d>
+    <dgm:sp3d/>
+    <dgm:txPr/>
+    <dgm:style>
+      <a:lnRef idx="2">
+        <a:scrgbClr r="0" g="0" b="0"/>
+      </a:lnRef>
+      <a:fillRef idx="0">
+        <a:scrgbClr r="0" g="0" b="0"/>
+      </a:fillRef>
+      <a:effectRef idx="0">
+        <a:scrgbClr r="0" g="0" b="0"/>
+      </a:effectRef>
+      <a:fontRef idx="minor"/>
+    </dgm:style>
+  </dgm:styleLbl>
+  <dgm:styleLbl name="parChTrans1D2">
+    <dgm:scene3d>
+      <a:camera prst="orthographicFront"/>
+      <a:lightRig rig="threePt" dir="t"/>
+    </dgm:scene3d>
+    <dgm:sp3d/>
+    <dgm:txPr/>
+    <dgm:style>
+      <a:lnRef idx="2">
+        <a:scrgbClr r="0" g="0" b="0"/>
+      </a:lnRef>
+      <a:fillRef idx="0">
+        <a:scrgbClr r="0" g="0" b="0"/>
+      </a:fillRef>
+      <a:effectRef idx="0">
+        <a:scrgbClr r="0" g="0" b="0"/>
+      </a:effectRef>
+      <a:fontRef idx="minor"/>
+    </dgm:style>
+  </dgm:styleLbl>
+  <dgm:styleLbl name="parChTrans1D3">
+    <dgm:scene3d>
+      <a:camera prst="orthographicFront"/>
+      <a:lightRig rig="threePt" dir="t"/>
+    </dgm:scene3d>
+    <dgm:sp3d/>
+    <dgm:txPr/>
+    <dgm:style>
+      <a:lnRef idx="2">
+        <a:scrgbClr r="0" g="0" b="0"/>
+      </a:lnRef>
+      <a:fillRef idx="0">
+        <a:scrgbClr r="0" g="0" b="0"/>
+      </a:fillRef>
+      <a:effectRef idx="0">
+        <a:scrgbClr r="0" g="0" b="0"/>
+      </a:effectRef>
+      <a:fontRef idx="minor"/>
+    </dgm:style>
+  </dgm:styleLbl>
+  <dgm:styleLbl name="parChTrans1D4">
+    <dgm:scene3d>
+      <a:camera prst="orthographicFront"/>
+      <a:lightRig rig="threePt" dir="t"/>
+    </dgm:scene3d>
+    <dgm:sp3d/>
+    <dgm:txPr/>
+    <dgm:style>
+      <a:lnRef idx="2">
+        <a:scrgbClr r="0" g="0" b="0"/>
+      </a:lnRef>
+      <a:fillRef idx="0">
+        <a:scrgbClr r="0" g="0" b="0"/>
+      </a:fillRef>
+      <a:effectRef idx="0">
+        <a:scrgbClr r="0" g="0" b="0"/>
+      </a:effectRef>
+      <a:fontRef idx="minor"/>
+    </dgm:style>
+  </dgm:styleLbl>
+  <dgm:styleLbl name="fgAcc1">
+    <dgm:scene3d>
+      <a:camera prst="orthographicFront"/>
+      <a:lightRig rig="threePt" dir="t"/>
+    </dgm:scene3d>
+    <dgm:sp3d/>
+    <dgm:txPr/>
+    <dgm:style>
+      <a:lnRef idx="2">
+        <a:scrgbClr r="0" g="0" b="0"/>
+      </a:lnRef>
+      <a:fillRef idx="1">
+        <a:scrgbClr r="0" g="0" b="0"/>
+      </a:fillRef>
+      <a:effectRef idx="0">
+        <a:scrgbClr r="0" g="0" b="0"/>
+      </a:effectRef>
+      <a:fontRef idx="minor"/>
+    </dgm:style>
+  </dgm:styleLbl>
+  <dgm:styleLbl name="conFgAcc1">
+    <dgm:scene3d>
+      <a:camera prst="orthographicFront"/>
+      <a:lightRig rig="threePt" dir="t"/>
+    </dgm:scene3d>
+    <dgm:sp3d/>
+    <dgm:txPr/>
+    <dgm:style>
+      <a:lnRef idx="2">
+        <a:scrgbClr r="0" g="0" b="0"/>
+      </a:lnRef>
+      <a:fillRef idx="1">
+        <a:scrgbClr r="0" g="0" b="0"/>
+      </a:fillRef>
+      <a:effectRef idx="0">
+        <a:scrgbClr r="0" g="0" b="0"/>
+      </a:effectRef>
+      <a:fontRef idx="minor"/>
+    </dgm:style>
+  </dgm:styleLbl>
+  <dgm:styleLbl name="alignAcc1">
+    <dgm:scene3d>
+      <a:camera prst="orthographicFront"/>
+      <a:lightRig rig="threePt" dir="t"/>
+    </dgm:scene3d>
+    <dgm:sp3d/>
+    <dgm:txPr/>
+    <dgm:style>
+      <a:lnRef idx="2">
+        <a:scrgbClr r="0" g="0" b="0"/>
+      </a:lnRef>
+      <a:fillRef idx="1">
+        <a:scrgbClr r="0" g="0" b="0"/>
+      </a:fillRef>
+      <a:effectRef idx="0">
+        <a:scrgbClr r="0" g="0" b="0"/>
+      </a:effectRef>
+      <a:fontRef idx="minor"/>
+    </dgm:style>
+  </dgm:styleLbl>
+  <dgm:styleLbl name="trAlignAcc1">
+    <dgm:scene3d>
+      <a:camera prst="orthographicFront"/>
+      <a:lightRig rig="threePt" dir="t"/>
+    </dgm:scene3d>
+    <dgm:sp3d/>
+    <dgm:txPr/>
+    <dgm:style>
+      <a:lnRef idx="1">
+        <a:scrgbClr r="0" g="0" b="0"/>
+      </a:lnRef>
+      <a:fillRef idx="1">
+        <a:scrgbClr r="0" g="0" b="0"/>
+      </a:fillRef>
+      <a:effectRef idx="0">
+        <a:scrgbClr r="0" g="0" b="0"/>
+      </a:effectRef>
+      <a:fontRef idx="minor"/>
+    </dgm:style>
+  </dgm:styleLbl>
+  <dgm:styleLbl name="bgAcc1">
+    <dgm:scene3d>
+      <a:camera prst="orthographicFront"/>
+      <a:lightRig rig="threePt" dir="t"/>
+    </dgm:scene3d>
+    <dgm:sp3d/>
+    <dgm:txPr/>
+    <dgm:style>
+      <a:lnRef idx="2">
+        <a:scrgbClr r="0" g="0" b="0"/>
+      </a:lnRef>
+      <a:fillRef idx="1">
+        <a:scrgbClr r="0" g="0" b="0"/>
+      </a:fillRef>
+      <a:effectRef idx="0">
+        <a:scrgbClr r="0" g="0" b="0"/>
+      </a:effectRef>
+      <a:fontRef idx="minor"/>
+    </dgm:style>
+  </dgm:styleLbl>
+  <dgm:styleLbl name="solidFgAcc1">
+    <dgm:scene3d>
+      <a:camera prst="orthographicFront"/>
+      <a:lightRig rig="threePt" dir="t"/>
+    </dgm:scene3d>
+    <dgm:sp3d/>
+    <dgm:txPr/>
+    <dgm:style>
+      <a:lnRef idx="2">
+        <a:scrgbClr r="0" g="0" b="0"/>
+      </a:lnRef>
+      <a:fillRef idx="1">
+        <a:scrgbClr r="0" g="0" b="0"/>
+      </a:fillRef>
+      <a:effectRef idx="0">
+        <a:scrgbClr r="0" g="0" b="0"/>
+      </a:effectRef>
+      <a:fontRef idx="minor"/>
+    </dgm:style>
+  </dgm:styleLbl>
+  <dgm:styleLbl name="solidAlignAcc1">
+    <dgm:scene3d>
+      <a:camera prst="orthographicFront"/>
+      <a:lightRig rig="threePt" dir="t"/>
+    </dgm:scene3d>
+    <dgm:sp3d/>
+    <dgm:txPr/>
+    <dgm:style>
+      <a:lnRef idx="2">
+        <a:scrgbClr r="0" g="0" b="0"/>
+      </a:lnRef>
+      <a:fillRef idx="1">
+        <a:scrgbClr r="0" g="0" b="0"/>
+      </a:fillRef>
+      <a:effectRef idx="0">
+        <a:scrgbClr r="0" g="0" b="0"/>
+      </a:effectRef>
+      <a:fontRef idx="minor"/>
+    </dgm:style>
+  </dgm:styleLbl>
+  <dgm:styleLbl name="solidBgAcc1">
+    <dgm:scene3d>
+      <a:camera prst="orthographicFront"/>
+      <a:lightRig rig="threePt" dir="t"/>
+    </dgm:scene3d>
+    <dgm:sp3d/>
+    <dgm:txPr/>
+    <dgm:style>
+      <a:lnRef idx="2">
+        <a:scrgbClr r="0" g="0" b="0"/>
+      </a:lnRef>
+      <a:fillRef idx="1">
+        <a:scrgbClr r="0" g="0" b="0"/>
+      </a:fillRef>
+      <a:effectRef idx="0">
+        <a:scrgbClr r="0" g="0" b="0"/>
+      </a:effectRef>
+      <a:fontRef idx="minor"/>
+    </dgm:style>
+  </dgm:styleLbl>
+  <dgm:styleLbl name="fgAccFollowNode1">
+    <dgm:scene3d>
+      <a:camera prst="orthographicFront"/>
+      <a:lightRig rig="threePt" dir="t"/>
+    </dgm:scene3d>
+    <dgm:sp3d/>
+    <dgm:txPr/>
+    <dgm:style>
+      <a:lnRef idx="2">
+        <a:scrgbClr r="0" g="0" b="0"/>
+      </a:lnRef>
+      <a:fillRef idx="1">
+        <a:scrgbClr r="0" g="0" b="0"/>
+      </a:fillRef>
+      <a:effectRef idx="0">
+        <a:scrgbClr r="0" g="0" b="0"/>
+      </a:effectRef>
+      <a:fontRef idx="minor"/>
+    </dgm:style>
+  </dgm:styleLbl>
+  <dgm:styleLbl name="alignAccFollowNode1">
+    <dgm:scene3d>
+      <a:camera prst="orthographicFront"/>
+      <a:lightRig rig="threePt" dir="t"/>
+    </dgm:scene3d>
+    <dgm:sp3d/>
+    <dgm:txPr/>
+    <dgm:style>
+      <a:lnRef idx="2">
+        <a:scrgbClr r="0" g="0" b="0"/>
+      </a:lnRef>
+      <a:fillRef idx="1">
+        <a:scrgbClr r="0" g="0" b="0"/>
+      </a:fillRef>
+      <a:effectRef idx="0">
+        <a:scrgbClr r="0" g="0" b="0"/>
+      </a:effectRef>
+      <a:fontRef idx="minor"/>
+    </dgm:style>
+  </dgm:styleLbl>
+  <dgm:styleLbl name="bgAccFollowNode1">
+    <dgm:scene3d>
+      <a:camera prst="orthographicFront"/>
+      <a:lightRig rig="threePt" dir="t"/>
+    </dgm:scene3d>
+    <dgm:sp3d/>
+    <dgm:txPr/>
+    <dgm:style>
+      <a:lnRef idx="2">
+        <a:scrgbClr r="0" g="0" b="0"/>
+      </a:lnRef>
+      <a:fillRef idx="1">
+        <a:scrgbClr r="0" g="0" b="0"/>
+      </a:fillRef>
+      <a:effectRef idx="0">
+        <a:scrgbClr r="0" g="0" b="0"/>
+      </a:effectRef>
+      <a:fontRef idx="minor"/>
+    </dgm:style>
+  </dgm:styleLbl>
+  <dgm:styleLbl name="fgAcc0">
+    <dgm:scene3d>
+      <a:camera prst="orthographicFront"/>
+      <a:lightRig rig="threePt" dir="t"/>
+    </dgm:scene3d>
+    <dgm:sp3d/>
+    <dgm:txPr/>
+    <dgm:style>
+      <a:lnRef idx="2">
+        <a:scrgbClr r="0" g="0" b="0"/>
+      </a:lnRef>
+      <a:fillRef idx="1">
+        <a:scrgbClr r="0" g="0" b="0"/>
+      </a:fillRef>
+      <a:effectRef idx="0">
+        <a:scrgbClr r="0" g="0" b="0"/>
+      </a:effectRef>
+      <a:fontRef idx="minor"/>
+    </dgm:style>
+  </dgm:styleLbl>
+  <dgm:styleLbl name="fgAcc2">
+    <dgm:scene3d>
+      <a:camera prst="orthographicFront"/>
+      <a:lightRig rig="threePt" dir="t"/>
+    </dgm:scene3d>
+    <dgm:sp3d/>
+    <dgm:txPr/>
+    <dgm:style>
+      <a:lnRef idx="2">
+        <a:scrgbClr r="0" g="0" b="0"/>
+      </a:lnRef>
+      <a:fillRef idx="1">
+        <a:scrgbClr r="0" g="0" b="0"/>
+      </a:fillRef>
+      <a:effectRef idx="0">
+        <a:scrgbClr r="0" g="0" b="0"/>
+      </a:effectRef>
+      <a:fontRef idx="minor"/>
+    </dgm:style>
+  </dgm:styleLbl>
+  <dgm:styleLbl name="fgAcc3">
+    <dgm:scene3d>
+      <a:camera prst="orthographicFront"/>
+      <a:lightRig rig="threePt" dir="t"/>
+    </dgm:scene3d>
+    <dgm:sp3d/>
+    <dgm:txPr/>
+    <dgm:style>
+      <a:lnRef idx="2">
+        <a:scrgbClr r="0" g="0" b="0"/>
+      </a:lnRef>
+      <a:fillRef idx="1">
+        <a:scrgbClr r="0" g="0" b="0"/>
+      </a:fillRef>
+      <a:effectRef idx="0">
+        <a:scrgbClr r="0" g="0" b="0"/>
+      </a:effectRef>
+      <a:fontRef idx="minor"/>
+    </dgm:style>
+  </dgm:styleLbl>
+  <dgm:styleLbl name="fgAcc4">
+    <dgm:scene3d>
+      <a:camera prst="orthographicFront"/>
+      <a:lightRig rig="threePt" dir="t"/>
+    </dgm:scene3d>
+    <dgm:sp3d/>
+    <dgm:txPr/>
+    <dgm:style>
+      <a:lnRef idx="2">
+        <a:scrgbClr r="0" g="0" b="0"/>
+      </a:lnRef>
+      <a:fillRef idx="1">
+        <a:scrgbClr r="0" g="0" b="0"/>
+      </a:fillRef>
+      <a:effectRef idx="0">
+        <a:scrgbClr r="0" g="0" b="0"/>
+      </a:effectRef>
+      <a:fontRef idx="minor"/>
+    </dgm:style>
+  </dgm:styleLbl>
+  <dgm:styleLbl name="bgShp">
+    <dgm:scene3d>
+      <a:camera prst="orthographicFront"/>
+      <a:lightRig rig="threePt" dir="t"/>
+    </dgm:scene3d>
+    <dgm:sp3d/>
+    <dgm:txPr/>
+    <dgm:style>
+      <a:lnRef idx="0">
+        <a:scrgbClr r="0" g="0" b="0"/>
+      </a:lnRef>
+      <a:fillRef idx="1">
+        <a:scrgbClr r="0" g="0" b="0"/>
+      </a:fillRef>
+      <a:effectRef idx="0">
+        <a:scrgbClr r="0" g="0" b="0"/>
+      </a:effectRef>
+      <a:fontRef idx="minor"/>
+    </dgm:style>
+  </dgm:styleLbl>
+  <dgm:styleLbl name="dkBgShp">
+    <dgm:scene3d>
+      <a:camera prst="orthographicFront"/>
+      <a:lightRig rig="threePt" dir="t"/>
+    </dgm:scene3d>
+    <dgm:sp3d/>
+    <dgm:txPr/>
+    <dgm:style>
+      <a:lnRef idx="0">
+        <a:scrgbClr r="0" g="0" b="0"/>
+      </a:lnRef>
+      <a:fillRef idx="1">
+        <a:scrgbClr r="0" g="0" b="0"/>
+      </a:fillRef>
+      <a:effectRef idx="0">
+        <a:scrgbClr r="0" g="0" b="0"/>
+      </a:effectRef>
+      <a:fontRef idx="minor"/>
+    </dgm:style>
+  </dgm:styleLbl>
+  <dgm:styleLbl name="trBgShp">
+    <dgm:scene3d>
+      <a:camera prst="orthographicFront"/>
+      <a:lightRig rig="threePt" dir="t"/>
+    </dgm:scene3d>
+    <dgm:sp3d/>
+    <dgm:txPr/>
+    <dgm:style>
+      <a:lnRef idx="0">
+        <a:scrgbClr r="0" g="0" b="0"/>
+      </a:lnRef>
+      <a:fillRef idx="1">
+        <a:scrgbClr r="0" g="0" b="0"/>
+      </a:fillRef>
+      <a:effectRef idx="0">
+        <a:scrgbClr r="0" g="0" b="0"/>
+      </a:effectRef>
+      <a:fontRef idx="minor"/>
+    </dgm:style>
+  </dgm:styleLbl>
+  <dgm:styleLbl name="fgShp">
+    <dgm:scene3d>
+      <a:camera prst="orthographicFront"/>
+      <a:lightRig rig="threePt" dir="t"/>
+    </dgm:scene3d>
+    <dgm:sp3d/>
+    <dgm:txPr/>
+    <dgm:style>
+      <a:lnRef idx="2">
+        <a:scrgbClr r="0" g="0" b="0"/>
+      </a:lnRef>
+      <a:fillRef idx="1">
+        <a:scrgbClr r="0" g="0" b="0"/>
+      </a:fillRef>
+      <a:effectRef idx="0">
+        <a:scrgbClr r="0" g="0" b="0"/>
+      </a:effectRef>
+      <a:fontRef idx="minor"/>
+    </dgm:style>
+  </dgm:styleLbl>
+  <dgm:styleLbl name="revTx">
+    <dgm:scene3d>
+      <a:camera prst="orthographicFront"/>
+      <a:lightRig rig="threePt" dir="t"/>
+    </dgm:scene3d>
+    <dgm:sp3d/>
+    <dgm:txPr/>
+    <dgm:style>
+      <a:lnRef idx="0">
+        <a:scrgbClr r="0" g="0" b="0"/>
+      </a:lnRef>
+      <a:fillRef idx="0">
+        <a:scrgbClr r="0" g="0" b="0"/>
+      </a:fillRef>
+      <a:effectRef idx="0">
+        <a:scrgbClr r="0" g="0" b="0"/>
+      </a:effectRef>
+      <a:fontRef idx="minor"/>
+    </dgm:style>
+  </dgm:styleLbl>
+</dgm:styleDef>
+</file>
+
+<file path=ppt/diagrams/quickStyle2.xml><?xml version="1.0" encoding="utf-8"?>
 <dgm:styleDef xmlns:dgm="http://schemas.openxmlformats.org/drawingml/2006/diagram" xmlns:a="http://schemas.openxmlformats.org/drawingml/2006/main" uniqueId="urn:microsoft.com/office/officeart/2005/8/quickstyle/simple1">
   <dgm:title val=""/>
   <dgm:desc val=""/>
@@ -9365,6 +12151,1770 @@
 </p:sld>
 </file>
 
+<file path=ppt/slides/slide5.xml><?xml version="1.0" encoding="utf-8"?>
+<p:sld xmlns:a="http://schemas.openxmlformats.org/drawingml/2006/main" xmlns:r="http://schemas.openxmlformats.org/officeDocument/2006/relationships" xmlns:p="http://schemas.openxmlformats.org/presentationml/2006/main">
+  <p:cSld>
+    <p:spTree>
+      <p:nvGrpSpPr>
+        <p:cNvPr id="1" name=""/>
+        <p:cNvGrpSpPr/>
+        <p:nvPr/>
+      </p:nvGrpSpPr>
+      <p:grpSpPr>
+        <a:xfrm>
+          <a:off x="0" y="0"/>
+          <a:ext cx="0" cy="0"/>
+          <a:chOff x="0" y="0"/>
+          <a:chExt cx="0" cy="0"/>
+        </a:xfrm>
+      </p:grpSpPr>
+      <p:sp>
+        <p:nvSpPr>
+          <p:cNvPr id="3" name="Content Placeholder 2">
+            <a:extLst>
+              <a:ext uri="{FF2B5EF4-FFF2-40B4-BE49-F238E27FC236}">
+                <a16:creationId xmlns:a16="http://schemas.microsoft.com/office/drawing/2014/main" id="{CC05E816-907F-9163-9766-B78C31141410}"/>
+              </a:ext>
+            </a:extLst>
+          </p:cNvPr>
+          <p:cNvSpPr>
+            <a:spLocks noGrp="1"/>
+          </p:cNvSpPr>
+          <p:nvPr>
+            <p:ph idx="1"/>
+          </p:nvPr>
+        </p:nvSpPr>
+        <p:spPr/>
+        <p:txBody>
+          <a:bodyPr/>
+          <a:lstStyle/>
+          <a:p>
+            <a:endParaRPr lang="en-US"/>
+          </a:p>
+        </p:txBody>
+      </p:sp>
+      <p:pic>
+        <p:nvPicPr>
+          <p:cNvPr id="1026" name="Picture 2">
+            <a:extLst>
+              <a:ext uri="{FF2B5EF4-FFF2-40B4-BE49-F238E27FC236}">
+                <a16:creationId xmlns:a16="http://schemas.microsoft.com/office/drawing/2014/main" id="{9BEC061C-E826-B7E2-A178-DCFE4F8D83A8}"/>
+              </a:ext>
+            </a:extLst>
+          </p:cNvPr>
+          <p:cNvPicPr>
+            <a:picLocks noChangeAspect="1" noChangeArrowheads="1"/>
+          </p:cNvPicPr>
+          <p:nvPr/>
+        </p:nvPicPr>
+        <p:blipFill>
+          <a:blip r:embed="rId2">
+            <a:extLst>
+              <a:ext uri="{28A0092B-C50C-407E-A947-70E740481C1C}">
+                <a14:useLocalDpi xmlns:a14="http://schemas.microsoft.com/office/drawing/2010/main" val="0"/>
+              </a:ext>
+            </a:extLst>
+          </a:blip>
+          <a:srcRect/>
+          <a:stretch>
+            <a:fillRect/>
+          </a:stretch>
+        </p:blipFill>
+        <p:spPr bwMode="auto">
+          <a:xfrm>
+            <a:off x="742800" y="836043"/>
+            <a:ext cx="10706400" cy="5185913"/>
+          </a:xfrm>
+          <a:prstGeom prst="rect">
+            <a:avLst/>
+          </a:prstGeom>
+          <a:noFill/>
+          <a:extLst>
+            <a:ext uri="{909E8E84-426E-40DD-AFC4-6F175D3DCCD1}">
+              <a14:hiddenFill xmlns:a14="http://schemas.microsoft.com/office/drawing/2010/main">
+                <a:solidFill>
+                  <a:srgbClr val="FFFFFF"/>
+                </a:solidFill>
+              </a14:hiddenFill>
+            </a:ext>
+          </a:extLst>
+        </p:spPr>
+      </p:pic>
+    </p:spTree>
+    <p:extLst>
+      <p:ext uri="{BB962C8B-B14F-4D97-AF65-F5344CB8AC3E}">
+        <p14:creationId xmlns:p14="http://schemas.microsoft.com/office/powerpoint/2010/main" val="2687146659"/>
+      </p:ext>
+    </p:extLst>
+  </p:cSld>
+  <p:clrMapOvr>
+    <a:masterClrMapping/>
+  </p:clrMapOvr>
+</p:sld>
+</file>
+
+<file path=ppt/slides/slide6.xml><?xml version="1.0" encoding="utf-8"?>
+<p:sld xmlns:a="http://schemas.openxmlformats.org/drawingml/2006/main" xmlns:r="http://schemas.openxmlformats.org/officeDocument/2006/relationships" xmlns:p="http://schemas.openxmlformats.org/presentationml/2006/main">
+  <p:cSld>
+    <p:spTree>
+      <p:nvGrpSpPr>
+        <p:cNvPr id="1" name=""/>
+        <p:cNvGrpSpPr/>
+        <p:nvPr/>
+      </p:nvGrpSpPr>
+      <p:grpSpPr>
+        <a:xfrm>
+          <a:off x="0" y="0"/>
+          <a:ext cx="0" cy="0"/>
+          <a:chOff x="0" y="0"/>
+          <a:chExt cx="0" cy="0"/>
+        </a:xfrm>
+      </p:grpSpPr>
+      <p:pic>
+        <p:nvPicPr>
+          <p:cNvPr id="2062" name="Picture 14" descr="Docker, Docker Compose, Docker Swarm, Docker Kubernetes">
+            <a:extLst>
+              <a:ext uri="{FF2B5EF4-FFF2-40B4-BE49-F238E27FC236}">
+                <a16:creationId xmlns:a16="http://schemas.microsoft.com/office/drawing/2014/main" id="{C1930AAD-1B05-92A9-9091-BEDC6AC8C9E2}"/>
+              </a:ext>
+            </a:extLst>
+          </p:cNvPr>
+          <p:cNvPicPr>
+            <a:picLocks noChangeAspect="1" noChangeArrowheads="1"/>
+          </p:cNvPicPr>
+          <p:nvPr/>
+        </p:nvPicPr>
+        <p:blipFill>
+          <a:blip r:embed="rId2">
+            <a:extLst>
+              <a:ext uri="{28A0092B-C50C-407E-A947-70E740481C1C}">
+                <a14:useLocalDpi xmlns:a14="http://schemas.microsoft.com/office/drawing/2010/main" val="0"/>
+              </a:ext>
+            </a:extLst>
+          </a:blip>
+          <a:srcRect/>
+          <a:stretch>
+            <a:fillRect/>
+          </a:stretch>
+        </p:blipFill>
+        <p:spPr bwMode="auto">
+          <a:xfrm>
+            <a:off x="4006432" y="4799240"/>
+            <a:ext cx="6490673" cy="2058760"/>
+          </a:xfrm>
+          <a:prstGeom prst="rect">
+            <a:avLst/>
+          </a:prstGeom>
+          <a:noFill/>
+          <a:extLst>
+            <a:ext uri="{909E8E84-426E-40DD-AFC4-6F175D3DCCD1}">
+              <a14:hiddenFill xmlns:a14="http://schemas.microsoft.com/office/drawing/2010/main">
+                <a:solidFill>
+                  <a:srgbClr val="FFFFFF"/>
+                </a:solidFill>
+              </a14:hiddenFill>
+            </a:ext>
+          </a:extLst>
+        </p:spPr>
+      </p:pic>
+      <p:grpSp>
+        <p:nvGrpSpPr>
+          <p:cNvPr id="9" name="Group 8">
+            <a:extLst>
+              <a:ext uri="{FF2B5EF4-FFF2-40B4-BE49-F238E27FC236}">
+                <a16:creationId xmlns:a16="http://schemas.microsoft.com/office/drawing/2014/main" id="{1B3C1ECD-C3AB-90EB-0DA4-BA9EA8231789}"/>
+              </a:ext>
+            </a:extLst>
+          </p:cNvPr>
+          <p:cNvGrpSpPr/>
+          <p:nvPr/>
+        </p:nvGrpSpPr>
+        <p:grpSpPr>
+          <a:xfrm>
+            <a:off x="4998400" y="2829095"/>
+            <a:ext cx="4116800" cy="2575801"/>
+            <a:chOff x="2838400" y="2270367"/>
+            <a:chExt cx="4116800" cy="2575801"/>
+          </a:xfrm>
+        </p:grpSpPr>
+        <p:pic>
+          <p:nvPicPr>
+            <p:cNvPr id="8" name="Picture 7" descr="A blue and black logo&#10;&#10;Description automatically generated">
+              <a:extLst>
+                <a:ext uri="{FF2B5EF4-FFF2-40B4-BE49-F238E27FC236}">
+                  <a16:creationId xmlns:a16="http://schemas.microsoft.com/office/drawing/2014/main" id="{544CEA87-4A92-01EB-AF4E-46201F6B6816}"/>
+                </a:ext>
+              </a:extLst>
+            </p:cNvPr>
+            <p:cNvPicPr>
+              <a:picLocks noChangeAspect="1"/>
+            </p:cNvPicPr>
+            <p:nvPr/>
+          </p:nvPicPr>
+          <p:blipFill rotWithShape="1">
+            <a:blip r:embed="rId3"/>
+            <a:srcRect r="63297"/>
+            <a:stretch/>
+          </p:blipFill>
+          <p:spPr>
+            <a:xfrm>
+              <a:off x="5091769" y="3042931"/>
+              <a:ext cx="575663" cy="403200"/>
+            </a:xfrm>
+            <a:prstGeom prst="rect">
+              <a:avLst/>
+            </a:prstGeom>
+          </p:spPr>
+        </p:pic>
+        <p:graphicFrame>
+          <p:nvGraphicFramePr>
+            <p:cNvPr id="4" name="Diagram 3">
+              <a:extLst>
+                <a:ext uri="{FF2B5EF4-FFF2-40B4-BE49-F238E27FC236}">
+                  <a16:creationId xmlns:a16="http://schemas.microsoft.com/office/drawing/2014/main" id="{C7643944-D9C1-14B6-6033-F2D5D5E1F084}"/>
+                </a:ext>
+              </a:extLst>
+            </p:cNvPr>
+            <p:cNvGraphicFramePr/>
+            <p:nvPr>
+              <p:extLst>
+                <p:ext uri="{D42A27DB-BD31-4B8C-83A1-F6EECF244321}">
+                  <p14:modId xmlns:p14="http://schemas.microsoft.com/office/powerpoint/2010/main" val="4056921314"/>
+                </p:ext>
+              </p:extLst>
+            </p:nvPr>
+          </p:nvGraphicFramePr>
+          <p:xfrm>
+            <a:off x="2838400" y="2270367"/>
+            <a:ext cx="4116800" cy="2575801"/>
+          </p:xfrm>
+          <a:graphic>
+            <a:graphicData uri="http://schemas.openxmlformats.org/drawingml/2006/diagram">
+              <dgm:relIds xmlns:dgm="http://schemas.openxmlformats.org/drawingml/2006/diagram" xmlns:r="http://schemas.openxmlformats.org/officeDocument/2006/relationships" r:dm="rId4" r:lo="rId5" r:qs="rId6" r:cs="rId7"/>
+            </a:graphicData>
+          </a:graphic>
+        </p:graphicFrame>
+        <p:pic>
+          <p:nvPicPr>
+            <p:cNvPr id="6" name="Picture 5" descr="A blue and black logo&#10;&#10;Description automatically generated">
+              <a:extLst>
+                <a:ext uri="{FF2B5EF4-FFF2-40B4-BE49-F238E27FC236}">
+                  <a16:creationId xmlns:a16="http://schemas.microsoft.com/office/drawing/2014/main" id="{E3888C2F-D3BC-1C4A-3DE8-1A262DD11240}"/>
+                </a:ext>
+              </a:extLst>
+            </p:cNvPr>
+            <p:cNvPicPr>
+              <a:picLocks noChangeAspect="1"/>
+            </p:cNvPicPr>
+            <p:nvPr/>
+          </p:nvPicPr>
+          <p:blipFill rotWithShape="1">
+            <a:blip r:embed="rId3"/>
+            <a:srcRect r="63297"/>
+            <a:stretch/>
+          </p:blipFill>
+          <p:spPr>
+            <a:xfrm>
+              <a:off x="4032001" y="2498164"/>
+              <a:ext cx="532799" cy="373177"/>
+            </a:xfrm>
+            <a:prstGeom prst="rect">
+              <a:avLst/>
+            </a:prstGeom>
+          </p:spPr>
+        </p:pic>
+        <p:pic>
+          <p:nvPicPr>
+            <p:cNvPr id="7" name="Picture 6" descr="A blue and black logo&#10;&#10;Description automatically generated">
+              <a:extLst>
+                <a:ext uri="{FF2B5EF4-FFF2-40B4-BE49-F238E27FC236}">
+                  <a16:creationId xmlns:a16="http://schemas.microsoft.com/office/drawing/2014/main" id="{A998E5F5-EB38-2D40-B7BA-B64F5A4E9218}"/>
+                </a:ext>
+              </a:extLst>
+            </p:cNvPr>
+            <p:cNvPicPr>
+              <a:picLocks noChangeAspect="1"/>
+            </p:cNvPicPr>
+            <p:nvPr/>
+          </p:nvPicPr>
+          <p:blipFill rotWithShape="1">
+            <a:blip r:embed="rId3"/>
+            <a:srcRect r="63297"/>
+            <a:stretch/>
+          </p:blipFill>
+          <p:spPr>
+            <a:xfrm>
+              <a:off x="5214001" y="2270367"/>
+              <a:ext cx="503874" cy="352918"/>
+            </a:xfrm>
+            <a:prstGeom prst="rect">
+              <a:avLst/>
+            </a:prstGeom>
+          </p:spPr>
+        </p:pic>
+      </p:grpSp>
+      <p:pic>
+        <p:nvPicPr>
+          <p:cNvPr id="2064" name="Picture 16" descr="Top docker images that I tend to use ad-hoc - DEV Community">
+            <a:extLst>
+              <a:ext uri="{FF2B5EF4-FFF2-40B4-BE49-F238E27FC236}">
+                <a16:creationId xmlns:a16="http://schemas.microsoft.com/office/drawing/2014/main" id="{8C0CE16F-32F8-DCB0-AC7E-9EDD57C9D959}"/>
+              </a:ext>
+            </a:extLst>
+          </p:cNvPr>
+          <p:cNvPicPr>
+            <a:picLocks noChangeAspect="1" noChangeArrowheads="1"/>
+          </p:cNvPicPr>
+          <p:nvPr/>
+        </p:nvPicPr>
+        <p:blipFill>
+          <a:blip r:embed="rId9">
+            <a:extLst>
+              <a:ext uri="{28A0092B-C50C-407E-A947-70E740481C1C}">
+                <a14:useLocalDpi xmlns:a14="http://schemas.microsoft.com/office/drawing/2010/main" val="0"/>
+              </a:ext>
+            </a:extLst>
+          </a:blip>
+          <a:srcRect/>
+          <a:stretch>
+            <a:fillRect/>
+          </a:stretch>
+        </p:blipFill>
+        <p:spPr bwMode="auto">
+          <a:xfrm>
+            <a:off x="2422585" y="561267"/>
+            <a:ext cx="3829206" cy="2153929"/>
+          </a:xfrm>
+          <a:prstGeom prst="rect">
+            <a:avLst/>
+          </a:prstGeom>
+          <a:noFill/>
+          <a:extLst>
+            <a:ext uri="{909E8E84-426E-40DD-AFC4-6F175D3DCCD1}">
+              <a14:hiddenFill xmlns:a14="http://schemas.microsoft.com/office/drawing/2010/main">
+                <a:solidFill>
+                  <a:srgbClr val="FFFFFF"/>
+                </a:solidFill>
+              </a14:hiddenFill>
+            </a:ext>
+          </a:extLst>
+        </p:spPr>
+      </p:pic>
+      <p:pic>
+        <p:nvPicPr>
+          <p:cNvPr id="2066" name="Picture 18" descr="Software Developer Working With Computers Stock Illustration - Download  Image Now - Software Development, Desktop PC, Business - iStock">
+            <a:extLst>
+              <a:ext uri="{FF2B5EF4-FFF2-40B4-BE49-F238E27FC236}">
+                <a16:creationId xmlns:a16="http://schemas.microsoft.com/office/drawing/2014/main" id="{738D4933-A008-07D5-7D74-9CDDEBDEDB2E}"/>
+              </a:ext>
+            </a:extLst>
+          </p:cNvPr>
+          <p:cNvPicPr>
+            <a:picLocks noChangeAspect="1" noChangeArrowheads="1"/>
+          </p:cNvPicPr>
+          <p:nvPr/>
+        </p:nvPicPr>
+        <p:blipFill>
+          <a:blip r:embed="rId10">
+            <a:extLst>
+              <a:ext uri="{28A0092B-C50C-407E-A947-70E740481C1C}">
+                <a14:useLocalDpi xmlns:a14="http://schemas.microsoft.com/office/drawing/2010/main" val="0"/>
+              </a:ext>
+            </a:extLst>
+          </a:blip>
+          <a:srcRect/>
+          <a:stretch>
+            <a:fillRect/>
+          </a:stretch>
+        </p:blipFill>
+        <p:spPr bwMode="auto">
+          <a:xfrm>
+            <a:off x="769242" y="3288578"/>
+            <a:ext cx="2700048" cy="1350024"/>
+          </a:xfrm>
+          <a:prstGeom prst="rect">
+            <a:avLst/>
+          </a:prstGeom>
+          <a:noFill/>
+          <a:extLst>
+            <a:ext uri="{909E8E84-426E-40DD-AFC4-6F175D3DCCD1}">
+              <a14:hiddenFill xmlns:a14="http://schemas.microsoft.com/office/drawing/2010/main">
+                <a:solidFill>
+                  <a:srgbClr val="FFFFFF"/>
+                </a:solidFill>
+              </a14:hiddenFill>
+            </a:ext>
+          </a:extLst>
+        </p:spPr>
+      </p:pic>
+      <p:pic>
+        <p:nvPicPr>
+          <p:cNvPr id="2068" name="Picture 20" descr="1,236 Qa Engineer Images, Stock Photos, 3D objects, &amp; Vectors | Shutterstock">
+            <a:extLst>
+              <a:ext uri="{FF2B5EF4-FFF2-40B4-BE49-F238E27FC236}">
+                <a16:creationId xmlns:a16="http://schemas.microsoft.com/office/drawing/2014/main" id="{DCFED5FE-5190-D809-469F-3420B1FBA14E}"/>
+              </a:ext>
+            </a:extLst>
+          </p:cNvPr>
+          <p:cNvPicPr>
+            <a:picLocks noChangeAspect="1" noChangeArrowheads="1"/>
+          </p:cNvPicPr>
+          <p:nvPr/>
+        </p:nvPicPr>
+        <p:blipFill rotWithShape="1">
+          <a:blip r:embed="rId11">
+            <a:extLst>
+              <a:ext uri="{28A0092B-C50C-407E-A947-70E740481C1C}">
+                <a14:useLocalDpi xmlns:a14="http://schemas.microsoft.com/office/drawing/2010/main" val="0"/>
+              </a:ext>
+            </a:extLst>
+          </a:blip>
+          <a:srcRect b="8625"/>
+          <a:stretch/>
+        </p:blipFill>
+        <p:spPr bwMode="auto">
+          <a:xfrm>
+            <a:off x="180604" y="362200"/>
+            <a:ext cx="1938662" cy="1221688"/>
+          </a:xfrm>
+          <a:prstGeom prst="rect">
+            <a:avLst/>
+          </a:prstGeom>
+          <a:noFill/>
+          <a:extLst>
+            <a:ext uri="{909E8E84-426E-40DD-AFC4-6F175D3DCCD1}">
+              <a14:hiddenFill xmlns:a14="http://schemas.microsoft.com/office/drawing/2010/main">
+                <a:solidFill>
+                  <a:srgbClr val="FFFFFF"/>
+                </a:solidFill>
+              </a14:hiddenFill>
+            </a:ext>
+          </a:extLst>
+        </p:spPr>
+      </p:pic>
+      <p:pic>
+        <p:nvPicPr>
+          <p:cNvPr id="2070" name="Picture 22" descr="Enterprise DevOps: The Crucial Role of DevOps in Enterprise Application  Development | Turing">
+            <a:extLst>
+              <a:ext uri="{FF2B5EF4-FFF2-40B4-BE49-F238E27FC236}">
+                <a16:creationId xmlns:a16="http://schemas.microsoft.com/office/drawing/2014/main" id="{4B17F30B-3174-9A6C-BC92-79362817A773}"/>
+              </a:ext>
+            </a:extLst>
+          </p:cNvPr>
+          <p:cNvPicPr>
+            <a:picLocks noChangeAspect="1" noChangeArrowheads="1"/>
+          </p:cNvPicPr>
+          <p:nvPr/>
+        </p:nvPicPr>
+        <p:blipFill>
+          <a:blip r:embed="rId12">
+            <a:extLst>
+              <a:ext uri="{28A0092B-C50C-407E-A947-70E740481C1C}">
+                <a14:useLocalDpi xmlns:a14="http://schemas.microsoft.com/office/drawing/2010/main" val="0"/>
+              </a:ext>
+            </a:extLst>
+          </a:blip>
+          <a:srcRect/>
+          <a:stretch>
+            <a:fillRect/>
+          </a:stretch>
+        </p:blipFill>
+        <p:spPr bwMode="auto">
+          <a:xfrm>
+            <a:off x="6494250" y="530017"/>
+            <a:ext cx="3033981" cy="1423364"/>
+          </a:xfrm>
+          <a:prstGeom prst="rect">
+            <a:avLst/>
+          </a:prstGeom>
+          <a:noFill/>
+          <a:extLst>
+            <a:ext uri="{909E8E84-426E-40DD-AFC4-6F175D3DCCD1}">
+              <a14:hiddenFill xmlns:a14="http://schemas.microsoft.com/office/drawing/2010/main">
+                <a:solidFill>
+                  <a:srgbClr val="FFFFFF"/>
+                </a:solidFill>
+              </a14:hiddenFill>
+            </a:ext>
+          </a:extLst>
+        </p:spPr>
+      </p:pic>
+      <p:sp>
+        <p:nvSpPr>
+          <p:cNvPr id="13" name="Left-Right Arrow 12">
+            <a:extLst>
+              <a:ext uri="{FF2B5EF4-FFF2-40B4-BE49-F238E27FC236}">
+                <a16:creationId xmlns:a16="http://schemas.microsoft.com/office/drawing/2014/main" id="{DFE6A19D-DA3E-14E4-6F92-2711DEE4A2E2}"/>
+              </a:ext>
+            </a:extLst>
+          </p:cNvPr>
+          <p:cNvSpPr/>
+          <p:nvPr/>
+        </p:nvSpPr>
+        <p:spPr>
+          <a:xfrm rot="18042418">
+            <a:off x="2154936" y="2912984"/>
+            <a:ext cx="542095" cy="134392"/>
+          </a:xfrm>
+          <a:prstGeom prst="leftRightArrow">
+            <a:avLst/>
+          </a:prstGeom>
+        </p:spPr>
+        <p:style>
+          <a:lnRef idx="2">
+            <a:schemeClr val="accent1">
+              <a:shade val="15000"/>
+            </a:schemeClr>
+          </a:lnRef>
+          <a:fillRef idx="1">
+            <a:schemeClr val="accent1"/>
+          </a:fillRef>
+          <a:effectRef idx="0">
+            <a:schemeClr val="accent1"/>
+          </a:effectRef>
+          <a:fontRef idx="minor">
+            <a:schemeClr val="lt1"/>
+          </a:fontRef>
+        </p:style>
+        <p:txBody>
+          <a:bodyPr rtlCol="0" anchor="ctr"/>
+          <a:lstStyle/>
+          <a:p>
+            <a:pPr algn="ctr"/>
+            <a:endParaRPr lang="en-US"/>
+          </a:p>
+        </p:txBody>
+      </p:sp>
+      <p:sp>
+        <p:nvSpPr>
+          <p:cNvPr id="14" name="Left-Right Arrow 13">
+            <a:extLst>
+              <a:ext uri="{FF2B5EF4-FFF2-40B4-BE49-F238E27FC236}">
+                <a16:creationId xmlns:a16="http://schemas.microsoft.com/office/drawing/2014/main" id="{1E9D6188-D3E8-AABB-4052-F7EF688FA169}"/>
+              </a:ext>
+            </a:extLst>
+          </p:cNvPr>
+          <p:cNvSpPr/>
+          <p:nvPr/>
+        </p:nvSpPr>
+        <p:spPr>
+          <a:xfrm rot="12774481">
+            <a:off x="2144877" y="1417192"/>
+            <a:ext cx="542095" cy="134392"/>
+          </a:xfrm>
+          <a:prstGeom prst="leftRightArrow">
+            <a:avLst/>
+          </a:prstGeom>
+        </p:spPr>
+        <p:style>
+          <a:lnRef idx="2">
+            <a:schemeClr val="accent1">
+              <a:shade val="15000"/>
+            </a:schemeClr>
+          </a:lnRef>
+          <a:fillRef idx="1">
+            <a:schemeClr val="accent1"/>
+          </a:fillRef>
+          <a:effectRef idx="0">
+            <a:schemeClr val="accent1"/>
+          </a:effectRef>
+          <a:fontRef idx="minor">
+            <a:schemeClr val="lt1"/>
+          </a:fontRef>
+        </p:style>
+        <p:txBody>
+          <a:bodyPr rtlCol="0" anchor="ctr"/>
+          <a:lstStyle/>
+          <a:p>
+            <a:pPr algn="ctr"/>
+            <a:endParaRPr lang="en-US"/>
+          </a:p>
+        </p:txBody>
+      </p:sp>
+      <p:sp>
+        <p:nvSpPr>
+          <p:cNvPr id="15" name="Left-Right Arrow 14">
+            <a:extLst>
+              <a:ext uri="{FF2B5EF4-FFF2-40B4-BE49-F238E27FC236}">
+                <a16:creationId xmlns:a16="http://schemas.microsoft.com/office/drawing/2014/main" id="{773DB2DF-2239-1676-3042-4DA8E5661D0E}"/>
+              </a:ext>
+            </a:extLst>
+          </p:cNvPr>
+          <p:cNvSpPr/>
+          <p:nvPr/>
+        </p:nvSpPr>
+        <p:spPr>
+          <a:xfrm>
+            <a:off x="6191953" y="1496465"/>
+            <a:ext cx="542095" cy="134392"/>
+          </a:xfrm>
+          <a:prstGeom prst="leftRightArrow">
+            <a:avLst/>
+          </a:prstGeom>
+        </p:spPr>
+        <p:style>
+          <a:lnRef idx="2">
+            <a:schemeClr val="accent1">
+              <a:shade val="15000"/>
+            </a:schemeClr>
+          </a:lnRef>
+          <a:fillRef idx="1">
+            <a:schemeClr val="accent1"/>
+          </a:fillRef>
+          <a:effectRef idx="0">
+            <a:schemeClr val="accent1"/>
+          </a:effectRef>
+          <a:fontRef idx="minor">
+            <a:schemeClr val="lt1"/>
+          </a:fontRef>
+        </p:style>
+        <p:txBody>
+          <a:bodyPr rtlCol="0" anchor="ctr"/>
+          <a:lstStyle/>
+          <a:p>
+            <a:pPr algn="ctr"/>
+            <a:endParaRPr lang="en-US"/>
+          </a:p>
+        </p:txBody>
+      </p:sp>
+      <p:sp>
+        <p:nvSpPr>
+          <p:cNvPr id="16" name="Down Arrow 15">
+            <a:extLst>
+              <a:ext uri="{FF2B5EF4-FFF2-40B4-BE49-F238E27FC236}">
+                <a16:creationId xmlns:a16="http://schemas.microsoft.com/office/drawing/2014/main" id="{B68D5E22-0750-AA0F-A2B6-809810D8913A}"/>
+              </a:ext>
+            </a:extLst>
+          </p:cNvPr>
+          <p:cNvSpPr/>
+          <p:nvPr/>
+        </p:nvSpPr>
+        <p:spPr>
+          <a:xfrm rot="17755437">
+            <a:off x="5713095" y="2311489"/>
+            <a:ext cx="224142" cy="711228"/>
+          </a:xfrm>
+          <a:prstGeom prst="downArrow">
+            <a:avLst/>
+          </a:prstGeom>
+        </p:spPr>
+        <p:style>
+          <a:lnRef idx="2">
+            <a:schemeClr val="accent1">
+              <a:shade val="15000"/>
+            </a:schemeClr>
+          </a:lnRef>
+          <a:fillRef idx="1">
+            <a:schemeClr val="accent1"/>
+          </a:fillRef>
+          <a:effectRef idx="0">
+            <a:schemeClr val="accent1"/>
+          </a:effectRef>
+          <a:fontRef idx="minor">
+            <a:schemeClr val="lt1"/>
+          </a:fontRef>
+        </p:style>
+        <p:txBody>
+          <a:bodyPr rtlCol="0" anchor="ctr"/>
+          <a:lstStyle/>
+          <a:p>
+            <a:pPr algn="ctr"/>
+            <a:endParaRPr lang="en-US"/>
+          </a:p>
+        </p:txBody>
+      </p:sp>
+      <p:sp>
+        <p:nvSpPr>
+          <p:cNvPr id="17" name="TextBox 16">
+            <a:extLst>
+              <a:ext uri="{FF2B5EF4-FFF2-40B4-BE49-F238E27FC236}">
+                <a16:creationId xmlns:a16="http://schemas.microsoft.com/office/drawing/2014/main" id="{AC4A0E98-790A-0D40-B948-9D6E9586D4DC}"/>
+              </a:ext>
+            </a:extLst>
+          </p:cNvPr>
+          <p:cNvSpPr txBox="1"/>
+          <p:nvPr/>
+        </p:nvSpPr>
+        <p:spPr>
+          <a:xfrm>
+            <a:off x="6152142" y="2402814"/>
+            <a:ext cx="557589" cy="369332"/>
+          </a:xfrm>
+          <a:prstGeom prst="rect">
+            <a:avLst/>
+          </a:prstGeom>
+          <a:noFill/>
+        </p:spPr>
+        <p:txBody>
+          <a:bodyPr wrap="none" rtlCol="0">
+            <a:spAutoFit/>
+          </a:bodyPr>
+          <a:lstStyle/>
+          <a:p>
+            <a:r>
+              <a:rPr lang="en-US" dirty="0"/>
+              <a:t>Pull</a:t>
+            </a:r>
+          </a:p>
+        </p:txBody>
+      </p:sp>
+      <p:sp>
+        <p:nvSpPr>
+          <p:cNvPr id="18" name="TextBox 17">
+            <a:extLst>
+              <a:ext uri="{FF2B5EF4-FFF2-40B4-BE49-F238E27FC236}">
+                <a16:creationId xmlns:a16="http://schemas.microsoft.com/office/drawing/2014/main" id="{BF7DBEB0-B502-3E86-145B-4F0D183C4753}"/>
+              </a:ext>
+            </a:extLst>
+          </p:cNvPr>
+          <p:cNvSpPr txBox="1"/>
+          <p:nvPr/>
+        </p:nvSpPr>
+        <p:spPr>
+          <a:xfrm>
+            <a:off x="6038252" y="1221355"/>
+            <a:ext cx="840295" cy="253916"/>
+          </a:xfrm>
+          <a:prstGeom prst="rect">
+            <a:avLst/>
+          </a:prstGeom>
+          <a:noFill/>
+        </p:spPr>
+        <p:txBody>
+          <a:bodyPr wrap="none" rtlCol="0">
+            <a:spAutoFit/>
+          </a:bodyPr>
+          <a:lstStyle/>
+          <a:p>
+            <a:r>
+              <a:rPr lang="en-US" sz="1050" dirty="0"/>
+              <a:t>Push &amp; Pull</a:t>
+            </a:r>
+          </a:p>
+        </p:txBody>
+      </p:sp>
+      <p:sp>
+        <p:nvSpPr>
+          <p:cNvPr id="19" name="TextBox 18">
+            <a:extLst>
+              <a:ext uri="{FF2B5EF4-FFF2-40B4-BE49-F238E27FC236}">
+                <a16:creationId xmlns:a16="http://schemas.microsoft.com/office/drawing/2014/main" id="{D6024BD9-06A6-8411-8CC3-27700A94DA53}"/>
+              </a:ext>
+            </a:extLst>
+          </p:cNvPr>
+          <p:cNvSpPr txBox="1"/>
+          <p:nvPr/>
+        </p:nvSpPr>
+        <p:spPr>
+          <a:xfrm rot="18200723">
+            <a:off x="1850779" y="2704651"/>
+            <a:ext cx="840295" cy="253916"/>
+          </a:xfrm>
+          <a:prstGeom prst="rect">
+            <a:avLst/>
+          </a:prstGeom>
+          <a:noFill/>
+        </p:spPr>
+        <p:txBody>
+          <a:bodyPr wrap="none" rtlCol="0">
+            <a:spAutoFit/>
+          </a:bodyPr>
+          <a:lstStyle/>
+          <a:p>
+            <a:r>
+              <a:rPr lang="en-US" sz="1050" dirty="0"/>
+              <a:t>Push &amp; Pull</a:t>
+            </a:r>
+          </a:p>
+        </p:txBody>
+      </p:sp>
+      <p:sp>
+        <p:nvSpPr>
+          <p:cNvPr id="22" name="TextBox 21">
+            <a:extLst>
+              <a:ext uri="{FF2B5EF4-FFF2-40B4-BE49-F238E27FC236}">
+                <a16:creationId xmlns:a16="http://schemas.microsoft.com/office/drawing/2014/main" id="{BBE71ED4-F28A-441B-88F3-B202B585900A}"/>
+              </a:ext>
+            </a:extLst>
+          </p:cNvPr>
+          <p:cNvSpPr txBox="1"/>
+          <p:nvPr/>
+        </p:nvSpPr>
+        <p:spPr>
+          <a:xfrm rot="2119804">
+            <a:off x="2127424" y="1152793"/>
+            <a:ext cx="840295" cy="253916"/>
+          </a:xfrm>
+          <a:prstGeom prst="rect">
+            <a:avLst/>
+          </a:prstGeom>
+          <a:noFill/>
+        </p:spPr>
+        <p:txBody>
+          <a:bodyPr wrap="none" rtlCol="0">
+            <a:spAutoFit/>
+          </a:bodyPr>
+          <a:lstStyle/>
+          <a:p>
+            <a:r>
+              <a:rPr lang="en-US" sz="1050" dirty="0"/>
+              <a:t>Push &amp; Pull</a:t>
+            </a:r>
+          </a:p>
+        </p:txBody>
+      </p:sp>
+      <p:sp>
+        <p:nvSpPr>
+          <p:cNvPr id="23" name="TextBox 22">
+            <a:extLst>
+              <a:ext uri="{FF2B5EF4-FFF2-40B4-BE49-F238E27FC236}">
+                <a16:creationId xmlns:a16="http://schemas.microsoft.com/office/drawing/2014/main" id="{FDD68639-94AB-8B44-17DD-8A97456A94A8}"/>
+              </a:ext>
+            </a:extLst>
+          </p:cNvPr>
+          <p:cNvSpPr txBox="1"/>
+          <p:nvPr/>
+        </p:nvSpPr>
+        <p:spPr>
+          <a:xfrm>
+            <a:off x="1455997" y="4695032"/>
+            <a:ext cx="1391728" cy="253916"/>
+          </a:xfrm>
+          <a:prstGeom prst="rect">
+            <a:avLst/>
+          </a:prstGeom>
+          <a:noFill/>
+        </p:spPr>
+        <p:txBody>
+          <a:bodyPr wrap="none" rtlCol="0">
+            <a:spAutoFit/>
+          </a:bodyPr>
+          <a:lstStyle/>
+          <a:p>
+            <a:r>
+              <a:rPr lang="en-US" sz="1050" dirty="0"/>
+              <a:t>Software Developers</a:t>
+            </a:r>
+          </a:p>
+        </p:txBody>
+      </p:sp>
+      <p:sp>
+        <p:nvSpPr>
+          <p:cNvPr id="24" name="TextBox 23">
+            <a:extLst>
+              <a:ext uri="{FF2B5EF4-FFF2-40B4-BE49-F238E27FC236}">
+                <a16:creationId xmlns:a16="http://schemas.microsoft.com/office/drawing/2014/main" id="{0E1C77EC-3B9A-5520-0BF5-2C0C37979788}"/>
+              </a:ext>
+            </a:extLst>
+          </p:cNvPr>
+          <p:cNvSpPr txBox="1"/>
+          <p:nvPr/>
+        </p:nvSpPr>
+        <p:spPr>
+          <a:xfrm>
+            <a:off x="7831771" y="1907756"/>
+            <a:ext cx="1390124" cy="253916"/>
+          </a:xfrm>
+          <a:prstGeom prst="rect">
+            <a:avLst/>
+          </a:prstGeom>
+          <a:noFill/>
+        </p:spPr>
+        <p:txBody>
+          <a:bodyPr wrap="none" rtlCol="0">
+            <a:spAutoFit/>
+          </a:bodyPr>
+          <a:lstStyle/>
+          <a:p>
+            <a:r>
+              <a:rPr lang="en-US" sz="1050" dirty="0"/>
+              <a:t>Dev &amp; Ops Engineers</a:t>
+            </a:r>
+          </a:p>
+        </p:txBody>
+      </p:sp>
+      <p:sp>
+        <p:nvSpPr>
+          <p:cNvPr id="25" name="TextBox 24">
+            <a:extLst>
+              <a:ext uri="{FF2B5EF4-FFF2-40B4-BE49-F238E27FC236}">
+                <a16:creationId xmlns:a16="http://schemas.microsoft.com/office/drawing/2014/main" id="{7A78F11D-BE65-A626-99D3-BA9AF9BEB6FA}"/>
+              </a:ext>
+            </a:extLst>
+          </p:cNvPr>
+          <p:cNvSpPr txBox="1"/>
+          <p:nvPr/>
+        </p:nvSpPr>
+        <p:spPr>
+          <a:xfrm>
+            <a:off x="242471" y="1688060"/>
+            <a:ext cx="963725" cy="253916"/>
+          </a:xfrm>
+          <a:prstGeom prst="rect">
+            <a:avLst/>
+          </a:prstGeom>
+          <a:noFill/>
+        </p:spPr>
+        <p:txBody>
+          <a:bodyPr wrap="none" rtlCol="0">
+            <a:spAutoFit/>
+          </a:bodyPr>
+          <a:lstStyle/>
+          <a:p>
+            <a:r>
+              <a:rPr lang="en-US" sz="1050" dirty="0"/>
+              <a:t>QA Engineers</a:t>
+            </a:r>
+          </a:p>
+        </p:txBody>
+      </p:sp>
+      <p:pic>
+        <p:nvPicPr>
+          <p:cNvPr id="27" name="Picture 26">
+            <a:extLst>
+              <a:ext uri="{FF2B5EF4-FFF2-40B4-BE49-F238E27FC236}">
+                <a16:creationId xmlns:a16="http://schemas.microsoft.com/office/drawing/2014/main" id="{310FD351-D3C3-0789-4F58-8A714ED31261}"/>
+              </a:ext>
+            </a:extLst>
+          </p:cNvPr>
+          <p:cNvPicPr>
+            <a:picLocks noChangeAspect="1"/>
+          </p:cNvPicPr>
+          <p:nvPr/>
+        </p:nvPicPr>
+        <p:blipFill>
+          <a:blip r:embed="rId13"/>
+          <a:stretch>
+            <a:fillRect/>
+          </a:stretch>
+        </p:blipFill>
+        <p:spPr>
+          <a:xfrm>
+            <a:off x="180604" y="2762650"/>
+            <a:ext cx="867200" cy="867200"/>
+          </a:xfrm>
+          <a:prstGeom prst="rect">
+            <a:avLst/>
+          </a:prstGeom>
+        </p:spPr>
+      </p:pic>
+      <p:pic>
+        <p:nvPicPr>
+          <p:cNvPr id="2074" name="Picture 26" descr="FastAPI">
+            <a:extLst>
+              <a:ext uri="{FF2B5EF4-FFF2-40B4-BE49-F238E27FC236}">
+                <a16:creationId xmlns:a16="http://schemas.microsoft.com/office/drawing/2014/main" id="{2D49721D-7BB3-1F24-1955-34C40E56DB85}"/>
+              </a:ext>
+            </a:extLst>
+          </p:cNvPr>
+          <p:cNvPicPr>
+            <a:picLocks noChangeAspect="1" noChangeArrowheads="1"/>
+          </p:cNvPicPr>
+          <p:nvPr/>
+        </p:nvPicPr>
+        <p:blipFill>
+          <a:blip r:embed="rId14">
+            <a:extLst>
+              <a:ext uri="{28A0092B-C50C-407E-A947-70E740481C1C}">
+                <a14:useLocalDpi xmlns:a14="http://schemas.microsoft.com/office/drawing/2010/main" val="0"/>
+              </a:ext>
+            </a:extLst>
+          </a:blip>
+          <a:srcRect/>
+          <a:stretch>
+            <a:fillRect/>
+          </a:stretch>
+        </p:blipFill>
+        <p:spPr bwMode="auto">
+          <a:xfrm>
+            <a:off x="209390" y="2472774"/>
+            <a:ext cx="1266590" cy="456500"/>
+          </a:xfrm>
+          <a:prstGeom prst="rect">
+            <a:avLst/>
+          </a:prstGeom>
+          <a:noFill/>
+          <a:extLst>
+            <a:ext uri="{909E8E84-426E-40DD-AFC4-6F175D3DCCD1}">
+              <a14:hiddenFill xmlns:a14="http://schemas.microsoft.com/office/drawing/2010/main">
+                <a:solidFill>
+                  <a:srgbClr val="FFFFFF"/>
+                </a:solidFill>
+              </a14:hiddenFill>
+            </a:ext>
+          </a:extLst>
+        </p:spPr>
+      </p:pic>
+      <p:pic>
+        <p:nvPicPr>
+          <p:cNvPr id="2076" name="Picture 28" descr="20 Postgresql Icons - Free in SVG, PNG, ICO - IconScout">
+            <a:extLst>
+              <a:ext uri="{FF2B5EF4-FFF2-40B4-BE49-F238E27FC236}">
+                <a16:creationId xmlns:a16="http://schemas.microsoft.com/office/drawing/2014/main" id="{1BD7582B-6CAA-8E24-A8F1-4FC1A7B6B023}"/>
+              </a:ext>
+            </a:extLst>
+          </p:cNvPr>
+          <p:cNvPicPr>
+            <a:picLocks noChangeAspect="1" noChangeArrowheads="1"/>
+          </p:cNvPicPr>
+          <p:nvPr/>
+        </p:nvPicPr>
+        <p:blipFill>
+          <a:blip r:embed="rId15">
+            <a:extLst>
+              <a:ext uri="{28A0092B-C50C-407E-A947-70E740481C1C}">
+                <a14:useLocalDpi xmlns:a14="http://schemas.microsoft.com/office/drawing/2010/main" val="0"/>
+              </a:ext>
+            </a:extLst>
+          </a:blip>
+          <a:srcRect/>
+          <a:stretch>
+            <a:fillRect/>
+          </a:stretch>
+        </p:blipFill>
+        <p:spPr bwMode="auto">
+          <a:xfrm>
+            <a:off x="971844" y="2923364"/>
+            <a:ext cx="493400" cy="493400"/>
+          </a:xfrm>
+          <a:prstGeom prst="rect">
+            <a:avLst/>
+          </a:prstGeom>
+          <a:noFill/>
+          <a:extLst>
+            <a:ext uri="{909E8E84-426E-40DD-AFC4-6F175D3DCCD1}">
+              <a14:hiddenFill xmlns:a14="http://schemas.microsoft.com/office/drawing/2010/main">
+                <a:solidFill>
+                  <a:srgbClr val="FFFFFF"/>
+                </a:solidFill>
+              </a14:hiddenFill>
+            </a:ext>
+          </a:extLst>
+        </p:spPr>
+      </p:pic>
+      <p:pic>
+        <p:nvPicPr>
+          <p:cNvPr id="2078" name="Picture 30" descr="TensorFlow&quot; Icon - Download for free – Iconduck">
+            <a:extLst>
+              <a:ext uri="{FF2B5EF4-FFF2-40B4-BE49-F238E27FC236}">
+                <a16:creationId xmlns:a16="http://schemas.microsoft.com/office/drawing/2014/main" id="{FF44B88F-2555-4077-3254-5611741C0B92}"/>
+              </a:ext>
+            </a:extLst>
+          </p:cNvPr>
+          <p:cNvPicPr>
+            <a:picLocks noChangeAspect="1" noChangeArrowheads="1"/>
+          </p:cNvPicPr>
+          <p:nvPr/>
+        </p:nvPicPr>
+        <p:blipFill>
+          <a:blip r:embed="rId16">
+            <a:extLst>
+              <a:ext uri="{28A0092B-C50C-407E-A947-70E740481C1C}">
+                <a14:useLocalDpi xmlns:a14="http://schemas.microsoft.com/office/drawing/2010/main" val="0"/>
+              </a:ext>
+            </a:extLst>
+          </a:blip>
+          <a:srcRect/>
+          <a:stretch>
+            <a:fillRect/>
+          </a:stretch>
+        </p:blipFill>
+        <p:spPr bwMode="auto">
+          <a:xfrm>
+            <a:off x="612847" y="3493127"/>
+            <a:ext cx="406257" cy="435600"/>
+          </a:xfrm>
+          <a:prstGeom prst="rect">
+            <a:avLst/>
+          </a:prstGeom>
+          <a:noFill/>
+          <a:extLst>
+            <a:ext uri="{909E8E84-426E-40DD-AFC4-6F175D3DCCD1}">
+              <a14:hiddenFill xmlns:a14="http://schemas.microsoft.com/office/drawing/2010/main">
+                <a:solidFill>
+                  <a:srgbClr val="FFFFFF"/>
+                </a:solidFill>
+              </a14:hiddenFill>
+            </a:ext>
+          </a:extLst>
+        </p:spPr>
+      </p:pic>
+      <p:pic>
+        <p:nvPicPr>
+          <p:cNvPr id="2080" name="Picture 32">
+            <a:extLst>
+              <a:ext uri="{FF2B5EF4-FFF2-40B4-BE49-F238E27FC236}">
+                <a16:creationId xmlns:a16="http://schemas.microsoft.com/office/drawing/2014/main" id="{68EE495F-D768-AFBF-E3DD-569D6A38EE1E}"/>
+              </a:ext>
+            </a:extLst>
+          </p:cNvPr>
+          <p:cNvPicPr>
+            <a:picLocks noChangeAspect="1" noChangeArrowheads="1"/>
+          </p:cNvPicPr>
+          <p:nvPr/>
+        </p:nvPicPr>
+        <p:blipFill>
+          <a:blip r:embed="rId17">
+            <a:extLst>
+              <a:ext uri="{28A0092B-C50C-407E-A947-70E740481C1C}">
+                <a14:useLocalDpi xmlns:a14="http://schemas.microsoft.com/office/drawing/2010/main" val="0"/>
+              </a:ext>
+            </a:extLst>
+          </a:blip>
+          <a:srcRect/>
+          <a:stretch>
+            <a:fillRect/>
+          </a:stretch>
+        </p:blipFill>
+        <p:spPr bwMode="auto">
+          <a:xfrm>
+            <a:off x="8952427" y="632280"/>
+            <a:ext cx="772800" cy="290404"/>
+          </a:xfrm>
+          <a:prstGeom prst="rect">
+            <a:avLst/>
+          </a:prstGeom>
+          <a:noFill/>
+          <a:extLst>
+            <a:ext uri="{909E8E84-426E-40DD-AFC4-6F175D3DCCD1}">
+              <a14:hiddenFill xmlns:a14="http://schemas.microsoft.com/office/drawing/2010/main">
+                <a:solidFill>
+                  <a:srgbClr val="FFFFFF"/>
+                </a:solidFill>
+              </a14:hiddenFill>
+            </a:ext>
+          </a:extLst>
+        </p:spPr>
+      </p:pic>
+      <p:pic>
+        <p:nvPicPr>
+          <p:cNvPr id="2082" name="Picture 34">
+            <a:extLst>
+              <a:ext uri="{FF2B5EF4-FFF2-40B4-BE49-F238E27FC236}">
+                <a16:creationId xmlns:a16="http://schemas.microsoft.com/office/drawing/2014/main" id="{68397422-7805-5212-2623-9A5DA78C4C0E}"/>
+              </a:ext>
+            </a:extLst>
+          </p:cNvPr>
+          <p:cNvPicPr>
+            <a:picLocks noChangeAspect="1" noChangeArrowheads="1"/>
+          </p:cNvPicPr>
+          <p:nvPr/>
+        </p:nvPicPr>
+        <p:blipFill>
+          <a:blip r:embed="rId18">
+            <a:extLst>
+              <a:ext uri="{28A0092B-C50C-407E-A947-70E740481C1C}">
+                <a14:useLocalDpi xmlns:a14="http://schemas.microsoft.com/office/drawing/2010/main" val="0"/>
+              </a:ext>
+            </a:extLst>
+          </a:blip>
+          <a:srcRect/>
+          <a:stretch>
+            <a:fillRect/>
+          </a:stretch>
+        </p:blipFill>
+        <p:spPr bwMode="auto">
+          <a:xfrm>
+            <a:off x="9115200" y="1007257"/>
+            <a:ext cx="1104000" cy="261338"/>
+          </a:xfrm>
+          <a:prstGeom prst="rect">
+            <a:avLst/>
+          </a:prstGeom>
+          <a:noFill/>
+          <a:extLst>
+            <a:ext uri="{909E8E84-426E-40DD-AFC4-6F175D3DCCD1}">
+              <a14:hiddenFill xmlns:a14="http://schemas.microsoft.com/office/drawing/2010/main">
+                <a:solidFill>
+                  <a:srgbClr val="FFFFFF"/>
+                </a:solidFill>
+              </a14:hiddenFill>
+            </a:ext>
+          </a:extLst>
+        </p:spPr>
+      </p:pic>
+      <p:pic>
+        <p:nvPicPr>
+          <p:cNvPr id="2084" name="Picture 36" descr="Go programming language logo | Programming languages, Language logo,  Language">
+            <a:extLst>
+              <a:ext uri="{FF2B5EF4-FFF2-40B4-BE49-F238E27FC236}">
+                <a16:creationId xmlns:a16="http://schemas.microsoft.com/office/drawing/2014/main" id="{C525B8F1-542A-5A0B-4072-35AD88EBAFE1}"/>
+              </a:ext>
+            </a:extLst>
+          </p:cNvPr>
+          <p:cNvPicPr>
+            <a:picLocks noChangeAspect="1" noChangeArrowheads="1"/>
+          </p:cNvPicPr>
+          <p:nvPr/>
+        </p:nvPicPr>
+        <p:blipFill>
+          <a:blip r:embed="rId19">
+            <a:extLst>
+              <a:ext uri="{28A0092B-C50C-407E-A947-70E740481C1C}">
+                <a14:useLocalDpi xmlns:a14="http://schemas.microsoft.com/office/drawing/2010/main" val="0"/>
+              </a:ext>
+            </a:extLst>
+          </a:blip>
+          <a:srcRect/>
+          <a:stretch>
+            <a:fillRect/>
+          </a:stretch>
+        </p:blipFill>
+        <p:spPr bwMode="auto">
+          <a:xfrm>
+            <a:off x="9725227" y="353630"/>
+            <a:ext cx="557300" cy="557300"/>
+          </a:xfrm>
+          <a:prstGeom prst="rect">
+            <a:avLst/>
+          </a:prstGeom>
+          <a:noFill/>
+          <a:extLst>
+            <a:ext uri="{909E8E84-426E-40DD-AFC4-6F175D3DCCD1}">
+              <a14:hiddenFill xmlns:a14="http://schemas.microsoft.com/office/drawing/2010/main">
+                <a:solidFill>
+                  <a:srgbClr val="FFFFFF"/>
+                </a:solidFill>
+              </a14:hiddenFill>
+            </a:ext>
+          </a:extLst>
+        </p:spPr>
+      </p:pic>
+      <p:pic>
+        <p:nvPicPr>
+          <p:cNvPr id="2086" name="Picture 38" descr="VMware Logo and symbol, meaning, history, PNG, brand">
+            <a:extLst>
+              <a:ext uri="{FF2B5EF4-FFF2-40B4-BE49-F238E27FC236}">
+                <a16:creationId xmlns:a16="http://schemas.microsoft.com/office/drawing/2014/main" id="{45658254-044E-B845-68AE-AD1D284B2B32}"/>
+              </a:ext>
+            </a:extLst>
+          </p:cNvPr>
+          <p:cNvPicPr>
+            <a:picLocks noChangeAspect="1" noChangeArrowheads="1"/>
+          </p:cNvPicPr>
+          <p:nvPr/>
+        </p:nvPicPr>
+        <p:blipFill>
+          <a:blip r:embed="rId20">
+            <a:extLst>
+              <a:ext uri="{28A0092B-C50C-407E-A947-70E740481C1C}">
+                <a14:useLocalDpi xmlns:a14="http://schemas.microsoft.com/office/drawing/2010/main" val="0"/>
+              </a:ext>
+            </a:extLst>
+          </a:blip>
+          <a:srcRect/>
+          <a:stretch>
+            <a:fillRect/>
+          </a:stretch>
+        </p:blipFill>
+        <p:spPr bwMode="auto">
+          <a:xfrm>
+            <a:off x="9543639" y="1077360"/>
+            <a:ext cx="1126200" cy="675720"/>
+          </a:xfrm>
+          <a:prstGeom prst="rect">
+            <a:avLst/>
+          </a:prstGeom>
+          <a:noFill/>
+          <a:extLst>
+            <a:ext uri="{909E8E84-426E-40DD-AFC4-6F175D3DCCD1}">
+              <a14:hiddenFill xmlns:a14="http://schemas.microsoft.com/office/drawing/2010/main">
+                <a:solidFill>
+                  <a:srgbClr val="FFFFFF"/>
+                </a:solidFill>
+              </a14:hiddenFill>
+            </a:ext>
+          </a:extLst>
+        </p:spPr>
+      </p:pic>
+      <p:pic>
+        <p:nvPicPr>
+          <p:cNvPr id="2088" name="Picture 40">
+            <a:extLst>
+              <a:ext uri="{FF2B5EF4-FFF2-40B4-BE49-F238E27FC236}">
+                <a16:creationId xmlns:a16="http://schemas.microsoft.com/office/drawing/2014/main" id="{186CAEB2-18A2-173B-3E7E-BFE55B589382}"/>
+              </a:ext>
+            </a:extLst>
+          </p:cNvPr>
+          <p:cNvPicPr>
+            <a:picLocks noChangeAspect="1" noChangeArrowheads="1"/>
+          </p:cNvPicPr>
+          <p:nvPr/>
+        </p:nvPicPr>
+        <p:blipFill>
+          <a:blip r:embed="rId21">
+            <a:extLst>
+              <a:ext uri="{28A0092B-C50C-407E-A947-70E740481C1C}">
+                <a14:useLocalDpi xmlns:a14="http://schemas.microsoft.com/office/drawing/2010/main" val="0"/>
+              </a:ext>
+            </a:extLst>
+          </a:blip>
+          <a:srcRect/>
+          <a:stretch>
+            <a:fillRect/>
+          </a:stretch>
+        </p:blipFill>
+        <p:spPr bwMode="auto">
+          <a:xfrm>
+            <a:off x="9528231" y="1624463"/>
+            <a:ext cx="1052710" cy="252486"/>
+          </a:xfrm>
+          <a:prstGeom prst="rect">
+            <a:avLst/>
+          </a:prstGeom>
+          <a:noFill/>
+          <a:extLst>
+            <a:ext uri="{909E8E84-426E-40DD-AFC4-6F175D3DCCD1}">
+              <a14:hiddenFill xmlns:a14="http://schemas.microsoft.com/office/drawing/2010/main">
+                <a:solidFill>
+                  <a:srgbClr val="FFFFFF"/>
+                </a:solidFill>
+              </a14:hiddenFill>
+            </a:ext>
+          </a:extLst>
+        </p:spPr>
+      </p:pic>
+      <p:pic>
+        <p:nvPicPr>
+          <p:cNvPr id="2090" name="Picture 42">
+            <a:extLst>
+              <a:ext uri="{FF2B5EF4-FFF2-40B4-BE49-F238E27FC236}">
+                <a16:creationId xmlns:a16="http://schemas.microsoft.com/office/drawing/2014/main" id="{C4E7B0A9-5029-86B9-6D87-73A8198B26F4}"/>
+              </a:ext>
+            </a:extLst>
+          </p:cNvPr>
+          <p:cNvPicPr>
+            <a:picLocks noChangeAspect="1" noChangeArrowheads="1"/>
+          </p:cNvPicPr>
+          <p:nvPr/>
+        </p:nvPicPr>
+        <p:blipFill>
+          <a:blip r:embed="rId22">
+            <a:extLst>
+              <a:ext uri="{28A0092B-C50C-407E-A947-70E740481C1C}">
+                <a14:useLocalDpi xmlns:a14="http://schemas.microsoft.com/office/drawing/2010/main" val="0"/>
+              </a:ext>
+            </a:extLst>
+          </a:blip>
+          <a:srcRect/>
+          <a:stretch>
+            <a:fillRect/>
+          </a:stretch>
+        </p:blipFill>
+        <p:spPr bwMode="auto">
+          <a:xfrm>
+            <a:off x="1344801" y="99531"/>
+            <a:ext cx="926125" cy="226467"/>
+          </a:xfrm>
+          <a:prstGeom prst="rect">
+            <a:avLst/>
+          </a:prstGeom>
+          <a:noFill/>
+          <a:extLst>
+            <a:ext uri="{909E8E84-426E-40DD-AFC4-6F175D3DCCD1}">
+              <a14:hiddenFill xmlns:a14="http://schemas.microsoft.com/office/drawing/2010/main">
+                <a:solidFill>
+                  <a:srgbClr val="FFFFFF"/>
+                </a:solidFill>
+              </a14:hiddenFill>
+            </a:ext>
+          </a:extLst>
+        </p:spPr>
+      </p:pic>
+      <p:pic>
+        <p:nvPicPr>
+          <p:cNvPr id="2092" name="Picture 44" descr="Mantis Bug Tracker - Wikipedia">
+            <a:extLst>
+              <a:ext uri="{FF2B5EF4-FFF2-40B4-BE49-F238E27FC236}">
+                <a16:creationId xmlns:a16="http://schemas.microsoft.com/office/drawing/2014/main" id="{937D7413-D8DA-4416-9840-36D0F495FE6B}"/>
+              </a:ext>
+            </a:extLst>
+          </p:cNvPr>
+          <p:cNvPicPr>
+            <a:picLocks noChangeAspect="1" noChangeArrowheads="1"/>
+          </p:cNvPicPr>
+          <p:nvPr/>
+        </p:nvPicPr>
+        <p:blipFill>
+          <a:blip r:embed="rId23">
+            <a:extLst>
+              <a:ext uri="{28A0092B-C50C-407E-A947-70E740481C1C}">
+                <a14:useLocalDpi xmlns:a14="http://schemas.microsoft.com/office/drawing/2010/main" val="0"/>
+              </a:ext>
+            </a:extLst>
+          </a:blip>
+          <a:srcRect/>
+          <a:stretch>
+            <a:fillRect/>
+          </a:stretch>
+        </p:blipFill>
+        <p:spPr bwMode="auto">
+          <a:xfrm>
+            <a:off x="1913519" y="294910"/>
+            <a:ext cx="995600" cy="343310"/>
+          </a:xfrm>
+          <a:prstGeom prst="rect">
+            <a:avLst/>
+          </a:prstGeom>
+          <a:noFill/>
+          <a:extLst>
+            <a:ext uri="{909E8E84-426E-40DD-AFC4-6F175D3DCCD1}">
+              <a14:hiddenFill xmlns:a14="http://schemas.microsoft.com/office/drawing/2010/main">
+                <a:solidFill>
+                  <a:srgbClr val="FFFFFF"/>
+                </a:solidFill>
+              </a14:hiddenFill>
+            </a:ext>
+          </a:extLst>
+        </p:spPr>
+      </p:pic>
+      <p:pic>
+        <p:nvPicPr>
+          <p:cNvPr id="2094" name="Picture 46" descr="Bugzilla - MediaWiki">
+            <a:extLst>
+              <a:ext uri="{FF2B5EF4-FFF2-40B4-BE49-F238E27FC236}">
+                <a16:creationId xmlns:a16="http://schemas.microsoft.com/office/drawing/2014/main" id="{D2668804-1A44-C520-86BE-E624C307038C}"/>
+              </a:ext>
+            </a:extLst>
+          </p:cNvPr>
+          <p:cNvPicPr>
+            <a:picLocks noChangeAspect="1" noChangeArrowheads="1"/>
+          </p:cNvPicPr>
+          <p:nvPr/>
+        </p:nvPicPr>
+        <p:blipFill>
+          <a:blip r:embed="rId24">
+            <a:extLst>
+              <a:ext uri="{28A0092B-C50C-407E-A947-70E740481C1C}">
+                <a14:useLocalDpi xmlns:a14="http://schemas.microsoft.com/office/drawing/2010/main" val="0"/>
+              </a:ext>
+            </a:extLst>
+          </a:blip>
+          <a:srcRect/>
+          <a:stretch>
+            <a:fillRect/>
+          </a:stretch>
+        </p:blipFill>
+        <p:spPr bwMode="auto">
+          <a:xfrm>
+            <a:off x="2473750" y="14748"/>
+            <a:ext cx="232545" cy="305999"/>
+          </a:xfrm>
+          <a:prstGeom prst="rect">
+            <a:avLst/>
+          </a:prstGeom>
+          <a:noFill/>
+          <a:extLst>
+            <a:ext uri="{909E8E84-426E-40DD-AFC4-6F175D3DCCD1}">
+              <a14:hiddenFill xmlns:a14="http://schemas.microsoft.com/office/drawing/2010/main">
+                <a:solidFill>
+                  <a:srgbClr val="FFFFFF"/>
+                </a:solidFill>
+              </a14:hiddenFill>
+            </a:ext>
+          </a:extLst>
+        </p:spPr>
+      </p:pic>
+      <p:pic>
+        <p:nvPicPr>
+          <p:cNvPr id="29" name="Picture 28">
+            <a:extLst>
+              <a:ext uri="{FF2B5EF4-FFF2-40B4-BE49-F238E27FC236}">
+                <a16:creationId xmlns:a16="http://schemas.microsoft.com/office/drawing/2014/main" id="{E712475B-76B8-2A44-CB1F-6FB9CF4309AB}"/>
+              </a:ext>
+            </a:extLst>
+          </p:cNvPr>
+          <p:cNvPicPr>
+            <a:picLocks noChangeAspect="1"/>
+          </p:cNvPicPr>
+          <p:nvPr/>
+        </p:nvPicPr>
+        <p:blipFill>
+          <a:blip r:embed="rId25"/>
+          <a:stretch>
+            <a:fillRect/>
+          </a:stretch>
+        </p:blipFill>
+        <p:spPr>
+          <a:xfrm>
+            <a:off x="2963761" y="74368"/>
+            <a:ext cx="575664" cy="575664"/>
+          </a:xfrm>
+          <a:prstGeom prst="rect">
+            <a:avLst/>
+          </a:prstGeom>
+        </p:spPr>
+      </p:pic>
+      <p:pic>
+        <p:nvPicPr>
+          <p:cNvPr id="2098" name="Picture 50" descr="Download Google Cloud Platform (GCP) Logo in SVG Vector or PNG File Format  - Logo.wine">
+            <a:extLst>
+              <a:ext uri="{FF2B5EF4-FFF2-40B4-BE49-F238E27FC236}">
+                <a16:creationId xmlns:a16="http://schemas.microsoft.com/office/drawing/2014/main" id="{F9684C38-6A9E-3957-516C-C6E2487FDA45}"/>
+              </a:ext>
+            </a:extLst>
+          </p:cNvPr>
+          <p:cNvPicPr>
+            <a:picLocks noChangeAspect="1" noChangeArrowheads="1"/>
+          </p:cNvPicPr>
+          <p:nvPr/>
+        </p:nvPicPr>
+        <p:blipFill>
+          <a:blip r:embed="rId26">
+            <a:extLst>
+              <a:ext uri="{28A0092B-C50C-407E-A947-70E740481C1C}">
+                <a14:useLocalDpi xmlns:a14="http://schemas.microsoft.com/office/drawing/2010/main" val="0"/>
+              </a:ext>
+            </a:extLst>
+          </a:blip>
+          <a:srcRect/>
+          <a:stretch>
+            <a:fillRect/>
+          </a:stretch>
+        </p:blipFill>
+        <p:spPr bwMode="auto">
+          <a:xfrm>
+            <a:off x="9242856" y="2863216"/>
+            <a:ext cx="3204300" cy="2136200"/>
+          </a:xfrm>
+          <a:prstGeom prst="rect">
+            <a:avLst/>
+          </a:prstGeom>
+          <a:noFill/>
+          <a:extLst>
+            <a:ext uri="{909E8E84-426E-40DD-AFC4-6F175D3DCCD1}">
+              <a14:hiddenFill xmlns:a14="http://schemas.microsoft.com/office/drawing/2010/main">
+                <a:solidFill>
+                  <a:srgbClr val="FFFFFF"/>
+                </a:solidFill>
+              </a14:hiddenFill>
+            </a:ext>
+          </a:extLst>
+        </p:spPr>
+      </p:pic>
+      <p:pic>
+        <p:nvPicPr>
+          <p:cNvPr id="2100" name="Picture 52">
+            <a:extLst>
+              <a:ext uri="{FF2B5EF4-FFF2-40B4-BE49-F238E27FC236}">
+                <a16:creationId xmlns:a16="http://schemas.microsoft.com/office/drawing/2014/main" id="{E98B80C4-3EB2-70FB-89BC-0D4C46B989D4}"/>
+              </a:ext>
+            </a:extLst>
+          </p:cNvPr>
+          <p:cNvPicPr>
+            <a:picLocks noChangeAspect="1" noChangeArrowheads="1"/>
+          </p:cNvPicPr>
+          <p:nvPr/>
+        </p:nvPicPr>
+        <p:blipFill>
+          <a:blip r:embed="rId27">
+            <a:extLst>
+              <a:ext uri="{28A0092B-C50C-407E-A947-70E740481C1C}">
+                <a14:useLocalDpi xmlns:a14="http://schemas.microsoft.com/office/drawing/2010/main" val="0"/>
+              </a:ext>
+            </a:extLst>
+          </a:blip>
+          <a:srcRect/>
+          <a:stretch>
+            <a:fillRect/>
+          </a:stretch>
+        </p:blipFill>
+        <p:spPr bwMode="auto">
+          <a:xfrm>
+            <a:off x="10191594" y="4231890"/>
+            <a:ext cx="1269791" cy="367049"/>
+          </a:xfrm>
+          <a:prstGeom prst="rect">
+            <a:avLst/>
+          </a:prstGeom>
+          <a:noFill/>
+          <a:extLst>
+            <a:ext uri="{909E8E84-426E-40DD-AFC4-6F175D3DCCD1}">
+              <a14:hiddenFill xmlns:a14="http://schemas.microsoft.com/office/drawing/2010/main">
+                <a:solidFill>
+                  <a:srgbClr val="FFFFFF"/>
+                </a:solidFill>
+              </a14:hiddenFill>
+            </a:ext>
+          </a:extLst>
+        </p:spPr>
+      </p:pic>
+      <p:pic>
+        <p:nvPicPr>
+          <p:cNvPr id="2102" name="Picture 54" descr="Amazon Web Services (AWS): A cloud computing platform that provides a wide  range of services.">
+            <a:extLst>
+              <a:ext uri="{FF2B5EF4-FFF2-40B4-BE49-F238E27FC236}">
+                <a16:creationId xmlns:a16="http://schemas.microsoft.com/office/drawing/2014/main" id="{DB08C80C-A7CA-DD70-0B0D-58858EE80FA0}"/>
+              </a:ext>
+            </a:extLst>
+          </p:cNvPr>
+          <p:cNvPicPr>
+            <a:picLocks noChangeAspect="1" noChangeArrowheads="1"/>
+          </p:cNvPicPr>
+          <p:nvPr/>
+        </p:nvPicPr>
+        <p:blipFill>
+          <a:blip r:embed="rId28">
+            <a:extLst>
+              <a:ext uri="{28A0092B-C50C-407E-A947-70E740481C1C}">
+                <a14:useLocalDpi xmlns:a14="http://schemas.microsoft.com/office/drawing/2010/main" val="0"/>
+              </a:ext>
+            </a:extLst>
+          </a:blip>
+          <a:srcRect/>
+          <a:stretch>
+            <a:fillRect/>
+          </a:stretch>
+        </p:blipFill>
+        <p:spPr bwMode="auto">
+          <a:xfrm>
+            <a:off x="10031463" y="2958254"/>
+            <a:ext cx="1547690" cy="581996"/>
+          </a:xfrm>
+          <a:prstGeom prst="rect">
+            <a:avLst/>
+          </a:prstGeom>
+          <a:noFill/>
+          <a:extLst>
+            <a:ext uri="{909E8E84-426E-40DD-AFC4-6F175D3DCCD1}">
+              <a14:hiddenFill xmlns:a14="http://schemas.microsoft.com/office/drawing/2010/main">
+                <a:solidFill>
+                  <a:srgbClr val="FFFFFF"/>
+                </a:solidFill>
+              </a14:hiddenFill>
+            </a:ext>
+          </a:extLst>
+        </p:spPr>
+      </p:pic>
+      <p:sp>
+        <p:nvSpPr>
+          <p:cNvPr id="30" name="Down Arrow 29">
+            <a:extLst>
+              <a:ext uri="{FF2B5EF4-FFF2-40B4-BE49-F238E27FC236}">
+                <a16:creationId xmlns:a16="http://schemas.microsoft.com/office/drawing/2014/main" id="{E2BBCAC3-396B-537E-9071-00E6B66D054B}"/>
+              </a:ext>
+            </a:extLst>
+          </p:cNvPr>
+          <p:cNvSpPr/>
+          <p:nvPr/>
+        </p:nvSpPr>
+        <p:spPr>
+          <a:xfrm rot="14251787">
+            <a:off x="8520103" y="3559764"/>
+            <a:ext cx="224142" cy="2018085"/>
+          </a:xfrm>
+          <a:prstGeom prst="downArrow">
+            <a:avLst/>
+          </a:prstGeom>
+        </p:spPr>
+        <p:style>
+          <a:lnRef idx="2">
+            <a:schemeClr val="accent1">
+              <a:shade val="15000"/>
+            </a:schemeClr>
+          </a:lnRef>
+          <a:fillRef idx="1">
+            <a:schemeClr val="accent1"/>
+          </a:fillRef>
+          <a:effectRef idx="0">
+            <a:schemeClr val="accent1"/>
+          </a:effectRef>
+          <a:fontRef idx="minor">
+            <a:schemeClr val="lt1"/>
+          </a:fontRef>
+        </p:style>
+        <p:txBody>
+          <a:bodyPr rtlCol="0" anchor="ctr"/>
+          <a:lstStyle/>
+          <a:p>
+            <a:pPr algn="ctr"/>
+            <a:endParaRPr lang="en-US"/>
+          </a:p>
+        </p:txBody>
+      </p:sp>
+      <p:sp>
+        <p:nvSpPr>
+          <p:cNvPr id="31" name="TextBox 30">
+            <a:extLst>
+              <a:ext uri="{FF2B5EF4-FFF2-40B4-BE49-F238E27FC236}">
+                <a16:creationId xmlns:a16="http://schemas.microsoft.com/office/drawing/2014/main" id="{D8DCB48B-B20E-CF93-90CC-DF711F034A83}"/>
+              </a:ext>
+            </a:extLst>
+          </p:cNvPr>
+          <p:cNvSpPr txBox="1"/>
+          <p:nvPr/>
+        </p:nvSpPr>
+        <p:spPr>
+          <a:xfrm rot="19611978">
+            <a:off x="8070017" y="4139823"/>
+            <a:ext cx="872803" cy="369332"/>
+          </a:xfrm>
+          <a:prstGeom prst="rect">
+            <a:avLst/>
+          </a:prstGeom>
+          <a:noFill/>
+        </p:spPr>
+        <p:txBody>
+          <a:bodyPr wrap="none" rtlCol="0">
+            <a:spAutoFit/>
+          </a:bodyPr>
+          <a:lstStyle/>
+          <a:p>
+            <a:r>
+              <a:rPr lang="en-US" dirty="0"/>
+              <a:t>Ship to</a:t>
+            </a:r>
+          </a:p>
+        </p:txBody>
+      </p:sp>
+      <p:sp>
+        <p:nvSpPr>
+          <p:cNvPr id="32" name="TextBox 31">
+            <a:extLst>
+              <a:ext uri="{FF2B5EF4-FFF2-40B4-BE49-F238E27FC236}">
+                <a16:creationId xmlns:a16="http://schemas.microsoft.com/office/drawing/2014/main" id="{CDAAC947-1DD6-6702-E942-B89833AA7428}"/>
+              </a:ext>
+            </a:extLst>
+          </p:cNvPr>
+          <p:cNvSpPr txBox="1"/>
+          <p:nvPr/>
+        </p:nvSpPr>
+        <p:spPr>
+          <a:xfrm>
+            <a:off x="10082006" y="4719064"/>
+            <a:ext cx="1109599" cy="253916"/>
+          </a:xfrm>
+          <a:prstGeom prst="rect">
+            <a:avLst/>
+          </a:prstGeom>
+          <a:noFill/>
+        </p:spPr>
+        <p:txBody>
+          <a:bodyPr wrap="none" rtlCol="0">
+            <a:spAutoFit/>
+          </a:bodyPr>
+          <a:lstStyle/>
+          <a:p>
+            <a:r>
+              <a:rPr lang="en-US" sz="1050" dirty="0"/>
+              <a:t>Cloud Providers</a:t>
+            </a:r>
+          </a:p>
+        </p:txBody>
+      </p:sp>
+    </p:spTree>
+    <p:extLst>
+      <p:ext uri="{BB962C8B-B14F-4D97-AF65-F5344CB8AC3E}">
+        <p14:creationId xmlns:p14="http://schemas.microsoft.com/office/powerpoint/2010/main" val="1621694639"/>
+      </p:ext>
+    </p:extLst>
+  </p:cSld>
+  <p:clrMapOvr>
+    <a:masterClrMapping/>
+  </p:clrMapOvr>
+</p:sld>
+</file>
+
 <file path=ppt/theme/theme1.xml><?xml version="1.0" encoding="utf-8"?>
 <a:theme xmlns:a="http://schemas.openxmlformats.org/drawingml/2006/main" name="Office Theme">
   <a:themeElements>
